--- a/Slide/研究メモ.pptx
+++ b/Slide/研究メモ.pptx
@@ -5,7 +5,7 @@
     <p:sldMasterId id="2147483648" r:id="rId1"/>
   </p:sldMasterIdLst>
   <p:notesMasterIdLst>
-    <p:notesMasterId r:id="rId16"/>
+    <p:notesMasterId r:id="rId19"/>
   </p:notesMasterIdLst>
   <p:sldIdLst>
     <p:sldId id="257" r:id="rId2"/>
@@ -22,6 +22,9 @@
     <p:sldId id="270" r:id="rId13"/>
     <p:sldId id="271" r:id="rId14"/>
     <p:sldId id="272" r:id="rId15"/>
+    <p:sldId id="273" r:id="rId16"/>
+    <p:sldId id="274" r:id="rId17"/>
+    <p:sldId id="275" r:id="rId18"/>
   </p:sldIdLst>
   <p:sldSz cx="12192000" cy="6858000"/>
   <p:notesSz cx="6858000" cy="9144000"/>
@@ -210,7 +213,7 @@
           <a:p>
             <a:fld id="{D1175AAB-0FE7-E942-8D31-572EC61F6206}" type="datetimeFigureOut">
               <a:rPr kumimoji="1" lang="ja-JP" altLang="en-US" smtClean="0"/>
-              <a:t>2021/2/4</a:t>
+              <a:t>2021/4/1</a:t>
             </a:fld>
             <a:endParaRPr kumimoji="1" lang="ja-JP" altLang="en-US"/>
           </a:p>
@@ -1076,7 +1079,7 @@
           <a:p>
             <a:fld id="{AA4ADDD6-012F-274C-AFCB-FBB0366E04B6}" type="datetimeFigureOut">
               <a:rPr kumimoji="1" lang="ja-JP" altLang="en-US" smtClean="0"/>
-              <a:t>2021/2/4</a:t>
+              <a:t>2021/4/1</a:t>
             </a:fld>
             <a:endParaRPr kumimoji="1" lang="ja-JP" altLang="en-US"/>
           </a:p>
@@ -1306,7 +1309,7 @@
           <a:p>
             <a:fld id="{AA4ADDD6-012F-274C-AFCB-FBB0366E04B6}" type="datetimeFigureOut">
               <a:rPr kumimoji="1" lang="ja-JP" altLang="en-US" smtClean="0"/>
-              <a:t>2021/2/4</a:t>
+              <a:t>2021/4/1</a:t>
             </a:fld>
             <a:endParaRPr kumimoji="1" lang="ja-JP" altLang="en-US"/>
           </a:p>
@@ -1546,7 +1549,7 @@
           <a:p>
             <a:fld id="{AA4ADDD6-012F-274C-AFCB-FBB0366E04B6}" type="datetimeFigureOut">
               <a:rPr kumimoji="1" lang="ja-JP" altLang="en-US" smtClean="0"/>
-              <a:t>2021/2/4</a:t>
+              <a:t>2021/4/1</a:t>
             </a:fld>
             <a:endParaRPr kumimoji="1" lang="ja-JP" altLang="en-US"/>
           </a:p>
@@ -1776,7 +1779,7 @@
           <a:p>
             <a:fld id="{AA4ADDD6-012F-274C-AFCB-FBB0366E04B6}" type="datetimeFigureOut">
               <a:rPr kumimoji="1" lang="ja-JP" altLang="en-US" smtClean="0"/>
-              <a:t>2021/2/4</a:t>
+              <a:t>2021/4/1</a:t>
             </a:fld>
             <a:endParaRPr kumimoji="1" lang="ja-JP" altLang="en-US"/>
           </a:p>
@@ -2051,7 +2054,7 @@
           <a:p>
             <a:fld id="{AA4ADDD6-012F-274C-AFCB-FBB0366E04B6}" type="datetimeFigureOut">
               <a:rPr kumimoji="1" lang="ja-JP" altLang="en-US" smtClean="0"/>
-              <a:t>2021/2/4</a:t>
+              <a:t>2021/4/1</a:t>
             </a:fld>
             <a:endParaRPr kumimoji="1" lang="ja-JP" altLang="en-US"/>
           </a:p>
@@ -2380,7 +2383,7 @@
           <a:p>
             <a:fld id="{AA4ADDD6-012F-274C-AFCB-FBB0366E04B6}" type="datetimeFigureOut">
               <a:rPr kumimoji="1" lang="ja-JP" altLang="en-US" smtClean="0"/>
-              <a:t>2021/2/4</a:t>
+              <a:t>2021/4/1</a:t>
             </a:fld>
             <a:endParaRPr kumimoji="1" lang="ja-JP" altLang="en-US"/>
           </a:p>
@@ -2856,7 +2859,7 @@
           <a:p>
             <a:fld id="{AA4ADDD6-012F-274C-AFCB-FBB0366E04B6}" type="datetimeFigureOut">
               <a:rPr kumimoji="1" lang="ja-JP" altLang="en-US" smtClean="0"/>
-              <a:t>2021/2/4</a:t>
+              <a:t>2021/4/1</a:t>
             </a:fld>
             <a:endParaRPr kumimoji="1" lang="ja-JP" altLang="en-US"/>
           </a:p>
@@ -2997,7 +3000,7 @@
           <a:p>
             <a:fld id="{AA4ADDD6-012F-274C-AFCB-FBB0366E04B6}" type="datetimeFigureOut">
               <a:rPr kumimoji="1" lang="ja-JP" altLang="en-US" smtClean="0"/>
-              <a:t>2021/2/4</a:t>
+              <a:t>2021/4/1</a:t>
             </a:fld>
             <a:endParaRPr kumimoji="1" lang="ja-JP" altLang="en-US"/>
           </a:p>
@@ -3110,7 +3113,7 @@
           <a:p>
             <a:fld id="{AA4ADDD6-012F-274C-AFCB-FBB0366E04B6}" type="datetimeFigureOut">
               <a:rPr kumimoji="1" lang="ja-JP" altLang="en-US" smtClean="0"/>
-              <a:t>2021/2/4</a:t>
+              <a:t>2021/4/1</a:t>
             </a:fld>
             <a:endParaRPr kumimoji="1" lang="ja-JP" altLang="en-US"/>
           </a:p>
@@ -3453,7 +3456,7 @@
           <a:p>
             <a:fld id="{AA4ADDD6-012F-274C-AFCB-FBB0366E04B6}" type="datetimeFigureOut">
               <a:rPr kumimoji="1" lang="ja-JP" altLang="en-US" smtClean="0"/>
-              <a:t>2021/2/4</a:t>
+              <a:t>2021/4/1</a:t>
             </a:fld>
             <a:endParaRPr kumimoji="1" lang="ja-JP" altLang="en-US"/>
           </a:p>
@@ -3741,7 +3744,7 @@
           <a:p>
             <a:fld id="{AA4ADDD6-012F-274C-AFCB-FBB0366E04B6}" type="datetimeFigureOut">
               <a:rPr kumimoji="1" lang="ja-JP" altLang="en-US" smtClean="0"/>
-              <a:t>2021/2/4</a:t>
+              <a:t>2021/4/1</a:t>
             </a:fld>
             <a:endParaRPr kumimoji="1" lang="ja-JP" altLang="en-US"/>
           </a:p>
@@ -4014,7 +4017,7 @@
           <a:p>
             <a:fld id="{AA4ADDD6-012F-274C-AFCB-FBB0366E04B6}" type="datetimeFigureOut">
               <a:rPr kumimoji="1" lang="ja-JP" altLang="en-US" smtClean="0"/>
-              <a:t>2021/2/4</a:t>
+              <a:t>2021/4/1</a:t>
             </a:fld>
             <a:endParaRPr kumimoji="1" lang="ja-JP" altLang="en-US"/>
           </a:p>
@@ -8910,6 +8913,8425 @@
     <p:extLst>
       <p:ext uri="{BB962C8B-B14F-4D97-AF65-F5344CB8AC3E}">
         <p14:creationId xmlns:p14="http://schemas.microsoft.com/office/powerpoint/2010/main" val="2393973909"/>
+      </p:ext>
+    </p:extLst>
+  </p:cSld>
+  <p:clrMapOvr>
+    <a:masterClrMapping/>
+  </p:clrMapOvr>
+</p:sld>
+</file>
+
+<file path=ppt/slides/slide15.xml><?xml version="1.0" encoding="utf-8"?>
+<p:sld xmlns:a="http://schemas.openxmlformats.org/drawingml/2006/main" xmlns:r="http://schemas.openxmlformats.org/officeDocument/2006/relationships" xmlns:p="http://schemas.openxmlformats.org/presentationml/2006/main">
+  <p:cSld>
+    <p:spTree>
+      <p:nvGrpSpPr>
+        <p:cNvPr id="1" name=""/>
+        <p:cNvGrpSpPr/>
+        <p:nvPr/>
+      </p:nvGrpSpPr>
+      <p:grpSpPr>
+        <a:xfrm>
+          <a:off x="0" y="0"/>
+          <a:ext cx="0" cy="0"/>
+          <a:chOff x="0" y="0"/>
+          <a:chExt cx="0" cy="0"/>
+        </a:xfrm>
+      </p:grpSpPr>
+      <p:sp>
+        <p:nvSpPr>
+          <p:cNvPr id="97" name="角丸四角形 96">
+            <a:extLst>
+              <a:ext uri="{FF2B5EF4-FFF2-40B4-BE49-F238E27FC236}">
+                <a16:creationId xmlns:a16="http://schemas.microsoft.com/office/drawing/2014/main" id="{05B2E58B-B09C-314E-8A5B-5DB38D3D1E10}"/>
+              </a:ext>
+            </a:extLst>
+          </p:cNvPr>
+          <p:cNvSpPr/>
+          <p:nvPr/>
+        </p:nvSpPr>
+        <p:spPr>
+          <a:xfrm>
+            <a:off x="6266913" y="1372175"/>
+            <a:ext cx="1673283" cy="3388157"/>
+          </a:xfrm>
+          <a:prstGeom prst="roundRect">
+            <a:avLst/>
+          </a:prstGeom>
+          <a:solidFill>
+            <a:schemeClr val="bg1"/>
+          </a:solidFill>
+          <a:ln w="28575">
+            <a:solidFill>
+              <a:schemeClr val="tx1"/>
+            </a:solidFill>
+          </a:ln>
+        </p:spPr>
+        <p:style>
+          <a:lnRef idx="2">
+            <a:schemeClr val="accent1">
+              <a:shade val="50000"/>
+            </a:schemeClr>
+          </a:lnRef>
+          <a:fillRef idx="1">
+            <a:schemeClr val="accent1"/>
+          </a:fillRef>
+          <a:effectRef idx="0">
+            <a:schemeClr val="accent1"/>
+          </a:effectRef>
+          <a:fontRef idx="minor">
+            <a:schemeClr val="lt1"/>
+          </a:fontRef>
+        </p:style>
+        <p:txBody>
+          <a:bodyPr rtlCol="0" anchor="ctr"/>
+          <a:lstStyle/>
+          <a:p>
+            <a:pPr algn="ctr"/>
+            <a:endParaRPr kumimoji="1" lang="ja-JP" altLang="en-US"/>
+          </a:p>
+        </p:txBody>
+      </p:sp>
+      <p:sp>
+        <p:nvSpPr>
+          <p:cNvPr id="70" name="角丸四角形 69">
+            <a:extLst>
+              <a:ext uri="{FF2B5EF4-FFF2-40B4-BE49-F238E27FC236}">
+                <a16:creationId xmlns:a16="http://schemas.microsoft.com/office/drawing/2014/main" id="{10007EF9-04D4-6C4E-998D-D25D04671A9F}"/>
+              </a:ext>
+            </a:extLst>
+          </p:cNvPr>
+          <p:cNvSpPr/>
+          <p:nvPr/>
+        </p:nvSpPr>
+        <p:spPr>
+          <a:xfrm>
+            <a:off x="8098993" y="1372175"/>
+            <a:ext cx="2825155" cy="3373727"/>
+          </a:xfrm>
+          <a:prstGeom prst="roundRect">
+            <a:avLst/>
+          </a:prstGeom>
+          <a:solidFill>
+            <a:schemeClr val="bg2"/>
+          </a:solidFill>
+          <a:ln>
+            <a:noFill/>
+          </a:ln>
+        </p:spPr>
+        <p:style>
+          <a:lnRef idx="2">
+            <a:schemeClr val="accent1">
+              <a:shade val="50000"/>
+            </a:schemeClr>
+          </a:lnRef>
+          <a:fillRef idx="1">
+            <a:schemeClr val="accent1"/>
+          </a:fillRef>
+          <a:effectRef idx="0">
+            <a:schemeClr val="accent1"/>
+          </a:effectRef>
+          <a:fontRef idx="minor">
+            <a:schemeClr val="lt1"/>
+          </a:fontRef>
+        </p:style>
+        <p:txBody>
+          <a:bodyPr rtlCol="0" anchor="ctr"/>
+          <a:lstStyle/>
+          <a:p>
+            <a:pPr algn="ctr"/>
+            <a:endParaRPr kumimoji="1" lang="ja-JP" altLang="en-US"/>
+          </a:p>
+        </p:txBody>
+      </p:sp>
+      <p:sp>
+        <p:nvSpPr>
+          <p:cNvPr id="69" name="角丸四角形 68">
+            <a:extLst>
+              <a:ext uri="{FF2B5EF4-FFF2-40B4-BE49-F238E27FC236}">
+                <a16:creationId xmlns:a16="http://schemas.microsoft.com/office/drawing/2014/main" id="{51DEA2AF-CB15-D749-8BA8-E41A00D74B66}"/>
+              </a:ext>
+            </a:extLst>
+          </p:cNvPr>
+          <p:cNvSpPr/>
+          <p:nvPr/>
+        </p:nvSpPr>
+        <p:spPr>
+          <a:xfrm>
+            <a:off x="1845474" y="1372175"/>
+            <a:ext cx="2874362" cy="1906681"/>
+          </a:xfrm>
+          <a:prstGeom prst="roundRect">
+            <a:avLst/>
+          </a:prstGeom>
+          <a:solidFill>
+            <a:schemeClr val="bg2"/>
+          </a:solidFill>
+          <a:ln>
+            <a:noFill/>
+          </a:ln>
+        </p:spPr>
+        <p:style>
+          <a:lnRef idx="2">
+            <a:schemeClr val="accent1">
+              <a:shade val="50000"/>
+            </a:schemeClr>
+          </a:lnRef>
+          <a:fillRef idx="1">
+            <a:schemeClr val="accent1"/>
+          </a:fillRef>
+          <a:effectRef idx="0">
+            <a:schemeClr val="accent1"/>
+          </a:effectRef>
+          <a:fontRef idx="minor">
+            <a:schemeClr val="lt1"/>
+          </a:fontRef>
+        </p:style>
+        <p:txBody>
+          <a:bodyPr rtlCol="0" anchor="ctr"/>
+          <a:lstStyle/>
+          <a:p>
+            <a:pPr algn="ctr"/>
+            <a:endParaRPr kumimoji="1" lang="ja-JP" altLang="en-US"/>
+          </a:p>
+        </p:txBody>
+      </p:sp>
+      <p:grpSp>
+        <p:nvGrpSpPr>
+          <p:cNvPr id="98" name="グループ化 97">
+            <a:extLst>
+              <a:ext uri="{FF2B5EF4-FFF2-40B4-BE49-F238E27FC236}">
+                <a16:creationId xmlns:a16="http://schemas.microsoft.com/office/drawing/2014/main" id="{669D07A2-BD68-544D-B60D-3487CCB3C758}"/>
+              </a:ext>
+            </a:extLst>
+          </p:cNvPr>
+          <p:cNvGrpSpPr/>
+          <p:nvPr/>
+        </p:nvGrpSpPr>
+        <p:grpSpPr>
+          <a:xfrm>
+            <a:off x="11014745" y="1628940"/>
+            <a:ext cx="915529" cy="1065824"/>
+            <a:chOff x="10399851" y="1773834"/>
+            <a:chExt cx="915529" cy="1065824"/>
+          </a:xfrm>
+        </p:grpSpPr>
+        <p:grpSp>
+          <p:nvGrpSpPr>
+            <p:cNvPr id="78" name="グループ化 77">
+              <a:extLst>
+                <a:ext uri="{FF2B5EF4-FFF2-40B4-BE49-F238E27FC236}">
+                  <a16:creationId xmlns:a16="http://schemas.microsoft.com/office/drawing/2014/main" id="{BD9AF186-632B-B24E-B959-482C74A297C2}"/>
+                </a:ext>
+              </a:extLst>
+            </p:cNvPr>
+            <p:cNvGrpSpPr/>
+            <p:nvPr/>
+          </p:nvGrpSpPr>
+          <p:grpSpPr>
+            <a:xfrm>
+              <a:off x="10483678" y="1773834"/>
+              <a:ext cx="815612" cy="752354"/>
+              <a:chOff x="9190747" y="376501"/>
+              <a:chExt cx="815612" cy="752354"/>
+            </a:xfrm>
+          </p:grpSpPr>
+          <p:pic>
+            <p:nvPicPr>
+              <p:cNvPr id="4" name="グラフィックス 3" descr="画像">
+                <a:extLst>
+                  <a:ext uri="{FF2B5EF4-FFF2-40B4-BE49-F238E27FC236}">
+                    <a16:creationId xmlns:a16="http://schemas.microsoft.com/office/drawing/2014/main" id="{99E3EA80-A6A3-5F4C-8768-3369888722C7}"/>
+                  </a:ext>
+                </a:extLst>
+              </p:cNvPr>
+              <p:cNvPicPr>
+                <a:picLocks noChangeAspect="1"/>
+              </p:cNvPicPr>
+              <p:nvPr/>
+            </p:nvPicPr>
+            <p:blipFill>
+              <a:blip r:embed="rId2">
+                <a:extLst>
+                  <a:ext uri="{28A0092B-C50C-407E-A947-70E740481C1C}">
+                    <a14:useLocalDpi xmlns:a14="http://schemas.microsoft.com/office/drawing/2010/main" val="0"/>
+                  </a:ext>
+                  <a:ext uri="{96DAC541-7B7A-43D3-8B79-37D633B846F1}">
+                    <asvg:svgBlip xmlns:asvg="http://schemas.microsoft.com/office/drawing/2016/SVG/main" r:embed="rId3"/>
+                  </a:ext>
+                </a:extLst>
+              </a:blip>
+              <a:stretch>
+                <a:fillRect/>
+              </a:stretch>
+            </p:blipFill>
+            <p:spPr>
+              <a:xfrm>
+                <a:off x="9337960" y="376501"/>
+                <a:ext cx="668399" cy="616333"/>
+              </a:xfrm>
+              <a:prstGeom prst="rect">
+                <a:avLst/>
+              </a:prstGeom>
+            </p:spPr>
+          </p:pic>
+          <p:sp>
+            <p:nvSpPr>
+              <p:cNvPr id="5" name="正方形/長方形 4">
+                <a:extLst>
+                  <a:ext uri="{FF2B5EF4-FFF2-40B4-BE49-F238E27FC236}">
+                    <a16:creationId xmlns:a16="http://schemas.microsoft.com/office/drawing/2014/main" id="{50D8415C-7730-E047-9146-7A18017C4159}"/>
+                  </a:ext>
+                </a:extLst>
+              </p:cNvPr>
+              <p:cNvSpPr/>
+              <p:nvPr/>
+            </p:nvSpPr>
+            <p:spPr>
+              <a:xfrm>
+                <a:off x="9337960" y="607626"/>
+                <a:ext cx="492017" cy="385209"/>
+              </a:xfrm>
+              <a:prstGeom prst="rect">
+                <a:avLst/>
+              </a:prstGeom>
+              <a:solidFill>
+                <a:schemeClr val="bg1"/>
+              </a:solidFill>
+              <a:ln>
+                <a:noFill/>
+              </a:ln>
+            </p:spPr>
+            <p:style>
+              <a:lnRef idx="2">
+                <a:schemeClr val="accent1">
+                  <a:shade val="50000"/>
+                </a:schemeClr>
+              </a:lnRef>
+              <a:fillRef idx="1">
+                <a:schemeClr val="accent1"/>
+              </a:fillRef>
+              <a:effectRef idx="0">
+                <a:schemeClr val="accent1"/>
+              </a:effectRef>
+              <a:fontRef idx="minor">
+                <a:schemeClr val="lt1"/>
+              </a:fontRef>
+            </p:style>
+            <p:txBody>
+              <a:bodyPr rtlCol="0" anchor="ctr"/>
+              <a:lstStyle/>
+              <a:p>
+                <a:pPr algn="ctr"/>
+                <a:endParaRPr kumimoji="1" lang="ja-JP" altLang="en-US"/>
+              </a:p>
+            </p:txBody>
+          </p:sp>
+          <p:pic>
+            <p:nvPicPr>
+              <p:cNvPr id="6" name="グラフィックス 5" descr="画像">
+                <a:extLst>
+                  <a:ext uri="{FF2B5EF4-FFF2-40B4-BE49-F238E27FC236}">
+                    <a16:creationId xmlns:a16="http://schemas.microsoft.com/office/drawing/2014/main" id="{B3666835-2C3B-CA44-B114-CA8CA398DEC0}"/>
+                  </a:ext>
+                </a:extLst>
+              </p:cNvPr>
+              <p:cNvPicPr>
+                <a:picLocks noChangeAspect="1"/>
+              </p:cNvPicPr>
+              <p:nvPr/>
+            </p:nvPicPr>
+            <p:blipFill>
+              <a:blip r:embed="rId2">
+                <a:extLst>
+                  <a:ext uri="{28A0092B-C50C-407E-A947-70E740481C1C}">
+                    <a14:useLocalDpi xmlns:a14="http://schemas.microsoft.com/office/drawing/2010/main" val="0"/>
+                  </a:ext>
+                  <a:ext uri="{96DAC541-7B7A-43D3-8B79-37D633B846F1}">
+                    <asvg:svgBlip xmlns:asvg="http://schemas.microsoft.com/office/drawing/2016/SVG/main" r:embed="rId3"/>
+                  </a:ext>
+                </a:extLst>
+              </a:blip>
+              <a:stretch>
+                <a:fillRect/>
+              </a:stretch>
+            </p:blipFill>
+            <p:spPr>
+              <a:xfrm>
+                <a:off x="9190747" y="512522"/>
+                <a:ext cx="668399" cy="616333"/>
+              </a:xfrm>
+              <a:prstGeom prst="rect">
+                <a:avLst/>
+              </a:prstGeom>
+            </p:spPr>
+          </p:pic>
+        </p:grpSp>
+        <p:sp>
+          <p:nvSpPr>
+            <p:cNvPr id="36" name="テキスト ボックス 35">
+              <a:extLst>
+                <a:ext uri="{FF2B5EF4-FFF2-40B4-BE49-F238E27FC236}">
+                  <a16:creationId xmlns:a16="http://schemas.microsoft.com/office/drawing/2014/main" id="{C43EBAA5-BF0F-C84B-BE0C-F58F9E18A57B}"/>
+                </a:ext>
+              </a:extLst>
+            </p:cNvPr>
+            <p:cNvSpPr txBox="1"/>
+            <p:nvPr/>
+          </p:nvSpPr>
+          <p:spPr>
+            <a:xfrm>
+              <a:off x="10399851" y="2451508"/>
+              <a:ext cx="915529" cy="388150"/>
+            </a:xfrm>
+            <a:prstGeom prst="rect">
+              <a:avLst/>
+            </a:prstGeom>
+            <a:noFill/>
+            <a:ln w="12700" cap="flat">
+              <a:noFill/>
+              <a:miter lim="400000"/>
+            </a:ln>
+            <a:effectLst/>
+            <a:sp3d/>
+          </p:spPr>
+          <p:txBody>
+            <a:bodyPr rot="0" spcFirstLastPara="1" vertOverflow="overflow" horzOverflow="overflow" vert="horz" wrap="square" lIns="50800" tIns="50800" rIns="50800" bIns="50800" numCol="1" spcCol="38100" rtlCol="0" anchor="ctr">
+              <a:spAutoFit/>
+            </a:bodyPr>
+            <a:lstStyle/>
+            <a:p>
+              <a:pPr marL="0" marR="0" lvl="0" indent="0" algn="ctr" defTabSz="584200" eaLnBrk="1" fontAlgn="auto" latinLnBrk="0" hangingPunct="0">
+                <a:lnSpc>
+                  <a:spcPct val="100000"/>
+                </a:lnSpc>
+                <a:spcBef>
+                  <a:spcPts val="0"/>
+                </a:spcBef>
+                <a:spcAft>
+                  <a:spcPts val="0"/>
+                </a:spcAft>
+                <a:buClrTx/>
+                <a:buSzTx/>
+                <a:buFontTx/>
+                <a:buNone/>
+                <a:tabLst/>
+                <a:defRPr/>
+              </a:pPr>
+              <a:r>
+                <a:rPr kumimoji="0" lang="ja-JP" altLang="en-US" sz="2400" kern="0">
+                  <a:solidFill>
+                    <a:srgbClr val="000000"/>
+                  </a:solidFill>
+                  <a:latin typeface="MS PGothic" panose="020B0600070205080204" pitchFamily="34" charset="-128"/>
+                  <a:ea typeface="MS PGothic" panose="020B0600070205080204" pitchFamily="34" charset="-128"/>
+                  <a:sym typeface="Helvetica Light"/>
+                </a:rPr>
+                <a:t>作品</a:t>
+              </a:r>
+              <a:r>
+                <a:rPr kumimoji="0" lang="en-US" altLang="ja-JP" sz="2400" kern="0" dirty="0">
+                  <a:solidFill>
+                    <a:srgbClr val="000000"/>
+                  </a:solidFill>
+                  <a:latin typeface="MS PGothic" panose="020B0600070205080204" pitchFamily="34" charset="-128"/>
+                  <a:ea typeface="MS PGothic" panose="020B0600070205080204" pitchFamily="34" charset="-128"/>
+                  <a:sym typeface="Helvetica Light"/>
+                </a:rPr>
+                <a:t>A</a:t>
+              </a:r>
+              <a:endParaRPr kumimoji="0" lang="en-US" altLang="ja-JP" sz="2400" b="0" i="0" u="none" strike="noStrike" kern="0" cap="none" spc="0" normalizeH="0" baseline="0" noProof="0" dirty="0">
+                <a:ln>
+                  <a:noFill/>
+                </a:ln>
+                <a:solidFill>
+                  <a:srgbClr val="000000"/>
+                </a:solidFill>
+                <a:effectLst/>
+                <a:uLnTx/>
+                <a:uFillTx/>
+                <a:latin typeface="MS PGothic" panose="020B0600070205080204" pitchFamily="34" charset="-128"/>
+                <a:ea typeface="MS PGothic" panose="020B0600070205080204" pitchFamily="34" charset="-128"/>
+                <a:sym typeface="Helvetica Light"/>
+              </a:endParaRPr>
+            </a:p>
+          </p:txBody>
+        </p:sp>
+      </p:grpSp>
+      <p:grpSp>
+        <p:nvGrpSpPr>
+          <p:cNvPr id="49" name="グループ化 48">
+            <a:extLst>
+              <a:ext uri="{FF2B5EF4-FFF2-40B4-BE49-F238E27FC236}">
+                <a16:creationId xmlns:a16="http://schemas.microsoft.com/office/drawing/2014/main" id="{9976EB33-727F-8A45-95B6-61FF2D9924A2}"/>
+              </a:ext>
+            </a:extLst>
+          </p:cNvPr>
+          <p:cNvGrpSpPr/>
+          <p:nvPr/>
+        </p:nvGrpSpPr>
+        <p:grpSpPr>
+          <a:xfrm>
+            <a:off x="2092006" y="1932827"/>
+            <a:ext cx="2399631" cy="844024"/>
+            <a:chOff x="2021179" y="2169092"/>
+            <a:chExt cx="2399631" cy="844024"/>
+          </a:xfrm>
+        </p:grpSpPr>
+        <p:pic>
+          <p:nvPicPr>
+            <p:cNvPr id="50" name="図 49" descr="図形, 円&#10;&#10;自動的に生成された説明">
+              <a:extLst>
+                <a:ext uri="{FF2B5EF4-FFF2-40B4-BE49-F238E27FC236}">
+                  <a16:creationId xmlns:a16="http://schemas.microsoft.com/office/drawing/2014/main" id="{E80AE69A-67A3-B047-8EB6-53888349DB81}"/>
+                </a:ext>
+              </a:extLst>
+            </p:cNvPr>
+            <p:cNvPicPr>
+              <a:picLocks noChangeAspect="1"/>
+            </p:cNvPicPr>
+            <p:nvPr/>
+          </p:nvPicPr>
+          <p:blipFill>
+            <a:blip r:embed="rId4"/>
+            <a:stretch>
+              <a:fillRect/>
+            </a:stretch>
+          </p:blipFill>
+          <p:spPr>
+            <a:xfrm>
+              <a:off x="2021179" y="2169093"/>
+              <a:ext cx="1130880" cy="844023"/>
+            </a:xfrm>
+            <a:prstGeom prst="rect">
+              <a:avLst/>
+            </a:prstGeom>
+            <a:ln w="28575">
+              <a:solidFill>
+                <a:schemeClr val="tx1"/>
+              </a:solidFill>
+            </a:ln>
+          </p:spPr>
+        </p:pic>
+        <p:pic>
+          <p:nvPicPr>
+            <p:cNvPr id="51" name="図 50" descr="図形, 円&#10;&#10;自動的に生成された説明">
+              <a:extLst>
+                <a:ext uri="{FF2B5EF4-FFF2-40B4-BE49-F238E27FC236}">
+                  <a16:creationId xmlns:a16="http://schemas.microsoft.com/office/drawing/2014/main" id="{46D56C2F-4743-2548-9934-9B98FC2E9D88}"/>
+                </a:ext>
+              </a:extLst>
+            </p:cNvPr>
+            <p:cNvPicPr>
+              <a:picLocks noChangeAspect="1"/>
+            </p:cNvPicPr>
+            <p:nvPr/>
+          </p:nvPicPr>
+          <p:blipFill>
+            <a:blip r:embed="rId5"/>
+            <a:stretch>
+              <a:fillRect/>
+            </a:stretch>
+          </p:blipFill>
+          <p:spPr>
+            <a:xfrm>
+              <a:off x="3289930" y="2169092"/>
+              <a:ext cx="1130880" cy="844023"/>
+            </a:xfrm>
+            <a:prstGeom prst="rect">
+              <a:avLst/>
+            </a:prstGeom>
+            <a:ln w="28575">
+              <a:solidFill>
+                <a:schemeClr val="tx1"/>
+              </a:solidFill>
+            </a:ln>
+          </p:spPr>
+        </p:pic>
+        <p:sp>
+          <p:nvSpPr>
+            <p:cNvPr id="52" name="右矢印 51">
+              <a:extLst>
+                <a:ext uri="{FF2B5EF4-FFF2-40B4-BE49-F238E27FC236}">
+                  <a16:creationId xmlns:a16="http://schemas.microsoft.com/office/drawing/2014/main" id="{4E9522FF-45B4-4145-9C5A-83E1A774D42F}"/>
+                </a:ext>
+              </a:extLst>
+            </p:cNvPr>
+            <p:cNvSpPr/>
+            <p:nvPr/>
+          </p:nvSpPr>
+          <p:spPr>
+            <a:xfrm>
+              <a:off x="3032439" y="2441706"/>
+              <a:ext cx="420846" cy="345216"/>
+            </a:xfrm>
+            <a:prstGeom prst="rightArrow">
+              <a:avLst/>
+            </a:prstGeom>
+            <a:solidFill>
+              <a:srgbClr val="000000">
+                <a:lumMod val="95000"/>
+                <a:lumOff val="5000"/>
+              </a:srgbClr>
+            </a:solidFill>
+            <a:ln w="25400" cap="flat">
+              <a:noFill/>
+              <a:miter lim="400000"/>
+            </a:ln>
+            <a:effectLst/>
+            <a:sp3d/>
+          </p:spPr>
+          <p:txBody>
+            <a:bodyPr rot="0" spcFirstLastPara="1" vertOverflow="overflow" horzOverflow="overflow" vert="horz" wrap="square" lIns="50800" tIns="50800" rIns="50800" bIns="50800" numCol="1" spcCol="38100" rtlCol="0" anchor="ctr">
+              <a:noAutofit/>
+            </a:bodyPr>
+            <a:lstStyle/>
+            <a:p>
+              <a:pPr marL="0" marR="0" lvl="0" indent="0" algn="ctr" defTabSz="584200" eaLnBrk="1" fontAlgn="auto" latinLnBrk="0" hangingPunct="0">
+                <a:lnSpc>
+                  <a:spcPct val="100000"/>
+                </a:lnSpc>
+                <a:spcBef>
+                  <a:spcPts val="0"/>
+                </a:spcBef>
+                <a:spcAft>
+                  <a:spcPts val="0"/>
+                </a:spcAft>
+                <a:buClrTx/>
+                <a:buSzTx/>
+                <a:buFontTx/>
+                <a:buNone/>
+                <a:tabLst/>
+                <a:defRPr/>
+              </a:pPr>
+              <a:endParaRPr kumimoji="0" lang="ja-JP" altLang="en-US" sz="4000" b="0" i="0" u="none" strike="noStrike" kern="0" cap="none" spc="0" normalizeH="0" baseline="0" noProof="0">
+                <a:ln>
+                  <a:noFill/>
+                </a:ln>
+                <a:solidFill>
+                  <a:srgbClr val="000000"/>
+                </a:solidFill>
+                <a:effectLst/>
+                <a:uLnTx/>
+                <a:uFillTx/>
+                <a:latin typeface="MS PGothic" panose="020B0600070205080204" pitchFamily="34" charset="-128"/>
+                <a:ea typeface="MS PGothic" panose="020B0600070205080204" pitchFamily="34" charset="-128"/>
+                <a:sym typeface="Helvetica Light"/>
+              </a:endParaRPr>
+            </a:p>
+          </p:txBody>
+        </p:sp>
+      </p:grpSp>
+      <p:pic>
+        <p:nvPicPr>
+          <p:cNvPr id="54" name="グラフィックス 53" descr="データベース 単色塗りつぶし">
+            <a:extLst>
+              <a:ext uri="{FF2B5EF4-FFF2-40B4-BE49-F238E27FC236}">
+                <a16:creationId xmlns:a16="http://schemas.microsoft.com/office/drawing/2014/main" id="{C73B9990-9821-3D41-A261-DA4AF8F23C22}"/>
+              </a:ext>
+            </a:extLst>
+          </p:cNvPr>
+          <p:cNvPicPr>
+            <a:picLocks noChangeAspect="1"/>
+          </p:cNvPicPr>
+          <p:nvPr/>
+        </p:nvPicPr>
+        <p:blipFill>
+          <a:blip r:embed="rId6">
+            <a:extLst>
+              <a:ext uri="{96DAC541-7B7A-43D3-8B79-37D633B846F1}">
+                <asvg:svgBlip xmlns:asvg="http://schemas.microsoft.com/office/drawing/2016/SVG/main" r:embed="rId7"/>
+              </a:ext>
+            </a:extLst>
+          </a:blip>
+          <a:stretch>
+            <a:fillRect/>
+          </a:stretch>
+        </p:blipFill>
+        <p:spPr>
+          <a:xfrm>
+            <a:off x="6646354" y="887265"/>
+            <a:ext cx="914400" cy="914400"/>
+          </a:xfrm>
+          <a:prstGeom prst="rect">
+            <a:avLst/>
+          </a:prstGeom>
+        </p:spPr>
+      </p:pic>
+      <p:grpSp>
+        <p:nvGrpSpPr>
+          <p:cNvPr id="60" name="グループ化 59">
+            <a:extLst>
+              <a:ext uri="{FF2B5EF4-FFF2-40B4-BE49-F238E27FC236}">
+                <a16:creationId xmlns:a16="http://schemas.microsoft.com/office/drawing/2014/main" id="{D9FB6E40-4AB8-0643-9917-B87FDC1F5E66}"/>
+              </a:ext>
+            </a:extLst>
+          </p:cNvPr>
+          <p:cNvGrpSpPr/>
+          <p:nvPr/>
+        </p:nvGrpSpPr>
+        <p:grpSpPr>
+          <a:xfrm>
+            <a:off x="8312978" y="1779542"/>
+            <a:ext cx="2396159" cy="844024"/>
+            <a:chOff x="2052948" y="1712884"/>
+            <a:chExt cx="2396159" cy="844024"/>
+          </a:xfrm>
+        </p:grpSpPr>
+        <p:pic>
+          <p:nvPicPr>
+            <p:cNvPr id="61" name="図 60" descr="図形, 円&#10;&#10;自動的に生成された説明">
+              <a:extLst>
+                <a:ext uri="{FF2B5EF4-FFF2-40B4-BE49-F238E27FC236}">
+                  <a16:creationId xmlns:a16="http://schemas.microsoft.com/office/drawing/2014/main" id="{00FB80BC-A427-D040-A58E-A66599E5F0BE}"/>
+                </a:ext>
+              </a:extLst>
+            </p:cNvPr>
+            <p:cNvPicPr>
+              <a:picLocks noChangeAspect="1"/>
+            </p:cNvPicPr>
+            <p:nvPr/>
+          </p:nvPicPr>
+          <p:blipFill>
+            <a:blip r:embed="rId4"/>
+            <a:stretch>
+              <a:fillRect/>
+            </a:stretch>
+          </p:blipFill>
+          <p:spPr>
+            <a:xfrm>
+              <a:off x="3318227" y="1712885"/>
+              <a:ext cx="1130880" cy="844023"/>
+            </a:xfrm>
+            <a:prstGeom prst="rect">
+              <a:avLst/>
+            </a:prstGeom>
+            <a:ln w="28575">
+              <a:solidFill>
+                <a:schemeClr val="tx1"/>
+              </a:solidFill>
+            </a:ln>
+          </p:spPr>
+        </p:pic>
+        <p:pic>
+          <p:nvPicPr>
+            <p:cNvPr id="62" name="図 61" descr="図形, 円&#10;&#10;自動的に生成された説明">
+              <a:extLst>
+                <a:ext uri="{FF2B5EF4-FFF2-40B4-BE49-F238E27FC236}">
+                  <a16:creationId xmlns:a16="http://schemas.microsoft.com/office/drawing/2014/main" id="{0A5FF836-E6BD-9247-A040-2FFDA9888FD0}"/>
+                </a:ext>
+              </a:extLst>
+            </p:cNvPr>
+            <p:cNvPicPr>
+              <a:picLocks noChangeAspect="1"/>
+            </p:cNvPicPr>
+            <p:nvPr/>
+          </p:nvPicPr>
+          <p:blipFill>
+            <a:blip r:embed="rId5"/>
+            <a:stretch>
+              <a:fillRect/>
+            </a:stretch>
+          </p:blipFill>
+          <p:spPr>
+            <a:xfrm>
+              <a:off x="2052948" y="1712884"/>
+              <a:ext cx="1130880" cy="844023"/>
+            </a:xfrm>
+            <a:prstGeom prst="rect">
+              <a:avLst/>
+            </a:prstGeom>
+            <a:ln w="28575">
+              <a:solidFill>
+                <a:schemeClr val="tx1"/>
+              </a:solidFill>
+            </a:ln>
+          </p:spPr>
+        </p:pic>
+        <p:sp>
+          <p:nvSpPr>
+            <p:cNvPr id="63" name="右矢印 62">
+              <a:extLst>
+                <a:ext uri="{FF2B5EF4-FFF2-40B4-BE49-F238E27FC236}">
+                  <a16:creationId xmlns:a16="http://schemas.microsoft.com/office/drawing/2014/main" id="{CB0F0662-9132-AE43-AC2D-262696591F25}"/>
+                </a:ext>
+              </a:extLst>
+            </p:cNvPr>
+            <p:cNvSpPr/>
+            <p:nvPr/>
+          </p:nvSpPr>
+          <p:spPr>
+            <a:xfrm>
+              <a:off x="3061096" y="1967020"/>
+              <a:ext cx="420846" cy="345216"/>
+            </a:xfrm>
+            <a:prstGeom prst="rightArrow">
+              <a:avLst/>
+            </a:prstGeom>
+            <a:solidFill>
+              <a:srgbClr val="000000">
+                <a:lumMod val="95000"/>
+                <a:lumOff val="5000"/>
+              </a:srgbClr>
+            </a:solidFill>
+            <a:ln w="25400" cap="flat">
+              <a:noFill/>
+              <a:miter lim="400000"/>
+            </a:ln>
+            <a:effectLst/>
+            <a:sp3d/>
+          </p:spPr>
+          <p:txBody>
+            <a:bodyPr rot="0" spcFirstLastPara="1" vertOverflow="overflow" horzOverflow="overflow" vert="horz" wrap="square" lIns="50800" tIns="50800" rIns="50800" bIns="50800" numCol="1" spcCol="38100" rtlCol="0" anchor="ctr">
+              <a:noAutofit/>
+            </a:bodyPr>
+            <a:lstStyle/>
+            <a:p>
+              <a:pPr marL="0" marR="0" lvl="0" indent="0" algn="ctr" defTabSz="584200" eaLnBrk="1" fontAlgn="auto" latinLnBrk="0" hangingPunct="0">
+                <a:lnSpc>
+                  <a:spcPct val="100000"/>
+                </a:lnSpc>
+                <a:spcBef>
+                  <a:spcPts val="0"/>
+                </a:spcBef>
+                <a:spcAft>
+                  <a:spcPts val="0"/>
+                </a:spcAft>
+                <a:buClrTx/>
+                <a:buSzTx/>
+                <a:buFontTx/>
+                <a:buNone/>
+                <a:tabLst/>
+                <a:defRPr/>
+              </a:pPr>
+              <a:endParaRPr kumimoji="0" lang="ja-JP" altLang="en-US" sz="4000" b="0" i="0" u="none" strike="noStrike" kern="0" cap="none" spc="0" normalizeH="0" baseline="0" noProof="0">
+                <a:ln>
+                  <a:noFill/>
+                </a:ln>
+                <a:solidFill>
+                  <a:srgbClr val="000000"/>
+                </a:solidFill>
+                <a:effectLst/>
+                <a:uLnTx/>
+                <a:uFillTx/>
+                <a:latin typeface="MS PGothic" panose="020B0600070205080204" pitchFamily="34" charset="-128"/>
+                <a:ea typeface="MS PGothic" panose="020B0600070205080204" pitchFamily="34" charset="-128"/>
+                <a:sym typeface="Helvetica Light"/>
+              </a:endParaRPr>
+            </a:p>
+          </p:txBody>
+        </p:sp>
+      </p:grpSp>
+      <p:grpSp>
+        <p:nvGrpSpPr>
+          <p:cNvPr id="64" name="グループ化 63">
+            <a:extLst>
+              <a:ext uri="{FF2B5EF4-FFF2-40B4-BE49-F238E27FC236}">
+                <a16:creationId xmlns:a16="http://schemas.microsoft.com/office/drawing/2014/main" id="{CE2E03D4-F5FF-9840-AFDE-DF58AE00D250}"/>
+              </a:ext>
+            </a:extLst>
+          </p:cNvPr>
+          <p:cNvGrpSpPr/>
+          <p:nvPr/>
+        </p:nvGrpSpPr>
+        <p:grpSpPr>
+          <a:xfrm>
+            <a:off x="8309506" y="2877700"/>
+            <a:ext cx="2399631" cy="844024"/>
+            <a:chOff x="2021179" y="2169092"/>
+            <a:chExt cx="2399631" cy="844024"/>
+          </a:xfrm>
+        </p:grpSpPr>
+        <p:pic>
+          <p:nvPicPr>
+            <p:cNvPr id="65" name="図 64" descr="図形, 円&#10;&#10;自動的に生成された説明">
+              <a:extLst>
+                <a:ext uri="{FF2B5EF4-FFF2-40B4-BE49-F238E27FC236}">
+                  <a16:creationId xmlns:a16="http://schemas.microsoft.com/office/drawing/2014/main" id="{2F62215D-1E35-F545-8F18-D1AA9A96CB24}"/>
+                </a:ext>
+              </a:extLst>
+            </p:cNvPr>
+            <p:cNvPicPr>
+              <a:picLocks noChangeAspect="1"/>
+            </p:cNvPicPr>
+            <p:nvPr/>
+          </p:nvPicPr>
+          <p:blipFill>
+            <a:blip r:embed="rId4"/>
+            <a:stretch>
+              <a:fillRect/>
+            </a:stretch>
+          </p:blipFill>
+          <p:spPr>
+            <a:xfrm>
+              <a:off x="2021179" y="2169093"/>
+              <a:ext cx="1130880" cy="844023"/>
+            </a:xfrm>
+            <a:prstGeom prst="rect">
+              <a:avLst/>
+            </a:prstGeom>
+            <a:ln w="28575">
+              <a:solidFill>
+                <a:schemeClr val="tx1"/>
+              </a:solidFill>
+            </a:ln>
+          </p:spPr>
+        </p:pic>
+        <p:pic>
+          <p:nvPicPr>
+            <p:cNvPr id="66" name="図 65" descr="図形, 円&#10;&#10;自動的に生成された説明">
+              <a:extLst>
+                <a:ext uri="{FF2B5EF4-FFF2-40B4-BE49-F238E27FC236}">
+                  <a16:creationId xmlns:a16="http://schemas.microsoft.com/office/drawing/2014/main" id="{EF849B96-3986-ED42-BB2C-72643EDB2BBD}"/>
+                </a:ext>
+              </a:extLst>
+            </p:cNvPr>
+            <p:cNvPicPr>
+              <a:picLocks noChangeAspect="1"/>
+            </p:cNvPicPr>
+            <p:nvPr/>
+          </p:nvPicPr>
+          <p:blipFill>
+            <a:blip r:embed="rId5"/>
+            <a:stretch>
+              <a:fillRect/>
+            </a:stretch>
+          </p:blipFill>
+          <p:spPr>
+            <a:xfrm>
+              <a:off x="3289930" y="2169092"/>
+              <a:ext cx="1130880" cy="844023"/>
+            </a:xfrm>
+            <a:prstGeom prst="rect">
+              <a:avLst/>
+            </a:prstGeom>
+            <a:ln w="28575">
+              <a:solidFill>
+                <a:schemeClr val="tx1"/>
+              </a:solidFill>
+            </a:ln>
+          </p:spPr>
+        </p:pic>
+        <p:sp>
+          <p:nvSpPr>
+            <p:cNvPr id="67" name="右矢印 66">
+              <a:extLst>
+                <a:ext uri="{FF2B5EF4-FFF2-40B4-BE49-F238E27FC236}">
+                  <a16:creationId xmlns:a16="http://schemas.microsoft.com/office/drawing/2014/main" id="{85064486-C6CE-F547-8E1B-BE816C718FD7}"/>
+                </a:ext>
+              </a:extLst>
+            </p:cNvPr>
+            <p:cNvSpPr/>
+            <p:nvPr/>
+          </p:nvSpPr>
+          <p:spPr>
+            <a:xfrm>
+              <a:off x="3040531" y="2441706"/>
+              <a:ext cx="420846" cy="345216"/>
+            </a:xfrm>
+            <a:prstGeom prst="rightArrow">
+              <a:avLst/>
+            </a:prstGeom>
+            <a:solidFill>
+              <a:srgbClr val="000000">
+                <a:lumMod val="95000"/>
+                <a:lumOff val="5000"/>
+              </a:srgbClr>
+            </a:solidFill>
+            <a:ln w="25400" cap="flat">
+              <a:noFill/>
+              <a:miter lim="400000"/>
+            </a:ln>
+            <a:effectLst/>
+            <a:sp3d/>
+          </p:spPr>
+          <p:txBody>
+            <a:bodyPr rot="0" spcFirstLastPara="1" vertOverflow="overflow" horzOverflow="overflow" vert="horz" wrap="square" lIns="50800" tIns="50800" rIns="50800" bIns="50800" numCol="1" spcCol="38100" rtlCol="0" anchor="ctr">
+              <a:noAutofit/>
+            </a:bodyPr>
+            <a:lstStyle/>
+            <a:p>
+              <a:pPr marL="0" marR="0" lvl="0" indent="0" algn="ctr" defTabSz="584200" eaLnBrk="1" fontAlgn="auto" latinLnBrk="0" hangingPunct="0">
+                <a:lnSpc>
+                  <a:spcPct val="100000"/>
+                </a:lnSpc>
+                <a:spcBef>
+                  <a:spcPts val="0"/>
+                </a:spcBef>
+                <a:spcAft>
+                  <a:spcPts val="0"/>
+                </a:spcAft>
+                <a:buClrTx/>
+                <a:buSzTx/>
+                <a:buFontTx/>
+                <a:buNone/>
+                <a:tabLst/>
+                <a:defRPr/>
+              </a:pPr>
+              <a:endParaRPr kumimoji="0" lang="ja-JP" altLang="en-US" sz="4000" b="0" i="0" u="none" strike="noStrike" kern="0" cap="none" spc="0" normalizeH="0" baseline="0" noProof="0">
+                <a:ln>
+                  <a:noFill/>
+                </a:ln>
+                <a:solidFill>
+                  <a:srgbClr val="000000"/>
+                </a:solidFill>
+                <a:effectLst/>
+                <a:uLnTx/>
+                <a:uFillTx/>
+                <a:latin typeface="MS PGothic" panose="020B0600070205080204" pitchFamily="34" charset="-128"/>
+                <a:ea typeface="MS PGothic" panose="020B0600070205080204" pitchFamily="34" charset="-128"/>
+                <a:sym typeface="Helvetica Light"/>
+              </a:endParaRPr>
+            </a:p>
+          </p:txBody>
+        </p:sp>
+      </p:grpSp>
+      <p:sp>
+        <p:nvSpPr>
+          <p:cNvPr id="71" name="テキスト ボックス 70">
+            <a:extLst>
+              <a:ext uri="{FF2B5EF4-FFF2-40B4-BE49-F238E27FC236}">
+                <a16:creationId xmlns:a16="http://schemas.microsoft.com/office/drawing/2014/main" id="{EFEB3CBF-E433-AC4E-BAB3-A45A37DB8EC7}"/>
+              </a:ext>
+            </a:extLst>
+          </p:cNvPr>
+          <p:cNvSpPr txBox="1"/>
+          <p:nvPr/>
+        </p:nvSpPr>
+        <p:spPr>
+          <a:xfrm>
+            <a:off x="6338024" y="3122849"/>
+            <a:ext cx="1555966" cy="388150"/>
+          </a:xfrm>
+          <a:prstGeom prst="rect">
+            <a:avLst/>
+          </a:prstGeom>
+          <a:noFill/>
+          <a:ln w="12700" cap="flat">
+            <a:noFill/>
+            <a:miter lim="400000"/>
+          </a:ln>
+          <a:effectLst/>
+          <a:sp3d/>
+        </p:spPr>
+        <p:txBody>
+          <a:bodyPr rot="0" spcFirstLastPara="1" vertOverflow="overflow" horzOverflow="overflow" vert="horz" wrap="square" lIns="50800" tIns="50800" rIns="50800" bIns="50800" numCol="1" spcCol="38100" rtlCol="0" anchor="ctr">
+            <a:spAutoFit/>
+          </a:bodyPr>
+          <a:lstStyle/>
+          <a:p>
+            <a:pPr marL="0" marR="0" lvl="0" indent="0" algn="ctr" defTabSz="584200" eaLnBrk="1" fontAlgn="auto" latinLnBrk="0" hangingPunct="0">
+              <a:lnSpc>
+                <a:spcPct val="100000"/>
+              </a:lnSpc>
+              <a:spcBef>
+                <a:spcPts val="0"/>
+              </a:spcBef>
+              <a:spcAft>
+                <a:spcPts val="0"/>
+              </a:spcAft>
+              <a:buClrTx/>
+              <a:buSzTx/>
+              <a:buFontTx/>
+              <a:buNone/>
+              <a:tabLst/>
+              <a:defRPr/>
+            </a:pPr>
+            <a:r>
+              <a:rPr kumimoji="0" lang="ja-JP" altLang="en-US" sz="2400" kern="0">
+                <a:solidFill>
+                  <a:srgbClr val="000000"/>
+                </a:solidFill>
+                <a:latin typeface="MS PGothic" panose="020B0600070205080204" pitchFamily="34" charset="-128"/>
+                <a:ea typeface="MS PGothic" panose="020B0600070205080204" pitchFamily="34" charset="-128"/>
+                <a:sym typeface="Helvetica Light"/>
+              </a:rPr>
+              <a:t>右に移動</a:t>
+            </a:r>
+            <a:endParaRPr kumimoji="0" lang="en-US" altLang="ja-JP" sz="2400" b="0" i="0" u="none" strike="noStrike" kern="0" cap="none" spc="0" normalizeH="0" baseline="0" noProof="0" dirty="0">
+              <a:ln>
+                <a:noFill/>
+              </a:ln>
+              <a:solidFill>
+                <a:srgbClr val="000000"/>
+              </a:solidFill>
+              <a:effectLst/>
+              <a:uLnTx/>
+              <a:uFillTx/>
+              <a:latin typeface="MS PGothic" panose="020B0600070205080204" pitchFamily="34" charset="-128"/>
+              <a:ea typeface="MS PGothic" panose="020B0600070205080204" pitchFamily="34" charset="-128"/>
+              <a:sym typeface="Helvetica Light"/>
+            </a:endParaRPr>
+          </a:p>
+        </p:txBody>
+      </p:sp>
+      <p:sp>
+        <p:nvSpPr>
+          <p:cNvPr id="72" name="テキスト ボックス 71">
+            <a:extLst>
+              <a:ext uri="{FF2B5EF4-FFF2-40B4-BE49-F238E27FC236}">
+                <a16:creationId xmlns:a16="http://schemas.microsoft.com/office/drawing/2014/main" id="{D23072C2-5B27-684E-BB15-DBF08E14E315}"/>
+              </a:ext>
+            </a:extLst>
+          </p:cNvPr>
+          <p:cNvSpPr txBox="1"/>
+          <p:nvPr/>
+        </p:nvSpPr>
+        <p:spPr>
+          <a:xfrm>
+            <a:off x="6338024" y="1965592"/>
+            <a:ext cx="1555966" cy="471924"/>
+          </a:xfrm>
+          <a:prstGeom prst="rect">
+            <a:avLst/>
+          </a:prstGeom>
+          <a:noFill/>
+          <a:ln w="12700" cap="flat">
+            <a:noFill/>
+            <a:miter lim="400000"/>
+          </a:ln>
+          <a:effectLst/>
+          <a:sp3d/>
+        </p:spPr>
+        <p:txBody>
+          <a:bodyPr rot="0" spcFirstLastPara="1" vertOverflow="overflow" horzOverflow="overflow" vert="horz" wrap="square" lIns="50800" tIns="50800" rIns="50800" bIns="50800" numCol="1" spcCol="38100" rtlCol="0" anchor="ctr">
+            <a:spAutoFit/>
+          </a:bodyPr>
+          <a:lstStyle/>
+          <a:p>
+            <a:pPr marL="0" marR="0" lvl="0" indent="0" algn="ctr" defTabSz="584200" eaLnBrk="1" fontAlgn="auto" latinLnBrk="0" hangingPunct="0">
+              <a:lnSpc>
+                <a:spcPct val="100000"/>
+              </a:lnSpc>
+              <a:spcBef>
+                <a:spcPts val="0"/>
+              </a:spcBef>
+              <a:spcAft>
+                <a:spcPts val="0"/>
+              </a:spcAft>
+              <a:buClrTx/>
+              <a:buSzTx/>
+              <a:buFontTx/>
+              <a:buNone/>
+              <a:tabLst/>
+              <a:defRPr/>
+            </a:pPr>
+            <a:r>
+              <a:rPr kumimoji="0" lang="ja-JP" altLang="en-US" sz="2400" kern="0">
+                <a:solidFill>
+                  <a:srgbClr val="000000"/>
+                </a:solidFill>
+                <a:latin typeface="MS PGothic" panose="020B0600070205080204" pitchFamily="34" charset="-128"/>
+                <a:ea typeface="MS PGothic" panose="020B0600070205080204" pitchFamily="34" charset="-128"/>
+                <a:sym typeface="Helvetica Light"/>
+              </a:rPr>
+              <a:t>左に移動</a:t>
+            </a:r>
+            <a:endParaRPr kumimoji="0" lang="en-US" altLang="ja-JP" sz="2400" b="0" i="0" u="none" strike="noStrike" kern="0" cap="none" spc="0" normalizeH="0" baseline="0" noProof="0" dirty="0">
+              <a:ln>
+                <a:noFill/>
+              </a:ln>
+              <a:solidFill>
+                <a:srgbClr val="000000"/>
+              </a:solidFill>
+              <a:effectLst/>
+              <a:uLnTx/>
+              <a:uFillTx/>
+              <a:latin typeface="MS PGothic" panose="020B0600070205080204" pitchFamily="34" charset="-128"/>
+              <a:ea typeface="MS PGothic" panose="020B0600070205080204" pitchFamily="34" charset="-128"/>
+              <a:sym typeface="Helvetica Light"/>
+            </a:endParaRPr>
+          </a:p>
+        </p:txBody>
+      </p:sp>
+      <p:sp>
+        <p:nvSpPr>
+          <p:cNvPr id="73" name="テキスト ボックス 72">
+            <a:extLst>
+              <a:ext uri="{FF2B5EF4-FFF2-40B4-BE49-F238E27FC236}">
+                <a16:creationId xmlns:a16="http://schemas.microsoft.com/office/drawing/2014/main" id="{73EF75F3-E79B-9544-9160-A1A48B8F907F}"/>
+              </a:ext>
+            </a:extLst>
+          </p:cNvPr>
+          <p:cNvSpPr txBox="1"/>
+          <p:nvPr/>
+        </p:nvSpPr>
+        <p:spPr>
+          <a:xfrm>
+            <a:off x="8733588" y="3822974"/>
+            <a:ext cx="1555966" cy="748923"/>
+          </a:xfrm>
+          <a:prstGeom prst="rect">
+            <a:avLst/>
+          </a:prstGeom>
+          <a:noFill/>
+          <a:ln w="12700" cap="flat">
+            <a:noFill/>
+            <a:miter lim="400000"/>
+          </a:ln>
+          <a:effectLst/>
+          <a:sp3d/>
+        </p:spPr>
+        <p:txBody>
+          <a:bodyPr rot="0" spcFirstLastPara="1" vertOverflow="overflow" horzOverflow="overflow" vert="horz" wrap="square" lIns="50800" tIns="50800" rIns="50800" bIns="50800" numCol="1" spcCol="38100" rtlCol="0" anchor="ctr">
+            <a:spAutoFit/>
+          </a:bodyPr>
+          <a:lstStyle/>
+          <a:p>
+            <a:pPr marL="0" marR="0" lvl="0" indent="0" algn="ctr" defTabSz="584200" eaLnBrk="1" fontAlgn="auto" latinLnBrk="0" hangingPunct="0">
+              <a:lnSpc>
+                <a:spcPct val="100000"/>
+              </a:lnSpc>
+              <a:spcBef>
+                <a:spcPts val="0"/>
+              </a:spcBef>
+              <a:spcAft>
+                <a:spcPts val="0"/>
+              </a:spcAft>
+              <a:buClrTx/>
+              <a:buSzTx/>
+              <a:buFontTx/>
+              <a:buNone/>
+              <a:tabLst/>
+              <a:defRPr/>
+            </a:pPr>
+            <a:r>
+              <a:rPr kumimoji="0" lang="ja-JP" altLang="en-US" sz="1400" b="0" i="0" u="none" strike="noStrike" kern="0" cap="none" spc="0" normalizeH="0" baseline="0" noProof="0">
+                <a:ln>
+                  <a:noFill/>
+                </a:ln>
+                <a:solidFill>
+                  <a:srgbClr val="000000"/>
+                </a:solidFill>
+                <a:effectLst/>
+                <a:uLnTx/>
+                <a:uFillTx/>
+                <a:latin typeface="MS PGothic" panose="020B0600070205080204" pitchFamily="34" charset="-128"/>
+                <a:ea typeface="MS PGothic" panose="020B0600070205080204" pitchFamily="34" charset="-128"/>
+                <a:sym typeface="Helvetica Light"/>
+              </a:rPr>
+              <a:t>・</a:t>
+            </a:r>
+            <a:endParaRPr kumimoji="0" lang="en-US" altLang="ja-JP" sz="1400" b="0" i="0" u="none" strike="noStrike" kern="0" cap="none" spc="0" normalizeH="0" baseline="0" noProof="0" dirty="0">
+              <a:ln>
+                <a:noFill/>
+              </a:ln>
+              <a:solidFill>
+                <a:srgbClr val="000000"/>
+              </a:solidFill>
+              <a:effectLst/>
+              <a:uLnTx/>
+              <a:uFillTx/>
+              <a:latin typeface="MS PGothic" panose="020B0600070205080204" pitchFamily="34" charset="-128"/>
+              <a:ea typeface="MS PGothic" panose="020B0600070205080204" pitchFamily="34" charset="-128"/>
+              <a:sym typeface="Helvetica Light"/>
+            </a:endParaRPr>
+          </a:p>
+          <a:p>
+            <a:pPr marL="0" marR="0" lvl="0" indent="0" algn="ctr" defTabSz="584200" eaLnBrk="1" fontAlgn="auto" latinLnBrk="0" hangingPunct="0">
+              <a:lnSpc>
+                <a:spcPct val="100000"/>
+              </a:lnSpc>
+              <a:spcBef>
+                <a:spcPts val="0"/>
+              </a:spcBef>
+              <a:spcAft>
+                <a:spcPts val="0"/>
+              </a:spcAft>
+              <a:buClrTx/>
+              <a:buSzTx/>
+              <a:buFontTx/>
+              <a:buNone/>
+              <a:tabLst/>
+              <a:defRPr/>
+            </a:pPr>
+            <a:r>
+              <a:rPr kumimoji="0" lang="ja-JP" altLang="en-US" sz="1400" kern="0">
+                <a:solidFill>
+                  <a:srgbClr val="000000"/>
+                </a:solidFill>
+                <a:latin typeface="MS PGothic" panose="020B0600070205080204" pitchFamily="34" charset="-128"/>
+                <a:ea typeface="MS PGothic" panose="020B0600070205080204" pitchFamily="34" charset="-128"/>
+                <a:sym typeface="Helvetica Light"/>
+              </a:rPr>
+              <a:t>・</a:t>
+            </a:r>
+            <a:endParaRPr kumimoji="0" lang="en-US" altLang="ja-JP" sz="1400" kern="0" dirty="0">
+              <a:solidFill>
+                <a:srgbClr val="000000"/>
+              </a:solidFill>
+              <a:latin typeface="MS PGothic" panose="020B0600070205080204" pitchFamily="34" charset="-128"/>
+              <a:ea typeface="MS PGothic" panose="020B0600070205080204" pitchFamily="34" charset="-128"/>
+              <a:sym typeface="Helvetica Light"/>
+            </a:endParaRPr>
+          </a:p>
+          <a:p>
+            <a:pPr marL="0" marR="0" lvl="0" indent="0" algn="ctr" defTabSz="584200" eaLnBrk="1" fontAlgn="auto" latinLnBrk="0" hangingPunct="0">
+              <a:lnSpc>
+                <a:spcPct val="100000"/>
+              </a:lnSpc>
+              <a:spcBef>
+                <a:spcPts val="0"/>
+              </a:spcBef>
+              <a:spcAft>
+                <a:spcPts val="0"/>
+              </a:spcAft>
+              <a:buClrTx/>
+              <a:buSzTx/>
+              <a:buFontTx/>
+              <a:buNone/>
+              <a:tabLst/>
+              <a:defRPr/>
+            </a:pPr>
+            <a:r>
+              <a:rPr kumimoji="0" lang="ja-JP" altLang="en-US" sz="1400" b="0" i="0" u="none" strike="noStrike" kern="0" cap="none" spc="0" normalizeH="0" baseline="0" noProof="0">
+                <a:ln>
+                  <a:noFill/>
+                </a:ln>
+                <a:solidFill>
+                  <a:srgbClr val="000000"/>
+                </a:solidFill>
+                <a:effectLst/>
+                <a:uLnTx/>
+                <a:uFillTx/>
+                <a:latin typeface="MS PGothic" panose="020B0600070205080204" pitchFamily="34" charset="-128"/>
+                <a:ea typeface="MS PGothic" panose="020B0600070205080204" pitchFamily="34" charset="-128"/>
+                <a:sym typeface="Helvetica Light"/>
+              </a:rPr>
+              <a:t>・</a:t>
+            </a:r>
+            <a:endParaRPr kumimoji="0" lang="en-US" altLang="ja-JP" sz="1400" b="0" i="0" u="none" strike="noStrike" kern="0" cap="none" spc="0" normalizeH="0" baseline="0" noProof="0" dirty="0">
+              <a:ln>
+                <a:noFill/>
+              </a:ln>
+              <a:solidFill>
+                <a:srgbClr val="000000"/>
+              </a:solidFill>
+              <a:effectLst/>
+              <a:uLnTx/>
+              <a:uFillTx/>
+              <a:latin typeface="MS PGothic" panose="020B0600070205080204" pitchFamily="34" charset="-128"/>
+              <a:ea typeface="MS PGothic" panose="020B0600070205080204" pitchFamily="34" charset="-128"/>
+              <a:sym typeface="Helvetica Light"/>
+            </a:endParaRPr>
+          </a:p>
+        </p:txBody>
+      </p:sp>
+      <p:sp>
+        <p:nvSpPr>
+          <p:cNvPr id="74" name="テキスト ボックス 73">
+            <a:extLst>
+              <a:ext uri="{FF2B5EF4-FFF2-40B4-BE49-F238E27FC236}">
+                <a16:creationId xmlns:a16="http://schemas.microsoft.com/office/drawing/2014/main" id="{C4DD0247-8730-7D4C-A0A6-4E0EB2C5EE04}"/>
+              </a:ext>
+            </a:extLst>
+          </p:cNvPr>
+          <p:cNvSpPr txBox="1"/>
+          <p:nvPr/>
+        </p:nvSpPr>
+        <p:spPr>
+          <a:xfrm>
+            <a:off x="4582874" y="2183974"/>
+            <a:ext cx="1555966" cy="388150"/>
+          </a:xfrm>
+          <a:prstGeom prst="rect">
+            <a:avLst/>
+          </a:prstGeom>
+          <a:noFill/>
+          <a:ln w="12700" cap="flat">
+            <a:noFill/>
+            <a:miter lim="400000"/>
+          </a:ln>
+          <a:effectLst/>
+          <a:sp3d/>
+        </p:spPr>
+        <p:txBody>
+          <a:bodyPr rot="0" spcFirstLastPara="1" vertOverflow="overflow" horzOverflow="overflow" vert="horz" wrap="square" lIns="50800" tIns="50800" rIns="50800" bIns="50800" numCol="1" spcCol="38100" rtlCol="0" anchor="ctr">
+            <a:spAutoFit/>
+          </a:bodyPr>
+          <a:lstStyle/>
+          <a:p>
+            <a:pPr marL="0" marR="0" lvl="0" indent="0" algn="ctr" defTabSz="584200" eaLnBrk="1" fontAlgn="auto" latinLnBrk="0" hangingPunct="0">
+              <a:lnSpc>
+                <a:spcPct val="100000"/>
+              </a:lnSpc>
+              <a:spcBef>
+                <a:spcPts val="0"/>
+              </a:spcBef>
+              <a:spcAft>
+                <a:spcPts val="0"/>
+              </a:spcAft>
+              <a:buClrTx/>
+              <a:buSzTx/>
+              <a:buFontTx/>
+              <a:buNone/>
+              <a:tabLst/>
+              <a:defRPr/>
+            </a:pPr>
+            <a:r>
+              <a:rPr kumimoji="0" lang="ja-JP" altLang="en-US" sz="2400" kern="0">
+                <a:solidFill>
+                  <a:srgbClr val="000000"/>
+                </a:solidFill>
+                <a:latin typeface="MS PGothic" panose="020B0600070205080204" pitchFamily="34" charset="-128"/>
+                <a:ea typeface="MS PGothic" panose="020B0600070205080204" pitchFamily="34" charset="-128"/>
+                <a:sym typeface="Helvetica Light"/>
+              </a:rPr>
+              <a:t>右に移動</a:t>
+            </a:r>
+            <a:endParaRPr kumimoji="0" lang="en-US" altLang="ja-JP" sz="2400" b="0" i="0" u="none" strike="noStrike" kern="0" cap="none" spc="0" normalizeH="0" baseline="0" noProof="0" dirty="0">
+              <a:ln>
+                <a:noFill/>
+              </a:ln>
+              <a:solidFill>
+                <a:srgbClr val="000000"/>
+              </a:solidFill>
+              <a:effectLst/>
+              <a:uLnTx/>
+              <a:uFillTx/>
+              <a:latin typeface="MS PGothic" panose="020B0600070205080204" pitchFamily="34" charset="-128"/>
+              <a:ea typeface="MS PGothic" panose="020B0600070205080204" pitchFamily="34" charset="-128"/>
+              <a:sym typeface="Helvetica Light"/>
+            </a:endParaRPr>
+          </a:p>
+        </p:txBody>
+      </p:sp>
+      <p:cxnSp>
+        <p:nvCxnSpPr>
+          <p:cNvPr id="75" name="直線矢印コネクタ 74">
+            <a:extLst>
+              <a:ext uri="{FF2B5EF4-FFF2-40B4-BE49-F238E27FC236}">
+                <a16:creationId xmlns:a16="http://schemas.microsoft.com/office/drawing/2014/main" id="{EE1FBEE4-B26B-514B-9776-E7A51FBEB689}"/>
+              </a:ext>
+            </a:extLst>
+          </p:cNvPr>
+          <p:cNvCxnSpPr>
+            <a:cxnSpLocks/>
+          </p:cNvCxnSpPr>
+          <p:nvPr/>
+        </p:nvCxnSpPr>
+        <p:spPr>
+          <a:xfrm>
+            <a:off x="5360857" y="2715392"/>
+            <a:ext cx="1092952" cy="668531"/>
+          </a:xfrm>
+          <a:prstGeom prst="straightConnector1">
+            <a:avLst/>
+          </a:prstGeom>
+          <a:ln w="28575">
+            <a:solidFill>
+              <a:srgbClr val="FF0000"/>
+            </a:solidFill>
+            <a:headEnd type="triangle"/>
+            <a:tailEnd type="triangle"/>
+          </a:ln>
+        </p:spPr>
+        <p:style>
+          <a:lnRef idx="1">
+            <a:schemeClr val="accent1"/>
+          </a:lnRef>
+          <a:fillRef idx="0">
+            <a:schemeClr val="accent1"/>
+          </a:fillRef>
+          <a:effectRef idx="0">
+            <a:schemeClr val="accent1"/>
+          </a:effectRef>
+          <a:fontRef idx="minor">
+            <a:schemeClr val="tx1"/>
+          </a:fontRef>
+        </p:style>
+      </p:cxnSp>
+      <p:pic>
+        <p:nvPicPr>
+          <p:cNvPr id="83" name="図 82" descr="アイコン&#10;&#10;自動的に生成された説明">
+            <a:extLst>
+              <a:ext uri="{FF2B5EF4-FFF2-40B4-BE49-F238E27FC236}">
+                <a16:creationId xmlns:a16="http://schemas.microsoft.com/office/drawing/2014/main" id="{2A3B961E-8DBA-8141-ABF0-88A9BCB62CAF}"/>
+              </a:ext>
+            </a:extLst>
+          </p:cNvPr>
+          <p:cNvPicPr>
+            <a:picLocks noChangeAspect="1"/>
+          </p:cNvPicPr>
+          <p:nvPr/>
+        </p:nvPicPr>
+        <p:blipFill>
+          <a:blip r:embed="rId8">
+            <a:biLevel thresh="50000"/>
+            <a:extLst>
+              <a:ext uri="{28A0092B-C50C-407E-A947-70E740481C1C}">
+                <a14:useLocalDpi xmlns:a14="http://schemas.microsoft.com/office/drawing/2010/main" val="0"/>
+              </a:ext>
+            </a:extLst>
+          </a:blip>
+          <a:stretch>
+            <a:fillRect/>
+          </a:stretch>
+        </p:blipFill>
+        <p:spPr>
+          <a:xfrm>
+            <a:off x="957847" y="5019510"/>
+            <a:ext cx="738021" cy="680531"/>
+          </a:xfrm>
+          <a:prstGeom prst="rect">
+            <a:avLst/>
+          </a:prstGeom>
+        </p:spPr>
+      </p:pic>
+      <p:grpSp>
+        <p:nvGrpSpPr>
+          <p:cNvPr id="115" name="グループ化 114">
+            <a:extLst>
+              <a:ext uri="{FF2B5EF4-FFF2-40B4-BE49-F238E27FC236}">
+                <a16:creationId xmlns:a16="http://schemas.microsoft.com/office/drawing/2014/main" id="{E1109037-FDDD-374E-A71F-B2FB8AA04E49}"/>
+              </a:ext>
+            </a:extLst>
+          </p:cNvPr>
+          <p:cNvGrpSpPr/>
+          <p:nvPr/>
+        </p:nvGrpSpPr>
+        <p:grpSpPr>
+          <a:xfrm>
+            <a:off x="-178656" y="3468851"/>
+            <a:ext cx="1147793" cy="1071218"/>
+            <a:chOff x="-178656" y="3468851"/>
+            <a:chExt cx="1147793" cy="1071218"/>
+          </a:xfrm>
+        </p:grpSpPr>
+        <p:pic>
+          <p:nvPicPr>
+            <p:cNvPr id="84" name="グラフィックス 83" descr="ユーザー 単色塗りつぶし">
+              <a:extLst>
+                <a:ext uri="{FF2B5EF4-FFF2-40B4-BE49-F238E27FC236}">
+                  <a16:creationId xmlns:a16="http://schemas.microsoft.com/office/drawing/2014/main" id="{18907D86-90CE-BA45-9088-DA1A8BEFA053}"/>
+                </a:ext>
+              </a:extLst>
+            </p:cNvPr>
+            <p:cNvPicPr>
+              <a:picLocks noChangeAspect="1"/>
+            </p:cNvPicPr>
+            <p:nvPr/>
+          </p:nvPicPr>
+          <p:blipFill rotWithShape="1">
+            <a:blip r:embed="rId9">
+              <a:extLst>
+                <a:ext uri="{96DAC541-7B7A-43D3-8B79-37D633B846F1}">
+                  <asvg:svgBlip xmlns:asvg="http://schemas.microsoft.com/office/drawing/2016/SVG/main" r:embed="rId10"/>
+                </a:ext>
+              </a:extLst>
+            </a:blip>
+            <a:srcRect l="12582" r="10293"/>
+            <a:stretch/>
+          </p:blipFill>
+          <p:spPr>
+            <a:xfrm>
+              <a:off x="82988" y="3468851"/>
+              <a:ext cx="624506" cy="746650"/>
+            </a:xfrm>
+            <a:prstGeom prst="rect">
+              <a:avLst/>
+            </a:prstGeom>
+          </p:spPr>
+        </p:pic>
+        <p:sp>
+          <p:nvSpPr>
+            <p:cNvPr id="85" name="テキスト ボックス 84">
+              <a:extLst>
+                <a:ext uri="{FF2B5EF4-FFF2-40B4-BE49-F238E27FC236}">
+                  <a16:creationId xmlns:a16="http://schemas.microsoft.com/office/drawing/2014/main" id="{D0A65A2B-6DBC-6141-A46D-180B4328B65C}"/>
+                </a:ext>
+              </a:extLst>
+            </p:cNvPr>
+            <p:cNvSpPr txBox="1"/>
+            <p:nvPr/>
+          </p:nvSpPr>
+          <p:spPr>
+            <a:xfrm>
+              <a:off x="-178656" y="4068145"/>
+              <a:ext cx="1147793" cy="471924"/>
+            </a:xfrm>
+            <a:prstGeom prst="rect">
+              <a:avLst/>
+            </a:prstGeom>
+            <a:noFill/>
+            <a:ln w="12700" cap="flat">
+              <a:noFill/>
+              <a:miter lim="400000"/>
+            </a:ln>
+            <a:effectLst/>
+            <a:sp3d/>
+          </p:spPr>
+          <p:txBody>
+            <a:bodyPr rot="0" spcFirstLastPara="1" vertOverflow="overflow" horzOverflow="overflow" vert="horz" wrap="square" lIns="50800" tIns="50800" rIns="50800" bIns="50800" numCol="1" spcCol="38100" rtlCol="0" anchor="ctr">
+              <a:spAutoFit/>
+            </a:bodyPr>
+            <a:lstStyle/>
+            <a:p>
+              <a:pPr marL="0" marR="0" lvl="0" indent="0" algn="ctr" defTabSz="584200" eaLnBrk="1" fontAlgn="auto" latinLnBrk="0" hangingPunct="0">
+                <a:lnSpc>
+                  <a:spcPct val="100000"/>
+                </a:lnSpc>
+                <a:spcBef>
+                  <a:spcPts val="0"/>
+                </a:spcBef>
+                <a:spcAft>
+                  <a:spcPts val="0"/>
+                </a:spcAft>
+                <a:buClrTx/>
+                <a:buSzTx/>
+                <a:buFontTx/>
+                <a:buNone/>
+                <a:tabLst/>
+                <a:defRPr/>
+              </a:pPr>
+              <a:r>
+                <a:rPr kumimoji="0" lang="ja-JP" altLang="en-US" sz="2400" kern="0">
+                  <a:solidFill>
+                    <a:srgbClr val="000000"/>
+                  </a:solidFill>
+                  <a:latin typeface="MS PGothic" panose="020B0600070205080204" pitchFamily="34" charset="-128"/>
+                  <a:ea typeface="MS PGothic" panose="020B0600070205080204" pitchFamily="34" charset="-128"/>
+                  <a:sym typeface="Helvetica Light"/>
+                </a:rPr>
+                <a:t>学習者</a:t>
+              </a:r>
+              <a:endParaRPr kumimoji="0" lang="en-US" altLang="ja-JP" sz="2400" b="0" i="0" u="none" strike="noStrike" kern="0" cap="none" spc="0" normalizeH="0" baseline="0" noProof="0" dirty="0">
+                <a:ln>
+                  <a:noFill/>
+                </a:ln>
+                <a:solidFill>
+                  <a:srgbClr val="000000"/>
+                </a:solidFill>
+                <a:effectLst/>
+                <a:uLnTx/>
+                <a:uFillTx/>
+                <a:latin typeface="MS PGothic" panose="020B0600070205080204" pitchFamily="34" charset="-128"/>
+                <a:ea typeface="MS PGothic" panose="020B0600070205080204" pitchFamily="34" charset="-128"/>
+                <a:sym typeface="Helvetica Light"/>
+              </a:endParaRPr>
+            </a:p>
+          </p:txBody>
+        </p:sp>
+      </p:grpSp>
+      <p:grpSp>
+        <p:nvGrpSpPr>
+          <p:cNvPr id="114" name="グループ化 113">
+            <a:extLst>
+              <a:ext uri="{FF2B5EF4-FFF2-40B4-BE49-F238E27FC236}">
+                <a16:creationId xmlns:a16="http://schemas.microsoft.com/office/drawing/2014/main" id="{A80C2D9A-5DCF-0D44-94AE-8B3E0BF83FFC}"/>
+              </a:ext>
+            </a:extLst>
+          </p:cNvPr>
+          <p:cNvGrpSpPr/>
+          <p:nvPr/>
+        </p:nvGrpSpPr>
+        <p:grpSpPr>
+          <a:xfrm>
+            <a:off x="814455" y="1767219"/>
+            <a:ext cx="966021" cy="1183444"/>
+            <a:chOff x="573963" y="2743835"/>
+            <a:chExt cx="966021" cy="1183444"/>
+          </a:xfrm>
+        </p:grpSpPr>
+        <p:grpSp>
+          <p:nvGrpSpPr>
+            <p:cNvPr id="80" name="グループ化 79">
+              <a:extLst>
+                <a:ext uri="{FF2B5EF4-FFF2-40B4-BE49-F238E27FC236}">
+                  <a16:creationId xmlns:a16="http://schemas.microsoft.com/office/drawing/2014/main" id="{962B0C4B-2DB6-604A-90EA-9A7EC98C7504}"/>
+                </a:ext>
+              </a:extLst>
+            </p:cNvPr>
+            <p:cNvGrpSpPr/>
+            <p:nvPr/>
+          </p:nvGrpSpPr>
+          <p:grpSpPr>
+            <a:xfrm>
+              <a:off x="573963" y="2743835"/>
+              <a:ext cx="954422" cy="868063"/>
+              <a:chOff x="696245" y="2970274"/>
+              <a:chExt cx="1070022" cy="1055417"/>
+            </a:xfrm>
+          </p:grpSpPr>
+          <p:pic>
+            <p:nvPicPr>
+              <p:cNvPr id="81" name="グラフィックス 80" descr="絵筆 単色塗りつぶし">
+                <a:extLst>
+                  <a:ext uri="{FF2B5EF4-FFF2-40B4-BE49-F238E27FC236}">
+                    <a16:creationId xmlns:a16="http://schemas.microsoft.com/office/drawing/2014/main" id="{5D831E09-E91C-6C49-AA59-E18180F54F46}"/>
+                  </a:ext>
+                </a:extLst>
+              </p:cNvPr>
+              <p:cNvPicPr>
+                <a:picLocks noChangeAspect="1"/>
+              </p:cNvPicPr>
+              <p:nvPr/>
+            </p:nvPicPr>
+            <p:blipFill>
+              <a:blip r:embed="rId11">
+                <a:extLst>
+                  <a:ext uri="{96DAC541-7B7A-43D3-8B79-37D633B846F1}">
+                    <asvg:svgBlip xmlns:asvg="http://schemas.microsoft.com/office/drawing/2016/SVG/main" r:embed="rId12"/>
+                  </a:ext>
+                </a:extLst>
+              </a:blip>
+              <a:stretch>
+                <a:fillRect/>
+              </a:stretch>
+            </p:blipFill>
+            <p:spPr>
+              <a:xfrm flipH="1">
+                <a:off x="696245" y="3457888"/>
+                <a:ext cx="556136" cy="567803"/>
+              </a:xfrm>
+              <a:prstGeom prst="rect">
+                <a:avLst/>
+              </a:prstGeom>
+            </p:spPr>
+          </p:pic>
+          <p:pic>
+            <p:nvPicPr>
+              <p:cNvPr id="82" name="グラフィックス 81" descr="画像 単色塗りつぶし">
+                <a:extLst>
+                  <a:ext uri="{FF2B5EF4-FFF2-40B4-BE49-F238E27FC236}">
+                    <a16:creationId xmlns:a16="http://schemas.microsoft.com/office/drawing/2014/main" id="{A68F7115-6103-654C-A04A-AC1D56F861FE}"/>
+                  </a:ext>
+                </a:extLst>
+              </p:cNvPr>
+              <p:cNvPicPr>
+                <a:picLocks noChangeAspect="1"/>
+              </p:cNvPicPr>
+              <p:nvPr/>
+            </p:nvPicPr>
+            <p:blipFill>
+              <a:blip r:embed="rId13">
+                <a:extLst>
+                  <a:ext uri="{96DAC541-7B7A-43D3-8B79-37D633B846F1}">
+                    <asvg:svgBlip xmlns:asvg="http://schemas.microsoft.com/office/drawing/2016/SVG/main" r:embed="rId14"/>
+                  </a:ext>
+                </a:extLst>
+              </a:blip>
+              <a:stretch>
+                <a:fillRect/>
+              </a:stretch>
+            </p:blipFill>
+            <p:spPr>
+              <a:xfrm>
+                <a:off x="934447" y="2970274"/>
+                <a:ext cx="831820" cy="831820"/>
+              </a:xfrm>
+              <a:prstGeom prst="rect">
+                <a:avLst/>
+              </a:prstGeom>
+            </p:spPr>
+          </p:pic>
+        </p:grpSp>
+        <p:sp>
+          <p:nvSpPr>
+            <p:cNvPr id="92" name="テキスト ボックス 91">
+              <a:extLst>
+                <a:ext uri="{FF2B5EF4-FFF2-40B4-BE49-F238E27FC236}">
+                  <a16:creationId xmlns:a16="http://schemas.microsoft.com/office/drawing/2014/main" id="{C1B2399E-3C50-BB4C-82BF-1907253EF52A}"/>
+                </a:ext>
+              </a:extLst>
+            </p:cNvPr>
+            <p:cNvSpPr txBox="1"/>
+            <p:nvPr/>
+          </p:nvSpPr>
+          <p:spPr>
+            <a:xfrm>
+              <a:off x="600049" y="3539129"/>
+              <a:ext cx="939935" cy="388150"/>
+            </a:xfrm>
+            <a:prstGeom prst="rect">
+              <a:avLst/>
+            </a:prstGeom>
+            <a:noFill/>
+            <a:ln w="12700" cap="flat">
+              <a:noFill/>
+              <a:miter lim="400000"/>
+            </a:ln>
+            <a:effectLst/>
+            <a:sp3d/>
+          </p:spPr>
+          <p:txBody>
+            <a:bodyPr rot="0" spcFirstLastPara="1" vertOverflow="overflow" horzOverflow="overflow" vert="horz" wrap="square" lIns="50800" tIns="50800" rIns="50800" bIns="50800" numCol="1" spcCol="38100" rtlCol="0" anchor="ctr">
+              <a:spAutoFit/>
+            </a:bodyPr>
+            <a:lstStyle/>
+            <a:p>
+              <a:pPr marL="0" marR="0" lvl="0" indent="0" algn="ctr" defTabSz="584200" eaLnBrk="1" fontAlgn="auto" latinLnBrk="0" hangingPunct="0">
+                <a:lnSpc>
+                  <a:spcPct val="100000"/>
+                </a:lnSpc>
+                <a:spcBef>
+                  <a:spcPts val="0"/>
+                </a:spcBef>
+                <a:spcAft>
+                  <a:spcPts val="0"/>
+                </a:spcAft>
+                <a:buClrTx/>
+                <a:buSzTx/>
+                <a:buFontTx/>
+                <a:buNone/>
+                <a:tabLst/>
+                <a:defRPr/>
+              </a:pPr>
+              <a:r>
+                <a:rPr kumimoji="0" lang="ja-JP" altLang="en-US" sz="2400" kern="0">
+                  <a:solidFill>
+                    <a:srgbClr val="000000"/>
+                  </a:solidFill>
+                  <a:latin typeface="MS PGothic" panose="020B0600070205080204" pitchFamily="34" charset="-128"/>
+                  <a:ea typeface="MS PGothic" panose="020B0600070205080204" pitchFamily="34" charset="-128"/>
+                  <a:sym typeface="Helvetica Light"/>
+                </a:rPr>
+                <a:t>入力</a:t>
+              </a:r>
+              <a:endParaRPr kumimoji="0" lang="en-US" altLang="ja-JP" sz="2400" b="0" i="0" u="none" strike="noStrike" kern="0" cap="none" spc="0" normalizeH="0" baseline="0" noProof="0" dirty="0">
+                <a:ln>
+                  <a:noFill/>
+                </a:ln>
+                <a:solidFill>
+                  <a:srgbClr val="000000"/>
+                </a:solidFill>
+                <a:effectLst/>
+                <a:uLnTx/>
+                <a:uFillTx/>
+                <a:latin typeface="MS PGothic" panose="020B0600070205080204" pitchFamily="34" charset="-128"/>
+                <a:ea typeface="MS PGothic" panose="020B0600070205080204" pitchFamily="34" charset="-128"/>
+                <a:sym typeface="Helvetica Light"/>
+              </a:endParaRPr>
+            </a:p>
+          </p:txBody>
+        </p:sp>
+      </p:grpSp>
+      <p:sp>
+        <p:nvSpPr>
+          <p:cNvPr id="96" name="テキスト ボックス 95">
+            <a:extLst>
+              <a:ext uri="{FF2B5EF4-FFF2-40B4-BE49-F238E27FC236}">
+                <a16:creationId xmlns:a16="http://schemas.microsoft.com/office/drawing/2014/main" id="{DF9BA915-118F-C343-9345-FE99A4946062}"/>
+              </a:ext>
+            </a:extLst>
+          </p:cNvPr>
+          <p:cNvSpPr txBox="1"/>
+          <p:nvPr/>
+        </p:nvSpPr>
+        <p:spPr>
+          <a:xfrm>
+            <a:off x="6338024" y="3822974"/>
+            <a:ext cx="1555966" cy="748923"/>
+          </a:xfrm>
+          <a:prstGeom prst="rect">
+            <a:avLst/>
+          </a:prstGeom>
+          <a:noFill/>
+          <a:ln w="12700" cap="flat">
+            <a:noFill/>
+            <a:miter lim="400000"/>
+          </a:ln>
+          <a:effectLst/>
+          <a:sp3d/>
+        </p:spPr>
+        <p:txBody>
+          <a:bodyPr rot="0" spcFirstLastPara="1" vertOverflow="overflow" horzOverflow="overflow" vert="horz" wrap="square" lIns="50800" tIns="50800" rIns="50800" bIns="50800" numCol="1" spcCol="38100" rtlCol="0" anchor="ctr">
+            <a:spAutoFit/>
+          </a:bodyPr>
+          <a:lstStyle/>
+          <a:p>
+            <a:pPr marL="0" marR="0" lvl="0" indent="0" algn="ctr" defTabSz="584200" eaLnBrk="1" fontAlgn="auto" latinLnBrk="0" hangingPunct="0">
+              <a:lnSpc>
+                <a:spcPct val="100000"/>
+              </a:lnSpc>
+              <a:spcBef>
+                <a:spcPts val="0"/>
+              </a:spcBef>
+              <a:spcAft>
+                <a:spcPts val="0"/>
+              </a:spcAft>
+              <a:buClrTx/>
+              <a:buSzTx/>
+              <a:buFontTx/>
+              <a:buNone/>
+              <a:tabLst/>
+              <a:defRPr/>
+            </a:pPr>
+            <a:r>
+              <a:rPr kumimoji="0" lang="ja-JP" altLang="en-US" sz="1400" b="0" i="0" u="none" strike="noStrike" kern="0" cap="none" spc="0" normalizeH="0" baseline="0" noProof="0">
+                <a:ln>
+                  <a:noFill/>
+                </a:ln>
+                <a:solidFill>
+                  <a:srgbClr val="000000"/>
+                </a:solidFill>
+                <a:effectLst/>
+                <a:uLnTx/>
+                <a:uFillTx/>
+                <a:latin typeface="MS PGothic" panose="020B0600070205080204" pitchFamily="34" charset="-128"/>
+                <a:ea typeface="MS PGothic" panose="020B0600070205080204" pitchFamily="34" charset="-128"/>
+                <a:sym typeface="Helvetica Light"/>
+              </a:rPr>
+              <a:t>・</a:t>
+            </a:r>
+            <a:endParaRPr kumimoji="0" lang="en-US" altLang="ja-JP" sz="1400" b="0" i="0" u="none" strike="noStrike" kern="0" cap="none" spc="0" normalizeH="0" baseline="0" noProof="0" dirty="0">
+              <a:ln>
+                <a:noFill/>
+              </a:ln>
+              <a:solidFill>
+                <a:srgbClr val="000000"/>
+              </a:solidFill>
+              <a:effectLst/>
+              <a:uLnTx/>
+              <a:uFillTx/>
+              <a:latin typeface="MS PGothic" panose="020B0600070205080204" pitchFamily="34" charset="-128"/>
+              <a:ea typeface="MS PGothic" panose="020B0600070205080204" pitchFamily="34" charset="-128"/>
+              <a:sym typeface="Helvetica Light"/>
+            </a:endParaRPr>
+          </a:p>
+          <a:p>
+            <a:pPr marL="0" marR="0" lvl="0" indent="0" algn="ctr" defTabSz="584200" eaLnBrk="1" fontAlgn="auto" latinLnBrk="0" hangingPunct="0">
+              <a:lnSpc>
+                <a:spcPct val="100000"/>
+              </a:lnSpc>
+              <a:spcBef>
+                <a:spcPts val="0"/>
+              </a:spcBef>
+              <a:spcAft>
+                <a:spcPts val="0"/>
+              </a:spcAft>
+              <a:buClrTx/>
+              <a:buSzTx/>
+              <a:buFontTx/>
+              <a:buNone/>
+              <a:tabLst/>
+              <a:defRPr/>
+            </a:pPr>
+            <a:r>
+              <a:rPr kumimoji="0" lang="ja-JP" altLang="en-US" sz="1400" kern="0">
+                <a:solidFill>
+                  <a:srgbClr val="000000"/>
+                </a:solidFill>
+                <a:latin typeface="MS PGothic" panose="020B0600070205080204" pitchFamily="34" charset="-128"/>
+                <a:ea typeface="MS PGothic" panose="020B0600070205080204" pitchFamily="34" charset="-128"/>
+                <a:sym typeface="Helvetica Light"/>
+              </a:rPr>
+              <a:t>・</a:t>
+            </a:r>
+            <a:endParaRPr kumimoji="0" lang="en-US" altLang="ja-JP" sz="1400" kern="0" dirty="0">
+              <a:solidFill>
+                <a:srgbClr val="000000"/>
+              </a:solidFill>
+              <a:latin typeface="MS PGothic" panose="020B0600070205080204" pitchFamily="34" charset="-128"/>
+              <a:ea typeface="MS PGothic" panose="020B0600070205080204" pitchFamily="34" charset="-128"/>
+              <a:sym typeface="Helvetica Light"/>
+            </a:endParaRPr>
+          </a:p>
+          <a:p>
+            <a:pPr marL="0" marR="0" lvl="0" indent="0" algn="ctr" defTabSz="584200" eaLnBrk="1" fontAlgn="auto" latinLnBrk="0" hangingPunct="0">
+              <a:lnSpc>
+                <a:spcPct val="100000"/>
+              </a:lnSpc>
+              <a:spcBef>
+                <a:spcPts val="0"/>
+              </a:spcBef>
+              <a:spcAft>
+                <a:spcPts val="0"/>
+              </a:spcAft>
+              <a:buClrTx/>
+              <a:buSzTx/>
+              <a:buFontTx/>
+              <a:buNone/>
+              <a:tabLst/>
+              <a:defRPr/>
+            </a:pPr>
+            <a:r>
+              <a:rPr kumimoji="0" lang="ja-JP" altLang="en-US" sz="1400" b="0" i="0" u="none" strike="noStrike" kern="0" cap="none" spc="0" normalizeH="0" baseline="0" noProof="0">
+                <a:ln>
+                  <a:noFill/>
+                </a:ln>
+                <a:solidFill>
+                  <a:srgbClr val="000000"/>
+                </a:solidFill>
+                <a:effectLst/>
+                <a:uLnTx/>
+                <a:uFillTx/>
+                <a:latin typeface="MS PGothic" panose="020B0600070205080204" pitchFamily="34" charset="-128"/>
+                <a:ea typeface="MS PGothic" panose="020B0600070205080204" pitchFamily="34" charset="-128"/>
+                <a:sym typeface="Helvetica Light"/>
+              </a:rPr>
+              <a:t>・</a:t>
+            </a:r>
+            <a:endParaRPr kumimoji="0" lang="en-US" altLang="ja-JP" sz="1400" b="0" i="0" u="none" strike="noStrike" kern="0" cap="none" spc="0" normalizeH="0" baseline="0" noProof="0" dirty="0">
+              <a:ln>
+                <a:noFill/>
+              </a:ln>
+              <a:solidFill>
+                <a:srgbClr val="000000"/>
+              </a:solidFill>
+              <a:effectLst/>
+              <a:uLnTx/>
+              <a:uFillTx/>
+              <a:latin typeface="MS PGothic" panose="020B0600070205080204" pitchFamily="34" charset="-128"/>
+              <a:ea typeface="MS PGothic" panose="020B0600070205080204" pitchFamily="34" charset="-128"/>
+              <a:sym typeface="Helvetica Light"/>
+            </a:endParaRPr>
+          </a:p>
+        </p:txBody>
+      </p:sp>
+      <p:grpSp>
+        <p:nvGrpSpPr>
+          <p:cNvPr id="99" name="グループ化 98">
+            <a:extLst>
+              <a:ext uri="{FF2B5EF4-FFF2-40B4-BE49-F238E27FC236}">
+                <a16:creationId xmlns:a16="http://schemas.microsoft.com/office/drawing/2014/main" id="{004F6C22-F87E-C145-AF70-836083779F1A}"/>
+              </a:ext>
+            </a:extLst>
+          </p:cNvPr>
+          <p:cNvGrpSpPr/>
+          <p:nvPr/>
+        </p:nvGrpSpPr>
+        <p:grpSpPr>
+          <a:xfrm>
+            <a:off x="11014745" y="2734465"/>
+            <a:ext cx="915529" cy="1107711"/>
+            <a:chOff x="10399851" y="1773834"/>
+            <a:chExt cx="915529" cy="1107711"/>
+          </a:xfrm>
+        </p:grpSpPr>
+        <p:grpSp>
+          <p:nvGrpSpPr>
+            <p:cNvPr id="100" name="グループ化 99">
+              <a:extLst>
+                <a:ext uri="{FF2B5EF4-FFF2-40B4-BE49-F238E27FC236}">
+                  <a16:creationId xmlns:a16="http://schemas.microsoft.com/office/drawing/2014/main" id="{4D17B562-3A5A-8543-8804-45F9671CA437}"/>
+                </a:ext>
+              </a:extLst>
+            </p:cNvPr>
+            <p:cNvGrpSpPr/>
+            <p:nvPr/>
+          </p:nvGrpSpPr>
+          <p:grpSpPr>
+            <a:xfrm>
+              <a:off x="10483678" y="1773834"/>
+              <a:ext cx="815612" cy="752354"/>
+              <a:chOff x="9190747" y="376501"/>
+              <a:chExt cx="815612" cy="752354"/>
+            </a:xfrm>
+          </p:grpSpPr>
+          <p:pic>
+            <p:nvPicPr>
+              <p:cNvPr id="102" name="グラフィックス 101" descr="画像">
+                <a:extLst>
+                  <a:ext uri="{FF2B5EF4-FFF2-40B4-BE49-F238E27FC236}">
+                    <a16:creationId xmlns:a16="http://schemas.microsoft.com/office/drawing/2014/main" id="{E3D2921A-503B-8345-8B01-2672082C88C7}"/>
+                  </a:ext>
+                </a:extLst>
+              </p:cNvPr>
+              <p:cNvPicPr>
+                <a:picLocks noChangeAspect="1"/>
+              </p:cNvPicPr>
+              <p:nvPr/>
+            </p:nvPicPr>
+            <p:blipFill>
+              <a:blip r:embed="rId2">
+                <a:extLst>
+                  <a:ext uri="{28A0092B-C50C-407E-A947-70E740481C1C}">
+                    <a14:useLocalDpi xmlns:a14="http://schemas.microsoft.com/office/drawing/2010/main" val="0"/>
+                  </a:ext>
+                  <a:ext uri="{96DAC541-7B7A-43D3-8B79-37D633B846F1}">
+                    <asvg:svgBlip xmlns:asvg="http://schemas.microsoft.com/office/drawing/2016/SVG/main" r:embed="rId3"/>
+                  </a:ext>
+                </a:extLst>
+              </a:blip>
+              <a:stretch>
+                <a:fillRect/>
+              </a:stretch>
+            </p:blipFill>
+            <p:spPr>
+              <a:xfrm>
+                <a:off x="9337960" y="376501"/>
+                <a:ext cx="668399" cy="616333"/>
+              </a:xfrm>
+              <a:prstGeom prst="rect">
+                <a:avLst/>
+              </a:prstGeom>
+            </p:spPr>
+          </p:pic>
+          <p:sp>
+            <p:nvSpPr>
+              <p:cNvPr id="103" name="正方形/長方形 102">
+                <a:extLst>
+                  <a:ext uri="{FF2B5EF4-FFF2-40B4-BE49-F238E27FC236}">
+                    <a16:creationId xmlns:a16="http://schemas.microsoft.com/office/drawing/2014/main" id="{19B7D1CB-5EE4-C745-885E-F4EF482EECB1}"/>
+                  </a:ext>
+                </a:extLst>
+              </p:cNvPr>
+              <p:cNvSpPr/>
+              <p:nvPr/>
+            </p:nvSpPr>
+            <p:spPr>
+              <a:xfrm>
+                <a:off x="9337960" y="607626"/>
+                <a:ext cx="492017" cy="385209"/>
+              </a:xfrm>
+              <a:prstGeom prst="rect">
+                <a:avLst/>
+              </a:prstGeom>
+              <a:solidFill>
+                <a:schemeClr val="bg1"/>
+              </a:solidFill>
+              <a:ln>
+                <a:noFill/>
+              </a:ln>
+            </p:spPr>
+            <p:style>
+              <a:lnRef idx="2">
+                <a:schemeClr val="accent1">
+                  <a:shade val="50000"/>
+                </a:schemeClr>
+              </a:lnRef>
+              <a:fillRef idx="1">
+                <a:schemeClr val="accent1"/>
+              </a:fillRef>
+              <a:effectRef idx="0">
+                <a:schemeClr val="accent1"/>
+              </a:effectRef>
+              <a:fontRef idx="minor">
+                <a:schemeClr val="lt1"/>
+              </a:fontRef>
+            </p:style>
+            <p:txBody>
+              <a:bodyPr rtlCol="0" anchor="ctr"/>
+              <a:lstStyle/>
+              <a:p>
+                <a:pPr algn="ctr"/>
+                <a:endParaRPr kumimoji="1" lang="ja-JP" altLang="en-US"/>
+              </a:p>
+            </p:txBody>
+          </p:sp>
+          <p:pic>
+            <p:nvPicPr>
+              <p:cNvPr id="104" name="グラフィックス 103" descr="画像">
+                <a:extLst>
+                  <a:ext uri="{FF2B5EF4-FFF2-40B4-BE49-F238E27FC236}">
+                    <a16:creationId xmlns:a16="http://schemas.microsoft.com/office/drawing/2014/main" id="{49FDE710-F2D3-A941-82EB-07D87E273A45}"/>
+                  </a:ext>
+                </a:extLst>
+              </p:cNvPr>
+              <p:cNvPicPr>
+                <a:picLocks noChangeAspect="1"/>
+              </p:cNvPicPr>
+              <p:nvPr/>
+            </p:nvPicPr>
+            <p:blipFill>
+              <a:blip r:embed="rId2">
+                <a:extLst>
+                  <a:ext uri="{28A0092B-C50C-407E-A947-70E740481C1C}">
+                    <a14:useLocalDpi xmlns:a14="http://schemas.microsoft.com/office/drawing/2010/main" val="0"/>
+                  </a:ext>
+                  <a:ext uri="{96DAC541-7B7A-43D3-8B79-37D633B846F1}">
+                    <asvg:svgBlip xmlns:asvg="http://schemas.microsoft.com/office/drawing/2016/SVG/main" r:embed="rId3"/>
+                  </a:ext>
+                </a:extLst>
+              </a:blip>
+              <a:stretch>
+                <a:fillRect/>
+              </a:stretch>
+            </p:blipFill>
+            <p:spPr>
+              <a:xfrm>
+                <a:off x="9190747" y="512522"/>
+                <a:ext cx="668399" cy="616333"/>
+              </a:xfrm>
+              <a:prstGeom prst="rect">
+                <a:avLst/>
+              </a:prstGeom>
+            </p:spPr>
+          </p:pic>
+        </p:grpSp>
+        <p:sp>
+          <p:nvSpPr>
+            <p:cNvPr id="101" name="テキスト ボックス 100">
+              <a:extLst>
+                <a:ext uri="{FF2B5EF4-FFF2-40B4-BE49-F238E27FC236}">
+                  <a16:creationId xmlns:a16="http://schemas.microsoft.com/office/drawing/2014/main" id="{F2D491CA-7CB6-DB47-9585-15878CAA17D2}"/>
+                </a:ext>
+              </a:extLst>
+            </p:cNvPr>
+            <p:cNvSpPr txBox="1"/>
+            <p:nvPr/>
+          </p:nvSpPr>
+          <p:spPr>
+            <a:xfrm>
+              <a:off x="10399851" y="2409621"/>
+              <a:ext cx="915529" cy="471924"/>
+            </a:xfrm>
+            <a:prstGeom prst="rect">
+              <a:avLst/>
+            </a:prstGeom>
+            <a:noFill/>
+            <a:ln w="12700" cap="flat">
+              <a:noFill/>
+              <a:miter lim="400000"/>
+            </a:ln>
+            <a:effectLst/>
+            <a:sp3d/>
+          </p:spPr>
+          <p:txBody>
+            <a:bodyPr rot="0" spcFirstLastPara="1" vertOverflow="overflow" horzOverflow="overflow" vert="horz" wrap="square" lIns="50800" tIns="50800" rIns="50800" bIns="50800" numCol="1" spcCol="38100" rtlCol="0" anchor="ctr">
+              <a:spAutoFit/>
+            </a:bodyPr>
+            <a:lstStyle/>
+            <a:p>
+              <a:pPr marL="0" marR="0" lvl="0" indent="0" algn="ctr" defTabSz="584200" eaLnBrk="1" fontAlgn="auto" latinLnBrk="0" hangingPunct="0">
+                <a:lnSpc>
+                  <a:spcPct val="100000"/>
+                </a:lnSpc>
+                <a:spcBef>
+                  <a:spcPts val="0"/>
+                </a:spcBef>
+                <a:spcAft>
+                  <a:spcPts val="0"/>
+                </a:spcAft>
+                <a:buClrTx/>
+                <a:buSzTx/>
+                <a:buFontTx/>
+                <a:buNone/>
+                <a:tabLst/>
+                <a:defRPr/>
+              </a:pPr>
+              <a:r>
+                <a:rPr kumimoji="0" lang="ja-JP" altLang="en-US" sz="2400" kern="0">
+                  <a:solidFill>
+                    <a:srgbClr val="000000"/>
+                  </a:solidFill>
+                  <a:latin typeface="MS PGothic" panose="020B0600070205080204" pitchFamily="34" charset="-128"/>
+                  <a:ea typeface="MS PGothic" panose="020B0600070205080204" pitchFamily="34" charset="-128"/>
+                  <a:sym typeface="Helvetica Light"/>
+                </a:rPr>
+                <a:t>作品</a:t>
+              </a:r>
+              <a:r>
+                <a:rPr kumimoji="0" lang="en-US" altLang="ja-JP" sz="2400" kern="0" dirty="0">
+                  <a:solidFill>
+                    <a:srgbClr val="000000"/>
+                  </a:solidFill>
+                  <a:latin typeface="MS PGothic" panose="020B0600070205080204" pitchFamily="34" charset="-128"/>
+                  <a:ea typeface="MS PGothic" panose="020B0600070205080204" pitchFamily="34" charset="-128"/>
+                  <a:sym typeface="Helvetica Light"/>
+                </a:rPr>
+                <a:t>B</a:t>
+              </a:r>
+              <a:endParaRPr kumimoji="0" lang="en-US" altLang="ja-JP" sz="2400" b="0" i="0" u="none" strike="noStrike" kern="0" cap="none" spc="0" normalizeH="0" baseline="0" noProof="0" dirty="0">
+                <a:ln>
+                  <a:noFill/>
+                </a:ln>
+                <a:solidFill>
+                  <a:srgbClr val="000000"/>
+                </a:solidFill>
+                <a:effectLst/>
+                <a:uLnTx/>
+                <a:uFillTx/>
+                <a:latin typeface="MS PGothic" panose="020B0600070205080204" pitchFamily="34" charset="-128"/>
+                <a:ea typeface="MS PGothic" panose="020B0600070205080204" pitchFamily="34" charset="-128"/>
+                <a:sym typeface="Helvetica Light"/>
+              </a:endParaRPr>
+            </a:p>
+          </p:txBody>
+        </p:sp>
+      </p:grpSp>
+      <p:sp>
+        <p:nvSpPr>
+          <p:cNvPr id="105" name="テキスト ボックス 104">
+            <a:extLst>
+              <a:ext uri="{FF2B5EF4-FFF2-40B4-BE49-F238E27FC236}">
+                <a16:creationId xmlns:a16="http://schemas.microsoft.com/office/drawing/2014/main" id="{18E3E72F-3ADF-404B-A40D-D8E6A51D252A}"/>
+              </a:ext>
+            </a:extLst>
+          </p:cNvPr>
+          <p:cNvSpPr txBox="1"/>
+          <p:nvPr/>
+        </p:nvSpPr>
+        <p:spPr>
+          <a:xfrm>
+            <a:off x="10694526" y="3807432"/>
+            <a:ext cx="1555966" cy="748923"/>
+          </a:xfrm>
+          <a:prstGeom prst="rect">
+            <a:avLst/>
+          </a:prstGeom>
+          <a:noFill/>
+          <a:ln w="12700" cap="flat">
+            <a:noFill/>
+            <a:miter lim="400000"/>
+          </a:ln>
+          <a:effectLst/>
+          <a:sp3d/>
+        </p:spPr>
+        <p:txBody>
+          <a:bodyPr rot="0" spcFirstLastPara="1" vertOverflow="overflow" horzOverflow="overflow" vert="horz" wrap="square" lIns="50800" tIns="50800" rIns="50800" bIns="50800" numCol="1" spcCol="38100" rtlCol="0" anchor="ctr">
+            <a:spAutoFit/>
+          </a:bodyPr>
+          <a:lstStyle/>
+          <a:p>
+            <a:pPr marL="0" marR="0" lvl="0" indent="0" algn="ctr" defTabSz="584200" eaLnBrk="1" fontAlgn="auto" latinLnBrk="0" hangingPunct="0">
+              <a:lnSpc>
+                <a:spcPct val="100000"/>
+              </a:lnSpc>
+              <a:spcBef>
+                <a:spcPts val="0"/>
+              </a:spcBef>
+              <a:spcAft>
+                <a:spcPts val="0"/>
+              </a:spcAft>
+              <a:buClrTx/>
+              <a:buSzTx/>
+              <a:buFontTx/>
+              <a:buNone/>
+              <a:tabLst/>
+              <a:defRPr/>
+            </a:pPr>
+            <a:r>
+              <a:rPr kumimoji="0" lang="ja-JP" altLang="en-US" sz="1400" b="0" i="0" u="none" strike="noStrike" kern="0" cap="none" spc="0" normalizeH="0" baseline="0" noProof="0">
+                <a:ln>
+                  <a:noFill/>
+                </a:ln>
+                <a:solidFill>
+                  <a:srgbClr val="000000"/>
+                </a:solidFill>
+                <a:effectLst/>
+                <a:uLnTx/>
+                <a:uFillTx/>
+                <a:latin typeface="MS PGothic" panose="020B0600070205080204" pitchFamily="34" charset="-128"/>
+                <a:ea typeface="MS PGothic" panose="020B0600070205080204" pitchFamily="34" charset="-128"/>
+                <a:sym typeface="Helvetica Light"/>
+              </a:rPr>
+              <a:t>・</a:t>
+            </a:r>
+            <a:endParaRPr kumimoji="0" lang="en-US" altLang="ja-JP" sz="1400" b="0" i="0" u="none" strike="noStrike" kern="0" cap="none" spc="0" normalizeH="0" baseline="0" noProof="0" dirty="0">
+              <a:ln>
+                <a:noFill/>
+              </a:ln>
+              <a:solidFill>
+                <a:srgbClr val="000000"/>
+              </a:solidFill>
+              <a:effectLst/>
+              <a:uLnTx/>
+              <a:uFillTx/>
+              <a:latin typeface="MS PGothic" panose="020B0600070205080204" pitchFamily="34" charset="-128"/>
+              <a:ea typeface="MS PGothic" panose="020B0600070205080204" pitchFamily="34" charset="-128"/>
+              <a:sym typeface="Helvetica Light"/>
+            </a:endParaRPr>
+          </a:p>
+          <a:p>
+            <a:pPr marL="0" marR="0" lvl="0" indent="0" algn="ctr" defTabSz="584200" eaLnBrk="1" fontAlgn="auto" latinLnBrk="0" hangingPunct="0">
+              <a:lnSpc>
+                <a:spcPct val="100000"/>
+              </a:lnSpc>
+              <a:spcBef>
+                <a:spcPts val="0"/>
+              </a:spcBef>
+              <a:spcAft>
+                <a:spcPts val="0"/>
+              </a:spcAft>
+              <a:buClrTx/>
+              <a:buSzTx/>
+              <a:buFontTx/>
+              <a:buNone/>
+              <a:tabLst/>
+              <a:defRPr/>
+            </a:pPr>
+            <a:r>
+              <a:rPr kumimoji="0" lang="ja-JP" altLang="en-US" sz="1400" kern="0">
+                <a:solidFill>
+                  <a:srgbClr val="000000"/>
+                </a:solidFill>
+                <a:latin typeface="MS PGothic" panose="020B0600070205080204" pitchFamily="34" charset="-128"/>
+                <a:ea typeface="MS PGothic" panose="020B0600070205080204" pitchFamily="34" charset="-128"/>
+                <a:sym typeface="Helvetica Light"/>
+              </a:rPr>
+              <a:t>・</a:t>
+            </a:r>
+            <a:endParaRPr kumimoji="0" lang="en-US" altLang="ja-JP" sz="1400" kern="0" dirty="0">
+              <a:solidFill>
+                <a:srgbClr val="000000"/>
+              </a:solidFill>
+              <a:latin typeface="MS PGothic" panose="020B0600070205080204" pitchFamily="34" charset="-128"/>
+              <a:ea typeface="MS PGothic" panose="020B0600070205080204" pitchFamily="34" charset="-128"/>
+              <a:sym typeface="Helvetica Light"/>
+            </a:endParaRPr>
+          </a:p>
+          <a:p>
+            <a:pPr marL="0" marR="0" lvl="0" indent="0" algn="ctr" defTabSz="584200" eaLnBrk="1" fontAlgn="auto" latinLnBrk="0" hangingPunct="0">
+              <a:lnSpc>
+                <a:spcPct val="100000"/>
+              </a:lnSpc>
+              <a:spcBef>
+                <a:spcPts val="0"/>
+              </a:spcBef>
+              <a:spcAft>
+                <a:spcPts val="0"/>
+              </a:spcAft>
+              <a:buClrTx/>
+              <a:buSzTx/>
+              <a:buFontTx/>
+              <a:buNone/>
+              <a:tabLst/>
+              <a:defRPr/>
+            </a:pPr>
+            <a:r>
+              <a:rPr kumimoji="0" lang="ja-JP" altLang="en-US" sz="1400" b="0" i="0" u="none" strike="noStrike" kern="0" cap="none" spc="0" normalizeH="0" baseline="0" noProof="0">
+                <a:ln>
+                  <a:noFill/>
+                </a:ln>
+                <a:solidFill>
+                  <a:srgbClr val="000000"/>
+                </a:solidFill>
+                <a:effectLst/>
+                <a:uLnTx/>
+                <a:uFillTx/>
+                <a:latin typeface="MS PGothic" panose="020B0600070205080204" pitchFamily="34" charset="-128"/>
+                <a:ea typeface="MS PGothic" panose="020B0600070205080204" pitchFamily="34" charset="-128"/>
+                <a:sym typeface="Helvetica Light"/>
+              </a:rPr>
+              <a:t>・</a:t>
+            </a:r>
+            <a:endParaRPr kumimoji="0" lang="en-US" altLang="ja-JP" sz="1400" b="0" i="0" u="none" strike="noStrike" kern="0" cap="none" spc="0" normalizeH="0" baseline="0" noProof="0" dirty="0">
+              <a:ln>
+                <a:noFill/>
+              </a:ln>
+              <a:solidFill>
+                <a:srgbClr val="000000"/>
+              </a:solidFill>
+              <a:effectLst/>
+              <a:uLnTx/>
+              <a:uFillTx/>
+              <a:latin typeface="MS PGothic" panose="020B0600070205080204" pitchFamily="34" charset="-128"/>
+              <a:ea typeface="MS PGothic" panose="020B0600070205080204" pitchFamily="34" charset="-128"/>
+              <a:sym typeface="Helvetica Light"/>
+            </a:endParaRPr>
+          </a:p>
+        </p:txBody>
+      </p:sp>
+      <p:cxnSp>
+        <p:nvCxnSpPr>
+          <p:cNvPr id="108" name="直線矢印コネクタ 107">
+            <a:extLst>
+              <a:ext uri="{FF2B5EF4-FFF2-40B4-BE49-F238E27FC236}">
+                <a16:creationId xmlns:a16="http://schemas.microsoft.com/office/drawing/2014/main" id="{62C66557-64BD-3D41-89B2-62D39F335AEC}"/>
+              </a:ext>
+            </a:extLst>
+          </p:cNvPr>
+          <p:cNvCxnSpPr>
+            <a:cxnSpLocks/>
+            <a:endCxn id="61" idx="3"/>
+          </p:cNvCxnSpPr>
+          <p:nvPr/>
+        </p:nvCxnSpPr>
+        <p:spPr>
+          <a:xfrm flipH="1">
+            <a:off x="10709137" y="2193688"/>
+            <a:ext cx="373810" cy="7867"/>
+          </a:xfrm>
+          <a:prstGeom prst="straightConnector1">
+            <a:avLst/>
+          </a:prstGeom>
+          <a:ln w="38100">
+            <a:tailEnd type="triangle"/>
+          </a:ln>
+        </p:spPr>
+        <p:style>
+          <a:lnRef idx="1">
+            <a:schemeClr val="dk1"/>
+          </a:lnRef>
+          <a:fillRef idx="0">
+            <a:schemeClr val="dk1"/>
+          </a:fillRef>
+          <a:effectRef idx="0">
+            <a:schemeClr val="dk1"/>
+          </a:effectRef>
+          <a:fontRef idx="minor">
+            <a:schemeClr val="tx1"/>
+          </a:fontRef>
+        </p:style>
+      </p:cxnSp>
+      <p:cxnSp>
+        <p:nvCxnSpPr>
+          <p:cNvPr id="110" name="直線矢印コネクタ 109">
+            <a:extLst>
+              <a:ext uri="{FF2B5EF4-FFF2-40B4-BE49-F238E27FC236}">
+                <a16:creationId xmlns:a16="http://schemas.microsoft.com/office/drawing/2014/main" id="{653B5D60-D061-164A-940C-9B5F4C540DF1}"/>
+              </a:ext>
+            </a:extLst>
+          </p:cNvPr>
+          <p:cNvCxnSpPr>
+            <a:cxnSpLocks/>
+          </p:cNvCxnSpPr>
+          <p:nvPr/>
+        </p:nvCxnSpPr>
+        <p:spPr>
+          <a:xfrm flipH="1">
+            <a:off x="10709135" y="3328972"/>
+            <a:ext cx="373810" cy="7867"/>
+          </a:xfrm>
+          <a:prstGeom prst="straightConnector1">
+            <a:avLst/>
+          </a:prstGeom>
+          <a:ln w="38100">
+            <a:tailEnd type="triangle"/>
+          </a:ln>
+        </p:spPr>
+        <p:style>
+          <a:lnRef idx="1">
+            <a:schemeClr val="dk1"/>
+          </a:lnRef>
+          <a:fillRef idx="0">
+            <a:schemeClr val="dk1"/>
+          </a:fillRef>
+          <a:effectRef idx="0">
+            <a:schemeClr val="dk1"/>
+          </a:effectRef>
+          <a:fontRef idx="minor">
+            <a:schemeClr val="tx1"/>
+          </a:fontRef>
+        </p:style>
+      </p:cxnSp>
+      <p:cxnSp>
+        <p:nvCxnSpPr>
+          <p:cNvPr id="111" name="直線矢印コネクタ 110">
+            <a:extLst>
+              <a:ext uri="{FF2B5EF4-FFF2-40B4-BE49-F238E27FC236}">
+                <a16:creationId xmlns:a16="http://schemas.microsoft.com/office/drawing/2014/main" id="{4846F37C-6E90-6B48-86D7-080103EE6AC8}"/>
+              </a:ext>
+            </a:extLst>
+          </p:cNvPr>
+          <p:cNvCxnSpPr>
+            <a:cxnSpLocks/>
+          </p:cNvCxnSpPr>
+          <p:nvPr/>
+        </p:nvCxnSpPr>
+        <p:spPr>
+          <a:xfrm flipH="1">
+            <a:off x="7924569" y="3346864"/>
+            <a:ext cx="373810" cy="7867"/>
+          </a:xfrm>
+          <a:prstGeom prst="straightConnector1">
+            <a:avLst/>
+          </a:prstGeom>
+          <a:ln w="38100">
+            <a:tailEnd type="triangle"/>
+          </a:ln>
+        </p:spPr>
+        <p:style>
+          <a:lnRef idx="1">
+            <a:schemeClr val="dk1"/>
+          </a:lnRef>
+          <a:fillRef idx="0">
+            <a:schemeClr val="dk1"/>
+          </a:fillRef>
+          <a:effectRef idx="0">
+            <a:schemeClr val="dk1"/>
+          </a:effectRef>
+          <a:fontRef idx="minor">
+            <a:schemeClr val="tx1"/>
+          </a:fontRef>
+        </p:style>
+      </p:cxnSp>
+      <p:cxnSp>
+        <p:nvCxnSpPr>
+          <p:cNvPr id="113" name="直線矢印コネクタ 112">
+            <a:extLst>
+              <a:ext uri="{FF2B5EF4-FFF2-40B4-BE49-F238E27FC236}">
+                <a16:creationId xmlns:a16="http://schemas.microsoft.com/office/drawing/2014/main" id="{72FCD57F-BD1E-6C41-8AAF-EEAA6BE343D7}"/>
+              </a:ext>
+            </a:extLst>
+          </p:cNvPr>
+          <p:cNvCxnSpPr>
+            <a:cxnSpLocks/>
+          </p:cNvCxnSpPr>
+          <p:nvPr/>
+        </p:nvCxnSpPr>
+        <p:spPr>
+          <a:xfrm flipH="1">
+            <a:off x="7921730" y="2201553"/>
+            <a:ext cx="373810" cy="7867"/>
+          </a:xfrm>
+          <a:prstGeom prst="straightConnector1">
+            <a:avLst/>
+          </a:prstGeom>
+          <a:ln w="38100">
+            <a:tailEnd type="triangle"/>
+          </a:ln>
+        </p:spPr>
+        <p:style>
+          <a:lnRef idx="1">
+            <a:schemeClr val="dk1"/>
+          </a:lnRef>
+          <a:fillRef idx="0">
+            <a:schemeClr val="dk1"/>
+          </a:fillRef>
+          <a:effectRef idx="0">
+            <a:schemeClr val="dk1"/>
+          </a:effectRef>
+          <a:fontRef idx="minor">
+            <a:schemeClr val="tx1"/>
+          </a:fontRef>
+        </p:style>
+      </p:cxnSp>
+    </p:spTree>
+    <p:extLst>
+      <p:ext uri="{BB962C8B-B14F-4D97-AF65-F5344CB8AC3E}">
+        <p14:creationId xmlns:p14="http://schemas.microsoft.com/office/powerpoint/2010/main" val="3180184021"/>
+      </p:ext>
+    </p:extLst>
+  </p:cSld>
+  <p:clrMapOvr>
+    <a:masterClrMapping/>
+  </p:clrMapOvr>
+</p:sld>
+</file>
+
+<file path=ppt/slides/slide16.xml><?xml version="1.0" encoding="utf-8"?>
+<p:sld xmlns:a="http://schemas.openxmlformats.org/drawingml/2006/main" xmlns:r="http://schemas.openxmlformats.org/officeDocument/2006/relationships" xmlns:p="http://schemas.openxmlformats.org/presentationml/2006/main">
+  <p:cSld>
+    <p:spTree>
+      <p:nvGrpSpPr>
+        <p:cNvPr id="1" name=""/>
+        <p:cNvGrpSpPr/>
+        <p:nvPr/>
+      </p:nvGrpSpPr>
+      <p:grpSpPr>
+        <a:xfrm>
+          <a:off x="0" y="0"/>
+          <a:ext cx="0" cy="0"/>
+          <a:chOff x="0" y="0"/>
+          <a:chExt cx="0" cy="0"/>
+        </a:xfrm>
+      </p:grpSpPr>
+      <p:sp>
+        <p:nvSpPr>
+          <p:cNvPr id="4" name="角丸四角形 3">
+            <a:extLst>
+              <a:ext uri="{FF2B5EF4-FFF2-40B4-BE49-F238E27FC236}">
+                <a16:creationId xmlns:a16="http://schemas.microsoft.com/office/drawing/2014/main" id="{31778162-D52D-F442-9856-F03A98E63A06}"/>
+              </a:ext>
+            </a:extLst>
+          </p:cNvPr>
+          <p:cNvSpPr/>
+          <p:nvPr/>
+        </p:nvSpPr>
+        <p:spPr>
+          <a:xfrm>
+            <a:off x="1523351" y="3539966"/>
+            <a:ext cx="4522661" cy="1189344"/>
+          </a:xfrm>
+          <a:prstGeom prst="roundRect">
+            <a:avLst/>
+          </a:prstGeom>
+          <a:ln/>
+        </p:spPr>
+        <p:style>
+          <a:lnRef idx="2">
+            <a:schemeClr val="dk1"/>
+          </a:lnRef>
+          <a:fillRef idx="1">
+            <a:schemeClr val="lt1"/>
+          </a:fillRef>
+          <a:effectRef idx="0">
+            <a:schemeClr val="dk1"/>
+          </a:effectRef>
+          <a:fontRef idx="minor">
+            <a:schemeClr val="dk1"/>
+          </a:fontRef>
+        </p:style>
+        <p:txBody>
+          <a:bodyPr rot="0" spcFirstLastPara="1" vertOverflow="overflow" horzOverflow="overflow" vert="horz" wrap="square" lIns="50800" tIns="50800" rIns="50800" bIns="50800" numCol="1" spcCol="38100" rtlCol="0" anchor="ctr">
+            <a:noAutofit/>
+          </a:bodyPr>
+          <a:lstStyle/>
+          <a:p>
+            <a:pPr marL="0" marR="0" indent="0" algn="ctr" defTabSz="584200" rtl="0" fontAlgn="auto" latinLnBrk="0" hangingPunct="0">
+              <a:lnSpc>
+                <a:spcPct val="100000"/>
+              </a:lnSpc>
+              <a:spcBef>
+                <a:spcPts val="0"/>
+              </a:spcBef>
+              <a:spcAft>
+                <a:spcPts val="0"/>
+              </a:spcAft>
+              <a:buClrTx/>
+              <a:buSzTx/>
+              <a:buFontTx/>
+              <a:buNone/>
+              <a:tabLst/>
+            </a:pPr>
+            <a:endParaRPr kumimoji="0" lang="ja-JP" altLang="en-US" sz="4000" b="0" i="0" u="none" strike="noStrike" cap="none" spc="0" normalizeH="0" baseline="0">
+              <a:ln>
+                <a:noFill/>
+              </a:ln>
+              <a:solidFill>
+                <a:schemeClr val="tx1"/>
+              </a:solidFill>
+              <a:effectLst/>
+              <a:uFillTx/>
+              <a:latin typeface="MS PGothic" panose="020B0600070205080204" pitchFamily="34" charset="-128"/>
+              <a:ea typeface="MS PGothic" panose="020B0600070205080204" pitchFamily="34" charset="-128"/>
+              <a:sym typeface="Helvetica Light"/>
+            </a:endParaRPr>
+          </a:p>
+        </p:txBody>
+      </p:sp>
+      <p:sp>
+        <p:nvSpPr>
+          <p:cNvPr id="5" name="角丸四角形 4">
+            <a:extLst>
+              <a:ext uri="{FF2B5EF4-FFF2-40B4-BE49-F238E27FC236}">
+                <a16:creationId xmlns:a16="http://schemas.microsoft.com/office/drawing/2014/main" id="{0C92C300-688E-684A-8426-95606B7AC92F}"/>
+              </a:ext>
+            </a:extLst>
+          </p:cNvPr>
+          <p:cNvSpPr/>
+          <p:nvPr/>
+        </p:nvSpPr>
+        <p:spPr>
+          <a:xfrm>
+            <a:off x="6806058" y="2076337"/>
+            <a:ext cx="4563338" cy="2652973"/>
+          </a:xfrm>
+          <a:prstGeom prst="roundRect">
+            <a:avLst/>
+          </a:prstGeom>
+          <a:ln/>
+        </p:spPr>
+        <p:style>
+          <a:lnRef idx="2">
+            <a:schemeClr val="dk1"/>
+          </a:lnRef>
+          <a:fillRef idx="1">
+            <a:schemeClr val="lt1"/>
+          </a:fillRef>
+          <a:effectRef idx="0">
+            <a:schemeClr val="dk1"/>
+          </a:effectRef>
+          <a:fontRef idx="minor">
+            <a:schemeClr val="dk1"/>
+          </a:fontRef>
+        </p:style>
+        <p:txBody>
+          <a:bodyPr rot="0" spcFirstLastPara="1" vertOverflow="overflow" horzOverflow="overflow" vert="horz" wrap="square" lIns="50800" tIns="50800" rIns="50800" bIns="50800" numCol="1" spcCol="38100" rtlCol="0" anchor="ctr">
+            <a:noAutofit/>
+          </a:bodyPr>
+          <a:lstStyle/>
+          <a:p>
+            <a:pPr marL="0" marR="0" indent="0" algn="ctr" defTabSz="584200" rtl="0" fontAlgn="auto" latinLnBrk="0" hangingPunct="0">
+              <a:lnSpc>
+                <a:spcPct val="100000"/>
+              </a:lnSpc>
+              <a:spcBef>
+                <a:spcPts val="0"/>
+              </a:spcBef>
+              <a:spcAft>
+                <a:spcPts val="0"/>
+              </a:spcAft>
+              <a:buClrTx/>
+              <a:buSzTx/>
+              <a:buFontTx/>
+              <a:buNone/>
+              <a:tabLst/>
+            </a:pPr>
+            <a:endParaRPr kumimoji="0" lang="ja-JP" altLang="en-US" sz="4000" b="0" i="0" u="none" strike="noStrike" cap="none" spc="0" normalizeH="0" baseline="0">
+              <a:ln>
+                <a:noFill/>
+              </a:ln>
+              <a:solidFill>
+                <a:schemeClr val="tx1"/>
+              </a:solidFill>
+              <a:effectLst/>
+              <a:uFillTx/>
+              <a:latin typeface="MS PGothic" panose="020B0600070205080204" pitchFamily="34" charset="-128"/>
+              <a:ea typeface="MS PGothic" panose="020B0600070205080204" pitchFamily="34" charset="-128"/>
+              <a:sym typeface="Helvetica Light"/>
+            </a:endParaRPr>
+          </a:p>
+        </p:txBody>
+      </p:sp>
+      <p:sp>
+        <p:nvSpPr>
+          <p:cNvPr id="6" name="角丸四角形 5">
+            <a:extLst>
+              <a:ext uri="{FF2B5EF4-FFF2-40B4-BE49-F238E27FC236}">
+                <a16:creationId xmlns:a16="http://schemas.microsoft.com/office/drawing/2014/main" id="{7364E91F-F496-524A-BFEB-7018B9F98BC9}"/>
+              </a:ext>
+            </a:extLst>
+          </p:cNvPr>
+          <p:cNvSpPr/>
+          <p:nvPr/>
+        </p:nvSpPr>
+        <p:spPr>
+          <a:xfrm>
+            <a:off x="1516636" y="2100042"/>
+            <a:ext cx="4522661" cy="1315042"/>
+          </a:xfrm>
+          <a:prstGeom prst="roundRect">
+            <a:avLst/>
+          </a:prstGeom>
+          <a:ln/>
+        </p:spPr>
+        <p:style>
+          <a:lnRef idx="2">
+            <a:schemeClr val="dk1"/>
+          </a:lnRef>
+          <a:fillRef idx="1">
+            <a:schemeClr val="lt1"/>
+          </a:fillRef>
+          <a:effectRef idx="0">
+            <a:schemeClr val="dk1"/>
+          </a:effectRef>
+          <a:fontRef idx="minor">
+            <a:schemeClr val="dk1"/>
+          </a:fontRef>
+        </p:style>
+        <p:txBody>
+          <a:bodyPr rot="0" spcFirstLastPara="1" vertOverflow="overflow" horzOverflow="overflow" vert="horz" wrap="square" lIns="50800" tIns="50800" rIns="50800" bIns="50800" numCol="1" spcCol="38100" rtlCol="0" anchor="ctr">
+            <a:noAutofit/>
+          </a:bodyPr>
+          <a:lstStyle/>
+          <a:p>
+            <a:pPr marL="0" marR="0" indent="0" algn="ctr" defTabSz="584200" rtl="0" fontAlgn="auto" latinLnBrk="0" hangingPunct="0">
+              <a:lnSpc>
+                <a:spcPct val="100000"/>
+              </a:lnSpc>
+              <a:spcBef>
+                <a:spcPts val="0"/>
+              </a:spcBef>
+              <a:spcAft>
+                <a:spcPts val="0"/>
+              </a:spcAft>
+              <a:buClrTx/>
+              <a:buSzTx/>
+              <a:buFontTx/>
+              <a:buNone/>
+              <a:tabLst/>
+            </a:pPr>
+            <a:endParaRPr kumimoji="0" lang="ja-JP" altLang="en-US" sz="4000" b="0" i="0" u="none" strike="noStrike" cap="none" spc="0" normalizeH="0" baseline="0">
+              <a:ln>
+                <a:noFill/>
+              </a:ln>
+              <a:solidFill>
+                <a:schemeClr val="tx1"/>
+              </a:solidFill>
+              <a:effectLst/>
+              <a:uFillTx/>
+              <a:latin typeface="MS PGothic" panose="020B0600070205080204" pitchFamily="34" charset="-128"/>
+              <a:ea typeface="MS PGothic" panose="020B0600070205080204" pitchFamily="34" charset="-128"/>
+              <a:sym typeface="Helvetica Light"/>
+            </a:endParaRPr>
+          </a:p>
+        </p:txBody>
+      </p:sp>
+      <p:grpSp>
+        <p:nvGrpSpPr>
+          <p:cNvPr id="7" name="グループ化 6">
+            <a:extLst>
+              <a:ext uri="{FF2B5EF4-FFF2-40B4-BE49-F238E27FC236}">
+                <a16:creationId xmlns:a16="http://schemas.microsoft.com/office/drawing/2014/main" id="{022C099F-D8E7-8641-A866-4172EFBCA99C}"/>
+              </a:ext>
+            </a:extLst>
+          </p:cNvPr>
+          <p:cNvGrpSpPr/>
+          <p:nvPr/>
+        </p:nvGrpSpPr>
+        <p:grpSpPr>
+          <a:xfrm>
+            <a:off x="10369106" y="2247743"/>
+            <a:ext cx="915529" cy="1005259"/>
+            <a:chOff x="10399851" y="1773834"/>
+            <a:chExt cx="915529" cy="1005259"/>
+          </a:xfrm>
+        </p:grpSpPr>
+        <p:grpSp>
+          <p:nvGrpSpPr>
+            <p:cNvPr id="8" name="グループ化 7">
+              <a:extLst>
+                <a:ext uri="{FF2B5EF4-FFF2-40B4-BE49-F238E27FC236}">
+                  <a16:creationId xmlns:a16="http://schemas.microsoft.com/office/drawing/2014/main" id="{E7CB6B68-31B6-654A-A35A-F3C2A0B93813}"/>
+                </a:ext>
+              </a:extLst>
+            </p:cNvPr>
+            <p:cNvGrpSpPr/>
+            <p:nvPr/>
+          </p:nvGrpSpPr>
+          <p:grpSpPr>
+            <a:xfrm>
+              <a:off x="10483678" y="1773834"/>
+              <a:ext cx="815612" cy="752354"/>
+              <a:chOff x="9190747" y="376501"/>
+              <a:chExt cx="815612" cy="752354"/>
+            </a:xfrm>
+          </p:grpSpPr>
+          <p:pic>
+            <p:nvPicPr>
+              <p:cNvPr id="10" name="グラフィックス 9" descr="画像">
+                <a:extLst>
+                  <a:ext uri="{FF2B5EF4-FFF2-40B4-BE49-F238E27FC236}">
+                    <a16:creationId xmlns:a16="http://schemas.microsoft.com/office/drawing/2014/main" id="{5D994D9D-6672-0442-AB01-F493C305D61A}"/>
+                  </a:ext>
+                </a:extLst>
+              </p:cNvPr>
+              <p:cNvPicPr>
+                <a:picLocks noChangeAspect="1"/>
+              </p:cNvPicPr>
+              <p:nvPr/>
+            </p:nvPicPr>
+            <p:blipFill>
+              <a:blip r:embed="rId2">
+                <a:extLst>
+                  <a:ext uri="{28A0092B-C50C-407E-A947-70E740481C1C}">
+                    <a14:useLocalDpi xmlns:a14="http://schemas.microsoft.com/office/drawing/2010/main" val="0"/>
+                  </a:ext>
+                  <a:ext uri="{96DAC541-7B7A-43D3-8B79-37D633B846F1}">
+                    <asvg:svgBlip xmlns:asvg="http://schemas.microsoft.com/office/drawing/2016/SVG/main" r:embed="rId3"/>
+                  </a:ext>
+                </a:extLst>
+              </a:blip>
+              <a:stretch>
+                <a:fillRect/>
+              </a:stretch>
+            </p:blipFill>
+            <p:spPr>
+              <a:xfrm>
+                <a:off x="9337960" y="376501"/>
+                <a:ext cx="668399" cy="616333"/>
+              </a:xfrm>
+              <a:prstGeom prst="rect">
+                <a:avLst/>
+              </a:prstGeom>
+            </p:spPr>
+          </p:pic>
+          <p:sp>
+            <p:nvSpPr>
+              <p:cNvPr id="11" name="正方形/長方形 10">
+                <a:extLst>
+                  <a:ext uri="{FF2B5EF4-FFF2-40B4-BE49-F238E27FC236}">
+                    <a16:creationId xmlns:a16="http://schemas.microsoft.com/office/drawing/2014/main" id="{10BE64A5-85BD-1C44-A1D4-2D9D4075B277}"/>
+                  </a:ext>
+                </a:extLst>
+              </p:cNvPr>
+              <p:cNvSpPr/>
+              <p:nvPr/>
+            </p:nvSpPr>
+            <p:spPr>
+              <a:xfrm>
+                <a:off x="9337960" y="607626"/>
+                <a:ext cx="492017" cy="385209"/>
+              </a:xfrm>
+              <a:prstGeom prst="rect">
+                <a:avLst/>
+              </a:prstGeom>
+              <a:solidFill>
+                <a:schemeClr val="bg1"/>
+              </a:solidFill>
+              <a:ln>
+                <a:noFill/>
+              </a:ln>
+            </p:spPr>
+            <p:style>
+              <a:lnRef idx="2">
+                <a:schemeClr val="accent1">
+                  <a:shade val="50000"/>
+                </a:schemeClr>
+              </a:lnRef>
+              <a:fillRef idx="1">
+                <a:schemeClr val="accent1"/>
+              </a:fillRef>
+              <a:effectRef idx="0">
+                <a:schemeClr val="accent1"/>
+              </a:effectRef>
+              <a:fontRef idx="minor">
+                <a:schemeClr val="lt1"/>
+              </a:fontRef>
+            </p:style>
+            <p:txBody>
+              <a:bodyPr rtlCol="0" anchor="ctr"/>
+              <a:lstStyle/>
+              <a:p>
+                <a:pPr algn="ctr"/>
+                <a:endParaRPr kumimoji="1" lang="ja-JP" altLang="en-US"/>
+              </a:p>
+            </p:txBody>
+          </p:sp>
+          <p:pic>
+            <p:nvPicPr>
+              <p:cNvPr id="12" name="グラフィックス 11" descr="画像">
+                <a:extLst>
+                  <a:ext uri="{FF2B5EF4-FFF2-40B4-BE49-F238E27FC236}">
+                    <a16:creationId xmlns:a16="http://schemas.microsoft.com/office/drawing/2014/main" id="{4B28D7CA-B5F9-EB44-86AE-737613A18235}"/>
+                  </a:ext>
+                </a:extLst>
+              </p:cNvPr>
+              <p:cNvPicPr>
+                <a:picLocks noChangeAspect="1"/>
+              </p:cNvPicPr>
+              <p:nvPr/>
+            </p:nvPicPr>
+            <p:blipFill>
+              <a:blip r:embed="rId2">
+                <a:extLst>
+                  <a:ext uri="{28A0092B-C50C-407E-A947-70E740481C1C}">
+                    <a14:useLocalDpi xmlns:a14="http://schemas.microsoft.com/office/drawing/2010/main" val="0"/>
+                  </a:ext>
+                  <a:ext uri="{96DAC541-7B7A-43D3-8B79-37D633B846F1}">
+                    <asvg:svgBlip xmlns:asvg="http://schemas.microsoft.com/office/drawing/2016/SVG/main" r:embed="rId3"/>
+                  </a:ext>
+                </a:extLst>
+              </a:blip>
+              <a:stretch>
+                <a:fillRect/>
+              </a:stretch>
+            </p:blipFill>
+            <p:spPr>
+              <a:xfrm>
+                <a:off x="9190747" y="512522"/>
+                <a:ext cx="668399" cy="616333"/>
+              </a:xfrm>
+              <a:prstGeom prst="rect">
+                <a:avLst/>
+              </a:prstGeom>
+            </p:spPr>
+          </p:pic>
+        </p:grpSp>
+        <p:sp>
+          <p:nvSpPr>
+            <p:cNvPr id="9" name="テキスト ボックス 8">
+              <a:extLst>
+                <a:ext uri="{FF2B5EF4-FFF2-40B4-BE49-F238E27FC236}">
+                  <a16:creationId xmlns:a16="http://schemas.microsoft.com/office/drawing/2014/main" id="{13A0EB2E-1CE0-1E4F-ABFD-3C48C241F980}"/>
+                </a:ext>
+              </a:extLst>
+            </p:cNvPr>
+            <p:cNvSpPr txBox="1"/>
+            <p:nvPr/>
+          </p:nvSpPr>
+          <p:spPr>
+            <a:xfrm>
+              <a:off x="10399851" y="2368724"/>
+              <a:ext cx="915529" cy="410369"/>
+            </a:xfrm>
+            <a:prstGeom prst="rect">
+              <a:avLst/>
+            </a:prstGeom>
+            <a:noFill/>
+            <a:ln w="12700" cap="flat">
+              <a:noFill/>
+              <a:miter lim="400000"/>
+            </a:ln>
+            <a:effectLst/>
+            <a:sp3d/>
+          </p:spPr>
+          <p:txBody>
+            <a:bodyPr rot="0" spcFirstLastPara="1" vertOverflow="overflow" horzOverflow="overflow" vert="horz" wrap="square" lIns="50800" tIns="50800" rIns="50800" bIns="50800" numCol="1" spcCol="38100" rtlCol="0" anchor="ctr">
+              <a:spAutoFit/>
+            </a:bodyPr>
+            <a:lstStyle/>
+            <a:p>
+              <a:pPr marL="0" marR="0" lvl="0" indent="0" algn="ctr" defTabSz="584200" eaLnBrk="1" fontAlgn="auto" latinLnBrk="0" hangingPunct="0">
+                <a:lnSpc>
+                  <a:spcPct val="100000"/>
+                </a:lnSpc>
+                <a:spcBef>
+                  <a:spcPts val="0"/>
+                </a:spcBef>
+                <a:spcAft>
+                  <a:spcPts val="0"/>
+                </a:spcAft>
+                <a:buClrTx/>
+                <a:buSzTx/>
+                <a:buFontTx/>
+                <a:buNone/>
+                <a:tabLst/>
+                <a:defRPr/>
+              </a:pPr>
+              <a:r>
+                <a:rPr kumimoji="0" lang="en-US" altLang="ja-JP" sz="2000" kern="0" dirty="0">
+                  <a:solidFill>
+                    <a:srgbClr val="000000"/>
+                  </a:solidFill>
+                  <a:latin typeface="MS PGothic" panose="020B0600070205080204" pitchFamily="34" charset="-128"/>
+                  <a:ea typeface="MS PGothic" panose="020B0600070205080204" pitchFamily="34" charset="-128"/>
+                  <a:sym typeface="Helvetica Light"/>
+                </a:rPr>
+                <a:t>A</a:t>
+              </a:r>
+              <a:endParaRPr kumimoji="0" lang="en-US" altLang="ja-JP" sz="2000" b="0" i="0" u="none" strike="noStrike" kern="0" cap="none" spc="0" normalizeH="0" baseline="0" noProof="0" dirty="0">
+                <a:ln>
+                  <a:noFill/>
+                </a:ln>
+                <a:solidFill>
+                  <a:srgbClr val="000000"/>
+                </a:solidFill>
+                <a:effectLst/>
+                <a:uLnTx/>
+                <a:uFillTx/>
+                <a:latin typeface="MS PGothic" panose="020B0600070205080204" pitchFamily="34" charset="-128"/>
+                <a:ea typeface="MS PGothic" panose="020B0600070205080204" pitchFamily="34" charset="-128"/>
+                <a:sym typeface="Helvetica Light"/>
+              </a:endParaRPr>
+            </a:p>
+          </p:txBody>
+        </p:sp>
+      </p:grpSp>
+      <p:grpSp>
+        <p:nvGrpSpPr>
+          <p:cNvPr id="13" name="グループ化 12">
+            <a:extLst>
+              <a:ext uri="{FF2B5EF4-FFF2-40B4-BE49-F238E27FC236}">
+                <a16:creationId xmlns:a16="http://schemas.microsoft.com/office/drawing/2014/main" id="{1F29C86C-192F-B540-9E7C-4F1DF723988D}"/>
+              </a:ext>
+            </a:extLst>
+          </p:cNvPr>
+          <p:cNvGrpSpPr/>
+          <p:nvPr/>
+        </p:nvGrpSpPr>
+        <p:grpSpPr>
+          <a:xfrm>
+            <a:off x="10369106" y="3191978"/>
+            <a:ext cx="915529" cy="1005259"/>
+            <a:chOff x="10399851" y="1773834"/>
+            <a:chExt cx="915529" cy="1005259"/>
+          </a:xfrm>
+        </p:grpSpPr>
+        <p:grpSp>
+          <p:nvGrpSpPr>
+            <p:cNvPr id="14" name="グループ化 13">
+              <a:extLst>
+                <a:ext uri="{FF2B5EF4-FFF2-40B4-BE49-F238E27FC236}">
+                  <a16:creationId xmlns:a16="http://schemas.microsoft.com/office/drawing/2014/main" id="{B283AB15-D1DD-D441-AE30-A6CF1CBE8BD1}"/>
+                </a:ext>
+              </a:extLst>
+            </p:cNvPr>
+            <p:cNvGrpSpPr/>
+            <p:nvPr/>
+          </p:nvGrpSpPr>
+          <p:grpSpPr>
+            <a:xfrm>
+              <a:off x="10483678" y="1773834"/>
+              <a:ext cx="815612" cy="752354"/>
+              <a:chOff x="9190747" y="376501"/>
+              <a:chExt cx="815612" cy="752354"/>
+            </a:xfrm>
+          </p:grpSpPr>
+          <p:pic>
+            <p:nvPicPr>
+              <p:cNvPr id="16" name="グラフィックス 15" descr="画像">
+                <a:extLst>
+                  <a:ext uri="{FF2B5EF4-FFF2-40B4-BE49-F238E27FC236}">
+                    <a16:creationId xmlns:a16="http://schemas.microsoft.com/office/drawing/2014/main" id="{06626B5C-C946-2842-A7B6-F4F333CB3E57}"/>
+                  </a:ext>
+                </a:extLst>
+              </p:cNvPr>
+              <p:cNvPicPr>
+                <a:picLocks noChangeAspect="1"/>
+              </p:cNvPicPr>
+              <p:nvPr/>
+            </p:nvPicPr>
+            <p:blipFill>
+              <a:blip r:embed="rId2">
+                <a:extLst>
+                  <a:ext uri="{28A0092B-C50C-407E-A947-70E740481C1C}">
+                    <a14:useLocalDpi xmlns:a14="http://schemas.microsoft.com/office/drawing/2010/main" val="0"/>
+                  </a:ext>
+                  <a:ext uri="{96DAC541-7B7A-43D3-8B79-37D633B846F1}">
+                    <asvg:svgBlip xmlns:asvg="http://schemas.microsoft.com/office/drawing/2016/SVG/main" r:embed="rId3"/>
+                  </a:ext>
+                </a:extLst>
+              </a:blip>
+              <a:stretch>
+                <a:fillRect/>
+              </a:stretch>
+            </p:blipFill>
+            <p:spPr>
+              <a:xfrm>
+                <a:off x="9337960" y="376501"/>
+                <a:ext cx="668399" cy="616333"/>
+              </a:xfrm>
+              <a:prstGeom prst="rect">
+                <a:avLst/>
+              </a:prstGeom>
+            </p:spPr>
+          </p:pic>
+          <p:sp>
+            <p:nvSpPr>
+              <p:cNvPr id="17" name="正方形/長方形 16">
+                <a:extLst>
+                  <a:ext uri="{FF2B5EF4-FFF2-40B4-BE49-F238E27FC236}">
+                    <a16:creationId xmlns:a16="http://schemas.microsoft.com/office/drawing/2014/main" id="{D35E7332-C515-584E-8DA4-286362C24220}"/>
+                  </a:ext>
+                </a:extLst>
+              </p:cNvPr>
+              <p:cNvSpPr/>
+              <p:nvPr/>
+            </p:nvSpPr>
+            <p:spPr>
+              <a:xfrm>
+                <a:off x="9337960" y="607626"/>
+                <a:ext cx="492017" cy="385209"/>
+              </a:xfrm>
+              <a:prstGeom prst="rect">
+                <a:avLst/>
+              </a:prstGeom>
+              <a:solidFill>
+                <a:schemeClr val="bg1"/>
+              </a:solidFill>
+              <a:ln>
+                <a:noFill/>
+              </a:ln>
+            </p:spPr>
+            <p:style>
+              <a:lnRef idx="2">
+                <a:schemeClr val="accent1">
+                  <a:shade val="50000"/>
+                </a:schemeClr>
+              </a:lnRef>
+              <a:fillRef idx="1">
+                <a:schemeClr val="accent1"/>
+              </a:fillRef>
+              <a:effectRef idx="0">
+                <a:schemeClr val="accent1"/>
+              </a:effectRef>
+              <a:fontRef idx="minor">
+                <a:schemeClr val="lt1"/>
+              </a:fontRef>
+            </p:style>
+            <p:txBody>
+              <a:bodyPr rtlCol="0" anchor="ctr"/>
+              <a:lstStyle/>
+              <a:p>
+                <a:pPr algn="ctr"/>
+                <a:endParaRPr kumimoji="1" lang="ja-JP" altLang="en-US"/>
+              </a:p>
+            </p:txBody>
+          </p:sp>
+          <p:pic>
+            <p:nvPicPr>
+              <p:cNvPr id="18" name="グラフィックス 17" descr="画像">
+                <a:extLst>
+                  <a:ext uri="{FF2B5EF4-FFF2-40B4-BE49-F238E27FC236}">
+                    <a16:creationId xmlns:a16="http://schemas.microsoft.com/office/drawing/2014/main" id="{CA7FF11B-ABD5-9143-8964-0D0BCF184336}"/>
+                  </a:ext>
+                </a:extLst>
+              </p:cNvPr>
+              <p:cNvPicPr>
+                <a:picLocks noChangeAspect="1"/>
+              </p:cNvPicPr>
+              <p:nvPr/>
+            </p:nvPicPr>
+            <p:blipFill>
+              <a:blip r:embed="rId2">
+                <a:extLst>
+                  <a:ext uri="{28A0092B-C50C-407E-A947-70E740481C1C}">
+                    <a14:useLocalDpi xmlns:a14="http://schemas.microsoft.com/office/drawing/2010/main" val="0"/>
+                  </a:ext>
+                  <a:ext uri="{96DAC541-7B7A-43D3-8B79-37D633B846F1}">
+                    <asvg:svgBlip xmlns:asvg="http://schemas.microsoft.com/office/drawing/2016/SVG/main" r:embed="rId3"/>
+                  </a:ext>
+                </a:extLst>
+              </a:blip>
+              <a:stretch>
+                <a:fillRect/>
+              </a:stretch>
+            </p:blipFill>
+            <p:spPr>
+              <a:xfrm>
+                <a:off x="9190747" y="512522"/>
+                <a:ext cx="668399" cy="616333"/>
+              </a:xfrm>
+              <a:prstGeom prst="rect">
+                <a:avLst/>
+              </a:prstGeom>
+            </p:spPr>
+          </p:pic>
+        </p:grpSp>
+        <p:sp>
+          <p:nvSpPr>
+            <p:cNvPr id="15" name="テキスト ボックス 14">
+              <a:extLst>
+                <a:ext uri="{FF2B5EF4-FFF2-40B4-BE49-F238E27FC236}">
+                  <a16:creationId xmlns:a16="http://schemas.microsoft.com/office/drawing/2014/main" id="{7D3A7D8D-666D-BB4C-B596-427017B91EE6}"/>
+                </a:ext>
+              </a:extLst>
+            </p:cNvPr>
+            <p:cNvSpPr txBox="1"/>
+            <p:nvPr/>
+          </p:nvSpPr>
+          <p:spPr>
+            <a:xfrm>
+              <a:off x="10399851" y="2368724"/>
+              <a:ext cx="915529" cy="410369"/>
+            </a:xfrm>
+            <a:prstGeom prst="rect">
+              <a:avLst/>
+            </a:prstGeom>
+            <a:noFill/>
+            <a:ln w="12700" cap="flat">
+              <a:noFill/>
+              <a:miter lim="400000"/>
+            </a:ln>
+            <a:effectLst/>
+            <a:sp3d/>
+          </p:spPr>
+          <p:txBody>
+            <a:bodyPr rot="0" spcFirstLastPara="1" vertOverflow="overflow" horzOverflow="overflow" vert="horz" wrap="square" lIns="50800" tIns="50800" rIns="50800" bIns="50800" numCol="1" spcCol="38100" rtlCol="0" anchor="ctr">
+              <a:spAutoFit/>
+            </a:bodyPr>
+            <a:lstStyle/>
+            <a:p>
+              <a:pPr marL="0" marR="0" lvl="0" indent="0" algn="ctr" defTabSz="584200" eaLnBrk="1" fontAlgn="auto" latinLnBrk="0" hangingPunct="0">
+                <a:lnSpc>
+                  <a:spcPct val="100000"/>
+                </a:lnSpc>
+                <a:spcBef>
+                  <a:spcPts val="0"/>
+                </a:spcBef>
+                <a:spcAft>
+                  <a:spcPts val="0"/>
+                </a:spcAft>
+                <a:buClrTx/>
+                <a:buSzTx/>
+                <a:buFontTx/>
+                <a:buNone/>
+                <a:tabLst/>
+                <a:defRPr/>
+              </a:pPr>
+              <a:r>
+                <a:rPr lang="en-US" altLang="ja-JP" sz="2000" b="0" i="0" u="none" strike="noStrike" cap="none" spc="0" normalizeH="0" baseline="0" noProof="0" dirty="0">
+                  <a:ln>
+                    <a:noFill/>
+                  </a:ln>
+                  <a:effectLst/>
+                  <a:uLnTx/>
+                  <a:uFillTx/>
+                  <a:latin typeface="MS PGothic" panose="020B0600070205080204" pitchFamily="34" charset="-128"/>
+                  <a:ea typeface="MS PGothic" panose="020B0600070205080204" pitchFamily="34" charset="-128"/>
+                </a:rPr>
+                <a:t>B</a:t>
+              </a:r>
+              <a:endParaRPr kumimoji="0" lang="en-US" altLang="ja-JP" sz="2000" b="0" i="0" u="none" strike="noStrike" kern="0" cap="none" spc="0" normalizeH="0" baseline="0" noProof="0" dirty="0">
+                <a:ln>
+                  <a:noFill/>
+                </a:ln>
+                <a:solidFill>
+                  <a:srgbClr val="000000"/>
+                </a:solidFill>
+                <a:effectLst/>
+                <a:uLnTx/>
+                <a:uFillTx/>
+                <a:latin typeface="MS PGothic" panose="020B0600070205080204" pitchFamily="34" charset="-128"/>
+                <a:ea typeface="MS PGothic" panose="020B0600070205080204" pitchFamily="34" charset="-128"/>
+                <a:sym typeface="Helvetica Light"/>
+              </a:endParaRPr>
+            </a:p>
+          </p:txBody>
+        </p:sp>
+      </p:grpSp>
+      <p:grpSp>
+        <p:nvGrpSpPr>
+          <p:cNvPr id="19" name="グループ化 18">
+            <a:extLst>
+              <a:ext uri="{FF2B5EF4-FFF2-40B4-BE49-F238E27FC236}">
+                <a16:creationId xmlns:a16="http://schemas.microsoft.com/office/drawing/2014/main" id="{AC297DFA-0D60-824C-87A1-7824D7B390EA}"/>
+              </a:ext>
+            </a:extLst>
+          </p:cNvPr>
+          <p:cNvGrpSpPr/>
+          <p:nvPr/>
+        </p:nvGrpSpPr>
+        <p:grpSpPr>
+          <a:xfrm>
+            <a:off x="2756891" y="2428706"/>
+            <a:ext cx="2010718" cy="700388"/>
+            <a:chOff x="2213633" y="2312728"/>
+            <a:chExt cx="2010718" cy="700388"/>
+          </a:xfrm>
+        </p:grpSpPr>
+        <p:pic>
+          <p:nvPicPr>
+            <p:cNvPr id="20" name="図 19" descr="図形, 円&#10;&#10;自動的に生成された説明">
+              <a:extLst>
+                <a:ext uri="{FF2B5EF4-FFF2-40B4-BE49-F238E27FC236}">
+                  <a16:creationId xmlns:a16="http://schemas.microsoft.com/office/drawing/2014/main" id="{A7B5FA1B-B2C6-064A-AFC2-1C9857342883}"/>
+                </a:ext>
+              </a:extLst>
+            </p:cNvPr>
+            <p:cNvPicPr>
+              <a:picLocks noChangeAspect="1"/>
+            </p:cNvPicPr>
+            <p:nvPr/>
+          </p:nvPicPr>
+          <p:blipFill>
+            <a:blip r:embed="rId4"/>
+            <a:stretch>
+              <a:fillRect/>
+            </a:stretch>
+          </p:blipFill>
+          <p:spPr>
+            <a:xfrm>
+              <a:off x="2213633" y="2312729"/>
+              <a:ext cx="938426" cy="700387"/>
+            </a:xfrm>
+            <a:prstGeom prst="rect">
+              <a:avLst/>
+            </a:prstGeom>
+            <a:ln w="28575">
+              <a:solidFill>
+                <a:schemeClr val="tx1"/>
+              </a:solidFill>
+            </a:ln>
+          </p:spPr>
+        </p:pic>
+        <p:pic>
+          <p:nvPicPr>
+            <p:cNvPr id="21" name="図 20" descr="図形, 円&#10;&#10;自動的に生成された説明">
+              <a:extLst>
+                <a:ext uri="{FF2B5EF4-FFF2-40B4-BE49-F238E27FC236}">
+                  <a16:creationId xmlns:a16="http://schemas.microsoft.com/office/drawing/2014/main" id="{9B235302-75FB-1540-A379-5079F2A73BEA}"/>
+                </a:ext>
+              </a:extLst>
+            </p:cNvPr>
+            <p:cNvPicPr>
+              <a:picLocks noChangeAspect="1"/>
+            </p:cNvPicPr>
+            <p:nvPr/>
+          </p:nvPicPr>
+          <p:blipFill>
+            <a:blip r:embed="rId5"/>
+            <a:stretch>
+              <a:fillRect/>
+            </a:stretch>
+          </p:blipFill>
+          <p:spPr>
+            <a:xfrm>
+              <a:off x="3285923" y="2312728"/>
+              <a:ext cx="938428" cy="700388"/>
+            </a:xfrm>
+            <a:prstGeom prst="rect">
+              <a:avLst/>
+            </a:prstGeom>
+            <a:ln w="28575">
+              <a:solidFill>
+                <a:schemeClr val="tx1"/>
+              </a:solidFill>
+            </a:ln>
+          </p:spPr>
+        </p:pic>
+        <p:sp>
+          <p:nvSpPr>
+            <p:cNvPr id="22" name="右矢印 21">
+              <a:extLst>
+                <a:ext uri="{FF2B5EF4-FFF2-40B4-BE49-F238E27FC236}">
+                  <a16:creationId xmlns:a16="http://schemas.microsoft.com/office/drawing/2014/main" id="{C393D15B-5B33-954F-B4B3-C02F8F6D3C4A}"/>
+                </a:ext>
+              </a:extLst>
+            </p:cNvPr>
+            <p:cNvSpPr/>
+            <p:nvPr/>
+          </p:nvSpPr>
+          <p:spPr>
+            <a:xfrm>
+              <a:off x="3031001" y="2509956"/>
+              <a:ext cx="420846" cy="345216"/>
+            </a:xfrm>
+            <a:prstGeom prst="rightArrow">
+              <a:avLst/>
+            </a:prstGeom>
+            <a:solidFill>
+              <a:srgbClr val="000000">
+                <a:lumMod val="95000"/>
+                <a:lumOff val="5000"/>
+              </a:srgbClr>
+            </a:solidFill>
+            <a:ln w="25400" cap="flat">
+              <a:noFill/>
+              <a:miter lim="400000"/>
+            </a:ln>
+            <a:effectLst/>
+            <a:sp3d/>
+          </p:spPr>
+          <p:txBody>
+            <a:bodyPr rot="0" spcFirstLastPara="1" vertOverflow="overflow" horzOverflow="overflow" vert="horz" wrap="square" lIns="50800" tIns="50800" rIns="50800" bIns="50800" numCol="1" spcCol="38100" rtlCol="0" anchor="ctr">
+              <a:noAutofit/>
+            </a:bodyPr>
+            <a:lstStyle/>
+            <a:p>
+              <a:pPr marL="0" marR="0" lvl="0" indent="0" algn="ctr" defTabSz="584200" eaLnBrk="1" fontAlgn="auto" latinLnBrk="0" hangingPunct="0">
+                <a:lnSpc>
+                  <a:spcPct val="100000"/>
+                </a:lnSpc>
+                <a:spcBef>
+                  <a:spcPts val="0"/>
+                </a:spcBef>
+                <a:spcAft>
+                  <a:spcPts val="0"/>
+                </a:spcAft>
+                <a:buClrTx/>
+                <a:buSzTx/>
+                <a:buFontTx/>
+                <a:buNone/>
+                <a:tabLst/>
+                <a:defRPr/>
+              </a:pPr>
+              <a:endParaRPr kumimoji="0" lang="ja-JP" altLang="en-US" sz="4000" b="0" i="0" u="none" strike="noStrike" kern="0" cap="none" spc="0" normalizeH="0" baseline="0" noProof="0">
+                <a:ln>
+                  <a:noFill/>
+                </a:ln>
+                <a:solidFill>
+                  <a:srgbClr val="000000"/>
+                </a:solidFill>
+                <a:effectLst/>
+                <a:uLnTx/>
+                <a:uFillTx/>
+                <a:latin typeface="MS PGothic" panose="020B0600070205080204" pitchFamily="34" charset="-128"/>
+                <a:ea typeface="MS PGothic" panose="020B0600070205080204" pitchFamily="34" charset="-128"/>
+                <a:sym typeface="Helvetica Light"/>
+              </a:endParaRPr>
+            </a:p>
+          </p:txBody>
+        </p:sp>
+      </p:grpSp>
+      <p:grpSp>
+        <p:nvGrpSpPr>
+          <p:cNvPr id="23" name="グループ化 22">
+            <a:extLst>
+              <a:ext uri="{FF2B5EF4-FFF2-40B4-BE49-F238E27FC236}">
+                <a16:creationId xmlns:a16="http://schemas.microsoft.com/office/drawing/2014/main" id="{8C3D6FC3-14EC-C64F-ADC1-35557DA5049F}"/>
+              </a:ext>
+            </a:extLst>
+          </p:cNvPr>
+          <p:cNvGrpSpPr/>
+          <p:nvPr/>
+        </p:nvGrpSpPr>
+        <p:grpSpPr>
+          <a:xfrm>
+            <a:off x="1602311" y="2225737"/>
+            <a:ext cx="991529" cy="1122292"/>
+            <a:chOff x="536857" y="2743834"/>
+            <a:chExt cx="991529" cy="1122292"/>
+          </a:xfrm>
+        </p:grpSpPr>
+        <p:grpSp>
+          <p:nvGrpSpPr>
+            <p:cNvPr id="24" name="グループ化 23">
+              <a:extLst>
+                <a:ext uri="{FF2B5EF4-FFF2-40B4-BE49-F238E27FC236}">
+                  <a16:creationId xmlns:a16="http://schemas.microsoft.com/office/drawing/2014/main" id="{C211B1F3-4534-1D4A-91E2-D7993DA3DCB5}"/>
+                </a:ext>
+              </a:extLst>
+            </p:cNvPr>
+            <p:cNvGrpSpPr/>
+            <p:nvPr/>
+          </p:nvGrpSpPr>
+          <p:grpSpPr>
+            <a:xfrm>
+              <a:off x="536857" y="2743834"/>
+              <a:ext cx="991529" cy="793858"/>
+              <a:chOff x="654644" y="2970274"/>
+              <a:chExt cx="1111623" cy="965197"/>
+            </a:xfrm>
+          </p:grpSpPr>
+          <p:pic>
+            <p:nvPicPr>
+              <p:cNvPr id="26" name="グラフィックス 25" descr="絵筆 単色塗りつぶし">
+                <a:extLst>
+                  <a:ext uri="{FF2B5EF4-FFF2-40B4-BE49-F238E27FC236}">
+                    <a16:creationId xmlns:a16="http://schemas.microsoft.com/office/drawing/2014/main" id="{EA6608BD-A600-404A-A741-1F9D5F303C4A}"/>
+                  </a:ext>
+                </a:extLst>
+              </p:cNvPr>
+              <p:cNvPicPr>
+                <a:picLocks noChangeAspect="1"/>
+              </p:cNvPicPr>
+              <p:nvPr/>
+            </p:nvPicPr>
+            <p:blipFill>
+              <a:blip r:embed="rId6">
+                <a:extLst>
+                  <a:ext uri="{96DAC541-7B7A-43D3-8B79-37D633B846F1}">
+                    <asvg:svgBlip xmlns:asvg="http://schemas.microsoft.com/office/drawing/2016/SVG/main" r:embed="rId7"/>
+                  </a:ext>
+                </a:extLst>
+              </a:blip>
+              <a:stretch>
+                <a:fillRect/>
+              </a:stretch>
+            </p:blipFill>
+            <p:spPr>
+              <a:xfrm flipH="1">
+                <a:off x="654644" y="3367667"/>
+                <a:ext cx="556136" cy="567804"/>
+              </a:xfrm>
+              <a:prstGeom prst="rect">
+                <a:avLst/>
+              </a:prstGeom>
+            </p:spPr>
+          </p:pic>
+          <p:pic>
+            <p:nvPicPr>
+              <p:cNvPr id="27" name="グラフィックス 26" descr="画像 単色塗りつぶし">
+                <a:extLst>
+                  <a:ext uri="{FF2B5EF4-FFF2-40B4-BE49-F238E27FC236}">
+                    <a16:creationId xmlns:a16="http://schemas.microsoft.com/office/drawing/2014/main" id="{674D7AD3-4D52-7D41-A626-629DFCC884D4}"/>
+                  </a:ext>
+                </a:extLst>
+              </p:cNvPr>
+              <p:cNvPicPr>
+                <a:picLocks noChangeAspect="1"/>
+              </p:cNvPicPr>
+              <p:nvPr/>
+            </p:nvPicPr>
+            <p:blipFill>
+              <a:blip r:embed="rId8">
+                <a:extLst>
+                  <a:ext uri="{96DAC541-7B7A-43D3-8B79-37D633B846F1}">
+                    <asvg:svgBlip xmlns:asvg="http://schemas.microsoft.com/office/drawing/2016/SVG/main" r:embed="rId9"/>
+                  </a:ext>
+                </a:extLst>
+              </a:blip>
+              <a:stretch>
+                <a:fillRect/>
+              </a:stretch>
+            </p:blipFill>
+            <p:spPr>
+              <a:xfrm>
+                <a:off x="934447" y="2970274"/>
+                <a:ext cx="831820" cy="831820"/>
+              </a:xfrm>
+              <a:prstGeom prst="rect">
+                <a:avLst/>
+              </a:prstGeom>
+            </p:spPr>
+          </p:pic>
+        </p:grpSp>
+        <p:sp>
+          <p:nvSpPr>
+            <p:cNvPr id="25" name="テキスト ボックス 24">
+              <a:extLst>
+                <a:ext uri="{FF2B5EF4-FFF2-40B4-BE49-F238E27FC236}">
+                  <a16:creationId xmlns:a16="http://schemas.microsoft.com/office/drawing/2014/main" id="{87194EE9-2DC9-C043-B6BE-E1942A44A015}"/>
+                </a:ext>
+              </a:extLst>
+            </p:cNvPr>
+            <p:cNvSpPr txBox="1"/>
+            <p:nvPr/>
+          </p:nvSpPr>
+          <p:spPr>
+            <a:xfrm>
+              <a:off x="555415" y="3455757"/>
+              <a:ext cx="939935" cy="410369"/>
+            </a:xfrm>
+            <a:prstGeom prst="rect">
+              <a:avLst/>
+            </a:prstGeom>
+            <a:noFill/>
+            <a:ln w="12700" cap="flat">
+              <a:noFill/>
+              <a:miter lim="400000"/>
+            </a:ln>
+            <a:effectLst/>
+            <a:sp3d/>
+          </p:spPr>
+          <p:txBody>
+            <a:bodyPr rot="0" spcFirstLastPara="1" vertOverflow="overflow" horzOverflow="overflow" vert="horz" wrap="square" lIns="50800" tIns="50800" rIns="50800" bIns="50800" numCol="1" spcCol="38100" rtlCol="0" anchor="ctr">
+              <a:spAutoFit/>
+            </a:bodyPr>
+            <a:lstStyle/>
+            <a:p>
+              <a:pPr marL="0" marR="0" lvl="0" indent="0" algn="ctr" defTabSz="584200" eaLnBrk="1" fontAlgn="auto" latinLnBrk="0" hangingPunct="0">
+                <a:lnSpc>
+                  <a:spcPct val="100000"/>
+                </a:lnSpc>
+                <a:spcBef>
+                  <a:spcPts val="0"/>
+                </a:spcBef>
+                <a:spcAft>
+                  <a:spcPts val="0"/>
+                </a:spcAft>
+                <a:buClrTx/>
+                <a:buSzTx/>
+                <a:buFontTx/>
+                <a:buNone/>
+                <a:tabLst/>
+                <a:defRPr/>
+              </a:pPr>
+              <a:r>
+                <a:rPr kumimoji="0" lang="ja-JP" altLang="en-US" sz="2000" kern="0">
+                  <a:solidFill>
+                    <a:srgbClr val="000000"/>
+                  </a:solidFill>
+                  <a:latin typeface="MS PGothic" panose="020B0600070205080204" pitchFamily="34" charset="-128"/>
+                  <a:ea typeface="MS PGothic" panose="020B0600070205080204" pitchFamily="34" charset="-128"/>
+                  <a:sym typeface="Helvetica Light"/>
+                </a:rPr>
+                <a:t>入力</a:t>
+              </a:r>
+              <a:endParaRPr kumimoji="0" lang="en-US" altLang="ja-JP" sz="2000" b="0" i="0" u="none" strike="noStrike" kern="0" cap="none" spc="0" normalizeH="0" baseline="0" noProof="0" dirty="0">
+                <a:ln>
+                  <a:noFill/>
+                </a:ln>
+                <a:solidFill>
+                  <a:srgbClr val="000000"/>
+                </a:solidFill>
+                <a:effectLst/>
+                <a:uLnTx/>
+                <a:uFillTx/>
+                <a:latin typeface="MS PGothic" panose="020B0600070205080204" pitchFamily="34" charset="-128"/>
+                <a:ea typeface="MS PGothic" panose="020B0600070205080204" pitchFamily="34" charset="-128"/>
+                <a:sym typeface="Helvetica Light"/>
+              </a:endParaRPr>
+            </a:p>
+          </p:txBody>
+        </p:sp>
+      </p:grpSp>
+      <p:sp>
+        <p:nvSpPr>
+          <p:cNvPr id="28" name="テキスト ボックス 27">
+            <a:extLst>
+              <a:ext uri="{FF2B5EF4-FFF2-40B4-BE49-F238E27FC236}">
+                <a16:creationId xmlns:a16="http://schemas.microsoft.com/office/drawing/2014/main" id="{15117ECE-C46A-B242-A1F4-C52EAC4260AA}"/>
+              </a:ext>
+            </a:extLst>
+          </p:cNvPr>
+          <p:cNvSpPr txBox="1"/>
+          <p:nvPr/>
+        </p:nvSpPr>
+        <p:spPr>
+          <a:xfrm>
+            <a:off x="4783699" y="2573715"/>
+            <a:ext cx="1167377" cy="410369"/>
+          </a:xfrm>
+          <a:prstGeom prst="rect">
+            <a:avLst/>
+          </a:prstGeom>
+          <a:noFill/>
+          <a:ln w="12700" cap="flat">
+            <a:noFill/>
+            <a:miter lim="400000"/>
+          </a:ln>
+          <a:effectLst/>
+          <a:sp3d/>
+        </p:spPr>
+        <p:txBody>
+          <a:bodyPr rot="0" spcFirstLastPara="1" vertOverflow="overflow" horzOverflow="overflow" vert="horz" wrap="square" lIns="50800" tIns="50800" rIns="50800" bIns="50800" numCol="1" spcCol="38100" rtlCol="0" anchor="ctr">
+            <a:spAutoFit/>
+          </a:bodyPr>
+          <a:lstStyle/>
+          <a:p>
+            <a:pPr marL="0" marR="0" lvl="0" indent="0" algn="ctr" defTabSz="584200" eaLnBrk="1" fontAlgn="auto" latinLnBrk="0" hangingPunct="0">
+              <a:lnSpc>
+                <a:spcPct val="100000"/>
+              </a:lnSpc>
+              <a:spcBef>
+                <a:spcPts val="0"/>
+              </a:spcBef>
+              <a:spcAft>
+                <a:spcPts val="0"/>
+              </a:spcAft>
+              <a:buClrTx/>
+              <a:buSzTx/>
+              <a:buFontTx/>
+              <a:buNone/>
+              <a:tabLst/>
+              <a:defRPr/>
+            </a:pPr>
+            <a:r>
+              <a:rPr kumimoji="0" lang="ja-JP" altLang="en-US" sz="2000" kern="0">
+                <a:solidFill>
+                  <a:srgbClr val="FF0000"/>
+                </a:solidFill>
+                <a:latin typeface="MS PGothic" panose="020B0600070205080204" pitchFamily="34" charset="-128"/>
+                <a:ea typeface="MS PGothic" panose="020B0600070205080204" pitchFamily="34" charset="-128"/>
+                <a:sym typeface="Helvetica Light"/>
+              </a:rPr>
+              <a:t>右</a:t>
+            </a:r>
+            <a:r>
+              <a:rPr kumimoji="0" lang="ja-JP" altLang="en-US" sz="2000" kern="0">
+                <a:solidFill>
+                  <a:srgbClr val="000000"/>
+                </a:solidFill>
+                <a:latin typeface="MS PGothic" panose="020B0600070205080204" pitchFamily="34" charset="-128"/>
+                <a:ea typeface="MS PGothic" panose="020B0600070205080204" pitchFamily="34" charset="-128"/>
+                <a:sym typeface="Helvetica Light"/>
+              </a:rPr>
+              <a:t>に移動</a:t>
+            </a:r>
+            <a:endParaRPr kumimoji="0" lang="en-US" altLang="ja-JP" sz="2000" b="0" i="0" u="none" strike="noStrike" kern="0" cap="none" spc="0" normalizeH="0" baseline="0" noProof="0" dirty="0">
+              <a:ln>
+                <a:noFill/>
+              </a:ln>
+              <a:solidFill>
+                <a:srgbClr val="000000"/>
+              </a:solidFill>
+              <a:effectLst/>
+              <a:uLnTx/>
+              <a:uFillTx/>
+              <a:latin typeface="MS PGothic" panose="020B0600070205080204" pitchFamily="34" charset="-128"/>
+              <a:ea typeface="MS PGothic" panose="020B0600070205080204" pitchFamily="34" charset="-128"/>
+              <a:sym typeface="Helvetica Light"/>
+            </a:endParaRPr>
+          </a:p>
+        </p:txBody>
+      </p:sp>
+      <p:grpSp>
+        <p:nvGrpSpPr>
+          <p:cNvPr id="29" name="グループ化 28">
+            <a:extLst>
+              <a:ext uri="{FF2B5EF4-FFF2-40B4-BE49-F238E27FC236}">
+                <a16:creationId xmlns:a16="http://schemas.microsoft.com/office/drawing/2014/main" id="{544FC3A7-59B9-7F49-8542-7626241BF8D1}"/>
+              </a:ext>
+            </a:extLst>
+          </p:cNvPr>
+          <p:cNvGrpSpPr/>
+          <p:nvPr/>
+        </p:nvGrpSpPr>
+        <p:grpSpPr>
+          <a:xfrm>
+            <a:off x="528433" y="2777518"/>
+            <a:ext cx="1147793" cy="1040440"/>
+            <a:chOff x="-178656" y="3468851"/>
+            <a:chExt cx="1147793" cy="1040440"/>
+          </a:xfrm>
+        </p:grpSpPr>
+        <p:pic>
+          <p:nvPicPr>
+            <p:cNvPr id="30" name="グラフィックス 29" descr="ユーザー 単色塗りつぶし">
+              <a:extLst>
+                <a:ext uri="{FF2B5EF4-FFF2-40B4-BE49-F238E27FC236}">
+                  <a16:creationId xmlns:a16="http://schemas.microsoft.com/office/drawing/2014/main" id="{589791D5-312D-EE41-A3C5-65C9698CAEF1}"/>
+                </a:ext>
+              </a:extLst>
+            </p:cNvPr>
+            <p:cNvPicPr>
+              <a:picLocks noChangeAspect="1"/>
+            </p:cNvPicPr>
+            <p:nvPr/>
+          </p:nvPicPr>
+          <p:blipFill rotWithShape="1">
+            <a:blip r:embed="rId10">
+              <a:extLst>
+                <a:ext uri="{96DAC541-7B7A-43D3-8B79-37D633B846F1}">
+                  <asvg:svgBlip xmlns:asvg="http://schemas.microsoft.com/office/drawing/2016/SVG/main" r:embed="rId11"/>
+                </a:ext>
+              </a:extLst>
+            </a:blip>
+            <a:srcRect l="12582" r="10293"/>
+            <a:stretch/>
+          </p:blipFill>
+          <p:spPr>
+            <a:xfrm>
+              <a:off x="82988" y="3468851"/>
+              <a:ext cx="624506" cy="746650"/>
+            </a:xfrm>
+            <a:prstGeom prst="rect">
+              <a:avLst/>
+            </a:prstGeom>
+          </p:spPr>
+        </p:pic>
+        <p:sp>
+          <p:nvSpPr>
+            <p:cNvPr id="31" name="テキスト ボックス 30">
+              <a:extLst>
+                <a:ext uri="{FF2B5EF4-FFF2-40B4-BE49-F238E27FC236}">
+                  <a16:creationId xmlns:a16="http://schemas.microsoft.com/office/drawing/2014/main" id="{548070D2-4FD4-A442-83D1-482B69F03652}"/>
+                </a:ext>
+              </a:extLst>
+            </p:cNvPr>
+            <p:cNvSpPr txBox="1"/>
+            <p:nvPr/>
+          </p:nvSpPr>
+          <p:spPr>
+            <a:xfrm>
+              <a:off x="-178656" y="4098922"/>
+              <a:ext cx="1147793" cy="410369"/>
+            </a:xfrm>
+            <a:prstGeom prst="rect">
+              <a:avLst/>
+            </a:prstGeom>
+            <a:noFill/>
+            <a:ln w="12700" cap="flat">
+              <a:noFill/>
+              <a:miter lim="400000"/>
+            </a:ln>
+            <a:effectLst/>
+            <a:sp3d/>
+          </p:spPr>
+          <p:txBody>
+            <a:bodyPr rot="0" spcFirstLastPara="1" vertOverflow="overflow" horzOverflow="overflow" vert="horz" wrap="square" lIns="50800" tIns="50800" rIns="50800" bIns="50800" numCol="1" spcCol="38100" rtlCol="0" anchor="ctr">
+              <a:spAutoFit/>
+            </a:bodyPr>
+            <a:lstStyle/>
+            <a:p>
+              <a:pPr marL="0" marR="0" lvl="0" indent="0" algn="ctr" defTabSz="584200" eaLnBrk="1" fontAlgn="auto" latinLnBrk="0" hangingPunct="0">
+                <a:lnSpc>
+                  <a:spcPct val="100000"/>
+                </a:lnSpc>
+                <a:spcBef>
+                  <a:spcPts val="0"/>
+                </a:spcBef>
+                <a:spcAft>
+                  <a:spcPts val="0"/>
+                </a:spcAft>
+                <a:buClrTx/>
+                <a:buSzTx/>
+                <a:buFontTx/>
+                <a:buNone/>
+                <a:tabLst/>
+                <a:defRPr/>
+              </a:pPr>
+              <a:r>
+                <a:rPr kumimoji="0" lang="ja-JP" altLang="en-US" sz="2000" kern="0">
+                  <a:solidFill>
+                    <a:srgbClr val="000000"/>
+                  </a:solidFill>
+                  <a:latin typeface="MS PGothic" panose="020B0600070205080204" pitchFamily="34" charset="-128"/>
+                  <a:ea typeface="MS PGothic" panose="020B0600070205080204" pitchFamily="34" charset="-128"/>
+                  <a:sym typeface="Helvetica Light"/>
+                </a:rPr>
+                <a:t>学習者</a:t>
+              </a:r>
+              <a:endParaRPr kumimoji="0" lang="en-US" altLang="ja-JP" sz="2000" b="0" i="0" u="none" strike="noStrike" kern="0" cap="none" spc="0" normalizeH="0" baseline="0" noProof="0" dirty="0">
+                <a:ln>
+                  <a:noFill/>
+                </a:ln>
+                <a:solidFill>
+                  <a:srgbClr val="000000"/>
+                </a:solidFill>
+                <a:effectLst/>
+                <a:uLnTx/>
+                <a:uFillTx/>
+                <a:latin typeface="MS PGothic" panose="020B0600070205080204" pitchFamily="34" charset="-128"/>
+                <a:ea typeface="MS PGothic" panose="020B0600070205080204" pitchFamily="34" charset="-128"/>
+                <a:sym typeface="Helvetica Light"/>
+              </a:endParaRPr>
+            </a:p>
+          </p:txBody>
+        </p:sp>
+      </p:grpSp>
+      <p:pic>
+        <p:nvPicPr>
+          <p:cNvPr id="32" name="図 31" descr="アイコン&#10;&#10;自動的に生成された説明">
+            <a:extLst>
+              <a:ext uri="{FF2B5EF4-FFF2-40B4-BE49-F238E27FC236}">
+                <a16:creationId xmlns:a16="http://schemas.microsoft.com/office/drawing/2014/main" id="{60BFA641-449F-FF45-AE38-BE6BED31B3DB}"/>
+              </a:ext>
+            </a:extLst>
+          </p:cNvPr>
+          <p:cNvPicPr>
+            <a:picLocks noChangeAspect="1"/>
+          </p:cNvPicPr>
+          <p:nvPr/>
+        </p:nvPicPr>
+        <p:blipFill>
+          <a:blip r:embed="rId12">
+            <a:biLevel thresh="50000"/>
+            <a:extLst>
+              <a:ext uri="{28A0092B-C50C-407E-A947-70E740481C1C}">
+                <a14:useLocalDpi xmlns:a14="http://schemas.microsoft.com/office/drawing/2010/main" val="0"/>
+              </a:ext>
+            </a:extLst>
+          </a:blip>
+          <a:stretch>
+            <a:fillRect/>
+          </a:stretch>
+        </p:blipFill>
+        <p:spPr>
+          <a:xfrm>
+            <a:off x="1637196" y="3784558"/>
+            <a:ext cx="738021" cy="680531"/>
+          </a:xfrm>
+          <a:prstGeom prst="rect">
+            <a:avLst/>
+          </a:prstGeom>
+        </p:spPr>
+      </p:pic>
+      <p:grpSp>
+        <p:nvGrpSpPr>
+          <p:cNvPr id="33" name="グループ化 32">
+            <a:extLst>
+              <a:ext uri="{FF2B5EF4-FFF2-40B4-BE49-F238E27FC236}">
+                <a16:creationId xmlns:a16="http://schemas.microsoft.com/office/drawing/2014/main" id="{30BD89FE-A346-8A4E-B640-D4C1C1CBC3F3}"/>
+              </a:ext>
+            </a:extLst>
+          </p:cNvPr>
+          <p:cNvGrpSpPr/>
+          <p:nvPr/>
+        </p:nvGrpSpPr>
+        <p:grpSpPr>
+          <a:xfrm>
+            <a:off x="8065896" y="2394452"/>
+            <a:ext cx="2022653" cy="700388"/>
+            <a:chOff x="2209743" y="1500142"/>
+            <a:chExt cx="2022653" cy="700388"/>
+          </a:xfrm>
+        </p:grpSpPr>
+        <p:pic>
+          <p:nvPicPr>
+            <p:cNvPr id="34" name="図 33" descr="図形, 円&#10;&#10;自動的に生成された説明">
+              <a:extLst>
+                <a:ext uri="{FF2B5EF4-FFF2-40B4-BE49-F238E27FC236}">
+                  <a16:creationId xmlns:a16="http://schemas.microsoft.com/office/drawing/2014/main" id="{AD44FF00-2FD4-6243-870A-30E67B55022A}"/>
+                </a:ext>
+              </a:extLst>
+            </p:cNvPr>
+            <p:cNvPicPr>
+              <a:picLocks noChangeAspect="1"/>
+            </p:cNvPicPr>
+            <p:nvPr/>
+          </p:nvPicPr>
+          <p:blipFill>
+            <a:blip r:embed="rId4"/>
+            <a:stretch>
+              <a:fillRect/>
+            </a:stretch>
+          </p:blipFill>
+          <p:spPr>
+            <a:xfrm>
+              <a:off x="3293970" y="1500142"/>
+              <a:ext cx="938426" cy="700387"/>
+            </a:xfrm>
+            <a:prstGeom prst="rect">
+              <a:avLst/>
+            </a:prstGeom>
+            <a:ln w="28575">
+              <a:solidFill>
+                <a:schemeClr val="tx1"/>
+              </a:solidFill>
+            </a:ln>
+          </p:spPr>
+        </p:pic>
+        <p:pic>
+          <p:nvPicPr>
+            <p:cNvPr id="35" name="図 34" descr="図形, 円&#10;&#10;自動的に生成された説明">
+              <a:extLst>
+                <a:ext uri="{FF2B5EF4-FFF2-40B4-BE49-F238E27FC236}">
+                  <a16:creationId xmlns:a16="http://schemas.microsoft.com/office/drawing/2014/main" id="{03B60936-ABEE-6449-94B2-0696DC25E9F5}"/>
+                </a:ext>
+              </a:extLst>
+            </p:cNvPr>
+            <p:cNvPicPr>
+              <a:picLocks noChangeAspect="1"/>
+            </p:cNvPicPr>
+            <p:nvPr/>
+          </p:nvPicPr>
+          <p:blipFill>
+            <a:blip r:embed="rId5"/>
+            <a:stretch>
+              <a:fillRect/>
+            </a:stretch>
+          </p:blipFill>
+          <p:spPr>
+            <a:xfrm>
+              <a:off x="2209743" y="1500142"/>
+              <a:ext cx="938428" cy="700388"/>
+            </a:xfrm>
+            <a:prstGeom prst="rect">
+              <a:avLst/>
+            </a:prstGeom>
+            <a:ln w="28575">
+              <a:solidFill>
+                <a:schemeClr val="tx1"/>
+              </a:solidFill>
+            </a:ln>
+          </p:spPr>
+        </p:pic>
+        <p:sp>
+          <p:nvSpPr>
+            <p:cNvPr id="36" name="右矢印 35">
+              <a:extLst>
+                <a:ext uri="{FF2B5EF4-FFF2-40B4-BE49-F238E27FC236}">
+                  <a16:creationId xmlns:a16="http://schemas.microsoft.com/office/drawing/2014/main" id="{01151097-7E3B-EB42-B049-D799F144C3EC}"/>
+                </a:ext>
+              </a:extLst>
+            </p:cNvPr>
+            <p:cNvSpPr/>
+            <p:nvPr/>
+          </p:nvSpPr>
+          <p:spPr>
+            <a:xfrm>
+              <a:off x="3021086" y="1698192"/>
+              <a:ext cx="420846" cy="345216"/>
+            </a:xfrm>
+            <a:prstGeom prst="rightArrow">
+              <a:avLst/>
+            </a:prstGeom>
+            <a:solidFill>
+              <a:srgbClr val="000000">
+                <a:lumMod val="95000"/>
+                <a:lumOff val="5000"/>
+              </a:srgbClr>
+            </a:solidFill>
+            <a:ln w="25400" cap="flat">
+              <a:noFill/>
+              <a:miter lim="400000"/>
+            </a:ln>
+            <a:effectLst/>
+            <a:sp3d/>
+          </p:spPr>
+          <p:txBody>
+            <a:bodyPr rot="0" spcFirstLastPara="1" vertOverflow="overflow" horzOverflow="overflow" vert="horz" wrap="square" lIns="50800" tIns="50800" rIns="50800" bIns="50800" numCol="1" spcCol="38100" rtlCol="0" anchor="ctr">
+              <a:noAutofit/>
+            </a:bodyPr>
+            <a:lstStyle/>
+            <a:p>
+              <a:pPr marL="0" marR="0" lvl="0" indent="0" algn="ctr" defTabSz="584200" eaLnBrk="1" fontAlgn="auto" latinLnBrk="0" hangingPunct="0">
+                <a:lnSpc>
+                  <a:spcPct val="100000"/>
+                </a:lnSpc>
+                <a:spcBef>
+                  <a:spcPts val="0"/>
+                </a:spcBef>
+                <a:spcAft>
+                  <a:spcPts val="0"/>
+                </a:spcAft>
+                <a:buClrTx/>
+                <a:buSzTx/>
+                <a:buFontTx/>
+                <a:buNone/>
+                <a:tabLst/>
+                <a:defRPr/>
+              </a:pPr>
+              <a:endParaRPr kumimoji="0" lang="ja-JP" altLang="en-US" sz="4000" b="0" i="0" u="none" strike="noStrike" kern="0" cap="none" spc="0" normalizeH="0" baseline="0" noProof="0">
+                <a:ln>
+                  <a:noFill/>
+                </a:ln>
+                <a:solidFill>
+                  <a:srgbClr val="000000"/>
+                </a:solidFill>
+                <a:effectLst/>
+                <a:uLnTx/>
+                <a:uFillTx/>
+                <a:latin typeface="MS PGothic" panose="020B0600070205080204" pitchFamily="34" charset="-128"/>
+                <a:ea typeface="MS PGothic" panose="020B0600070205080204" pitchFamily="34" charset="-128"/>
+                <a:sym typeface="Helvetica Light"/>
+              </a:endParaRPr>
+            </a:p>
+          </p:txBody>
+        </p:sp>
+      </p:grpSp>
+      <p:grpSp>
+        <p:nvGrpSpPr>
+          <p:cNvPr id="37" name="グループ化 36">
+            <a:extLst>
+              <a:ext uri="{FF2B5EF4-FFF2-40B4-BE49-F238E27FC236}">
+                <a16:creationId xmlns:a16="http://schemas.microsoft.com/office/drawing/2014/main" id="{B3202458-2E0C-9245-83EE-CF8C8D0C802C}"/>
+              </a:ext>
+            </a:extLst>
+          </p:cNvPr>
+          <p:cNvGrpSpPr/>
+          <p:nvPr/>
+        </p:nvGrpSpPr>
+        <p:grpSpPr>
+          <a:xfrm>
+            <a:off x="8056871" y="3297738"/>
+            <a:ext cx="2010718" cy="700388"/>
+            <a:chOff x="2213633" y="2312728"/>
+            <a:chExt cx="2010718" cy="700388"/>
+          </a:xfrm>
+        </p:grpSpPr>
+        <p:pic>
+          <p:nvPicPr>
+            <p:cNvPr id="38" name="図 37" descr="図形, 円&#10;&#10;自動的に生成された説明">
+              <a:extLst>
+                <a:ext uri="{FF2B5EF4-FFF2-40B4-BE49-F238E27FC236}">
+                  <a16:creationId xmlns:a16="http://schemas.microsoft.com/office/drawing/2014/main" id="{F23753E8-FE8F-6248-A7FB-38FD834E68E6}"/>
+                </a:ext>
+              </a:extLst>
+            </p:cNvPr>
+            <p:cNvPicPr>
+              <a:picLocks noChangeAspect="1"/>
+            </p:cNvPicPr>
+            <p:nvPr/>
+          </p:nvPicPr>
+          <p:blipFill>
+            <a:blip r:embed="rId4"/>
+            <a:stretch>
+              <a:fillRect/>
+            </a:stretch>
+          </p:blipFill>
+          <p:spPr>
+            <a:xfrm>
+              <a:off x="2213633" y="2312729"/>
+              <a:ext cx="938426" cy="700387"/>
+            </a:xfrm>
+            <a:prstGeom prst="rect">
+              <a:avLst/>
+            </a:prstGeom>
+            <a:ln w="28575">
+              <a:solidFill>
+                <a:schemeClr val="tx1"/>
+              </a:solidFill>
+            </a:ln>
+          </p:spPr>
+        </p:pic>
+        <p:pic>
+          <p:nvPicPr>
+            <p:cNvPr id="39" name="図 38" descr="図形, 円&#10;&#10;自動的に生成された説明">
+              <a:extLst>
+                <a:ext uri="{FF2B5EF4-FFF2-40B4-BE49-F238E27FC236}">
+                  <a16:creationId xmlns:a16="http://schemas.microsoft.com/office/drawing/2014/main" id="{FAA09E12-F4C0-AA49-84E1-D5A519944D46}"/>
+                </a:ext>
+              </a:extLst>
+            </p:cNvPr>
+            <p:cNvPicPr>
+              <a:picLocks noChangeAspect="1"/>
+            </p:cNvPicPr>
+            <p:nvPr/>
+          </p:nvPicPr>
+          <p:blipFill>
+            <a:blip r:embed="rId5"/>
+            <a:stretch>
+              <a:fillRect/>
+            </a:stretch>
+          </p:blipFill>
+          <p:spPr>
+            <a:xfrm>
+              <a:off x="3285923" y="2312728"/>
+              <a:ext cx="938428" cy="700388"/>
+            </a:xfrm>
+            <a:prstGeom prst="rect">
+              <a:avLst/>
+            </a:prstGeom>
+            <a:ln w="28575">
+              <a:solidFill>
+                <a:schemeClr val="tx1"/>
+              </a:solidFill>
+            </a:ln>
+          </p:spPr>
+        </p:pic>
+        <p:sp>
+          <p:nvSpPr>
+            <p:cNvPr id="40" name="右矢印 39">
+              <a:extLst>
+                <a:ext uri="{FF2B5EF4-FFF2-40B4-BE49-F238E27FC236}">
+                  <a16:creationId xmlns:a16="http://schemas.microsoft.com/office/drawing/2014/main" id="{EB042173-E44F-2A4D-96CF-1E778C8D14B8}"/>
+                </a:ext>
+              </a:extLst>
+            </p:cNvPr>
+            <p:cNvSpPr/>
+            <p:nvPr/>
+          </p:nvSpPr>
+          <p:spPr>
+            <a:xfrm>
+              <a:off x="3031001" y="2509956"/>
+              <a:ext cx="420846" cy="345216"/>
+            </a:xfrm>
+            <a:prstGeom prst="rightArrow">
+              <a:avLst/>
+            </a:prstGeom>
+            <a:solidFill>
+              <a:srgbClr val="000000">
+                <a:lumMod val="95000"/>
+                <a:lumOff val="5000"/>
+              </a:srgbClr>
+            </a:solidFill>
+            <a:ln w="25400" cap="flat">
+              <a:noFill/>
+              <a:miter lim="400000"/>
+            </a:ln>
+            <a:effectLst/>
+            <a:sp3d/>
+          </p:spPr>
+          <p:txBody>
+            <a:bodyPr rot="0" spcFirstLastPara="1" vertOverflow="overflow" horzOverflow="overflow" vert="horz" wrap="square" lIns="50800" tIns="50800" rIns="50800" bIns="50800" numCol="1" spcCol="38100" rtlCol="0" anchor="ctr">
+              <a:noAutofit/>
+            </a:bodyPr>
+            <a:lstStyle/>
+            <a:p>
+              <a:pPr marL="0" marR="0" lvl="0" indent="0" algn="ctr" defTabSz="584200" eaLnBrk="1" fontAlgn="auto" latinLnBrk="0" hangingPunct="0">
+                <a:lnSpc>
+                  <a:spcPct val="100000"/>
+                </a:lnSpc>
+                <a:spcBef>
+                  <a:spcPts val="0"/>
+                </a:spcBef>
+                <a:spcAft>
+                  <a:spcPts val="0"/>
+                </a:spcAft>
+                <a:buClrTx/>
+                <a:buSzTx/>
+                <a:buFontTx/>
+                <a:buNone/>
+                <a:tabLst/>
+                <a:defRPr/>
+              </a:pPr>
+              <a:endParaRPr kumimoji="0" lang="ja-JP" altLang="en-US" sz="4000" b="0" i="0" u="none" strike="noStrike" kern="0" cap="none" spc="0" normalizeH="0" baseline="0" noProof="0">
+                <a:ln>
+                  <a:noFill/>
+                </a:ln>
+                <a:solidFill>
+                  <a:srgbClr val="000000"/>
+                </a:solidFill>
+                <a:effectLst/>
+                <a:uLnTx/>
+                <a:uFillTx/>
+                <a:latin typeface="MS PGothic" panose="020B0600070205080204" pitchFamily="34" charset="-128"/>
+                <a:ea typeface="MS PGothic" panose="020B0600070205080204" pitchFamily="34" charset="-128"/>
+                <a:sym typeface="Helvetica Light"/>
+              </a:endParaRPr>
+            </a:p>
+          </p:txBody>
+        </p:sp>
+      </p:grpSp>
+      <p:cxnSp>
+        <p:nvCxnSpPr>
+          <p:cNvPr id="41" name="直線矢印コネクタ 40">
+            <a:extLst>
+              <a:ext uri="{FF2B5EF4-FFF2-40B4-BE49-F238E27FC236}">
+                <a16:creationId xmlns:a16="http://schemas.microsoft.com/office/drawing/2014/main" id="{5406D602-9FA8-AE4E-A695-80B2A3C0E855}"/>
+              </a:ext>
+            </a:extLst>
+          </p:cNvPr>
+          <p:cNvCxnSpPr>
+            <a:cxnSpLocks/>
+          </p:cNvCxnSpPr>
+          <p:nvPr/>
+        </p:nvCxnSpPr>
+        <p:spPr>
+          <a:xfrm flipH="1">
+            <a:off x="2486645" y="4124823"/>
+            <a:ext cx="3924008" cy="0"/>
+          </a:xfrm>
+          <a:prstGeom prst="straightConnector1">
+            <a:avLst/>
+          </a:prstGeom>
+          <a:ln w="38100">
+            <a:tailEnd type="triangle"/>
+          </a:ln>
+        </p:spPr>
+        <p:style>
+          <a:lnRef idx="1">
+            <a:schemeClr val="dk1"/>
+          </a:lnRef>
+          <a:fillRef idx="0">
+            <a:schemeClr val="dk1"/>
+          </a:fillRef>
+          <a:effectRef idx="0">
+            <a:schemeClr val="dk1"/>
+          </a:effectRef>
+          <a:fontRef idx="minor">
+            <a:schemeClr val="tx1"/>
+          </a:fontRef>
+        </p:style>
+      </p:cxnSp>
+      <p:sp>
+        <p:nvSpPr>
+          <p:cNvPr id="42" name="テキスト ボックス 41">
+            <a:extLst>
+              <a:ext uri="{FF2B5EF4-FFF2-40B4-BE49-F238E27FC236}">
+                <a16:creationId xmlns:a16="http://schemas.microsoft.com/office/drawing/2014/main" id="{4D740B14-1FBA-8048-8086-CE59BC03421D}"/>
+              </a:ext>
+            </a:extLst>
+          </p:cNvPr>
+          <p:cNvSpPr txBox="1"/>
+          <p:nvPr/>
+        </p:nvSpPr>
+        <p:spPr>
+          <a:xfrm>
+            <a:off x="1685167" y="4713462"/>
+            <a:ext cx="4022660" cy="410369"/>
+          </a:xfrm>
+          <a:prstGeom prst="rect">
+            <a:avLst/>
+          </a:prstGeom>
+          <a:noFill/>
+          <a:ln w="12700" cap="flat">
+            <a:noFill/>
+            <a:miter lim="400000"/>
+          </a:ln>
+          <a:effectLst/>
+          <a:sp3d/>
+        </p:spPr>
+        <p:txBody>
+          <a:bodyPr rot="0" spcFirstLastPara="1" vertOverflow="overflow" horzOverflow="overflow" vert="horz" wrap="square" lIns="50800" tIns="50800" rIns="50800" bIns="50800" numCol="1" spcCol="38100" rtlCol="0" anchor="ctr">
+            <a:spAutoFit/>
+          </a:bodyPr>
+          <a:lstStyle/>
+          <a:p>
+            <a:pPr marL="0" marR="0" lvl="0" indent="0" defTabSz="584200" eaLnBrk="1" fontAlgn="auto" latinLnBrk="0" hangingPunct="0">
+              <a:lnSpc>
+                <a:spcPct val="100000"/>
+              </a:lnSpc>
+              <a:spcBef>
+                <a:spcPts val="0"/>
+              </a:spcBef>
+              <a:spcAft>
+                <a:spcPts val="0"/>
+              </a:spcAft>
+              <a:buClrTx/>
+              <a:buSzTx/>
+              <a:buFontTx/>
+              <a:buNone/>
+              <a:tabLst/>
+              <a:defRPr/>
+            </a:pPr>
+            <a:r>
+              <a:rPr kumimoji="0" lang="en-US" altLang="ja-JP" sz="2000" kern="0" dirty="0">
+                <a:solidFill>
+                  <a:srgbClr val="000000"/>
+                </a:solidFill>
+                <a:latin typeface="MS PGothic" panose="020B0600070205080204" pitchFamily="34" charset="-128"/>
+                <a:ea typeface="MS PGothic" panose="020B0600070205080204" pitchFamily="34" charset="-128"/>
+                <a:sym typeface="Helvetica Light"/>
+              </a:rPr>
+              <a:t>③</a:t>
+            </a:r>
+            <a:r>
+              <a:rPr kumimoji="0" lang="ja-JP" altLang="en-US" sz="2000" kern="0">
+                <a:solidFill>
+                  <a:srgbClr val="000000"/>
+                </a:solidFill>
+                <a:latin typeface="MS PGothic" panose="020B0600070205080204" pitchFamily="34" charset="-128"/>
+                <a:ea typeface="MS PGothic" panose="020B0600070205080204" pitchFamily="34" charset="-128"/>
+                <a:sym typeface="Helvetica Light"/>
+              </a:rPr>
+              <a:t>移動方向が一致する作品を提示</a:t>
+            </a:r>
+            <a:endParaRPr kumimoji="0" lang="en-US" altLang="ja-JP" sz="2000" b="0" i="0" u="none" strike="noStrike" kern="0" cap="none" spc="0" normalizeH="0" baseline="0" noProof="0" dirty="0">
+              <a:ln>
+                <a:noFill/>
+              </a:ln>
+              <a:solidFill>
+                <a:srgbClr val="000000"/>
+              </a:solidFill>
+              <a:effectLst/>
+              <a:uLnTx/>
+              <a:uFillTx/>
+              <a:latin typeface="MS PGothic" panose="020B0600070205080204" pitchFamily="34" charset="-128"/>
+              <a:ea typeface="MS PGothic" panose="020B0600070205080204" pitchFamily="34" charset="-128"/>
+              <a:sym typeface="Helvetica Light"/>
+            </a:endParaRPr>
+          </a:p>
+        </p:txBody>
+      </p:sp>
+      <p:cxnSp>
+        <p:nvCxnSpPr>
+          <p:cNvPr id="43" name="直線矢印コネクタ 42">
+            <a:extLst>
+              <a:ext uri="{FF2B5EF4-FFF2-40B4-BE49-F238E27FC236}">
+                <a16:creationId xmlns:a16="http://schemas.microsoft.com/office/drawing/2014/main" id="{628AADEE-8EAA-E74E-9B55-8A0375256F6E}"/>
+              </a:ext>
+            </a:extLst>
+          </p:cNvPr>
+          <p:cNvCxnSpPr>
+            <a:cxnSpLocks/>
+          </p:cNvCxnSpPr>
+          <p:nvPr/>
+        </p:nvCxnSpPr>
+        <p:spPr>
+          <a:xfrm flipH="1">
+            <a:off x="10089262" y="2739505"/>
+            <a:ext cx="404127" cy="0"/>
+          </a:xfrm>
+          <a:prstGeom prst="straightConnector1">
+            <a:avLst/>
+          </a:prstGeom>
+          <a:ln w="38100">
+            <a:tailEnd type="triangle"/>
+          </a:ln>
+        </p:spPr>
+        <p:style>
+          <a:lnRef idx="1">
+            <a:schemeClr val="dk1"/>
+          </a:lnRef>
+          <a:fillRef idx="0">
+            <a:schemeClr val="dk1"/>
+          </a:fillRef>
+          <a:effectRef idx="0">
+            <a:schemeClr val="dk1"/>
+          </a:effectRef>
+          <a:fontRef idx="minor">
+            <a:schemeClr val="tx1"/>
+          </a:fontRef>
+        </p:style>
+      </p:cxnSp>
+      <p:cxnSp>
+        <p:nvCxnSpPr>
+          <p:cNvPr id="44" name="直線矢印コネクタ 43">
+            <a:extLst>
+              <a:ext uri="{FF2B5EF4-FFF2-40B4-BE49-F238E27FC236}">
+                <a16:creationId xmlns:a16="http://schemas.microsoft.com/office/drawing/2014/main" id="{1EE81E3A-7237-5A44-B7EB-5F6F13145043}"/>
+              </a:ext>
+            </a:extLst>
+          </p:cNvPr>
+          <p:cNvCxnSpPr>
+            <a:cxnSpLocks/>
+          </p:cNvCxnSpPr>
+          <p:nvPr/>
+        </p:nvCxnSpPr>
+        <p:spPr>
+          <a:xfrm flipH="1">
+            <a:off x="10078111" y="3662561"/>
+            <a:ext cx="404127" cy="0"/>
+          </a:xfrm>
+          <a:prstGeom prst="straightConnector1">
+            <a:avLst/>
+          </a:prstGeom>
+          <a:ln w="38100">
+            <a:tailEnd type="triangle"/>
+          </a:ln>
+        </p:spPr>
+        <p:style>
+          <a:lnRef idx="1">
+            <a:schemeClr val="dk1"/>
+          </a:lnRef>
+          <a:fillRef idx="0">
+            <a:schemeClr val="dk1"/>
+          </a:fillRef>
+          <a:effectRef idx="0">
+            <a:schemeClr val="dk1"/>
+          </a:effectRef>
+          <a:fontRef idx="minor">
+            <a:schemeClr val="tx1"/>
+          </a:fontRef>
+        </p:style>
+      </p:cxnSp>
+      <p:sp>
+        <p:nvSpPr>
+          <p:cNvPr id="45" name="テキスト ボックス 44">
+            <a:extLst>
+              <a:ext uri="{FF2B5EF4-FFF2-40B4-BE49-F238E27FC236}">
+                <a16:creationId xmlns:a16="http://schemas.microsoft.com/office/drawing/2014/main" id="{9775206E-2815-BF4E-8B37-B36867BD9CBF}"/>
+              </a:ext>
+            </a:extLst>
+          </p:cNvPr>
+          <p:cNvSpPr txBox="1"/>
+          <p:nvPr/>
+        </p:nvSpPr>
+        <p:spPr>
+          <a:xfrm>
+            <a:off x="8292762" y="4043409"/>
+            <a:ext cx="1555966" cy="610424"/>
+          </a:xfrm>
+          <a:prstGeom prst="rect">
+            <a:avLst/>
+          </a:prstGeom>
+          <a:noFill/>
+          <a:ln w="12700" cap="flat">
+            <a:noFill/>
+            <a:miter lim="400000"/>
+          </a:ln>
+          <a:effectLst/>
+          <a:sp3d/>
+        </p:spPr>
+        <p:txBody>
+          <a:bodyPr rot="0" spcFirstLastPara="1" vertOverflow="overflow" horzOverflow="overflow" vert="horz" wrap="square" lIns="50800" tIns="50800" rIns="50800" bIns="50800" numCol="1" spcCol="38100" rtlCol="0" anchor="ctr">
+            <a:spAutoFit/>
+          </a:bodyPr>
+          <a:lstStyle/>
+          <a:p>
+            <a:pPr marL="0" marR="0" lvl="0" indent="0" algn="ctr" defTabSz="584200" eaLnBrk="1" fontAlgn="auto" latinLnBrk="0" hangingPunct="0">
+              <a:lnSpc>
+                <a:spcPct val="100000"/>
+              </a:lnSpc>
+              <a:spcBef>
+                <a:spcPts val="0"/>
+              </a:spcBef>
+              <a:spcAft>
+                <a:spcPts val="0"/>
+              </a:spcAft>
+              <a:buClrTx/>
+              <a:buSzTx/>
+              <a:buFontTx/>
+              <a:buNone/>
+              <a:tabLst/>
+              <a:defRPr/>
+            </a:pPr>
+            <a:r>
+              <a:rPr kumimoji="0" lang="ja-JP" altLang="en-US" sz="1100" b="0" i="0" u="none" strike="noStrike" kern="0" cap="none" spc="0" normalizeH="0" baseline="0" noProof="0">
+                <a:ln>
+                  <a:noFill/>
+                </a:ln>
+                <a:solidFill>
+                  <a:srgbClr val="000000"/>
+                </a:solidFill>
+                <a:effectLst/>
+                <a:uLnTx/>
+                <a:uFillTx/>
+                <a:latin typeface="MS PGothic" panose="020B0600070205080204" pitchFamily="34" charset="-128"/>
+                <a:ea typeface="MS PGothic" panose="020B0600070205080204" pitchFamily="34" charset="-128"/>
+                <a:sym typeface="Helvetica Light"/>
+              </a:rPr>
+              <a:t>・</a:t>
+            </a:r>
+            <a:endParaRPr kumimoji="0" lang="en-US" altLang="ja-JP" sz="1100" b="0" i="0" u="none" strike="noStrike" kern="0" cap="none" spc="0" normalizeH="0" baseline="0" noProof="0" dirty="0">
+              <a:ln>
+                <a:noFill/>
+              </a:ln>
+              <a:solidFill>
+                <a:srgbClr val="000000"/>
+              </a:solidFill>
+              <a:effectLst/>
+              <a:uLnTx/>
+              <a:uFillTx/>
+              <a:latin typeface="MS PGothic" panose="020B0600070205080204" pitchFamily="34" charset="-128"/>
+              <a:ea typeface="MS PGothic" panose="020B0600070205080204" pitchFamily="34" charset="-128"/>
+              <a:sym typeface="Helvetica Light"/>
+            </a:endParaRPr>
+          </a:p>
+          <a:p>
+            <a:pPr marL="0" marR="0" lvl="0" indent="0" algn="ctr" defTabSz="584200" eaLnBrk="1" fontAlgn="auto" latinLnBrk="0" hangingPunct="0">
+              <a:lnSpc>
+                <a:spcPct val="100000"/>
+              </a:lnSpc>
+              <a:spcBef>
+                <a:spcPts val="0"/>
+              </a:spcBef>
+              <a:spcAft>
+                <a:spcPts val="0"/>
+              </a:spcAft>
+              <a:buClrTx/>
+              <a:buSzTx/>
+              <a:buFontTx/>
+              <a:buNone/>
+              <a:tabLst/>
+              <a:defRPr/>
+            </a:pPr>
+            <a:r>
+              <a:rPr kumimoji="0" lang="ja-JP" altLang="en-US" sz="1100" kern="0">
+                <a:solidFill>
+                  <a:srgbClr val="000000"/>
+                </a:solidFill>
+                <a:latin typeface="MS PGothic" panose="020B0600070205080204" pitchFamily="34" charset="-128"/>
+                <a:ea typeface="MS PGothic" panose="020B0600070205080204" pitchFamily="34" charset="-128"/>
+                <a:sym typeface="Helvetica Light"/>
+              </a:rPr>
+              <a:t>・</a:t>
+            </a:r>
+            <a:endParaRPr kumimoji="0" lang="en-US" altLang="ja-JP" sz="1100" kern="0" dirty="0">
+              <a:solidFill>
+                <a:srgbClr val="000000"/>
+              </a:solidFill>
+              <a:latin typeface="MS PGothic" panose="020B0600070205080204" pitchFamily="34" charset="-128"/>
+              <a:ea typeface="MS PGothic" panose="020B0600070205080204" pitchFamily="34" charset="-128"/>
+              <a:sym typeface="Helvetica Light"/>
+            </a:endParaRPr>
+          </a:p>
+          <a:p>
+            <a:pPr marL="0" marR="0" lvl="0" indent="0" algn="ctr" defTabSz="584200" eaLnBrk="1" fontAlgn="auto" latinLnBrk="0" hangingPunct="0">
+              <a:lnSpc>
+                <a:spcPct val="100000"/>
+              </a:lnSpc>
+              <a:spcBef>
+                <a:spcPts val="0"/>
+              </a:spcBef>
+              <a:spcAft>
+                <a:spcPts val="0"/>
+              </a:spcAft>
+              <a:buClrTx/>
+              <a:buSzTx/>
+              <a:buFontTx/>
+              <a:buNone/>
+              <a:tabLst/>
+              <a:defRPr/>
+            </a:pPr>
+            <a:r>
+              <a:rPr kumimoji="0" lang="ja-JP" altLang="en-US" sz="1100" b="0" i="0" u="none" strike="noStrike" kern="0" cap="none" spc="0" normalizeH="0" baseline="0" noProof="0">
+                <a:ln>
+                  <a:noFill/>
+                </a:ln>
+                <a:solidFill>
+                  <a:srgbClr val="000000"/>
+                </a:solidFill>
+                <a:effectLst/>
+                <a:uLnTx/>
+                <a:uFillTx/>
+                <a:latin typeface="MS PGothic" panose="020B0600070205080204" pitchFamily="34" charset="-128"/>
+                <a:ea typeface="MS PGothic" panose="020B0600070205080204" pitchFamily="34" charset="-128"/>
+                <a:sym typeface="Helvetica Light"/>
+              </a:rPr>
+              <a:t>・</a:t>
+            </a:r>
+            <a:endParaRPr kumimoji="0" lang="en-US" altLang="ja-JP" sz="1100" b="0" i="0" u="none" strike="noStrike" kern="0" cap="none" spc="0" normalizeH="0" baseline="0" noProof="0" dirty="0">
+              <a:ln>
+                <a:noFill/>
+              </a:ln>
+              <a:solidFill>
+                <a:srgbClr val="000000"/>
+              </a:solidFill>
+              <a:effectLst/>
+              <a:uLnTx/>
+              <a:uFillTx/>
+              <a:latin typeface="MS PGothic" panose="020B0600070205080204" pitchFamily="34" charset="-128"/>
+              <a:ea typeface="MS PGothic" panose="020B0600070205080204" pitchFamily="34" charset="-128"/>
+              <a:sym typeface="Helvetica Light"/>
+            </a:endParaRPr>
+          </a:p>
+        </p:txBody>
+      </p:sp>
+      <p:sp>
+        <p:nvSpPr>
+          <p:cNvPr id="46" name="テキスト ボックス 45">
+            <a:extLst>
+              <a:ext uri="{FF2B5EF4-FFF2-40B4-BE49-F238E27FC236}">
+                <a16:creationId xmlns:a16="http://schemas.microsoft.com/office/drawing/2014/main" id="{4791DD10-3669-0444-95F6-765C3FED0541}"/>
+              </a:ext>
+            </a:extLst>
+          </p:cNvPr>
+          <p:cNvSpPr txBox="1"/>
+          <p:nvPr/>
+        </p:nvSpPr>
+        <p:spPr>
+          <a:xfrm>
+            <a:off x="10017241" y="4089389"/>
+            <a:ext cx="1555966" cy="610424"/>
+          </a:xfrm>
+          <a:prstGeom prst="rect">
+            <a:avLst/>
+          </a:prstGeom>
+          <a:noFill/>
+          <a:ln w="12700" cap="flat">
+            <a:noFill/>
+            <a:miter lim="400000"/>
+          </a:ln>
+          <a:effectLst/>
+          <a:sp3d/>
+        </p:spPr>
+        <p:txBody>
+          <a:bodyPr rot="0" spcFirstLastPara="1" vertOverflow="overflow" horzOverflow="overflow" vert="horz" wrap="square" lIns="50800" tIns="50800" rIns="50800" bIns="50800" numCol="1" spcCol="38100" rtlCol="0" anchor="ctr">
+            <a:spAutoFit/>
+          </a:bodyPr>
+          <a:lstStyle/>
+          <a:p>
+            <a:pPr marL="0" marR="0" lvl="0" indent="0" algn="ctr" defTabSz="584200" eaLnBrk="1" fontAlgn="auto" latinLnBrk="0" hangingPunct="0">
+              <a:lnSpc>
+                <a:spcPct val="100000"/>
+              </a:lnSpc>
+              <a:spcBef>
+                <a:spcPts val="0"/>
+              </a:spcBef>
+              <a:spcAft>
+                <a:spcPts val="0"/>
+              </a:spcAft>
+              <a:buClrTx/>
+              <a:buSzTx/>
+              <a:buFontTx/>
+              <a:buNone/>
+              <a:tabLst/>
+              <a:defRPr/>
+            </a:pPr>
+            <a:r>
+              <a:rPr kumimoji="0" lang="ja-JP" altLang="en-US" sz="1100" b="0" i="0" u="none" strike="noStrike" kern="0" cap="none" spc="0" normalizeH="0" baseline="0" noProof="0">
+                <a:ln>
+                  <a:noFill/>
+                </a:ln>
+                <a:solidFill>
+                  <a:srgbClr val="000000"/>
+                </a:solidFill>
+                <a:effectLst/>
+                <a:uLnTx/>
+                <a:uFillTx/>
+                <a:latin typeface="MS PGothic" panose="020B0600070205080204" pitchFamily="34" charset="-128"/>
+                <a:ea typeface="MS PGothic" panose="020B0600070205080204" pitchFamily="34" charset="-128"/>
+                <a:sym typeface="Helvetica Light"/>
+              </a:rPr>
+              <a:t>・</a:t>
+            </a:r>
+            <a:endParaRPr kumimoji="0" lang="en-US" altLang="ja-JP" sz="1100" b="0" i="0" u="none" strike="noStrike" kern="0" cap="none" spc="0" normalizeH="0" baseline="0" noProof="0" dirty="0">
+              <a:ln>
+                <a:noFill/>
+              </a:ln>
+              <a:solidFill>
+                <a:srgbClr val="000000"/>
+              </a:solidFill>
+              <a:effectLst/>
+              <a:uLnTx/>
+              <a:uFillTx/>
+              <a:latin typeface="MS PGothic" panose="020B0600070205080204" pitchFamily="34" charset="-128"/>
+              <a:ea typeface="MS PGothic" panose="020B0600070205080204" pitchFamily="34" charset="-128"/>
+              <a:sym typeface="Helvetica Light"/>
+            </a:endParaRPr>
+          </a:p>
+          <a:p>
+            <a:pPr marL="0" marR="0" lvl="0" indent="0" algn="ctr" defTabSz="584200" eaLnBrk="1" fontAlgn="auto" latinLnBrk="0" hangingPunct="0">
+              <a:lnSpc>
+                <a:spcPct val="100000"/>
+              </a:lnSpc>
+              <a:spcBef>
+                <a:spcPts val="0"/>
+              </a:spcBef>
+              <a:spcAft>
+                <a:spcPts val="0"/>
+              </a:spcAft>
+              <a:buClrTx/>
+              <a:buSzTx/>
+              <a:buFontTx/>
+              <a:buNone/>
+              <a:tabLst/>
+              <a:defRPr/>
+            </a:pPr>
+            <a:r>
+              <a:rPr kumimoji="0" lang="ja-JP" altLang="en-US" sz="1100" kern="0">
+                <a:solidFill>
+                  <a:srgbClr val="000000"/>
+                </a:solidFill>
+                <a:latin typeface="MS PGothic" panose="020B0600070205080204" pitchFamily="34" charset="-128"/>
+                <a:ea typeface="MS PGothic" panose="020B0600070205080204" pitchFamily="34" charset="-128"/>
+                <a:sym typeface="Helvetica Light"/>
+              </a:rPr>
+              <a:t>・</a:t>
+            </a:r>
+            <a:endParaRPr kumimoji="0" lang="en-US" altLang="ja-JP" sz="1100" kern="0" dirty="0">
+              <a:solidFill>
+                <a:srgbClr val="000000"/>
+              </a:solidFill>
+              <a:latin typeface="MS PGothic" panose="020B0600070205080204" pitchFamily="34" charset="-128"/>
+              <a:ea typeface="MS PGothic" panose="020B0600070205080204" pitchFamily="34" charset="-128"/>
+              <a:sym typeface="Helvetica Light"/>
+            </a:endParaRPr>
+          </a:p>
+          <a:p>
+            <a:pPr marL="0" marR="0" lvl="0" indent="0" algn="ctr" defTabSz="584200" eaLnBrk="1" fontAlgn="auto" latinLnBrk="0" hangingPunct="0">
+              <a:lnSpc>
+                <a:spcPct val="100000"/>
+              </a:lnSpc>
+              <a:spcBef>
+                <a:spcPts val="0"/>
+              </a:spcBef>
+              <a:spcAft>
+                <a:spcPts val="0"/>
+              </a:spcAft>
+              <a:buClrTx/>
+              <a:buSzTx/>
+              <a:buFontTx/>
+              <a:buNone/>
+              <a:tabLst/>
+              <a:defRPr/>
+            </a:pPr>
+            <a:r>
+              <a:rPr kumimoji="0" lang="ja-JP" altLang="en-US" sz="1100" b="0" i="0" u="none" strike="noStrike" kern="0" cap="none" spc="0" normalizeH="0" baseline="0" noProof="0">
+                <a:ln>
+                  <a:noFill/>
+                </a:ln>
+                <a:solidFill>
+                  <a:srgbClr val="000000"/>
+                </a:solidFill>
+                <a:effectLst/>
+                <a:uLnTx/>
+                <a:uFillTx/>
+                <a:latin typeface="MS PGothic" panose="020B0600070205080204" pitchFamily="34" charset="-128"/>
+                <a:ea typeface="MS PGothic" panose="020B0600070205080204" pitchFamily="34" charset="-128"/>
+                <a:sym typeface="Helvetica Light"/>
+              </a:rPr>
+              <a:t>・</a:t>
+            </a:r>
+            <a:endParaRPr kumimoji="0" lang="en-US" altLang="ja-JP" sz="1100" b="0" i="0" u="none" strike="noStrike" kern="0" cap="none" spc="0" normalizeH="0" baseline="0" noProof="0" dirty="0">
+              <a:ln>
+                <a:noFill/>
+              </a:ln>
+              <a:solidFill>
+                <a:srgbClr val="000000"/>
+              </a:solidFill>
+              <a:effectLst/>
+              <a:uLnTx/>
+              <a:uFillTx/>
+              <a:latin typeface="MS PGothic" panose="020B0600070205080204" pitchFamily="34" charset="-128"/>
+              <a:ea typeface="MS PGothic" panose="020B0600070205080204" pitchFamily="34" charset="-128"/>
+              <a:sym typeface="Helvetica Light"/>
+            </a:endParaRPr>
+          </a:p>
+        </p:txBody>
+      </p:sp>
+      <p:sp>
+        <p:nvSpPr>
+          <p:cNvPr id="47" name="テキスト ボックス 46">
+            <a:extLst>
+              <a:ext uri="{FF2B5EF4-FFF2-40B4-BE49-F238E27FC236}">
+                <a16:creationId xmlns:a16="http://schemas.microsoft.com/office/drawing/2014/main" id="{D96756DC-A3EF-7745-9263-7DCC4F3024DC}"/>
+              </a:ext>
+            </a:extLst>
+          </p:cNvPr>
+          <p:cNvSpPr txBox="1"/>
+          <p:nvPr/>
+        </p:nvSpPr>
+        <p:spPr>
+          <a:xfrm>
+            <a:off x="6894279" y="3415084"/>
+            <a:ext cx="1148171" cy="410369"/>
+          </a:xfrm>
+          <a:prstGeom prst="rect">
+            <a:avLst/>
+          </a:prstGeom>
+          <a:noFill/>
+          <a:ln w="12700" cap="flat">
+            <a:noFill/>
+            <a:miter lim="400000"/>
+          </a:ln>
+          <a:effectLst/>
+          <a:sp3d/>
+        </p:spPr>
+        <p:txBody>
+          <a:bodyPr rot="0" spcFirstLastPara="1" vertOverflow="overflow" horzOverflow="overflow" vert="horz" wrap="square" lIns="50800" tIns="50800" rIns="50800" bIns="50800" numCol="1" spcCol="38100" rtlCol="0" anchor="ctr">
+            <a:spAutoFit/>
+          </a:bodyPr>
+          <a:lstStyle/>
+          <a:p>
+            <a:pPr marL="0" marR="0" lvl="0" indent="0" algn="ctr" defTabSz="584200" eaLnBrk="1" fontAlgn="auto" latinLnBrk="0" hangingPunct="0">
+              <a:lnSpc>
+                <a:spcPct val="100000"/>
+              </a:lnSpc>
+              <a:spcBef>
+                <a:spcPts val="0"/>
+              </a:spcBef>
+              <a:spcAft>
+                <a:spcPts val="0"/>
+              </a:spcAft>
+              <a:buClrTx/>
+              <a:buSzTx/>
+              <a:buFontTx/>
+              <a:buNone/>
+              <a:tabLst/>
+              <a:defRPr/>
+            </a:pPr>
+            <a:r>
+              <a:rPr kumimoji="0" lang="ja-JP" altLang="en-US" sz="2000" kern="0">
+                <a:solidFill>
+                  <a:srgbClr val="FF0000"/>
+                </a:solidFill>
+                <a:latin typeface="MS PGothic" panose="020B0600070205080204" pitchFamily="34" charset="-128"/>
+                <a:ea typeface="MS PGothic" panose="020B0600070205080204" pitchFamily="34" charset="-128"/>
+                <a:sym typeface="Helvetica Light"/>
+              </a:rPr>
+              <a:t>右</a:t>
+            </a:r>
+            <a:r>
+              <a:rPr kumimoji="0" lang="ja-JP" altLang="en-US" sz="2000" kern="0">
+                <a:solidFill>
+                  <a:srgbClr val="000000"/>
+                </a:solidFill>
+                <a:latin typeface="MS PGothic" panose="020B0600070205080204" pitchFamily="34" charset="-128"/>
+                <a:ea typeface="MS PGothic" panose="020B0600070205080204" pitchFamily="34" charset="-128"/>
+                <a:sym typeface="Helvetica Light"/>
+              </a:rPr>
+              <a:t>に移動</a:t>
+            </a:r>
+            <a:endParaRPr kumimoji="0" lang="en-US" altLang="ja-JP" sz="2000" b="0" i="0" u="none" strike="noStrike" kern="0" cap="none" spc="0" normalizeH="0" baseline="0" noProof="0" dirty="0">
+              <a:ln>
+                <a:noFill/>
+              </a:ln>
+              <a:solidFill>
+                <a:srgbClr val="000000"/>
+              </a:solidFill>
+              <a:effectLst/>
+              <a:uLnTx/>
+              <a:uFillTx/>
+              <a:latin typeface="MS PGothic" panose="020B0600070205080204" pitchFamily="34" charset="-128"/>
+              <a:ea typeface="MS PGothic" panose="020B0600070205080204" pitchFamily="34" charset="-128"/>
+              <a:sym typeface="Helvetica Light"/>
+            </a:endParaRPr>
+          </a:p>
+        </p:txBody>
+      </p:sp>
+      <p:sp>
+        <p:nvSpPr>
+          <p:cNvPr id="48" name="テキスト ボックス 47">
+            <a:extLst>
+              <a:ext uri="{FF2B5EF4-FFF2-40B4-BE49-F238E27FC236}">
+                <a16:creationId xmlns:a16="http://schemas.microsoft.com/office/drawing/2014/main" id="{AAFB6E0F-E2A2-D24C-A9AF-DA850FC90677}"/>
+              </a:ext>
+            </a:extLst>
+          </p:cNvPr>
+          <p:cNvSpPr txBox="1"/>
+          <p:nvPr/>
+        </p:nvSpPr>
+        <p:spPr>
+          <a:xfrm>
+            <a:off x="6879489" y="2567816"/>
+            <a:ext cx="1168123" cy="410369"/>
+          </a:xfrm>
+          <a:prstGeom prst="rect">
+            <a:avLst/>
+          </a:prstGeom>
+          <a:noFill/>
+          <a:ln w="12700" cap="flat">
+            <a:noFill/>
+            <a:miter lim="400000"/>
+          </a:ln>
+          <a:effectLst/>
+          <a:sp3d/>
+        </p:spPr>
+        <p:txBody>
+          <a:bodyPr rot="0" spcFirstLastPara="1" vertOverflow="overflow" horzOverflow="overflow" vert="horz" wrap="square" lIns="50800" tIns="50800" rIns="50800" bIns="50800" numCol="1" spcCol="38100" rtlCol="0" anchor="ctr">
+            <a:spAutoFit/>
+          </a:bodyPr>
+          <a:lstStyle/>
+          <a:p>
+            <a:pPr marL="0" marR="0" lvl="0" indent="0" algn="ctr" defTabSz="584200" eaLnBrk="1" fontAlgn="auto" latinLnBrk="0" hangingPunct="0">
+              <a:lnSpc>
+                <a:spcPct val="100000"/>
+              </a:lnSpc>
+              <a:spcBef>
+                <a:spcPts val="0"/>
+              </a:spcBef>
+              <a:spcAft>
+                <a:spcPts val="0"/>
+              </a:spcAft>
+              <a:buClrTx/>
+              <a:buSzTx/>
+              <a:buFontTx/>
+              <a:buNone/>
+              <a:tabLst/>
+              <a:defRPr/>
+            </a:pPr>
+            <a:r>
+              <a:rPr lang="ja-JP" altLang="en-US" sz="2000">
+                <a:latin typeface="MS PGothic" panose="020B0600070205080204" pitchFamily="34" charset="-128"/>
+                <a:ea typeface="MS PGothic" panose="020B0600070205080204" pitchFamily="34" charset="-128"/>
+              </a:rPr>
+              <a:t>左</a:t>
+            </a:r>
+            <a:r>
+              <a:rPr kumimoji="0" lang="ja-JP" altLang="en-US" sz="2000" kern="0">
+                <a:solidFill>
+                  <a:srgbClr val="000000"/>
+                </a:solidFill>
+                <a:latin typeface="MS PGothic" panose="020B0600070205080204" pitchFamily="34" charset="-128"/>
+                <a:ea typeface="MS PGothic" panose="020B0600070205080204" pitchFamily="34" charset="-128"/>
+                <a:sym typeface="Helvetica Light"/>
+              </a:rPr>
+              <a:t>に移動</a:t>
+            </a:r>
+            <a:endParaRPr kumimoji="0" lang="en-US" altLang="ja-JP" sz="2000" b="0" i="0" u="none" strike="noStrike" kern="0" cap="none" spc="0" normalizeH="0" baseline="0" noProof="0" dirty="0">
+              <a:ln>
+                <a:noFill/>
+              </a:ln>
+              <a:solidFill>
+                <a:srgbClr val="000000"/>
+              </a:solidFill>
+              <a:effectLst/>
+              <a:uLnTx/>
+              <a:uFillTx/>
+              <a:latin typeface="MS PGothic" panose="020B0600070205080204" pitchFamily="34" charset="-128"/>
+              <a:ea typeface="MS PGothic" panose="020B0600070205080204" pitchFamily="34" charset="-128"/>
+              <a:sym typeface="Helvetica Light"/>
+            </a:endParaRPr>
+          </a:p>
+        </p:txBody>
+      </p:sp>
+      <p:sp>
+        <p:nvSpPr>
+          <p:cNvPr id="49" name="テキスト ボックス 48">
+            <a:extLst>
+              <a:ext uri="{FF2B5EF4-FFF2-40B4-BE49-F238E27FC236}">
+                <a16:creationId xmlns:a16="http://schemas.microsoft.com/office/drawing/2014/main" id="{DF290B99-FB82-404F-9B2F-DE57D3C575D1}"/>
+              </a:ext>
+            </a:extLst>
+          </p:cNvPr>
+          <p:cNvSpPr txBox="1"/>
+          <p:nvPr/>
+        </p:nvSpPr>
+        <p:spPr>
+          <a:xfrm>
+            <a:off x="6699760" y="4043409"/>
+            <a:ext cx="1555966" cy="610424"/>
+          </a:xfrm>
+          <a:prstGeom prst="rect">
+            <a:avLst/>
+          </a:prstGeom>
+          <a:noFill/>
+          <a:ln w="12700" cap="flat">
+            <a:noFill/>
+            <a:miter lim="400000"/>
+          </a:ln>
+          <a:effectLst/>
+          <a:sp3d/>
+        </p:spPr>
+        <p:txBody>
+          <a:bodyPr rot="0" spcFirstLastPara="1" vertOverflow="overflow" horzOverflow="overflow" vert="horz" wrap="square" lIns="50800" tIns="50800" rIns="50800" bIns="50800" numCol="1" spcCol="38100" rtlCol="0" anchor="ctr">
+            <a:spAutoFit/>
+          </a:bodyPr>
+          <a:lstStyle/>
+          <a:p>
+            <a:pPr marL="0" marR="0" lvl="0" indent="0" algn="ctr" defTabSz="584200" eaLnBrk="1" fontAlgn="auto" latinLnBrk="0" hangingPunct="0">
+              <a:lnSpc>
+                <a:spcPct val="100000"/>
+              </a:lnSpc>
+              <a:spcBef>
+                <a:spcPts val="0"/>
+              </a:spcBef>
+              <a:spcAft>
+                <a:spcPts val="0"/>
+              </a:spcAft>
+              <a:buClrTx/>
+              <a:buSzTx/>
+              <a:buFontTx/>
+              <a:buNone/>
+              <a:tabLst/>
+              <a:defRPr/>
+            </a:pPr>
+            <a:r>
+              <a:rPr kumimoji="0" lang="ja-JP" altLang="en-US" sz="1100" b="0" i="0" u="none" strike="noStrike" kern="0" cap="none" spc="0" normalizeH="0" baseline="0" noProof="0">
+                <a:ln>
+                  <a:noFill/>
+                </a:ln>
+                <a:solidFill>
+                  <a:srgbClr val="000000"/>
+                </a:solidFill>
+                <a:effectLst/>
+                <a:uLnTx/>
+                <a:uFillTx/>
+                <a:latin typeface="MS PGothic" panose="020B0600070205080204" pitchFamily="34" charset="-128"/>
+                <a:ea typeface="MS PGothic" panose="020B0600070205080204" pitchFamily="34" charset="-128"/>
+                <a:sym typeface="Helvetica Light"/>
+              </a:rPr>
+              <a:t>・</a:t>
+            </a:r>
+            <a:endParaRPr kumimoji="0" lang="en-US" altLang="ja-JP" sz="1100" b="0" i="0" u="none" strike="noStrike" kern="0" cap="none" spc="0" normalizeH="0" baseline="0" noProof="0" dirty="0">
+              <a:ln>
+                <a:noFill/>
+              </a:ln>
+              <a:solidFill>
+                <a:srgbClr val="000000"/>
+              </a:solidFill>
+              <a:effectLst/>
+              <a:uLnTx/>
+              <a:uFillTx/>
+              <a:latin typeface="MS PGothic" panose="020B0600070205080204" pitchFamily="34" charset="-128"/>
+              <a:ea typeface="MS PGothic" panose="020B0600070205080204" pitchFamily="34" charset="-128"/>
+              <a:sym typeface="Helvetica Light"/>
+            </a:endParaRPr>
+          </a:p>
+          <a:p>
+            <a:pPr marL="0" marR="0" lvl="0" indent="0" algn="ctr" defTabSz="584200" eaLnBrk="1" fontAlgn="auto" latinLnBrk="0" hangingPunct="0">
+              <a:lnSpc>
+                <a:spcPct val="100000"/>
+              </a:lnSpc>
+              <a:spcBef>
+                <a:spcPts val="0"/>
+              </a:spcBef>
+              <a:spcAft>
+                <a:spcPts val="0"/>
+              </a:spcAft>
+              <a:buClrTx/>
+              <a:buSzTx/>
+              <a:buFontTx/>
+              <a:buNone/>
+              <a:tabLst/>
+              <a:defRPr/>
+            </a:pPr>
+            <a:r>
+              <a:rPr kumimoji="0" lang="ja-JP" altLang="en-US" sz="1100" kern="0">
+                <a:solidFill>
+                  <a:srgbClr val="000000"/>
+                </a:solidFill>
+                <a:latin typeface="MS PGothic" panose="020B0600070205080204" pitchFamily="34" charset="-128"/>
+                <a:ea typeface="MS PGothic" panose="020B0600070205080204" pitchFamily="34" charset="-128"/>
+                <a:sym typeface="Helvetica Light"/>
+              </a:rPr>
+              <a:t>・</a:t>
+            </a:r>
+            <a:endParaRPr kumimoji="0" lang="en-US" altLang="ja-JP" sz="1100" kern="0" dirty="0">
+              <a:solidFill>
+                <a:srgbClr val="000000"/>
+              </a:solidFill>
+              <a:latin typeface="MS PGothic" panose="020B0600070205080204" pitchFamily="34" charset="-128"/>
+              <a:ea typeface="MS PGothic" panose="020B0600070205080204" pitchFamily="34" charset="-128"/>
+              <a:sym typeface="Helvetica Light"/>
+            </a:endParaRPr>
+          </a:p>
+          <a:p>
+            <a:pPr marL="0" marR="0" lvl="0" indent="0" algn="ctr" defTabSz="584200" eaLnBrk="1" fontAlgn="auto" latinLnBrk="0" hangingPunct="0">
+              <a:lnSpc>
+                <a:spcPct val="100000"/>
+              </a:lnSpc>
+              <a:spcBef>
+                <a:spcPts val="0"/>
+              </a:spcBef>
+              <a:spcAft>
+                <a:spcPts val="0"/>
+              </a:spcAft>
+              <a:buClrTx/>
+              <a:buSzTx/>
+              <a:buFontTx/>
+              <a:buNone/>
+              <a:tabLst/>
+              <a:defRPr/>
+            </a:pPr>
+            <a:r>
+              <a:rPr kumimoji="0" lang="ja-JP" altLang="en-US" sz="1100" b="0" i="0" u="none" strike="noStrike" kern="0" cap="none" spc="0" normalizeH="0" baseline="0" noProof="0">
+                <a:ln>
+                  <a:noFill/>
+                </a:ln>
+                <a:solidFill>
+                  <a:srgbClr val="000000"/>
+                </a:solidFill>
+                <a:effectLst/>
+                <a:uLnTx/>
+                <a:uFillTx/>
+                <a:latin typeface="MS PGothic" panose="020B0600070205080204" pitchFamily="34" charset="-128"/>
+                <a:ea typeface="MS PGothic" panose="020B0600070205080204" pitchFamily="34" charset="-128"/>
+                <a:sym typeface="Helvetica Light"/>
+              </a:rPr>
+              <a:t>・</a:t>
+            </a:r>
+            <a:endParaRPr kumimoji="0" lang="en-US" altLang="ja-JP" sz="1100" b="0" i="0" u="none" strike="noStrike" kern="0" cap="none" spc="0" normalizeH="0" baseline="0" noProof="0" dirty="0">
+              <a:ln>
+                <a:noFill/>
+              </a:ln>
+              <a:solidFill>
+                <a:srgbClr val="000000"/>
+              </a:solidFill>
+              <a:effectLst/>
+              <a:uLnTx/>
+              <a:uFillTx/>
+              <a:latin typeface="MS PGothic" panose="020B0600070205080204" pitchFamily="34" charset="-128"/>
+              <a:ea typeface="MS PGothic" panose="020B0600070205080204" pitchFamily="34" charset="-128"/>
+              <a:sym typeface="Helvetica Light"/>
+            </a:endParaRPr>
+          </a:p>
+        </p:txBody>
+      </p:sp>
+      <p:cxnSp>
+        <p:nvCxnSpPr>
+          <p:cNvPr id="50" name="直線矢印コネクタ 49">
+            <a:extLst>
+              <a:ext uri="{FF2B5EF4-FFF2-40B4-BE49-F238E27FC236}">
+                <a16:creationId xmlns:a16="http://schemas.microsoft.com/office/drawing/2014/main" id="{35C01881-6CF1-F447-80C1-9E03571FB1ED}"/>
+              </a:ext>
+            </a:extLst>
+          </p:cNvPr>
+          <p:cNvCxnSpPr>
+            <a:cxnSpLocks/>
+            <a:stCxn id="28" idx="3"/>
+            <a:endCxn id="47" idx="1"/>
+          </p:cNvCxnSpPr>
+          <p:nvPr/>
+        </p:nvCxnSpPr>
+        <p:spPr>
+          <a:xfrm>
+            <a:off x="5951076" y="2778900"/>
+            <a:ext cx="943203" cy="841369"/>
+          </a:xfrm>
+          <a:prstGeom prst="straightConnector1">
+            <a:avLst/>
+          </a:prstGeom>
+          <a:noFill/>
+          <a:ln w="38100" cap="flat">
+            <a:solidFill>
+              <a:srgbClr val="FF0000"/>
+            </a:solidFill>
+            <a:prstDash val="solid"/>
+            <a:miter lim="400000"/>
+            <a:tailEnd type="triangle"/>
+          </a:ln>
+          <a:effectLst/>
+          <a:sp3d/>
+        </p:spPr>
+        <p:style>
+          <a:lnRef idx="0">
+            <a:scrgbClr r="0" g="0" b="0"/>
+          </a:lnRef>
+          <a:fillRef idx="0">
+            <a:scrgbClr r="0" g="0" b="0"/>
+          </a:fillRef>
+          <a:effectRef idx="0">
+            <a:scrgbClr r="0" g="0" b="0"/>
+          </a:effectRef>
+          <a:fontRef idx="none"/>
+        </p:style>
+      </p:cxnSp>
+      <p:cxnSp>
+        <p:nvCxnSpPr>
+          <p:cNvPr id="51" name="直線矢印コネクタ 50">
+            <a:extLst>
+              <a:ext uri="{FF2B5EF4-FFF2-40B4-BE49-F238E27FC236}">
+                <a16:creationId xmlns:a16="http://schemas.microsoft.com/office/drawing/2014/main" id="{DE6DB5E5-727A-FB4A-8B78-6C6448993CF2}"/>
+              </a:ext>
+            </a:extLst>
+          </p:cNvPr>
+          <p:cNvCxnSpPr>
+            <a:cxnSpLocks/>
+            <a:stCxn id="28" idx="3"/>
+          </p:cNvCxnSpPr>
+          <p:nvPr/>
+        </p:nvCxnSpPr>
+        <p:spPr>
+          <a:xfrm>
+            <a:off x="5951076" y="2778900"/>
+            <a:ext cx="919155" cy="1556796"/>
+          </a:xfrm>
+          <a:prstGeom prst="straightConnector1">
+            <a:avLst/>
+          </a:prstGeom>
+          <a:noFill/>
+          <a:ln w="38100" cap="flat">
+            <a:solidFill>
+              <a:srgbClr val="FF0000"/>
+            </a:solidFill>
+            <a:prstDash val="solid"/>
+            <a:miter lim="400000"/>
+            <a:tailEnd type="triangle"/>
+          </a:ln>
+          <a:effectLst/>
+          <a:sp3d/>
+        </p:spPr>
+        <p:style>
+          <a:lnRef idx="0">
+            <a:scrgbClr r="0" g="0" b="0"/>
+          </a:lnRef>
+          <a:fillRef idx="0">
+            <a:scrgbClr r="0" g="0" b="0"/>
+          </a:fillRef>
+          <a:effectRef idx="0">
+            <a:scrgbClr r="0" g="0" b="0"/>
+          </a:effectRef>
+          <a:fontRef idx="none"/>
+        </p:style>
+      </p:cxnSp>
+      <p:sp>
+        <p:nvSpPr>
+          <p:cNvPr id="52" name="テキスト ボックス 51">
+            <a:extLst>
+              <a:ext uri="{FF2B5EF4-FFF2-40B4-BE49-F238E27FC236}">
+                <a16:creationId xmlns:a16="http://schemas.microsoft.com/office/drawing/2014/main" id="{ECF25DB4-BF38-5B45-901D-0A5EA6CD6B79}"/>
+              </a:ext>
+            </a:extLst>
+          </p:cNvPr>
+          <p:cNvSpPr txBox="1"/>
+          <p:nvPr/>
+        </p:nvSpPr>
+        <p:spPr>
+          <a:xfrm>
+            <a:off x="1421310" y="1650241"/>
+            <a:ext cx="4726742" cy="410369"/>
+          </a:xfrm>
+          <a:prstGeom prst="rect">
+            <a:avLst/>
+          </a:prstGeom>
+          <a:noFill/>
+          <a:ln w="12700" cap="flat">
+            <a:noFill/>
+            <a:miter lim="400000"/>
+          </a:ln>
+          <a:effectLst/>
+          <a:sp3d/>
+        </p:spPr>
+        <p:txBody>
+          <a:bodyPr rot="0" spcFirstLastPara="1" vertOverflow="overflow" horzOverflow="overflow" vert="horz" wrap="square" lIns="50800" tIns="50800" rIns="50800" bIns="50800" numCol="1" spcCol="38100" rtlCol="0" anchor="ctr">
+            <a:spAutoFit/>
+          </a:bodyPr>
+          <a:lstStyle/>
+          <a:p>
+            <a:pPr marL="0" marR="0" lvl="0" indent="0" defTabSz="584200" eaLnBrk="1" fontAlgn="auto" latinLnBrk="0" hangingPunct="0">
+              <a:lnSpc>
+                <a:spcPct val="100000"/>
+              </a:lnSpc>
+              <a:spcBef>
+                <a:spcPts val="0"/>
+              </a:spcBef>
+              <a:spcAft>
+                <a:spcPts val="0"/>
+              </a:spcAft>
+              <a:buClrTx/>
+              <a:buSzTx/>
+              <a:buFontTx/>
+              <a:buNone/>
+              <a:tabLst/>
+              <a:defRPr/>
+            </a:pPr>
+            <a:r>
+              <a:rPr lang="en-US" altLang="ja-JP" sz="2000" b="0" i="0" u="none" strike="noStrike" cap="none" spc="0" normalizeH="0" baseline="0" noProof="0" dirty="0">
+                <a:ln>
+                  <a:noFill/>
+                </a:ln>
+                <a:effectLst/>
+                <a:uLnTx/>
+                <a:uFillTx/>
+                <a:latin typeface="MS PGothic" panose="020B0600070205080204" pitchFamily="34" charset="-128"/>
+                <a:ea typeface="MS PGothic" panose="020B0600070205080204" pitchFamily="34" charset="-128"/>
+              </a:rPr>
+              <a:t>①</a:t>
+            </a:r>
+            <a:r>
+              <a:rPr lang="ja-JP" altLang="en-US" sz="2000">
+                <a:latin typeface="MS PGothic" panose="020B0600070205080204" pitchFamily="34" charset="-128"/>
+                <a:ea typeface="MS PGothic" panose="020B0600070205080204" pitchFamily="34" charset="-128"/>
+              </a:rPr>
+              <a:t>入力オブジェクト操作の移動方向を検出</a:t>
+            </a:r>
+            <a:endParaRPr kumimoji="0" lang="en-US" altLang="ja-JP" sz="2000" b="0" i="0" u="none" strike="noStrike" kern="0" cap="none" spc="0" normalizeH="0" baseline="0" noProof="0" dirty="0">
+              <a:ln>
+                <a:noFill/>
+              </a:ln>
+              <a:solidFill>
+                <a:srgbClr val="000000"/>
+              </a:solidFill>
+              <a:effectLst/>
+              <a:uLnTx/>
+              <a:uFillTx/>
+              <a:latin typeface="MS PGothic" panose="020B0600070205080204" pitchFamily="34" charset="-128"/>
+              <a:ea typeface="MS PGothic" panose="020B0600070205080204" pitchFamily="34" charset="-128"/>
+              <a:sym typeface="Helvetica Light"/>
+            </a:endParaRPr>
+          </a:p>
+        </p:txBody>
+      </p:sp>
+      <p:sp>
+        <p:nvSpPr>
+          <p:cNvPr id="53" name="テキスト ボックス 52">
+            <a:extLst>
+              <a:ext uri="{FF2B5EF4-FFF2-40B4-BE49-F238E27FC236}">
+                <a16:creationId xmlns:a16="http://schemas.microsoft.com/office/drawing/2014/main" id="{FCD59E86-41BE-DD43-954B-9078071AC5A4}"/>
+              </a:ext>
+            </a:extLst>
+          </p:cNvPr>
+          <p:cNvSpPr txBox="1"/>
+          <p:nvPr/>
+        </p:nvSpPr>
+        <p:spPr>
+          <a:xfrm>
+            <a:off x="6721291" y="1644865"/>
+            <a:ext cx="4726742" cy="410369"/>
+          </a:xfrm>
+          <a:prstGeom prst="rect">
+            <a:avLst/>
+          </a:prstGeom>
+          <a:noFill/>
+          <a:ln w="12700" cap="flat">
+            <a:noFill/>
+            <a:miter lim="400000"/>
+          </a:ln>
+          <a:effectLst/>
+          <a:sp3d/>
+        </p:spPr>
+        <p:txBody>
+          <a:bodyPr rot="0" spcFirstLastPara="1" vertOverflow="overflow" horzOverflow="overflow" vert="horz" wrap="square" lIns="50800" tIns="50800" rIns="50800" bIns="50800" numCol="1" spcCol="38100" rtlCol="0" anchor="ctr">
+            <a:spAutoFit/>
+          </a:bodyPr>
+          <a:lstStyle/>
+          <a:p>
+            <a:pPr marL="0" marR="0" lvl="0" indent="0" defTabSz="584200" eaLnBrk="1" fontAlgn="auto" latinLnBrk="0" hangingPunct="0">
+              <a:lnSpc>
+                <a:spcPct val="100000"/>
+              </a:lnSpc>
+              <a:spcBef>
+                <a:spcPts val="0"/>
+              </a:spcBef>
+              <a:spcAft>
+                <a:spcPts val="0"/>
+              </a:spcAft>
+              <a:buClrTx/>
+              <a:buSzTx/>
+              <a:buFontTx/>
+              <a:buNone/>
+              <a:tabLst/>
+              <a:defRPr/>
+            </a:pPr>
+            <a:r>
+              <a:rPr lang="en-US" altLang="ja-JP" sz="2000" b="0" i="0" u="none" strike="noStrike" cap="none" spc="0" normalizeH="0" baseline="0" noProof="0" dirty="0">
+                <a:ln>
+                  <a:noFill/>
+                </a:ln>
+                <a:effectLst/>
+                <a:uLnTx/>
+                <a:uFillTx/>
+                <a:latin typeface="MS PGothic" panose="020B0600070205080204" pitchFamily="34" charset="-128"/>
+                <a:ea typeface="MS PGothic" panose="020B0600070205080204" pitchFamily="34" charset="-128"/>
+              </a:rPr>
+              <a:t>②</a:t>
+            </a:r>
+            <a:r>
+              <a:rPr lang="ja-JP" altLang="en-US" sz="2000" b="0" i="0" u="none" strike="noStrike" cap="none" spc="0" normalizeH="0" baseline="0" noProof="0">
+                <a:ln>
+                  <a:noFill/>
+                </a:ln>
+                <a:effectLst/>
+                <a:uLnTx/>
+                <a:uFillTx/>
+                <a:latin typeface="MS PGothic" panose="020B0600070205080204" pitchFamily="34" charset="-128"/>
+                <a:ea typeface="MS PGothic" panose="020B0600070205080204" pitchFamily="34" charset="-128"/>
+              </a:rPr>
+              <a:t>作品データの収集</a:t>
+            </a:r>
+            <a:endParaRPr kumimoji="0" lang="en-US" altLang="ja-JP" sz="2000" b="0" i="0" u="none" strike="noStrike" kern="0" cap="none" spc="0" normalizeH="0" baseline="0" noProof="0" dirty="0">
+              <a:ln>
+                <a:noFill/>
+              </a:ln>
+              <a:solidFill>
+                <a:srgbClr val="000000"/>
+              </a:solidFill>
+              <a:effectLst/>
+              <a:uLnTx/>
+              <a:uFillTx/>
+              <a:latin typeface="MS PGothic" panose="020B0600070205080204" pitchFamily="34" charset="-128"/>
+              <a:ea typeface="MS PGothic" panose="020B0600070205080204" pitchFamily="34" charset="-128"/>
+              <a:sym typeface="Helvetica Light"/>
+            </a:endParaRPr>
+          </a:p>
+        </p:txBody>
+      </p:sp>
+    </p:spTree>
+    <p:extLst>
+      <p:ext uri="{BB962C8B-B14F-4D97-AF65-F5344CB8AC3E}">
+        <p14:creationId xmlns:p14="http://schemas.microsoft.com/office/powerpoint/2010/main" val="467615581"/>
+      </p:ext>
+    </p:extLst>
+  </p:cSld>
+  <p:clrMapOvr>
+    <a:masterClrMapping/>
+  </p:clrMapOvr>
+</p:sld>
+</file>
+
+<file path=ppt/slides/slide17.xml><?xml version="1.0" encoding="utf-8"?>
+<p:sld xmlns:a="http://schemas.openxmlformats.org/drawingml/2006/main" xmlns:r="http://schemas.openxmlformats.org/officeDocument/2006/relationships" xmlns:p="http://schemas.openxmlformats.org/presentationml/2006/main">
+  <p:cSld>
+    <p:spTree>
+      <p:nvGrpSpPr>
+        <p:cNvPr id="1" name=""/>
+        <p:cNvGrpSpPr/>
+        <p:nvPr/>
+      </p:nvGrpSpPr>
+      <p:grpSpPr>
+        <a:xfrm>
+          <a:off x="0" y="0"/>
+          <a:ext cx="0" cy="0"/>
+          <a:chOff x="0" y="0"/>
+          <a:chExt cx="0" cy="0"/>
+        </a:xfrm>
+      </p:grpSpPr>
+      <p:sp>
+        <p:nvSpPr>
+          <p:cNvPr id="54" name="正方形/長方形 53">
+            <a:extLst>
+              <a:ext uri="{FF2B5EF4-FFF2-40B4-BE49-F238E27FC236}">
+                <a16:creationId xmlns:a16="http://schemas.microsoft.com/office/drawing/2014/main" id="{3B7FBB42-D9BC-F949-8981-CFBE82A1319B}"/>
+              </a:ext>
+            </a:extLst>
+          </p:cNvPr>
+          <p:cNvSpPr/>
+          <p:nvPr/>
+        </p:nvSpPr>
+        <p:spPr>
+          <a:xfrm>
+            <a:off x="675213" y="1728136"/>
+            <a:ext cx="11044774" cy="3478966"/>
+          </a:xfrm>
+          <a:prstGeom prst="rect">
+            <a:avLst/>
+          </a:prstGeom>
+          <a:solidFill>
+            <a:schemeClr val="bg1"/>
+          </a:solidFill>
+          <a:ln>
+            <a:noFill/>
+          </a:ln>
+        </p:spPr>
+        <p:style>
+          <a:lnRef idx="2">
+            <a:schemeClr val="accent1">
+              <a:shade val="50000"/>
+            </a:schemeClr>
+          </a:lnRef>
+          <a:fillRef idx="1">
+            <a:schemeClr val="accent1"/>
+          </a:fillRef>
+          <a:effectRef idx="0">
+            <a:schemeClr val="accent1"/>
+          </a:effectRef>
+          <a:fontRef idx="minor">
+            <a:schemeClr val="lt1"/>
+          </a:fontRef>
+        </p:style>
+        <p:txBody>
+          <a:bodyPr rtlCol="0" anchor="ctr"/>
+          <a:lstStyle/>
+          <a:p>
+            <a:pPr algn="ctr"/>
+            <a:endParaRPr kumimoji="1" lang="ja-JP" altLang="en-US"/>
+          </a:p>
+        </p:txBody>
+      </p:sp>
+      <p:grpSp>
+        <p:nvGrpSpPr>
+          <p:cNvPr id="53" name="グループ化 52">
+            <a:extLst>
+              <a:ext uri="{FF2B5EF4-FFF2-40B4-BE49-F238E27FC236}">
+                <a16:creationId xmlns:a16="http://schemas.microsoft.com/office/drawing/2014/main" id="{CCD8E7F2-A7AE-C441-9A95-2D1E6D0B6D16}"/>
+              </a:ext>
+            </a:extLst>
+          </p:cNvPr>
+          <p:cNvGrpSpPr/>
+          <p:nvPr/>
+        </p:nvGrpSpPr>
+        <p:grpSpPr>
+          <a:xfrm>
+            <a:off x="675213" y="1728136"/>
+            <a:ext cx="11044774" cy="3478966"/>
+            <a:chOff x="675213" y="1728136"/>
+            <a:chExt cx="11044774" cy="3478966"/>
+          </a:xfrm>
+        </p:grpSpPr>
+        <p:pic>
+          <p:nvPicPr>
+            <p:cNvPr id="4" name="図 3" descr="アイコン&#10;&#10;自動的に生成された説明">
+              <a:extLst>
+                <a:ext uri="{FF2B5EF4-FFF2-40B4-BE49-F238E27FC236}">
+                  <a16:creationId xmlns:a16="http://schemas.microsoft.com/office/drawing/2014/main" id="{4B42D153-D805-824B-8A91-FF6598EB8FC8}"/>
+                </a:ext>
+              </a:extLst>
+            </p:cNvPr>
+            <p:cNvPicPr>
+              <a:picLocks noChangeAspect="1"/>
+            </p:cNvPicPr>
+            <p:nvPr/>
+          </p:nvPicPr>
+          <p:blipFill>
+            <a:blip r:embed="rId2">
+              <a:extLst>
+                <a:ext uri="{28A0092B-C50C-407E-A947-70E740481C1C}">
+                  <a14:useLocalDpi xmlns:a14="http://schemas.microsoft.com/office/drawing/2010/main" val="0"/>
+                </a:ext>
+              </a:extLst>
+            </a:blip>
+            <a:stretch>
+              <a:fillRect/>
+            </a:stretch>
+          </p:blipFill>
+          <p:spPr>
+            <a:xfrm>
+              <a:off x="2851667" y="2508182"/>
+              <a:ext cx="961381" cy="720534"/>
+            </a:xfrm>
+            <a:prstGeom prst="rect">
+              <a:avLst/>
+            </a:prstGeom>
+            <a:ln w="28575">
+              <a:solidFill>
+                <a:schemeClr val="tx1"/>
+              </a:solidFill>
+            </a:ln>
+          </p:spPr>
+        </p:pic>
+        <p:pic>
+          <p:nvPicPr>
+            <p:cNvPr id="5" name="図 4" descr="アイコン&#10;&#10;自動的に生成された説明">
+              <a:extLst>
+                <a:ext uri="{FF2B5EF4-FFF2-40B4-BE49-F238E27FC236}">
+                  <a16:creationId xmlns:a16="http://schemas.microsoft.com/office/drawing/2014/main" id="{CF3F2254-9DE7-CA49-88F9-1D49F45A6DBE}"/>
+                </a:ext>
+              </a:extLst>
+            </p:cNvPr>
+            <p:cNvPicPr>
+              <a:picLocks noChangeAspect="1"/>
+            </p:cNvPicPr>
+            <p:nvPr/>
+          </p:nvPicPr>
+          <p:blipFill>
+            <a:blip r:embed="rId3">
+              <a:extLst>
+                <a:ext uri="{28A0092B-C50C-407E-A947-70E740481C1C}">
+                  <a14:useLocalDpi xmlns:a14="http://schemas.microsoft.com/office/drawing/2010/main" val="0"/>
+                </a:ext>
+              </a:extLst>
+            </a:blip>
+            <a:stretch>
+              <a:fillRect/>
+            </a:stretch>
+          </p:blipFill>
+          <p:spPr>
+            <a:xfrm>
+              <a:off x="3911467" y="2511688"/>
+              <a:ext cx="961381" cy="720534"/>
+            </a:xfrm>
+            <a:prstGeom prst="rect">
+              <a:avLst/>
+            </a:prstGeom>
+            <a:ln w="28575">
+              <a:solidFill>
+                <a:schemeClr val="tx1"/>
+              </a:solidFill>
+            </a:ln>
+          </p:spPr>
+        </p:pic>
+        <p:sp>
+          <p:nvSpPr>
+            <p:cNvPr id="6" name="角丸四角形 5">
+              <a:extLst>
+                <a:ext uri="{FF2B5EF4-FFF2-40B4-BE49-F238E27FC236}">
+                  <a16:creationId xmlns:a16="http://schemas.microsoft.com/office/drawing/2014/main" id="{2A385A21-986A-AF47-8380-8FEDB5555DFD}"/>
+                </a:ext>
+              </a:extLst>
+            </p:cNvPr>
+            <p:cNvSpPr/>
+            <p:nvPr/>
+          </p:nvSpPr>
+          <p:spPr>
+            <a:xfrm>
+              <a:off x="1670131" y="3623237"/>
+              <a:ext cx="4522661" cy="1189344"/>
+            </a:xfrm>
+            <a:prstGeom prst="roundRect">
+              <a:avLst/>
+            </a:prstGeom>
+            <a:ln/>
+          </p:spPr>
+          <p:style>
+            <a:lnRef idx="2">
+              <a:schemeClr val="dk1"/>
+            </a:lnRef>
+            <a:fillRef idx="1">
+              <a:schemeClr val="lt1"/>
+            </a:fillRef>
+            <a:effectRef idx="0">
+              <a:schemeClr val="dk1"/>
+            </a:effectRef>
+            <a:fontRef idx="minor">
+              <a:schemeClr val="dk1"/>
+            </a:fontRef>
+          </p:style>
+          <p:txBody>
+            <a:bodyPr rot="0" spcFirstLastPara="1" vertOverflow="overflow" horzOverflow="overflow" vert="horz" wrap="square" lIns="50800" tIns="50800" rIns="50800" bIns="50800" numCol="1" spcCol="38100" rtlCol="0" anchor="ctr">
+              <a:noAutofit/>
+            </a:bodyPr>
+            <a:lstStyle/>
+            <a:p>
+              <a:pPr marL="0" marR="0" indent="0" algn="ctr" defTabSz="584200" rtl="0" fontAlgn="auto" latinLnBrk="0" hangingPunct="0">
+                <a:lnSpc>
+                  <a:spcPct val="100000"/>
+                </a:lnSpc>
+                <a:spcBef>
+                  <a:spcPts val="0"/>
+                </a:spcBef>
+                <a:spcAft>
+                  <a:spcPts val="0"/>
+                </a:spcAft>
+                <a:buClrTx/>
+                <a:buSzTx/>
+                <a:buFontTx/>
+                <a:buNone/>
+                <a:tabLst/>
+              </a:pPr>
+              <a:endParaRPr kumimoji="0" lang="ja-JP" altLang="en-US" sz="4000" b="0" i="0" u="none" strike="noStrike" cap="none" spc="0" normalizeH="0" baseline="0">
+                <a:ln>
+                  <a:noFill/>
+                </a:ln>
+                <a:solidFill>
+                  <a:schemeClr val="tx1"/>
+                </a:solidFill>
+                <a:effectLst/>
+                <a:uFillTx/>
+                <a:latin typeface="MS PGothic" panose="020B0600070205080204" pitchFamily="34" charset="-128"/>
+                <a:ea typeface="MS PGothic" panose="020B0600070205080204" pitchFamily="34" charset="-128"/>
+                <a:sym typeface="Helvetica Light"/>
+              </a:endParaRPr>
+            </a:p>
+          </p:txBody>
+        </p:sp>
+        <p:sp>
+          <p:nvSpPr>
+            <p:cNvPr id="7" name="角丸四角形 6">
+              <a:extLst>
+                <a:ext uri="{FF2B5EF4-FFF2-40B4-BE49-F238E27FC236}">
+                  <a16:creationId xmlns:a16="http://schemas.microsoft.com/office/drawing/2014/main" id="{2E94F771-1130-5748-9667-FCB48C41ED77}"/>
+                </a:ext>
+              </a:extLst>
+            </p:cNvPr>
+            <p:cNvSpPr/>
+            <p:nvPr/>
+          </p:nvSpPr>
+          <p:spPr>
+            <a:xfrm>
+              <a:off x="6952838" y="2159608"/>
+              <a:ext cx="4563338" cy="2652973"/>
+            </a:xfrm>
+            <a:prstGeom prst="roundRect">
+              <a:avLst/>
+            </a:prstGeom>
+            <a:ln/>
+          </p:spPr>
+          <p:style>
+            <a:lnRef idx="2">
+              <a:schemeClr val="dk1"/>
+            </a:lnRef>
+            <a:fillRef idx="1">
+              <a:schemeClr val="lt1"/>
+            </a:fillRef>
+            <a:effectRef idx="0">
+              <a:schemeClr val="dk1"/>
+            </a:effectRef>
+            <a:fontRef idx="minor">
+              <a:schemeClr val="dk1"/>
+            </a:fontRef>
+          </p:style>
+          <p:txBody>
+            <a:bodyPr rot="0" spcFirstLastPara="1" vertOverflow="overflow" horzOverflow="overflow" vert="horz" wrap="square" lIns="50800" tIns="50800" rIns="50800" bIns="50800" numCol="1" spcCol="38100" rtlCol="0" anchor="ctr">
+              <a:noAutofit/>
+            </a:bodyPr>
+            <a:lstStyle/>
+            <a:p>
+              <a:pPr marL="0" marR="0" indent="0" algn="ctr" defTabSz="584200" rtl="0" fontAlgn="auto" latinLnBrk="0" hangingPunct="0">
+                <a:lnSpc>
+                  <a:spcPct val="100000"/>
+                </a:lnSpc>
+                <a:spcBef>
+                  <a:spcPts val="0"/>
+                </a:spcBef>
+                <a:spcAft>
+                  <a:spcPts val="0"/>
+                </a:spcAft>
+                <a:buClrTx/>
+                <a:buSzTx/>
+                <a:buFontTx/>
+                <a:buNone/>
+                <a:tabLst/>
+              </a:pPr>
+              <a:endParaRPr kumimoji="0" lang="ja-JP" altLang="en-US" sz="4000" b="0" i="0" u="none" strike="noStrike" cap="none" spc="0" normalizeH="0" baseline="0">
+                <a:ln>
+                  <a:noFill/>
+                </a:ln>
+                <a:solidFill>
+                  <a:schemeClr val="tx1"/>
+                </a:solidFill>
+                <a:effectLst/>
+                <a:uFillTx/>
+                <a:latin typeface="MS PGothic" panose="020B0600070205080204" pitchFamily="34" charset="-128"/>
+                <a:ea typeface="MS PGothic" panose="020B0600070205080204" pitchFamily="34" charset="-128"/>
+                <a:sym typeface="Helvetica Light"/>
+              </a:endParaRPr>
+            </a:p>
+          </p:txBody>
+        </p:sp>
+        <p:sp>
+          <p:nvSpPr>
+            <p:cNvPr id="8" name="角丸四角形 7">
+              <a:extLst>
+                <a:ext uri="{FF2B5EF4-FFF2-40B4-BE49-F238E27FC236}">
+                  <a16:creationId xmlns:a16="http://schemas.microsoft.com/office/drawing/2014/main" id="{78B265C3-6623-0E48-8C9E-BF69C39A64F2}"/>
+                </a:ext>
+              </a:extLst>
+            </p:cNvPr>
+            <p:cNvSpPr/>
+            <p:nvPr/>
+          </p:nvSpPr>
+          <p:spPr>
+            <a:xfrm>
+              <a:off x="1663416" y="2183313"/>
+              <a:ext cx="4522661" cy="1315042"/>
+            </a:xfrm>
+            <a:prstGeom prst="roundRect">
+              <a:avLst/>
+            </a:prstGeom>
+            <a:noFill/>
+            <a:ln/>
+          </p:spPr>
+          <p:style>
+            <a:lnRef idx="2">
+              <a:schemeClr val="dk1"/>
+            </a:lnRef>
+            <a:fillRef idx="1">
+              <a:schemeClr val="lt1"/>
+            </a:fillRef>
+            <a:effectRef idx="0">
+              <a:schemeClr val="dk1"/>
+            </a:effectRef>
+            <a:fontRef idx="minor">
+              <a:schemeClr val="dk1"/>
+            </a:fontRef>
+          </p:style>
+          <p:txBody>
+            <a:bodyPr rot="0" spcFirstLastPara="1" vertOverflow="overflow" horzOverflow="overflow" vert="horz" wrap="square" lIns="50800" tIns="50800" rIns="50800" bIns="50800" numCol="1" spcCol="38100" rtlCol="0" anchor="ctr">
+              <a:noAutofit/>
+            </a:bodyPr>
+            <a:lstStyle/>
+            <a:p>
+              <a:pPr marL="0" marR="0" indent="0" algn="ctr" defTabSz="584200" rtl="0" fontAlgn="auto" latinLnBrk="0" hangingPunct="0">
+                <a:lnSpc>
+                  <a:spcPct val="100000"/>
+                </a:lnSpc>
+                <a:spcBef>
+                  <a:spcPts val="0"/>
+                </a:spcBef>
+                <a:spcAft>
+                  <a:spcPts val="0"/>
+                </a:spcAft>
+                <a:buClrTx/>
+                <a:buSzTx/>
+                <a:buFontTx/>
+                <a:buNone/>
+                <a:tabLst/>
+              </a:pPr>
+              <a:endParaRPr kumimoji="0" lang="ja-JP" altLang="en-US" sz="4000" b="0" i="0" u="none" strike="noStrike" cap="none" spc="0" normalizeH="0" baseline="0">
+                <a:ln>
+                  <a:noFill/>
+                </a:ln>
+                <a:solidFill>
+                  <a:schemeClr val="tx1"/>
+                </a:solidFill>
+                <a:effectLst/>
+                <a:uFillTx/>
+                <a:latin typeface="MS PGothic" panose="020B0600070205080204" pitchFamily="34" charset="-128"/>
+                <a:ea typeface="MS PGothic" panose="020B0600070205080204" pitchFamily="34" charset="-128"/>
+                <a:sym typeface="Helvetica Light"/>
+              </a:endParaRPr>
+            </a:p>
+          </p:txBody>
+        </p:sp>
+        <p:grpSp>
+          <p:nvGrpSpPr>
+            <p:cNvPr id="9" name="グループ化 8">
+              <a:extLst>
+                <a:ext uri="{FF2B5EF4-FFF2-40B4-BE49-F238E27FC236}">
+                  <a16:creationId xmlns:a16="http://schemas.microsoft.com/office/drawing/2014/main" id="{00150CA7-049A-4F4C-9730-9CD1DC0A3E76}"/>
+                </a:ext>
+              </a:extLst>
+            </p:cNvPr>
+            <p:cNvGrpSpPr/>
+            <p:nvPr/>
+          </p:nvGrpSpPr>
+          <p:grpSpPr>
+            <a:xfrm>
+              <a:off x="10515886" y="2331014"/>
+              <a:ext cx="915529" cy="1005259"/>
+              <a:chOff x="10399851" y="1773834"/>
+              <a:chExt cx="915529" cy="1005259"/>
+            </a:xfrm>
+          </p:grpSpPr>
+          <p:grpSp>
+            <p:nvGrpSpPr>
+              <p:cNvPr id="10" name="グループ化 9">
+                <a:extLst>
+                  <a:ext uri="{FF2B5EF4-FFF2-40B4-BE49-F238E27FC236}">
+                    <a16:creationId xmlns:a16="http://schemas.microsoft.com/office/drawing/2014/main" id="{5E54275F-D61C-7940-AD66-A7D94EB56A86}"/>
+                  </a:ext>
+                </a:extLst>
+              </p:cNvPr>
+              <p:cNvGrpSpPr/>
+              <p:nvPr/>
+            </p:nvGrpSpPr>
+            <p:grpSpPr>
+              <a:xfrm>
+                <a:off x="10483678" y="1773834"/>
+                <a:ext cx="815612" cy="752354"/>
+                <a:chOff x="9190747" y="376501"/>
+                <a:chExt cx="815612" cy="752354"/>
+              </a:xfrm>
+            </p:grpSpPr>
+            <p:pic>
+              <p:nvPicPr>
+                <p:cNvPr id="12" name="グラフィックス 11" descr="画像">
+                  <a:extLst>
+                    <a:ext uri="{FF2B5EF4-FFF2-40B4-BE49-F238E27FC236}">
+                      <a16:creationId xmlns:a16="http://schemas.microsoft.com/office/drawing/2014/main" id="{2B519494-531D-134A-8A95-9119E6B5E6EB}"/>
+                    </a:ext>
+                  </a:extLst>
+                </p:cNvPr>
+                <p:cNvPicPr>
+                  <a:picLocks noChangeAspect="1"/>
+                </p:cNvPicPr>
+                <p:nvPr/>
+              </p:nvPicPr>
+              <p:blipFill>
+                <a:blip r:embed="rId4">
+                  <a:extLst>
+                    <a:ext uri="{28A0092B-C50C-407E-A947-70E740481C1C}">
+                      <a14:useLocalDpi xmlns:a14="http://schemas.microsoft.com/office/drawing/2010/main" val="0"/>
+                    </a:ext>
+                    <a:ext uri="{96DAC541-7B7A-43D3-8B79-37D633B846F1}">
+                      <asvg:svgBlip xmlns:asvg="http://schemas.microsoft.com/office/drawing/2016/SVG/main" r:embed="rId5"/>
+                    </a:ext>
+                  </a:extLst>
+                </a:blip>
+                <a:stretch>
+                  <a:fillRect/>
+                </a:stretch>
+              </p:blipFill>
+              <p:spPr>
+                <a:xfrm>
+                  <a:off x="9337960" y="376501"/>
+                  <a:ext cx="668399" cy="616333"/>
+                </a:xfrm>
+                <a:prstGeom prst="rect">
+                  <a:avLst/>
+                </a:prstGeom>
+              </p:spPr>
+            </p:pic>
+            <p:sp>
+              <p:nvSpPr>
+                <p:cNvPr id="13" name="正方形/長方形 12">
+                  <a:extLst>
+                    <a:ext uri="{FF2B5EF4-FFF2-40B4-BE49-F238E27FC236}">
+                      <a16:creationId xmlns:a16="http://schemas.microsoft.com/office/drawing/2014/main" id="{71645B4C-CDBB-C745-A861-71C74FD21362}"/>
+                    </a:ext>
+                  </a:extLst>
+                </p:cNvPr>
+                <p:cNvSpPr/>
+                <p:nvPr/>
+              </p:nvSpPr>
+              <p:spPr>
+                <a:xfrm>
+                  <a:off x="9337960" y="607626"/>
+                  <a:ext cx="492017" cy="385209"/>
+                </a:xfrm>
+                <a:prstGeom prst="rect">
+                  <a:avLst/>
+                </a:prstGeom>
+                <a:solidFill>
+                  <a:schemeClr val="bg1"/>
+                </a:solidFill>
+                <a:ln>
+                  <a:noFill/>
+                </a:ln>
+              </p:spPr>
+              <p:style>
+                <a:lnRef idx="2">
+                  <a:schemeClr val="accent1">
+                    <a:shade val="50000"/>
+                  </a:schemeClr>
+                </a:lnRef>
+                <a:fillRef idx="1">
+                  <a:schemeClr val="accent1"/>
+                </a:fillRef>
+                <a:effectRef idx="0">
+                  <a:schemeClr val="accent1"/>
+                </a:effectRef>
+                <a:fontRef idx="minor">
+                  <a:schemeClr val="lt1"/>
+                </a:fontRef>
+              </p:style>
+              <p:txBody>
+                <a:bodyPr rtlCol="0" anchor="ctr"/>
+                <a:lstStyle/>
+                <a:p>
+                  <a:pPr algn="ctr"/>
+                  <a:endParaRPr kumimoji="1" lang="ja-JP" altLang="en-US"/>
+                </a:p>
+              </p:txBody>
+            </p:sp>
+            <p:pic>
+              <p:nvPicPr>
+                <p:cNvPr id="14" name="グラフィックス 13" descr="画像">
+                  <a:extLst>
+                    <a:ext uri="{FF2B5EF4-FFF2-40B4-BE49-F238E27FC236}">
+                      <a16:creationId xmlns:a16="http://schemas.microsoft.com/office/drawing/2014/main" id="{824FAD5C-308B-DB4E-B6D1-E72FB9EC93A0}"/>
+                    </a:ext>
+                  </a:extLst>
+                </p:cNvPr>
+                <p:cNvPicPr>
+                  <a:picLocks noChangeAspect="1"/>
+                </p:cNvPicPr>
+                <p:nvPr/>
+              </p:nvPicPr>
+              <p:blipFill>
+                <a:blip r:embed="rId4">
+                  <a:extLst>
+                    <a:ext uri="{28A0092B-C50C-407E-A947-70E740481C1C}">
+                      <a14:useLocalDpi xmlns:a14="http://schemas.microsoft.com/office/drawing/2010/main" val="0"/>
+                    </a:ext>
+                    <a:ext uri="{96DAC541-7B7A-43D3-8B79-37D633B846F1}">
+                      <asvg:svgBlip xmlns:asvg="http://schemas.microsoft.com/office/drawing/2016/SVG/main" r:embed="rId5"/>
+                    </a:ext>
+                  </a:extLst>
+                </a:blip>
+                <a:stretch>
+                  <a:fillRect/>
+                </a:stretch>
+              </p:blipFill>
+              <p:spPr>
+                <a:xfrm>
+                  <a:off x="9190747" y="512522"/>
+                  <a:ext cx="668399" cy="616333"/>
+                </a:xfrm>
+                <a:prstGeom prst="rect">
+                  <a:avLst/>
+                </a:prstGeom>
+              </p:spPr>
+            </p:pic>
+          </p:grpSp>
+          <p:sp>
+            <p:nvSpPr>
+              <p:cNvPr id="11" name="テキスト ボックス 10">
+                <a:extLst>
+                  <a:ext uri="{FF2B5EF4-FFF2-40B4-BE49-F238E27FC236}">
+                    <a16:creationId xmlns:a16="http://schemas.microsoft.com/office/drawing/2014/main" id="{4018ECDF-69FD-DB42-B17F-0EC6BA58A459}"/>
+                  </a:ext>
+                </a:extLst>
+              </p:cNvPr>
+              <p:cNvSpPr txBox="1"/>
+              <p:nvPr/>
+            </p:nvSpPr>
+            <p:spPr>
+              <a:xfrm>
+                <a:off x="10399851" y="2368724"/>
+                <a:ext cx="915529" cy="410369"/>
+              </a:xfrm>
+              <a:prstGeom prst="rect">
+                <a:avLst/>
+              </a:prstGeom>
+              <a:noFill/>
+              <a:ln w="12700" cap="flat">
+                <a:noFill/>
+                <a:miter lim="400000"/>
+              </a:ln>
+              <a:effectLst/>
+              <a:sp3d/>
+            </p:spPr>
+            <p:txBody>
+              <a:bodyPr rot="0" spcFirstLastPara="1" vertOverflow="overflow" horzOverflow="overflow" vert="horz" wrap="square" lIns="50800" tIns="50800" rIns="50800" bIns="50800" numCol="1" spcCol="38100" rtlCol="0" anchor="ctr">
+                <a:spAutoFit/>
+              </a:bodyPr>
+              <a:lstStyle/>
+              <a:p>
+                <a:pPr marL="0" marR="0" lvl="0" indent="0" algn="ctr" defTabSz="584200" eaLnBrk="1" fontAlgn="auto" latinLnBrk="0" hangingPunct="0">
+                  <a:lnSpc>
+                    <a:spcPct val="100000"/>
+                  </a:lnSpc>
+                  <a:spcBef>
+                    <a:spcPts val="0"/>
+                  </a:spcBef>
+                  <a:spcAft>
+                    <a:spcPts val="0"/>
+                  </a:spcAft>
+                  <a:buClrTx/>
+                  <a:buSzTx/>
+                  <a:buFontTx/>
+                  <a:buNone/>
+                  <a:tabLst/>
+                  <a:defRPr/>
+                </a:pPr>
+                <a:r>
+                  <a:rPr kumimoji="0" lang="en-US" altLang="ja-JP" sz="2000" kern="0" dirty="0">
+                    <a:solidFill>
+                      <a:srgbClr val="000000"/>
+                    </a:solidFill>
+                    <a:latin typeface="MS PGothic" panose="020B0600070205080204" pitchFamily="34" charset="-128"/>
+                    <a:ea typeface="MS PGothic" panose="020B0600070205080204" pitchFamily="34" charset="-128"/>
+                    <a:sym typeface="Helvetica Light"/>
+                  </a:rPr>
+                  <a:t>A</a:t>
+                </a:r>
+                <a:endParaRPr kumimoji="0" lang="en-US" altLang="ja-JP" sz="2000" b="0" i="0" u="none" strike="noStrike" kern="0" cap="none" spc="0" normalizeH="0" baseline="0" noProof="0" dirty="0">
+                  <a:ln>
+                    <a:noFill/>
+                  </a:ln>
+                  <a:solidFill>
+                    <a:srgbClr val="000000"/>
+                  </a:solidFill>
+                  <a:effectLst/>
+                  <a:uLnTx/>
+                  <a:uFillTx/>
+                  <a:latin typeface="MS PGothic" panose="020B0600070205080204" pitchFamily="34" charset="-128"/>
+                  <a:ea typeface="MS PGothic" panose="020B0600070205080204" pitchFamily="34" charset="-128"/>
+                  <a:sym typeface="Helvetica Light"/>
+                </a:endParaRPr>
+              </a:p>
+            </p:txBody>
+          </p:sp>
+        </p:grpSp>
+        <p:grpSp>
+          <p:nvGrpSpPr>
+            <p:cNvPr id="15" name="グループ化 14">
+              <a:extLst>
+                <a:ext uri="{FF2B5EF4-FFF2-40B4-BE49-F238E27FC236}">
+                  <a16:creationId xmlns:a16="http://schemas.microsoft.com/office/drawing/2014/main" id="{2F394F10-CEF7-EA4A-B71E-83342AAD8882}"/>
+                </a:ext>
+              </a:extLst>
+            </p:cNvPr>
+            <p:cNvGrpSpPr/>
+            <p:nvPr/>
+          </p:nvGrpSpPr>
+          <p:grpSpPr>
+            <a:xfrm>
+              <a:off x="10515886" y="3275249"/>
+              <a:ext cx="915529" cy="1005259"/>
+              <a:chOff x="10399851" y="1773834"/>
+              <a:chExt cx="915529" cy="1005259"/>
+            </a:xfrm>
+          </p:grpSpPr>
+          <p:grpSp>
+            <p:nvGrpSpPr>
+              <p:cNvPr id="16" name="グループ化 15">
+                <a:extLst>
+                  <a:ext uri="{FF2B5EF4-FFF2-40B4-BE49-F238E27FC236}">
+                    <a16:creationId xmlns:a16="http://schemas.microsoft.com/office/drawing/2014/main" id="{C82FB644-8E43-3941-B4FE-F58251476D02}"/>
+                  </a:ext>
+                </a:extLst>
+              </p:cNvPr>
+              <p:cNvGrpSpPr/>
+              <p:nvPr/>
+            </p:nvGrpSpPr>
+            <p:grpSpPr>
+              <a:xfrm>
+                <a:off x="10483678" y="1773834"/>
+                <a:ext cx="815612" cy="752354"/>
+                <a:chOff x="9190747" y="376501"/>
+                <a:chExt cx="815612" cy="752354"/>
+              </a:xfrm>
+            </p:grpSpPr>
+            <p:pic>
+              <p:nvPicPr>
+                <p:cNvPr id="18" name="グラフィックス 17" descr="画像">
+                  <a:extLst>
+                    <a:ext uri="{FF2B5EF4-FFF2-40B4-BE49-F238E27FC236}">
+                      <a16:creationId xmlns:a16="http://schemas.microsoft.com/office/drawing/2014/main" id="{B3D4EA6C-A15E-2C4F-A96B-788C171486BE}"/>
+                    </a:ext>
+                  </a:extLst>
+                </p:cNvPr>
+                <p:cNvPicPr>
+                  <a:picLocks noChangeAspect="1"/>
+                </p:cNvPicPr>
+                <p:nvPr/>
+              </p:nvPicPr>
+              <p:blipFill>
+                <a:blip r:embed="rId4">
+                  <a:extLst>
+                    <a:ext uri="{28A0092B-C50C-407E-A947-70E740481C1C}">
+                      <a14:useLocalDpi xmlns:a14="http://schemas.microsoft.com/office/drawing/2010/main" val="0"/>
+                    </a:ext>
+                    <a:ext uri="{96DAC541-7B7A-43D3-8B79-37D633B846F1}">
+                      <asvg:svgBlip xmlns:asvg="http://schemas.microsoft.com/office/drawing/2016/SVG/main" r:embed="rId5"/>
+                    </a:ext>
+                  </a:extLst>
+                </a:blip>
+                <a:stretch>
+                  <a:fillRect/>
+                </a:stretch>
+              </p:blipFill>
+              <p:spPr>
+                <a:xfrm>
+                  <a:off x="9337960" y="376501"/>
+                  <a:ext cx="668399" cy="616333"/>
+                </a:xfrm>
+                <a:prstGeom prst="rect">
+                  <a:avLst/>
+                </a:prstGeom>
+              </p:spPr>
+            </p:pic>
+            <p:sp>
+              <p:nvSpPr>
+                <p:cNvPr id="19" name="正方形/長方形 18">
+                  <a:extLst>
+                    <a:ext uri="{FF2B5EF4-FFF2-40B4-BE49-F238E27FC236}">
+                      <a16:creationId xmlns:a16="http://schemas.microsoft.com/office/drawing/2014/main" id="{C6DB9930-569A-C349-9A28-6446EC3E8166}"/>
+                    </a:ext>
+                  </a:extLst>
+                </p:cNvPr>
+                <p:cNvSpPr/>
+                <p:nvPr/>
+              </p:nvSpPr>
+              <p:spPr>
+                <a:xfrm>
+                  <a:off x="9337960" y="607626"/>
+                  <a:ext cx="492017" cy="385209"/>
+                </a:xfrm>
+                <a:prstGeom prst="rect">
+                  <a:avLst/>
+                </a:prstGeom>
+                <a:solidFill>
+                  <a:schemeClr val="bg1"/>
+                </a:solidFill>
+                <a:ln>
+                  <a:noFill/>
+                </a:ln>
+              </p:spPr>
+              <p:style>
+                <a:lnRef idx="2">
+                  <a:schemeClr val="accent1">
+                    <a:shade val="50000"/>
+                  </a:schemeClr>
+                </a:lnRef>
+                <a:fillRef idx="1">
+                  <a:schemeClr val="accent1"/>
+                </a:fillRef>
+                <a:effectRef idx="0">
+                  <a:schemeClr val="accent1"/>
+                </a:effectRef>
+                <a:fontRef idx="minor">
+                  <a:schemeClr val="lt1"/>
+                </a:fontRef>
+              </p:style>
+              <p:txBody>
+                <a:bodyPr rtlCol="0" anchor="ctr"/>
+                <a:lstStyle/>
+                <a:p>
+                  <a:pPr algn="ctr"/>
+                  <a:endParaRPr kumimoji="1" lang="ja-JP" altLang="en-US"/>
+                </a:p>
+              </p:txBody>
+            </p:sp>
+            <p:pic>
+              <p:nvPicPr>
+                <p:cNvPr id="20" name="グラフィックス 19" descr="画像">
+                  <a:extLst>
+                    <a:ext uri="{FF2B5EF4-FFF2-40B4-BE49-F238E27FC236}">
+                      <a16:creationId xmlns:a16="http://schemas.microsoft.com/office/drawing/2014/main" id="{071B0ABF-9088-3645-8280-1EF732EB5596}"/>
+                    </a:ext>
+                  </a:extLst>
+                </p:cNvPr>
+                <p:cNvPicPr>
+                  <a:picLocks noChangeAspect="1"/>
+                </p:cNvPicPr>
+                <p:nvPr/>
+              </p:nvPicPr>
+              <p:blipFill>
+                <a:blip r:embed="rId4">
+                  <a:extLst>
+                    <a:ext uri="{28A0092B-C50C-407E-A947-70E740481C1C}">
+                      <a14:useLocalDpi xmlns:a14="http://schemas.microsoft.com/office/drawing/2010/main" val="0"/>
+                    </a:ext>
+                    <a:ext uri="{96DAC541-7B7A-43D3-8B79-37D633B846F1}">
+                      <asvg:svgBlip xmlns:asvg="http://schemas.microsoft.com/office/drawing/2016/SVG/main" r:embed="rId5"/>
+                    </a:ext>
+                  </a:extLst>
+                </a:blip>
+                <a:stretch>
+                  <a:fillRect/>
+                </a:stretch>
+              </p:blipFill>
+              <p:spPr>
+                <a:xfrm>
+                  <a:off x="9190747" y="512522"/>
+                  <a:ext cx="668399" cy="616333"/>
+                </a:xfrm>
+                <a:prstGeom prst="rect">
+                  <a:avLst/>
+                </a:prstGeom>
+              </p:spPr>
+            </p:pic>
+          </p:grpSp>
+          <p:sp>
+            <p:nvSpPr>
+              <p:cNvPr id="17" name="テキスト ボックス 16">
+                <a:extLst>
+                  <a:ext uri="{FF2B5EF4-FFF2-40B4-BE49-F238E27FC236}">
+                    <a16:creationId xmlns:a16="http://schemas.microsoft.com/office/drawing/2014/main" id="{2F044A8F-D1A1-4F4B-92D7-19E775397549}"/>
+                  </a:ext>
+                </a:extLst>
+              </p:cNvPr>
+              <p:cNvSpPr txBox="1"/>
+              <p:nvPr/>
+            </p:nvSpPr>
+            <p:spPr>
+              <a:xfrm>
+                <a:off x="10399851" y="2368724"/>
+                <a:ext cx="915529" cy="410369"/>
+              </a:xfrm>
+              <a:prstGeom prst="rect">
+                <a:avLst/>
+              </a:prstGeom>
+              <a:noFill/>
+              <a:ln w="12700" cap="flat">
+                <a:noFill/>
+                <a:miter lim="400000"/>
+              </a:ln>
+              <a:effectLst/>
+              <a:sp3d/>
+            </p:spPr>
+            <p:txBody>
+              <a:bodyPr rot="0" spcFirstLastPara="1" vertOverflow="overflow" horzOverflow="overflow" vert="horz" wrap="square" lIns="50800" tIns="50800" rIns="50800" bIns="50800" numCol="1" spcCol="38100" rtlCol="0" anchor="ctr">
+                <a:spAutoFit/>
+              </a:bodyPr>
+              <a:lstStyle/>
+              <a:p>
+                <a:pPr marL="0" marR="0" lvl="0" indent="0" algn="ctr" defTabSz="584200" eaLnBrk="1" fontAlgn="auto" latinLnBrk="0" hangingPunct="0">
+                  <a:lnSpc>
+                    <a:spcPct val="100000"/>
+                  </a:lnSpc>
+                  <a:spcBef>
+                    <a:spcPts val="0"/>
+                  </a:spcBef>
+                  <a:spcAft>
+                    <a:spcPts val="0"/>
+                  </a:spcAft>
+                  <a:buClrTx/>
+                  <a:buSzTx/>
+                  <a:buFontTx/>
+                  <a:buNone/>
+                  <a:tabLst/>
+                  <a:defRPr/>
+                </a:pPr>
+                <a:r>
+                  <a:rPr lang="en-US" altLang="ja-JP" sz="2000" b="0" i="0" u="none" strike="noStrike" cap="none" spc="0" normalizeH="0" baseline="0" noProof="0" dirty="0">
+                    <a:ln>
+                      <a:noFill/>
+                    </a:ln>
+                    <a:effectLst/>
+                    <a:uLnTx/>
+                    <a:uFillTx/>
+                    <a:latin typeface="MS PGothic" panose="020B0600070205080204" pitchFamily="34" charset="-128"/>
+                    <a:ea typeface="MS PGothic" panose="020B0600070205080204" pitchFamily="34" charset="-128"/>
+                  </a:rPr>
+                  <a:t>B</a:t>
+                </a:r>
+                <a:endParaRPr kumimoji="0" lang="en-US" altLang="ja-JP" sz="2000" b="0" i="0" u="none" strike="noStrike" kern="0" cap="none" spc="0" normalizeH="0" baseline="0" noProof="0" dirty="0">
+                  <a:ln>
+                    <a:noFill/>
+                  </a:ln>
+                  <a:solidFill>
+                    <a:srgbClr val="000000"/>
+                  </a:solidFill>
+                  <a:effectLst/>
+                  <a:uLnTx/>
+                  <a:uFillTx/>
+                  <a:latin typeface="MS PGothic" panose="020B0600070205080204" pitchFamily="34" charset="-128"/>
+                  <a:ea typeface="MS PGothic" panose="020B0600070205080204" pitchFamily="34" charset="-128"/>
+                  <a:sym typeface="Helvetica Light"/>
+                </a:endParaRPr>
+              </a:p>
+            </p:txBody>
+          </p:sp>
+        </p:grpSp>
+        <p:sp>
+          <p:nvSpPr>
+            <p:cNvPr id="21" name="右矢印 20">
+              <a:extLst>
+                <a:ext uri="{FF2B5EF4-FFF2-40B4-BE49-F238E27FC236}">
+                  <a16:creationId xmlns:a16="http://schemas.microsoft.com/office/drawing/2014/main" id="{1B1088B2-A3D5-5847-8ABD-D0CA2C977DC8}"/>
+                </a:ext>
+              </a:extLst>
+            </p:cNvPr>
+            <p:cNvSpPr/>
+            <p:nvPr/>
+          </p:nvSpPr>
+          <p:spPr>
+            <a:xfrm>
+              <a:off x="3658696" y="2709205"/>
+              <a:ext cx="420846" cy="345216"/>
+            </a:xfrm>
+            <a:prstGeom prst="rightArrow">
+              <a:avLst/>
+            </a:prstGeom>
+            <a:solidFill>
+              <a:srgbClr val="000000">
+                <a:lumMod val="95000"/>
+                <a:lumOff val="5000"/>
+              </a:srgbClr>
+            </a:solidFill>
+            <a:ln w="25400" cap="flat">
+              <a:noFill/>
+              <a:miter lim="400000"/>
+            </a:ln>
+            <a:effectLst/>
+            <a:sp3d/>
+          </p:spPr>
+          <p:txBody>
+            <a:bodyPr rot="0" spcFirstLastPara="1" vertOverflow="overflow" horzOverflow="overflow" vert="horz" wrap="square" lIns="50800" tIns="50800" rIns="50800" bIns="50800" numCol="1" spcCol="38100" rtlCol="0" anchor="ctr">
+              <a:noAutofit/>
+            </a:bodyPr>
+            <a:lstStyle/>
+            <a:p>
+              <a:pPr marL="0" marR="0" lvl="0" indent="0" algn="ctr" defTabSz="584200" eaLnBrk="1" fontAlgn="auto" latinLnBrk="0" hangingPunct="0">
+                <a:lnSpc>
+                  <a:spcPct val="100000"/>
+                </a:lnSpc>
+                <a:spcBef>
+                  <a:spcPts val="0"/>
+                </a:spcBef>
+                <a:spcAft>
+                  <a:spcPts val="0"/>
+                </a:spcAft>
+                <a:buClrTx/>
+                <a:buSzTx/>
+                <a:buFontTx/>
+                <a:buNone/>
+                <a:tabLst/>
+                <a:defRPr/>
+              </a:pPr>
+              <a:endParaRPr kumimoji="0" lang="ja-JP" altLang="en-US" sz="4000" b="0" i="0" u="none" strike="noStrike" kern="0" cap="none" spc="0" normalizeH="0" baseline="0" noProof="0">
+                <a:ln>
+                  <a:noFill/>
+                </a:ln>
+                <a:solidFill>
+                  <a:srgbClr val="000000"/>
+                </a:solidFill>
+                <a:effectLst/>
+                <a:uLnTx/>
+                <a:uFillTx/>
+                <a:latin typeface="MS PGothic" panose="020B0600070205080204" pitchFamily="34" charset="-128"/>
+                <a:ea typeface="MS PGothic" panose="020B0600070205080204" pitchFamily="34" charset="-128"/>
+                <a:sym typeface="Helvetica Light"/>
+              </a:endParaRPr>
+            </a:p>
+          </p:txBody>
+        </p:sp>
+        <p:grpSp>
+          <p:nvGrpSpPr>
+            <p:cNvPr id="22" name="グループ化 21">
+              <a:extLst>
+                <a:ext uri="{FF2B5EF4-FFF2-40B4-BE49-F238E27FC236}">
+                  <a16:creationId xmlns:a16="http://schemas.microsoft.com/office/drawing/2014/main" id="{F94D52DE-5E0E-1448-9C13-8E1314E868E4}"/>
+                </a:ext>
+              </a:extLst>
+            </p:cNvPr>
+            <p:cNvGrpSpPr/>
+            <p:nvPr/>
+          </p:nvGrpSpPr>
+          <p:grpSpPr>
+            <a:xfrm>
+              <a:off x="1749091" y="2309008"/>
+              <a:ext cx="991529" cy="1122292"/>
+              <a:chOff x="536857" y="2743834"/>
+              <a:chExt cx="991529" cy="1122292"/>
+            </a:xfrm>
+          </p:grpSpPr>
+          <p:grpSp>
+            <p:nvGrpSpPr>
+              <p:cNvPr id="23" name="グループ化 22">
+                <a:extLst>
+                  <a:ext uri="{FF2B5EF4-FFF2-40B4-BE49-F238E27FC236}">
+                    <a16:creationId xmlns:a16="http://schemas.microsoft.com/office/drawing/2014/main" id="{D2BC35CC-50BC-4B49-B80B-84A83A791974}"/>
+                  </a:ext>
+                </a:extLst>
+              </p:cNvPr>
+              <p:cNvGrpSpPr/>
+              <p:nvPr/>
+            </p:nvGrpSpPr>
+            <p:grpSpPr>
+              <a:xfrm>
+                <a:off x="536857" y="2743834"/>
+                <a:ext cx="991529" cy="793858"/>
+                <a:chOff x="654644" y="2970274"/>
+                <a:chExt cx="1111623" cy="965197"/>
+              </a:xfrm>
+            </p:grpSpPr>
+            <p:pic>
+              <p:nvPicPr>
+                <p:cNvPr id="25" name="グラフィックス 24" descr="絵筆 単色塗りつぶし">
+                  <a:extLst>
+                    <a:ext uri="{FF2B5EF4-FFF2-40B4-BE49-F238E27FC236}">
+                      <a16:creationId xmlns:a16="http://schemas.microsoft.com/office/drawing/2014/main" id="{15C7118C-B90F-3F47-B72E-92A1AB628D9A}"/>
+                    </a:ext>
+                  </a:extLst>
+                </p:cNvPr>
+                <p:cNvPicPr>
+                  <a:picLocks noChangeAspect="1"/>
+                </p:cNvPicPr>
+                <p:nvPr/>
+              </p:nvPicPr>
+              <p:blipFill>
+                <a:blip r:embed="rId6">
+                  <a:extLst>
+                    <a:ext uri="{96DAC541-7B7A-43D3-8B79-37D633B846F1}">
+                      <asvg:svgBlip xmlns:asvg="http://schemas.microsoft.com/office/drawing/2016/SVG/main" r:embed="rId7"/>
+                    </a:ext>
+                  </a:extLst>
+                </a:blip>
+                <a:stretch>
+                  <a:fillRect/>
+                </a:stretch>
+              </p:blipFill>
+              <p:spPr>
+                <a:xfrm flipH="1">
+                  <a:off x="654644" y="3367667"/>
+                  <a:ext cx="556136" cy="567804"/>
+                </a:xfrm>
+                <a:prstGeom prst="rect">
+                  <a:avLst/>
+                </a:prstGeom>
+              </p:spPr>
+            </p:pic>
+            <p:pic>
+              <p:nvPicPr>
+                <p:cNvPr id="26" name="グラフィックス 25" descr="画像 単色塗りつぶし">
+                  <a:extLst>
+                    <a:ext uri="{FF2B5EF4-FFF2-40B4-BE49-F238E27FC236}">
+                      <a16:creationId xmlns:a16="http://schemas.microsoft.com/office/drawing/2014/main" id="{E1B68DC2-A941-D049-8B47-1ADA3C1A830A}"/>
+                    </a:ext>
+                  </a:extLst>
+                </p:cNvPr>
+                <p:cNvPicPr>
+                  <a:picLocks noChangeAspect="1"/>
+                </p:cNvPicPr>
+                <p:nvPr/>
+              </p:nvPicPr>
+              <p:blipFill>
+                <a:blip r:embed="rId8">
+                  <a:extLst>
+                    <a:ext uri="{96DAC541-7B7A-43D3-8B79-37D633B846F1}">
+                      <asvg:svgBlip xmlns:asvg="http://schemas.microsoft.com/office/drawing/2016/SVG/main" r:embed="rId9"/>
+                    </a:ext>
+                  </a:extLst>
+                </a:blip>
+                <a:stretch>
+                  <a:fillRect/>
+                </a:stretch>
+              </p:blipFill>
+              <p:spPr>
+                <a:xfrm>
+                  <a:off x="934447" y="2970274"/>
+                  <a:ext cx="831820" cy="831820"/>
+                </a:xfrm>
+                <a:prstGeom prst="rect">
+                  <a:avLst/>
+                </a:prstGeom>
+              </p:spPr>
+            </p:pic>
+          </p:grpSp>
+          <p:sp>
+            <p:nvSpPr>
+              <p:cNvPr id="24" name="テキスト ボックス 23">
+                <a:extLst>
+                  <a:ext uri="{FF2B5EF4-FFF2-40B4-BE49-F238E27FC236}">
+                    <a16:creationId xmlns:a16="http://schemas.microsoft.com/office/drawing/2014/main" id="{81C1CAFE-CE4E-A043-87BA-AEE1ED5A04FB}"/>
+                  </a:ext>
+                </a:extLst>
+              </p:cNvPr>
+              <p:cNvSpPr txBox="1"/>
+              <p:nvPr/>
+            </p:nvSpPr>
+            <p:spPr>
+              <a:xfrm>
+                <a:off x="555415" y="3455757"/>
+                <a:ext cx="939935" cy="410369"/>
+              </a:xfrm>
+              <a:prstGeom prst="rect">
+                <a:avLst/>
+              </a:prstGeom>
+              <a:noFill/>
+              <a:ln w="12700" cap="flat">
+                <a:noFill/>
+                <a:miter lim="400000"/>
+              </a:ln>
+              <a:effectLst/>
+              <a:sp3d/>
+            </p:spPr>
+            <p:txBody>
+              <a:bodyPr rot="0" spcFirstLastPara="1" vertOverflow="overflow" horzOverflow="overflow" vert="horz" wrap="square" lIns="50800" tIns="50800" rIns="50800" bIns="50800" numCol="1" spcCol="38100" rtlCol="0" anchor="ctr">
+                <a:spAutoFit/>
+              </a:bodyPr>
+              <a:lstStyle/>
+              <a:p>
+                <a:pPr marL="0" marR="0" lvl="0" indent="0" algn="ctr" defTabSz="584200" eaLnBrk="1" fontAlgn="auto" latinLnBrk="0" hangingPunct="0">
+                  <a:lnSpc>
+                    <a:spcPct val="100000"/>
+                  </a:lnSpc>
+                  <a:spcBef>
+                    <a:spcPts val="0"/>
+                  </a:spcBef>
+                  <a:spcAft>
+                    <a:spcPts val="0"/>
+                  </a:spcAft>
+                  <a:buClrTx/>
+                  <a:buSzTx/>
+                  <a:buFontTx/>
+                  <a:buNone/>
+                  <a:tabLst/>
+                  <a:defRPr/>
+                </a:pPr>
+                <a:r>
+                  <a:rPr kumimoji="0" lang="ja-JP" altLang="en-US" sz="2000" kern="0">
+                    <a:solidFill>
+                      <a:srgbClr val="000000"/>
+                    </a:solidFill>
+                    <a:latin typeface="MS PGothic" panose="020B0600070205080204" pitchFamily="34" charset="-128"/>
+                    <a:ea typeface="MS PGothic" panose="020B0600070205080204" pitchFamily="34" charset="-128"/>
+                    <a:sym typeface="Helvetica Light"/>
+                  </a:rPr>
+                  <a:t>入力</a:t>
+                </a:r>
+                <a:endParaRPr kumimoji="0" lang="en-US" altLang="ja-JP" sz="2000" b="0" i="0" u="none" strike="noStrike" kern="0" cap="none" spc="0" normalizeH="0" baseline="0" noProof="0" dirty="0">
+                  <a:ln>
+                    <a:noFill/>
+                  </a:ln>
+                  <a:solidFill>
+                    <a:srgbClr val="000000"/>
+                  </a:solidFill>
+                  <a:effectLst/>
+                  <a:uLnTx/>
+                  <a:uFillTx/>
+                  <a:latin typeface="MS PGothic" panose="020B0600070205080204" pitchFamily="34" charset="-128"/>
+                  <a:ea typeface="MS PGothic" panose="020B0600070205080204" pitchFamily="34" charset="-128"/>
+                  <a:sym typeface="Helvetica Light"/>
+                </a:endParaRPr>
+              </a:p>
+            </p:txBody>
+          </p:sp>
+        </p:grpSp>
+        <p:sp>
+          <p:nvSpPr>
+            <p:cNvPr id="27" name="テキスト ボックス 26">
+              <a:extLst>
+                <a:ext uri="{FF2B5EF4-FFF2-40B4-BE49-F238E27FC236}">
+                  <a16:creationId xmlns:a16="http://schemas.microsoft.com/office/drawing/2014/main" id="{88D0DCAC-0B25-A14A-B426-D999FD46A54D}"/>
+                </a:ext>
+              </a:extLst>
+            </p:cNvPr>
+            <p:cNvSpPr txBox="1"/>
+            <p:nvPr/>
+          </p:nvSpPr>
+          <p:spPr>
+            <a:xfrm>
+              <a:off x="4930479" y="2656986"/>
+              <a:ext cx="1167377" cy="410369"/>
+            </a:xfrm>
+            <a:prstGeom prst="rect">
+              <a:avLst/>
+            </a:prstGeom>
+            <a:noFill/>
+            <a:ln w="12700" cap="flat">
+              <a:noFill/>
+              <a:miter lim="400000"/>
+            </a:ln>
+            <a:effectLst/>
+            <a:sp3d/>
+          </p:spPr>
+          <p:txBody>
+            <a:bodyPr rot="0" spcFirstLastPara="1" vertOverflow="overflow" horzOverflow="overflow" vert="horz" wrap="square" lIns="50800" tIns="50800" rIns="50800" bIns="50800" numCol="1" spcCol="38100" rtlCol="0" anchor="ctr">
+              <a:spAutoFit/>
+            </a:bodyPr>
+            <a:lstStyle/>
+            <a:p>
+              <a:pPr marL="0" marR="0" lvl="0" indent="0" algn="ctr" defTabSz="584200" eaLnBrk="1" fontAlgn="auto" latinLnBrk="0" hangingPunct="0">
+                <a:lnSpc>
+                  <a:spcPct val="100000"/>
+                </a:lnSpc>
+                <a:spcBef>
+                  <a:spcPts val="0"/>
+                </a:spcBef>
+                <a:spcAft>
+                  <a:spcPts val="0"/>
+                </a:spcAft>
+                <a:buClrTx/>
+                <a:buSzTx/>
+                <a:buFontTx/>
+                <a:buNone/>
+                <a:tabLst/>
+                <a:defRPr/>
+              </a:pPr>
+              <a:r>
+                <a:rPr kumimoji="0" lang="ja-JP" altLang="en-US" sz="2000" kern="0">
+                  <a:solidFill>
+                    <a:srgbClr val="FF0000"/>
+                  </a:solidFill>
+                  <a:latin typeface="MS PGothic" panose="020B0600070205080204" pitchFamily="34" charset="-128"/>
+                  <a:ea typeface="MS PGothic" panose="020B0600070205080204" pitchFamily="34" charset="-128"/>
+                  <a:sym typeface="Helvetica Light"/>
+                </a:rPr>
+                <a:t>右</a:t>
+              </a:r>
+              <a:r>
+                <a:rPr kumimoji="0" lang="ja-JP" altLang="en-US" sz="2000" kern="0">
+                  <a:solidFill>
+                    <a:srgbClr val="000000"/>
+                  </a:solidFill>
+                  <a:latin typeface="MS PGothic" panose="020B0600070205080204" pitchFamily="34" charset="-128"/>
+                  <a:ea typeface="MS PGothic" panose="020B0600070205080204" pitchFamily="34" charset="-128"/>
+                  <a:sym typeface="Helvetica Light"/>
+                </a:rPr>
+                <a:t>に移動</a:t>
+              </a:r>
+              <a:endParaRPr kumimoji="0" lang="en-US" altLang="ja-JP" sz="2000" b="0" i="0" u="none" strike="noStrike" kern="0" cap="none" spc="0" normalizeH="0" baseline="0" noProof="0" dirty="0">
+                <a:ln>
+                  <a:noFill/>
+                </a:ln>
+                <a:solidFill>
+                  <a:srgbClr val="000000"/>
+                </a:solidFill>
+                <a:effectLst/>
+                <a:uLnTx/>
+                <a:uFillTx/>
+                <a:latin typeface="MS PGothic" panose="020B0600070205080204" pitchFamily="34" charset="-128"/>
+                <a:ea typeface="MS PGothic" panose="020B0600070205080204" pitchFamily="34" charset="-128"/>
+                <a:sym typeface="Helvetica Light"/>
+              </a:endParaRPr>
+            </a:p>
+          </p:txBody>
+        </p:sp>
+        <p:grpSp>
+          <p:nvGrpSpPr>
+            <p:cNvPr id="28" name="グループ化 27">
+              <a:extLst>
+                <a:ext uri="{FF2B5EF4-FFF2-40B4-BE49-F238E27FC236}">
+                  <a16:creationId xmlns:a16="http://schemas.microsoft.com/office/drawing/2014/main" id="{89BAB809-2C3F-D343-BEFF-64E66DD902F4}"/>
+                </a:ext>
+              </a:extLst>
+            </p:cNvPr>
+            <p:cNvGrpSpPr/>
+            <p:nvPr/>
+          </p:nvGrpSpPr>
+          <p:grpSpPr>
+            <a:xfrm>
+              <a:off x="675213" y="2860789"/>
+              <a:ext cx="1147793" cy="1040440"/>
+              <a:chOff x="-178656" y="3468851"/>
+              <a:chExt cx="1147793" cy="1040440"/>
+            </a:xfrm>
+          </p:grpSpPr>
+          <p:pic>
+            <p:nvPicPr>
+              <p:cNvPr id="29" name="グラフィックス 28" descr="ユーザー 単色塗りつぶし">
+                <a:extLst>
+                  <a:ext uri="{FF2B5EF4-FFF2-40B4-BE49-F238E27FC236}">
+                    <a16:creationId xmlns:a16="http://schemas.microsoft.com/office/drawing/2014/main" id="{9B30A050-8ECA-E149-9994-3AFBA3E6F1AA}"/>
+                  </a:ext>
+                </a:extLst>
+              </p:cNvPr>
+              <p:cNvPicPr>
+                <a:picLocks noChangeAspect="1"/>
+              </p:cNvPicPr>
+              <p:nvPr/>
+            </p:nvPicPr>
+            <p:blipFill rotWithShape="1">
+              <a:blip r:embed="rId10">
+                <a:extLst>
+                  <a:ext uri="{96DAC541-7B7A-43D3-8B79-37D633B846F1}">
+                    <asvg:svgBlip xmlns:asvg="http://schemas.microsoft.com/office/drawing/2016/SVG/main" r:embed="rId11"/>
+                  </a:ext>
+                </a:extLst>
+              </a:blip>
+              <a:srcRect l="12582" r="10293"/>
+              <a:stretch/>
+            </p:blipFill>
+            <p:spPr>
+              <a:xfrm>
+                <a:off x="82988" y="3468851"/>
+                <a:ext cx="624506" cy="746650"/>
+              </a:xfrm>
+              <a:prstGeom prst="rect">
+                <a:avLst/>
+              </a:prstGeom>
+            </p:spPr>
+          </p:pic>
+          <p:sp>
+            <p:nvSpPr>
+              <p:cNvPr id="30" name="テキスト ボックス 29">
+                <a:extLst>
+                  <a:ext uri="{FF2B5EF4-FFF2-40B4-BE49-F238E27FC236}">
+                    <a16:creationId xmlns:a16="http://schemas.microsoft.com/office/drawing/2014/main" id="{C81FE0EC-D226-8748-BBBB-76418007B3BE}"/>
+                  </a:ext>
+                </a:extLst>
+              </p:cNvPr>
+              <p:cNvSpPr txBox="1"/>
+              <p:nvPr/>
+            </p:nvSpPr>
+            <p:spPr>
+              <a:xfrm>
+                <a:off x="-178656" y="4098922"/>
+                <a:ext cx="1147793" cy="410369"/>
+              </a:xfrm>
+              <a:prstGeom prst="rect">
+                <a:avLst/>
+              </a:prstGeom>
+              <a:noFill/>
+              <a:ln w="12700" cap="flat">
+                <a:noFill/>
+                <a:miter lim="400000"/>
+              </a:ln>
+              <a:effectLst/>
+              <a:sp3d/>
+            </p:spPr>
+            <p:txBody>
+              <a:bodyPr rot="0" spcFirstLastPara="1" vertOverflow="overflow" horzOverflow="overflow" vert="horz" wrap="square" lIns="50800" tIns="50800" rIns="50800" bIns="50800" numCol="1" spcCol="38100" rtlCol="0" anchor="ctr">
+                <a:spAutoFit/>
+              </a:bodyPr>
+              <a:lstStyle/>
+              <a:p>
+                <a:pPr marL="0" marR="0" lvl="0" indent="0" algn="ctr" defTabSz="584200" eaLnBrk="1" fontAlgn="auto" latinLnBrk="0" hangingPunct="0">
+                  <a:lnSpc>
+                    <a:spcPct val="100000"/>
+                  </a:lnSpc>
+                  <a:spcBef>
+                    <a:spcPts val="0"/>
+                  </a:spcBef>
+                  <a:spcAft>
+                    <a:spcPts val="0"/>
+                  </a:spcAft>
+                  <a:buClrTx/>
+                  <a:buSzTx/>
+                  <a:buFontTx/>
+                  <a:buNone/>
+                  <a:tabLst/>
+                  <a:defRPr/>
+                </a:pPr>
+                <a:r>
+                  <a:rPr kumimoji="0" lang="ja-JP" altLang="en-US" sz="2000" kern="0">
+                    <a:solidFill>
+                      <a:srgbClr val="000000"/>
+                    </a:solidFill>
+                    <a:latin typeface="MS PGothic" panose="020B0600070205080204" pitchFamily="34" charset="-128"/>
+                    <a:ea typeface="MS PGothic" panose="020B0600070205080204" pitchFamily="34" charset="-128"/>
+                    <a:sym typeface="Helvetica Light"/>
+                  </a:rPr>
+                  <a:t>学習者</a:t>
+                </a:r>
+                <a:endParaRPr kumimoji="0" lang="en-US" altLang="ja-JP" sz="2000" b="0" i="0" u="none" strike="noStrike" kern="0" cap="none" spc="0" normalizeH="0" baseline="0" noProof="0" dirty="0">
+                  <a:ln>
+                    <a:noFill/>
+                  </a:ln>
+                  <a:solidFill>
+                    <a:srgbClr val="000000"/>
+                  </a:solidFill>
+                  <a:effectLst/>
+                  <a:uLnTx/>
+                  <a:uFillTx/>
+                  <a:latin typeface="MS PGothic" panose="020B0600070205080204" pitchFamily="34" charset="-128"/>
+                  <a:ea typeface="MS PGothic" panose="020B0600070205080204" pitchFamily="34" charset="-128"/>
+                  <a:sym typeface="Helvetica Light"/>
+                </a:endParaRPr>
+              </a:p>
+            </p:txBody>
+          </p:sp>
+        </p:grpSp>
+        <p:pic>
+          <p:nvPicPr>
+            <p:cNvPr id="31" name="図 30" descr="アイコン&#10;&#10;自動的に生成された説明">
+              <a:extLst>
+                <a:ext uri="{FF2B5EF4-FFF2-40B4-BE49-F238E27FC236}">
+                  <a16:creationId xmlns:a16="http://schemas.microsoft.com/office/drawing/2014/main" id="{EBF8C1DA-AD54-B044-A275-CFD8855CC705}"/>
+                </a:ext>
+              </a:extLst>
+            </p:cNvPr>
+            <p:cNvPicPr>
+              <a:picLocks noChangeAspect="1"/>
+            </p:cNvPicPr>
+            <p:nvPr/>
+          </p:nvPicPr>
+          <p:blipFill>
+            <a:blip r:embed="rId12">
+              <a:biLevel thresh="50000"/>
+              <a:extLst>
+                <a:ext uri="{28A0092B-C50C-407E-A947-70E740481C1C}">
+                  <a14:useLocalDpi xmlns:a14="http://schemas.microsoft.com/office/drawing/2010/main" val="0"/>
+                </a:ext>
+              </a:extLst>
+            </a:blip>
+            <a:stretch>
+              <a:fillRect/>
+            </a:stretch>
+          </p:blipFill>
+          <p:spPr>
+            <a:xfrm>
+              <a:off x="1783976" y="3867829"/>
+              <a:ext cx="738021" cy="680531"/>
+            </a:xfrm>
+            <a:prstGeom prst="rect">
+              <a:avLst/>
+            </a:prstGeom>
+          </p:spPr>
+        </p:pic>
+        <p:grpSp>
+          <p:nvGrpSpPr>
+            <p:cNvPr id="32" name="グループ化 31">
+              <a:extLst>
+                <a:ext uri="{FF2B5EF4-FFF2-40B4-BE49-F238E27FC236}">
+                  <a16:creationId xmlns:a16="http://schemas.microsoft.com/office/drawing/2014/main" id="{FD4FFA48-6631-044E-90A3-EF0E3DCD4148}"/>
+                </a:ext>
+              </a:extLst>
+            </p:cNvPr>
+            <p:cNvGrpSpPr/>
+            <p:nvPr/>
+          </p:nvGrpSpPr>
+          <p:grpSpPr>
+            <a:xfrm>
+              <a:off x="8212676" y="2477723"/>
+              <a:ext cx="2022653" cy="700388"/>
+              <a:chOff x="2209743" y="1500142"/>
+              <a:chExt cx="2022653" cy="700388"/>
+            </a:xfrm>
+          </p:grpSpPr>
+          <p:pic>
+            <p:nvPicPr>
+              <p:cNvPr id="33" name="図 32" descr="図形, 円&#10;&#10;自動的に生成された説明">
+                <a:extLst>
+                  <a:ext uri="{FF2B5EF4-FFF2-40B4-BE49-F238E27FC236}">
+                    <a16:creationId xmlns:a16="http://schemas.microsoft.com/office/drawing/2014/main" id="{6E544BBA-D2DF-E74C-95A0-4BD2C3BEA183}"/>
+                  </a:ext>
+                </a:extLst>
+              </p:cNvPr>
+              <p:cNvPicPr>
+                <a:picLocks noChangeAspect="1"/>
+              </p:cNvPicPr>
+              <p:nvPr/>
+            </p:nvPicPr>
+            <p:blipFill>
+              <a:blip r:embed="rId13"/>
+              <a:stretch>
+                <a:fillRect/>
+              </a:stretch>
+            </p:blipFill>
+            <p:spPr>
+              <a:xfrm>
+                <a:off x="3293970" y="1500142"/>
+                <a:ext cx="938426" cy="700387"/>
+              </a:xfrm>
+              <a:prstGeom prst="rect">
+                <a:avLst/>
+              </a:prstGeom>
+              <a:ln w="28575">
+                <a:solidFill>
+                  <a:schemeClr val="tx1"/>
+                </a:solidFill>
+              </a:ln>
+            </p:spPr>
+          </p:pic>
+          <p:pic>
+            <p:nvPicPr>
+              <p:cNvPr id="34" name="図 33" descr="図形, 円&#10;&#10;自動的に生成された説明">
+                <a:extLst>
+                  <a:ext uri="{FF2B5EF4-FFF2-40B4-BE49-F238E27FC236}">
+                    <a16:creationId xmlns:a16="http://schemas.microsoft.com/office/drawing/2014/main" id="{DED84FE6-9DF1-0E43-A3A9-6028203DE545}"/>
+                  </a:ext>
+                </a:extLst>
+              </p:cNvPr>
+              <p:cNvPicPr>
+                <a:picLocks noChangeAspect="1"/>
+              </p:cNvPicPr>
+              <p:nvPr/>
+            </p:nvPicPr>
+            <p:blipFill>
+              <a:blip r:embed="rId14"/>
+              <a:stretch>
+                <a:fillRect/>
+              </a:stretch>
+            </p:blipFill>
+            <p:spPr>
+              <a:xfrm>
+                <a:off x="2209743" y="1500142"/>
+                <a:ext cx="938428" cy="700388"/>
+              </a:xfrm>
+              <a:prstGeom prst="rect">
+                <a:avLst/>
+              </a:prstGeom>
+              <a:ln w="28575">
+                <a:solidFill>
+                  <a:schemeClr val="tx1"/>
+                </a:solidFill>
+              </a:ln>
+            </p:spPr>
+          </p:pic>
+          <p:sp>
+            <p:nvSpPr>
+              <p:cNvPr id="35" name="右矢印 34">
+                <a:extLst>
+                  <a:ext uri="{FF2B5EF4-FFF2-40B4-BE49-F238E27FC236}">
+                    <a16:creationId xmlns:a16="http://schemas.microsoft.com/office/drawing/2014/main" id="{4C7A41D2-A318-AE4D-8BC6-7AC380A4C601}"/>
+                  </a:ext>
+                </a:extLst>
+              </p:cNvPr>
+              <p:cNvSpPr/>
+              <p:nvPr/>
+            </p:nvSpPr>
+            <p:spPr>
+              <a:xfrm>
+                <a:off x="3021086" y="1698192"/>
+                <a:ext cx="420846" cy="345216"/>
+              </a:xfrm>
+              <a:prstGeom prst="rightArrow">
+                <a:avLst/>
+              </a:prstGeom>
+              <a:solidFill>
+                <a:srgbClr val="000000">
+                  <a:lumMod val="95000"/>
+                  <a:lumOff val="5000"/>
+                </a:srgbClr>
+              </a:solidFill>
+              <a:ln w="25400" cap="flat">
+                <a:noFill/>
+                <a:miter lim="400000"/>
+              </a:ln>
+              <a:effectLst/>
+              <a:sp3d/>
+            </p:spPr>
+            <p:txBody>
+              <a:bodyPr rot="0" spcFirstLastPara="1" vertOverflow="overflow" horzOverflow="overflow" vert="horz" wrap="square" lIns="50800" tIns="50800" rIns="50800" bIns="50800" numCol="1" spcCol="38100" rtlCol="0" anchor="ctr">
+                <a:noAutofit/>
+              </a:bodyPr>
+              <a:lstStyle/>
+              <a:p>
+                <a:pPr marL="0" marR="0" lvl="0" indent="0" algn="ctr" defTabSz="584200" eaLnBrk="1" fontAlgn="auto" latinLnBrk="0" hangingPunct="0">
+                  <a:lnSpc>
+                    <a:spcPct val="100000"/>
+                  </a:lnSpc>
+                  <a:spcBef>
+                    <a:spcPts val="0"/>
+                  </a:spcBef>
+                  <a:spcAft>
+                    <a:spcPts val="0"/>
+                  </a:spcAft>
+                  <a:buClrTx/>
+                  <a:buSzTx/>
+                  <a:buFontTx/>
+                  <a:buNone/>
+                  <a:tabLst/>
+                  <a:defRPr/>
+                </a:pPr>
+                <a:endParaRPr kumimoji="0" lang="ja-JP" altLang="en-US" sz="4000" b="0" i="0" u="none" strike="noStrike" kern="0" cap="none" spc="0" normalizeH="0" baseline="0" noProof="0">
+                  <a:ln>
+                    <a:noFill/>
+                  </a:ln>
+                  <a:solidFill>
+                    <a:srgbClr val="000000"/>
+                  </a:solidFill>
+                  <a:effectLst/>
+                  <a:uLnTx/>
+                  <a:uFillTx/>
+                  <a:latin typeface="MS PGothic" panose="020B0600070205080204" pitchFamily="34" charset="-128"/>
+                  <a:ea typeface="MS PGothic" panose="020B0600070205080204" pitchFamily="34" charset="-128"/>
+                  <a:sym typeface="Helvetica Light"/>
+                </a:endParaRPr>
+              </a:p>
+            </p:txBody>
+          </p:sp>
+        </p:grpSp>
+        <p:grpSp>
+          <p:nvGrpSpPr>
+            <p:cNvPr id="36" name="グループ化 35">
+              <a:extLst>
+                <a:ext uri="{FF2B5EF4-FFF2-40B4-BE49-F238E27FC236}">
+                  <a16:creationId xmlns:a16="http://schemas.microsoft.com/office/drawing/2014/main" id="{6E7FD9F4-3725-1545-A485-2A561485CAE6}"/>
+                </a:ext>
+              </a:extLst>
+            </p:cNvPr>
+            <p:cNvGrpSpPr/>
+            <p:nvPr/>
+          </p:nvGrpSpPr>
+          <p:grpSpPr>
+            <a:xfrm>
+              <a:off x="8203651" y="3381009"/>
+              <a:ext cx="2010718" cy="700388"/>
+              <a:chOff x="2213633" y="2312728"/>
+              <a:chExt cx="2010718" cy="700388"/>
+            </a:xfrm>
+          </p:grpSpPr>
+          <p:pic>
+            <p:nvPicPr>
+              <p:cNvPr id="37" name="図 36" descr="図形, 円&#10;&#10;自動的に生成された説明">
+                <a:extLst>
+                  <a:ext uri="{FF2B5EF4-FFF2-40B4-BE49-F238E27FC236}">
+                    <a16:creationId xmlns:a16="http://schemas.microsoft.com/office/drawing/2014/main" id="{B68B8D82-0C5D-B84C-84AF-457F366E465B}"/>
+                  </a:ext>
+                </a:extLst>
+              </p:cNvPr>
+              <p:cNvPicPr>
+                <a:picLocks noChangeAspect="1"/>
+              </p:cNvPicPr>
+              <p:nvPr/>
+            </p:nvPicPr>
+            <p:blipFill>
+              <a:blip r:embed="rId13"/>
+              <a:stretch>
+                <a:fillRect/>
+              </a:stretch>
+            </p:blipFill>
+            <p:spPr>
+              <a:xfrm>
+                <a:off x="2213633" y="2312729"/>
+                <a:ext cx="938426" cy="700387"/>
+              </a:xfrm>
+              <a:prstGeom prst="rect">
+                <a:avLst/>
+              </a:prstGeom>
+              <a:ln w="28575">
+                <a:solidFill>
+                  <a:schemeClr val="tx1"/>
+                </a:solidFill>
+              </a:ln>
+            </p:spPr>
+          </p:pic>
+          <p:pic>
+            <p:nvPicPr>
+              <p:cNvPr id="38" name="図 37" descr="図形, 円&#10;&#10;自動的に生成された説明">
+                <a:extLst>
+                  <a:ext uri="{FF2B5EF4-FFF2-40B4-BE49-F238E27FC236}">
+                    <a16:creationId xmlns:a16="http://schemas.microsoft.com/office/drawing/2014/main" id="{DA1A377C-4DAB-D146-9F6A-CB6656EAC923}"/>
+                  </a:ext>
+                </a:extLst>
+              </p:cNvPr>
+              <p:cNvPicPr>
+                <a:picLocks noChangeAspect="1"/>
+              </p:cNvPicPr>
+              <p:nvPr/>
+            </p:nvPicPr>
+            <p:blipFill>
+              <a:blip r:embed="rId14"/>
+              <a:stretch>
+                <a:fillRect/>
+              </a:stretch>
+            </p:blipFill>
+            <p:spPr>
+              <a:xfrm>
+                <a:off x="3285923" y="2312728"/>
+                <a:ext cx="938428" cy="700388"/>
+              </a:xfrm>
+              <a:prstGeom prst="rect">
+                <a:avLst/>
+              </a:prstGeom>
+              <a:ln w="28575">
+                <a:solidFill>
+                  <a:schemeClr val="tx1"/>
+                </a:solidFill>
+              </a:ln>
+            </p:spPr>
+          </p:pic>
+          <p:sp>
+            <p:nvSpPr>
+              <p:cNvPr id="39" name="右矢印 38">
+                <a:extLst>
+                  <a:ext uri="{FF2B5EF4-FFF2-40B4-BE49-F238E27FC236}">
+                    <a16:creationId xmlns:a16="http://schemas.microsoft.com/office/drawing/2014/main" id="{67E2D4CA-124B-C442-A1D4-9D2F72D8A37B}"/>
+                  </a:ext>
+                </a:extLst>
+              </p:cNvPr>
+              <p:cNvSpPr/>
+              <p:nvPr/>
+            </p:nvSpPr>
+            <p:spPr>
+              <a:xfrm>
+                <a:off x="3031001" y="2509956"/>
+                <a:ext cx="420846" cy="345216"/>
+              </a:xfrm>
+              <a:prstGeom prst="rightArrow">
+                <a:avLst/>
+              </a:prstGeom>
+              <a:solidFill>
+                <a:srgbClr val="000000">
+                  <a:lumMod val="95000"/>
+                  <a:lumOff val="5000"/>
+                </a:srgbClr>
+              </a:solidFill>
+              <a:ln w="25400" cap="flat">
+                <a:noFill/>
+                <a:miter lim="400000"/>
+              </a:ln>
+              <a:effectLst/>
+              <a:sp3d/>
+            </p:spPr>
+            <p:txBody>
+              <a:bodyPr rot="0" spcFirstLastPara="1" vertOverflow="overflow" horzOverflow="overflow" vert="horz" wrap="square" lIns="50800" tIns="50800" rIns="50800" bIns="50800" numCol="1" spcCol="38100" rtlCol="0" anchor="ctr">
+                <a:noAutofit/>
+              </a:bodyPr>
+              <a:lstStyle/>
+              <a:p>
+                <a:pPr marL="0" marR="0" lvl="0" indent="0" algn="ctr" defTabSz="584200" eaLnBrk="1" fontAlgn="auto" latinLnBrk="0" hangingPunct="0">
+                  <a:lnSpc>
+                    <a:spcPct val="100000"/>
+                  </a:lnSpc>
+                  <a:spcBef>
+                    <a:spcPts val="0"/>
+                  </a:spcBef>
+                  <a:spcAft>
+                    <a:spcPts val="0"/>
+                  </a:spcAft>
+                  <a:buClrTx/>
+                  <a:buSzTx/>
+                  <a:buFontTx/>
+                  <a:buNone/>
+                  <a:tabLst/>
+                  <a:defRPr/>
+                </a:pPr>
+                <a:endParaRPr kumimoji="0" lang="ja-JP" altLang="en-US" sz="4000" b="0" i="0" u="none" strike="noStrike" kern="0" cap="none" spc="0" normalizeH="0" baseline="0" noProof="0">
+                  <a:ln>
+                    <a:noFill/>
+                  </a:ln>
+                  <a:solidFill>
+                    <a:srgbClr val="000000"/>
+                  </a:solidFill>
+                  <a:effectLst/>
+                  <a:uLnTx/>
+                  <a:uFillTx/>
+                  <a:latin typeface="MS PGothic" panose="020B0600070205080204" pitchFamily="34" charset="-128"/>
+                  <a:ea typeface="MS PGothic" panose="020B0600070205080204" pitchFamily="34" charset="-128"/>
+                  <a:sym typeface="Helvetica Light"/>
+                </a:endParaRPr>
+              </a:p>
+            </p:txBody>
+          </p:sp>
+        </p:grpSp>
+        <p:cxnSp>
+          <p:nvCxnSpPr>
+            <p:cNvPr id="40" name="直線矢印コネクタ 39">
+              <a:extLst>
+                <a:ext uri="{FF2B5EF4-FFF2-40B4-BE49-F238E27FC236}">
+                  <a16:creationId xmlns:a16="http://schemas.microsoft.com/office/drawing/2014/main" id="{950D2CDF-3466-B646-AA93-97B104C91361}"/>
+                </a:ext>
+              </a:extLst>
+            </p:cNvPr>
+            <p:cNvCxnSpPr>
+              <a:cxnSpLocks/>
+            </p:cNvCxnSpPr>
+            <p:nvPr/>
+          </p:nvCxnSpPr>
+          <p:spPr>
+            <a:xfrm flipH="1">
+              <a:off x="2633425" y="4208094"/>
+              <a:ext cx="3924008" cy="0"/>
+            </a:xfrm>
+            <a:prstGeom prst="straightConnector1">
+              <a:avLst/>
+            </a:prstGeom>
+            <a:ln w="38100">
+              <a:tailEnd type="triangle"/>
+            </a:ln>
+          </p:spPr>
+          <p:style>
+            <a:lnRef idx="1">
+              <a:schemeClr val="dk1"/>
+            </a:lnRef>
+            <a:fillRef idx="0">
+              <a:schemeClr val="dk1"/>
+            </a:fillRef>
+            <a:effectRef idx="0">
+              <a:schemeClr val="dk1"/>
+            </a:effectRef>
+            <a:fontRef idx="minor">
+              <a:schemeClr val="tx1"/>
+            </a:fontRef>
+          </p:style>
+        </p:cxnSp>
+        <p:sp>
+          <p:nvSpPr>
+            <p:cNvPr id="41" name="テキスト ボックス 40">
+              <a:extLst>
+                <a:ext uri="{FF2B5EF4-FFF2-40B4-BE49-F238E27FC236}">
+                  <a16:creationId xmlns:a16="http://schemas.microsoft.com/office/drawing/2014/main" id="{BBBAA78D-971F-D547-BFF4-874A5D2B2BA5}"/>
+                </a:ext>
+              </a:extLst>
+            </p:cNvPr>
+            <p:cNvSpPr txBox="1"/>
+            <p:nvPr/>
+          </p:nvSpPr>
+          <p:spPr>
+            <a:xfrm>
+              <a:off x="1831947" y="4796733"/>
+              <a:ext cx="4022660" cy="410369"/>
+            </a:xfrm>
+            <a:prstGeom prst="rect">
+              <a:avLst/>
+            </a:prstGeom>
+            <a:noFill/>
+            <a:ln w="12700" cap="flat">
+              <a:noFill/>
+              <a:miter lim="400000"/>
+            </a:ln>
+            <a:effectLst/>
+            <a:sp3d/>
+          </p:spPr>
+          <p:txBody>
+            <a:bodyPr rot="0" spcFirstLastPara="1" vertOverflow="overflow" horzOverflow="overflow" vert="horz" wrap="square" lIns="50800" tIns="50800" rIns="50800" bIns="50800" numCol="1" spcCol="38100" rtlCol="0" anchor="ctr">
+              <a:spAutoFit/>
+            </a:bodyPr>
+            <a:lstStyle/>
+            <a:p>
+              <a:pPr marL="0" marR="0" lvl="0" indent="0" defTabSz="584200" eaLnBrk="1" fontAlgn="auto" latinLnBrk="0" hangingPunct="0">
+                <a:lnSpc>
+                  <a:spcPct val="100000"/>
+                </a:lnSpc>
+                <a:spcBef>
+                  <a:spcPts val="0"/>
+                </a:spcBef>
+                <a:spcAft>
+                  <a:spcPts val="0"/>
+                </a:spcAft>
+                <a:buClrTx/>
+                <a:buSzTx/>
+                <a:buFontTx/>
+                <a:buNone/>
+                <a:tabLst/>
+                <a:defRPr/>
+              </a:pPr>
+              <a:r>
+                <a:rPr kumimoji="0" lang="en-US" altLang="ja-JP" sz="2000" kern="0" dirty="0">
+                  <a:solidFill>
+                    <a:srgbClr val="000000"/>
+                  </a:solidFill>
+                  <a:latin typeface="MS PGothic" panose="020B0600070205080204" pitchFamily="34" charset="-128"/>
+                  <a:ea typeface="MS PGothic" panose="020B0600070205080204" pitchFamily="34" charset="-128"/>
+                  <a:sym typeface="Helvetica Light"/>
+                </a:rPr>
+                <a:t>③</a:t>
+              </a:r>
+              <a:r>
+                <a:rPr kumimoji="0" lang="ja-JP" altLang="en-US" sz="2000" kern="0">
+                  <a:solidFill>
+                    <a:srgbClr val="000000"/>
+                  </a:solidFill>
+                  <a:latin typeface="MS PGothic" panose="020B0600070205080204" pitchFamily="34" charset="-128"/>
+                  <a:ea typeface="MS PGothic" panose="020B0600070205080204" pitchFamily="34" charset="-128"/>
+                  <a:sym typeface="Helvetica Light"/>
+                </a:rPr>
+                <a:t>移動方向が一致する作品を提示</a:t>
+              </a:r>
+              <a:endParaRPr kumimoji="0" lang="en-US" altLang="ja-JP" sz="2000" b="0" i="0" u="none" strike="noStrike" kern="0" cap="none" spc="0" normalizeH="0" baseline="0" noProof="0" dirty="0">
+                <a:ln>
+                  <a:noFill/>
+                </a:ln>
+                <a:solidFill>
+                  <a:srgbClr val="000000"/>
+                </a:solidFill>
+                <a:effectLst/>
+                <a:uLnTx/>
+                <a:uFillTx/>
+                <a:latin typeface="MS PGothic" panose="020B0600070205080204" pitchFamily="34" charset="-128"/>
+                <a:ea typeface="MS PGothic" panose="020B0600070205080204" pitchFamily="34" charset="-128"/>
+                <a:sym typeface="Helvetica Light"/>
+              </a:endParaRPr>
+            </a:p>
+          </p:txBody>
+        </p:sp>
+        <p:cxnSp>
+          <p:nvCxnSpPr>
+            <p:cNvPr id="42" name="直線矢印コネクタ 41">
+              <a:extLst>
+                <a:ext uri="{FF2B5EF4-FFF2-40B4-BE49-F238E27FC236}">
+                  <a16:creationId xmlns:a16="http://schemas.microsoft.com/office/drawing/2014/main" id="{FA349620-7B09-2549-A87C-B46DA8CE9892}"/>
+                </a:ext>
+              </a:extLst>
+            </p:cNvPr>
+            <p:cNvCxnSpPr>
+              <a:cxnSpLocks/>
+            </p:cNvCxnSpPr>
+            <p:nvPr/>
+          </p:nvCxnSpPr>
+          <p:spPr>
+            <a:xfrm flipH="1">
+              <a:off x="10236042" y="2822776"/>
+              <a:ext cx="404127" cy="0"/>
+            </a:xfrm>
+            <a:prstGeom prst="straightConnector1">
+              <a:avLst/>
+            </a:prstGeom>
+            <a:ln w="38100">
+              <a:tailEnd type="triangle"/>
+            </a:ln>
+          </p:spPr>
+          <p:style>
+            <a:lnRef idx="1">
+              <a:schemeClr val="dk1"/>
+            </a:lnRef>
+            <a:fillRef idx="0">
+              <a:schemeClr val="dk1"/>
+            </a:fillRef>
+            <a:effectRef idx="0">
+              <a:schemeClr val="dk1"/>
+            </a:effectRef>
+            <a:fontRef idx="minor">
+              <a:schemeClr val="tx1"/>
+            </a:fontRef>
+          </p:style>
+        </p:cxnSp>
+        <p:cxnSp>
+          <p:nvCxnSpPr>
+            <p:cNvPr id="43" name="直線矢印コネクタ 42">
+              <a:extLst>
+                <a:ext uri="{FF2B5EF4-FFF2-40B4-BE49-F238E27FC236}">
+                  <a16:creationId xmlns:a16="http://schemas.microsoft.com/office/drawing/2014/main" id="{5B621A0E-59EE-E54D-A601-81DD3657B5C6}"/>
+                </a:ext>
+              </a:extLst>
+            </p:cNvPr>
+            <p:cNvCxnSpPr>
+              <a:cxnSpLocks/>
+            </p:cNvCxnSpPr>
+            <p:nvPr/>
+          </p:nvCxnSpPr>
+          <p:spPr>
+            <a:xfrm flipH="1">
+              <a:off x="10224891" y="3745832"/>
+              <a:ext cx="404127" cy="0"/>
+            </a:xfrm>
+            <a:prstGeom prst="straightConnector1">
+              <a:avLst/>
+            </a:prstGeom>
+            <a:ln w="38100">
+              <a:tailEnd type="triangle"/>
+            </a:ln>
+          </p:spPr>
+          <p:style>
+            <a:lnRef idx="1">
+              <a:schemeClr val="dk1"/>
+            </a:lnRef>
+            <a:fillRef idx="0">
+              <a:schemeClr val="dk1"/>
+            </a:fillRef>
+            <a:effectRef idx="0">
+              <a:schemeClr val="dk1"/>
+            </a:effectRef>
+            <a:fontRef idx="minor">
+              <a:schemeClr val="tx1"/>
+            </a:fontRef>
+          </p:style>
+        </p:cxnSp>
+        <p:sp>
+          <p:nvSpPr>
+            <p:cNvPr id="44" name="テキスト ボックス 43">
+              <a:extLst>
+                <a:ext uri="{FF2B5EF4-FFF2-40B4-BE49-F238E27FC236}">
+                  <a16:creationId xmlns:a16="http://schemas.microsoft.com/office/drawing/2014/main" id="{F0188FAD-7D38-0641-861E-C3F570E23BC2}"/>
+                </a:ext>
+              </a:extLst>
+            </p:cNvPr>
+            <p:cNvSpPr txBox="1"/>
+            <p:nvPr/>
+          </p:nvSpPr>
+          <p:spPr>
+            <a:xfrm>
+              <a:off x="8439542" y="4126680"/>
+              <a:ext cx="1555966" cy="610424"/>
+            </a:xfrm>
+            <a:prstGeom prst="rect">
+              <a:avLst/>
+            </a:prstGeom>
+            <a:noFill/>
+            <a:ln w="12700" cap="flat">
+              <a:noFill/>
+              <a:miter lim="400000"/>
+            </a:ln>
+            <a:effectLst/>
+            <a:sp3d/>
+          </p:spPr>
+          <p:txBody>
+            <a:bodyPr rot="0" spcFirstLastPara="1" vertOverflow="overflow" horzOverflow="overflow" vert="horz" wrap="square" lIns="50800" tIns="50800" rIns="50800" bIns="50800" numCol="1" spcCol="38100" rtlCol="0" anchor="ctr">
+              <a:spAutoFit/>
+            </a:bodyPr>
+            <a:lstStyle/>
+            <a:p>
+              <a:pPr marL="0" marR="0" lvl="0" indent="0" algn="ctr" defTabSz="584200" eaLnBrk="1" fontAlgn="auto" latinLnBrk="0" hangingPunct="0">
+                <a:lnSpc>
+                  <a:spcPct val="100000"/>
+                </a:lnSpc>
+                <a:spcBef>
+                  <a:spcPts val="0"/>
+                </a:spcBef>
+                <a:spcAft>
+                  <a:spcPts val="0"/>
+                </a:spcAft>
+                <a:buClrTx/>
+                <a:buSzTx/>
+                <a:buFontTx/>
+                <a:buNone/>
+                <a:tabLst/>
+                <a:defRPr/>
+              </a:pPr>
+              <a:r>
+                <a:rPr kumimoji="0" lang="ja-JP" altLang="en-US" sz="1100" b="0" i="0" u="none" strike="noStrike" kern="0" cap="none" spc="0" normalizeH="0" baseline="0" noProof="0">
+                  <a:ln>
+                    <a:noFill/>
+                  </a:ln>
+                  <a:solidFill>
+                    <a:srgbClr val="000000"/>
+                  </a:solidFill>
+                  <a:effectLst/>
+                  <a:uLnTx/>
+                  <a:uFillTx/>
+                  <a:latin typeface="MS PGothic" panose="020B0600070205080204" pitchFamily="34" charset="-128"/>
+                  <a:ea typeface="MS PGothic" panose="020B0600070205080204" pitchFamily="34" charset="-128"/>
+                  <a:sym typeface="Helvetica Light"/>
+                </a:rPr>
+                <a:t>・</a:t>
+              </a:r>
+              <a:endParaRPr kumimoji="0" lang="en-US" altLang="ja-JP" sz="1100" b="0" i="0" u="none" strike="noStrike" kern="0" cap="none" spc="0" normalizeH="0" baseline="0" noProof="0" dirty="0">
+                <a:ln>
+                  <a:noFill/>
+                </a:ln>
+                <a:solidFill>
+                  <a:srgbClr val="000000"/>
+                </a:solidFill>
+                <a:effectLst/>
+                <a:uLnTx/>
+                <a:uFillTx/>
+                <a:latin typeface="MS PGothic" panose="020B0600070205080204" pitchFamily="34" charset="-128"/>
+                <a:ea typeface="MS PGothic" panose="020B0600070205080204" pitchFamily="34" charset="-128"/>
+                <a:sym typeface="Helvetica Light"/>
+              </a:endParaRPr>
+            </a:p>
+            <a:p>
+              <a:pPr marL="0" marR="0" lvl="0" indent="0" algn="ctr" defTabSz="584200" eaLnBrk="1" fontAlgn="auto" latinLnBrk="0" hangingPunct="0">
+                <a:lnSpc>
+                  <a:spcPct val="100000"/>
+                </a:lnSpc>
+                <a:spcBef>
+                  <a:spcPts val="0"/>
+                </a:spcBef>
+                <a:spcAft>
+                  <a:spcPts val="0"/>
+                </a:spcAft>
+                <a:buClrTx/>
+                <a:buSzTx/>
+                <a:buFontTx/>
+                <a:buNone/>
+                <a:tabLst/>
+                <a:defRPr/>
+              </a:pPr>
+              <a:r>
+                <a:rPr kumimoji="0" lang="ja-JP" altLang="en-US" sz="1100" kern="0">
+                  <a:solidFill>
+                    <a:srgbClr val="000000"/>
+                  </a:solidFill>
+                  <a:latin typeface="MS PGothic" panose="020B0600070205080204" pitchFamily="34" charset="-128"/>
+                  <a:ea typeface="MS PGothic" panose="020B0600070205080204" pitchFamily="34" charset="-128"/>
+                  <a:sym typeface="Helvetica Light"/>
+                </a:rPr>
+                <a:t>・</a:t>
+              </a:r>
+              <a:endParaRPr kumimoji="0" lang="en-US" altLang="ja-JP" sz="1100" kern="0" dirty="0">
+                <a:solidFill>
+                  <a:srgbClr val="000000"/>
+                </a:solidFill>
+                <a:latin typeface="MS PGothic" panose="020B0600070205080204" pitchFamily="34" charset="-128"/>
+                <a:ea typeface="MS PGothic" panose="020B0600070205080204" pitchFamily="34" charset="-128"/>
+                <a:sym typeface="Helvetica Light"/>
+              </a:endParaRPr>
+            </a:p>
+            <a:p>
+              <a:pPr marL="0" marR="0" lvl="0" indent="0" algn="ctr" defTabSz="584200" eaLnBrk="1" fontAlgn="auto" latinLnBrk="0" hangingPunct="0">
+                <a:lnSpc>
+                  <a:spcPct val="100000"/>
+                </a:lnSpc>
+                <a:spcBef>
+                  <a:spcPts val="0"/>
+                </a:spcBef>
+                <a:spcAft>
+                  <a:spcPts val="0"/>
+                </a:spcAft>
+                <a:buClrTx/>
+                <a:buSzTx/>
+                <a:buFontTx/>
+                <a:buNone/>
+                <a:tabLst/>
+                <a:defRPr/>
+              </a:pPr>
+              <a:r>
+                <a:rPr kumimoji="0" lang="ja-JP" altLang="en-US" sz="1100" b="0" i="0" u="none" strike="noStrike" kern="0" cap="none" spc="0" normalizeH="0" baseline="0" noProof="0">
+                  <a:ln>
+                    <a:noFill/>
+                  </a:ln>
+                  <a:solidFill>
+                    <a:srgbClr val="000000"/>
+                  </a:solidFill>
+                  <a:effectLst/>
+                  <a:uLnTx/>
+                  <a:uFillTx/>
+                  <a:latin typeface="MS PGothic" panose="020B0600070205080204" pitchFamily="34" charset="-128"/>
+                  <a:ea typeface="MS PGothic" panose="020B0600070205080204" pitchFamily="34" charset="-128"/>
+                  <a:sym typeface="Helvetica Light"/>
+                </a:rPr>
+                <a:t>・</a:t>
+              </a:r>
+              <a:endParaRPr kumimoji="0" lang="en-US" altLang="ja-JP" sz="1100" b="0" i="0" u="none" strike="noStrike" kern="0" cap="none" spc="0" normalizeH="0" baseline="0" noProof="0" dirty="0">
+                <a:ln>
+                  <a:noFill/>
+                </a:ln>
+                <a:solidFill>
+                  <a:srgbClr val="000000"/>
+                </a:solidFill>
+                <a:effectLst/>
+                <a:uLnTx/>
+                <a:uFillTx/>
+                <a:latin typeface="MS PGothic" panose="020B0600070205080204" pitchFamily="34" charset="-128"/>
+                <a:ea typeface="MS PGothic" panose="020B0600070205080204" pitchFamily="34" charset="-128"/>
+                <a:sym typeface="Helvetica Light"/>
+              </a:endParaRPr>
+            </a:p>
+          </p:txBody>
+        </p:sp>
+        <p:sp>
+          <p:nvSpPr>
+            <p:cNvPr id="45" name="テキスト ボックス 44">
+              <a:extLst>
+                <a:ext uri="{FF2B5EF4-FFF2-40B4-BE49-F238E27FC236}">
+                  <a16:creationId xmlns:a16="http://schemas.microsoft.com/office/drawing/2014/main" id="{334CFD5B-208A-5B4F-8AD4-125DF674EC5B}"/>
+                </a:ext>
+              </a:extLst>
+            </p:cNvPr>
+            <p:cNvSpPr txBox="1"/>
+            <p:nvPr/>
+          </p:nvSpPr>
+          <p:spPr>
+            <a:xfrm>
+              <a:off x="10164021" y="4172660"/>
+              <a:ext cx="1555966" cy="610424"/>
+            </a:xfrm>
+            <a:prstGeom prst="rect">
+              <a:avLst/>
+            </a:prstGeom>
+            <a:noFill/>
+            <a:ln w="12700" cap="flat">
+              <a:noFill/>
+              <a:miter lim="400000"/>
+            </a:ln>
+            <a:effectLst/>
+            <a:sp3d/>
+          </p:spPr>
+          <p:txBody>
+            <a:bodyPr rot="0" spcFirstLastPara="1" vertOverflow="overflow" horzOverflow="overflow" vert="horz" wrap="square" lIns="50800" tIns="50800" rIns="50800" bIns="50800" numCol="1" spcCol="38100" rtlCol="0" anchor="ctr">
+              <a:spAutoFit/>
+            </a:bodyPr>
+            <a:lstStyle/>
+            <a:p>
+              <a:pPr marL="0" marR="0" lvl="0" indent="0" algn="ctr" defTabSz="584200" eaLnBrk="1" fontAlgn="auto" latinLnBrk="0" hangingPunct="0">
+                <a:lnSpc>
+                  <a:spcPct val="100000"/>
+                </a:lnSpc>
+                <a:spcBef>
+                  <a:spcPts val="0"/>
+                </a:spcBef>
+                <a:spcAft>
+                  <a:spcPts val="0"/>
+                </a:spcAft>
+                <a:buClrTx/>
+                <a:buSzTx/>
+                <a:buFontTx/>
+                <a:buNone/>
+                <a:tabLst/>
+                <a:defRPr/>
+              </a:pPr>
+              <a:r>
+                <a:rPr kumimoji="0" lang="ja-JP" altLang="en-US" sz="1100" b="0" i="0" u="none" strike="noStrike" kern="0" cap="none" spc="0" normalizeH="0" baseline="0" noProof="0">
+                  <a:ln>
+                    <a:noFill/>
+                  </a:ln>
+                  <a:solidFill>
+                    <a:srgbClr val="000000"/>
+                  </a:solidFill>
+                  <a:effectLst/>
+                  <a:uLnTx/>
+                  <a:uFillTx/>
+                  <a:latin typeface="MS PGothic" panose="020B0600070205080204" pitchFamily="34" charset="-128"/>
+                  <a:ea typeface="MS PGothic" panose="020B0600070205080204" pitchFamily="34" charset="-128"/>
+                  <a:sym typeface="Helvetica Light"/>
+                </a:rPr>
+                <a:t>・</a:t>
+              </a:r>
+              <a:endParaRPr kumimoji="0" lang="en-US" altLang="ja-JP" sz="1100" b="0" i="0" u="none" strike="noStrike" kern="0" cap="none" spc="0" normalizeH="0" baseline="0" noProof="0" dirty="0">
+                <a:ln>
+                  <a:noFill/>
+                </a:ln>
+                <a:solidFill>
+                  <a:srgbClr val="000000"/>
+                </a:solidFill>
+                <a:effectLst/>
+                <a:uLnTx/>
+                <a:uFillTx/>
+                <a:latin typeface="MS PGothic" panose="020B0600070205080204" pitchFamily="34" charset="-128"/>
+                <a:ea typeface="MS PGothic" panose="020B0600070205080204" pitchFamily="34" charset="-128"/>
+                <a:sym typeface="Helvetica Light"/>
+              </a:endParaRPr>
+            </a:p>
+            <a:p>
+              <a:pPr marL="0" marR="0" lvl="0" indent="0" algn="ctr" defTabSz="584200" eaLnBrk="1" fontAlgn="auto" latinLnBrk="0" hangingPunct="0">
+                <a:lnSpc>
+                  <a:spcPct val="100000"/>
+                </a:lnSpc>
+                <a:spcBef>
+                  <a:spcPts val="0"/>
+                </a:spcBef>
+                <a:spcAft>
+                  <a:spcPts val="0"/>
+                </a:spcAft>
+                <a:buClrTx/>
+                <a:buSzTx/>
+                <a:buFontTx/>
+                <a:buNone/>
+                <a:tabLst/>
+                <a:defRPr/>
+              </a:pPr>
+              <a:r>
+                <a:rPr kumimoji="0" lang="ja-JP" altLang="en-US" sz="1100" kern="0">
+                  <a:solidFill>
+                    <a:srgbClr val="000000"/>
+                  </a:solidFill>
+                  <a:latin typeface="MS PGothic" panose="020B0600070205080204" pitchFamily="34" charset="-128"/>
+                  <a:ea typeface="MS PGothic" panose="020B0600070205080204" pitchFamily="34" charset="-128"/>
+                  <a:sym typeface="Helvetica Light"/>
+                </a:rPr>
+                <a:t>・</a:t>
+              </a:r>
+              <a:endParaRPr kumimoji="0" lang="en-US" altLang="ja-JP" sz="1100" kern="0" dirty="0">
+                <a:solidFill>
+                  <a:srgbClr val="000000"/>
+                </a:solidFill>
+                <a:latin typeface="MS PGothic" panose="020B0600070205080204" pitchFamily="34" charset="-128"/>
+                <a:ea typeface="MS PGothic" panose="020B0600070205080204" pitchFamily="34" charset="-128"/>
+                <a:sym typeface="Helvetica Light"/>
+              </a:endParaRPr>
+            </a:p>
+            <a:p>
+              <a:pPr marL="0" marR="0" lvl="0" indent="0" algn="ctr" defTabSz="584200" eaLnBrk="1" fontAlgn="auto" latinLnBrk="0" hangingPunct="0">
+                <a:lnSpc>
+                  <a:spcPct val="100000"/>
+                </a:lnSpc>
+                <a:spcBef>
+                  <a:spcPts val="0"/>
+                </a:spcBef>
+                <a:spcAft>
+                  <a:spcPts val="0"/>
+                </a:spcAft>
+                <a:buClrTx/>
+                <a:buSzTx/>
+                <a:buFontTx/>
+                <a:buNone/>
+                <a:tabLst/>
+                <a:defRPr/>
+              </a:pPr>
+              <a:r>
+                <a:rPr kumimoji="0" lang="ja-JP" altLang="en-US" sz="1100" b="0" i="0" u="none" strike="noStrike" kern="0" cap="none" spc="0" normalizeH="0" baseline="0" noProof="0">
+                  <a:ln>
+                    <a:noFill/>
+                  </a:ln>
+                  <a:solidFill>
+                    <a:srgbClr val="000000"/>
+                  </a:solidFill>
+                  <a:effectLst/>
+                  <a:uLnTx/>
+                  <a:uFillTx/>
+                  <a:latin typeface="MS PGothic" panose="020B0600070205080204" pitchFamily="34" charset="-128"/>
+                  <a:ea typeface="MS PGothic" panose="020B0600070205080204" pitchFamily="34" charset="-128"/>
+                  <a:sym typeface="Helvetica Light"/>
+                </a:rPr>
+                <a:t>・</a:t>
+              </a:r>
+              <a:endParaRPr kumimoji="0" lang="en-US" altLang="ja-JP" sz="1100" b="0" i="0" u="none" strike="noStrike" kern="0" cap="none" spc="0" normalizeH="0" baseline="0" noProof="0" dirty="0">
+                <a:ln>
+                  <a:noFill/>
+                </a:ln>
+                <a:solidFill>
+                  <a:srgbClr val="000000"/>
+                </a:solidFill>
+                <a:effectLst/>
+                <a:uLnTx/>
+                <a:uFillTx/>
+                <a:latin typeface="MS PGothic" panose="020B0600070205080204" pitchFamily="34" charset="-128"/>
+                <a:ea typeface="MS PGothic" panose="020B0600070205080204" pitchFamily="34" charset="-128"/>
+                <a:sym typeface="Helvetica Light"/>
+              </a:endParaRPr>
+            </a:p>
+          </p:txBody>
+        </p:sp>
+        <p:sp>
+          <p:nvSpPr>
+            <p:cNvPr id="46" name="テキスト ボックス 45">
+              <a:extLst>
+                <a:ext uri="{FF2B5EF4-FFF2-40B4-BE49-F238E27FC236}">
+                  <a16:creationId xmlns:a16="http://schemas.microsoft.com/office/drawing/2014/main" id="{12E7DCB2-EFF4-174E-A04B-AFAFB8EC00A6}"/>
+                </a:ext>
+              </a:extLst>
+            </p:cNvPr>
+            <p:cNvSpPr txBox="1"/>
+            <p:nvPr/>
+          </p:nvSpPr>
+          <p:spPr>
+            <a:xfrm>
+              <a:off x="7041059" y="3498355"/>
+              <a:ext cx="1148171" cy="410369"/>
+            </a:xfrm>
+            <a:prstGeom prst="rect">
+              <a:avLst/>
+            </a:prstGeom>
+            <a:noFill/>
+            <a:ln w="12700" cap="flat">
+              <a:noFill/>
+              <a:miter lim="400000"/>
+            </a:ln>
+            <a:effectLst/>
+            <a:sp3d/>
+          </p:spPr>
+          <p:txBody>
+            <a:bodyPr rot="0" spcFirstLastPara="1" vertOverflow="overflow" horzOverflow="overflow" vert="horz" wrap="square" lIns="50800" tIns="50800" rIns="50800" bIns="50800" numCol="1" spcCol="38100" rtlCol="0" anchor="ctr">
+              <a:spAutoFit/>
+            </a:bodyPr>
+            <a:lstStyle/>
+            <a:p>
+              <a:pPr marL="0" marR="0" lvl="0" indent="0" algn="ctr" defTabSz="584200" eaLnBrk="1" fontAlgn="auto" latinLnBrk="0" hangingPunct="0">
+                <a:lnSpc>
+                  <a:spcPct val="100000"/>
+                </a:lnSpc>
+                <a:spcBef>
+                  <a:spcPts val="0"/>
+                </a:spcBef>
+                <a:spcAft>
+                  <a:spcPts val="0"/>
+                </a:spcAft>
+                <a:buClrTx/>
+                <a:buSzTx/>
+                <a:buFontTx/>
+                <a:buNone/>
+                <a:tabLst/>
+                <a:defRPr/>
+              </a:pPr>
+              <a:r>
+                <a:rPr kumimoji="0" lang="ja-JP" altLang="en-US" sz="2000" kern="0">
+                  <a:solidFill>
+                    <a:srgbClr val="FF0000"/>
+                  </a:solidFill>
+                  <a:latin typeface="MS PGothic" panose="020B0600070205080204" pitchFamily="34" charset="-128"/>
+                  <a:ea typeface="MS PGothic" panose="020B0600070205080204" pitchFamily="34" charset="-128"/>
+                  <a:sym typeface="Helvetica Light"/>
+                </a:rPr>
+                <a:t>右</a:t>
+              </a:r>
+              <a:r>
+                <a:rPr kumimoji="0" lang="ja-JP" altLang="en-US" sz="2000" kern="0">
+                  <a:solidFill>
+                    <a:srgbClr val="000000"/>
+                  </a:solidFill>
+                  <a:latin typeface="MS PGothic" panose="020B0600070205080204" pitchFamily="34" charset="-128"/>
+                  <a:ea typeface="MS PGothic" panose="020B0600070205080204" pitchFamily="34" charset="-128"/>
+                  <a:sym typeface="Helvetica Light"/>
+                </a:rPr>
+                <a:t>に移動</a:t>
+              </a:r>
+              <a:endParaRPr kumimoji="0" lang="en-US" altLang="ja-JP" sz="2000" b="0" i="0" u="none" strike="noStrike" kern="0" cap="none" spc="0" normalizeH="0" baseline="0" noProof="0" dirty="0">
+                <a:ln>
+                  <a:noFill/>
+                </a:ln>
+                <a:solidFill>
+                  <a:srgbClr val="000000"/>
+                </a:solidFill>
+                <a:effectLst/>
+                <a:uLnTx/>
+                <a:uFillTx/>
+                <a:latin typeface="MS PGothic" panose="020B0600070205080204" pitchFamily="34" charset="-128"/>
+                <a:ea typeface="MS PGothic" panose="020B0600070205080204" pitchFamily="34" charset="-128"/>
+                <a:sym typeface="Helvetica Light"/>
+              </a:endParaRPr>
+            </a:p>
+          </p:txBody>
+        </p:sp>
+        <p:sp>
+          <p:nvSpPr>
+            <p:cNvPr id="47" name="テキスト ボックス 46">
+              <a:extLst>
+                <a:ext uri="{FF2B5EF4-FFF2-40B4-BE49-F238E27FC236}">
+                  <a16:creationId xmlns:a16="http://schemas.microsoft.com/office/drawing/2014/main" id="{720B7747-064B-D445-B060-42C0D6206DEA}"/>
+                </a:ext>
+              </a:extLst>
+            </p:cNvPr>
+            <p:cNvSpPr txBox="1"/>
+            <p:nvPr/>
+          </p:nvSpPr>
+          <p:spPr>
+            <a:xfrm>
+              <a:off x="7026269" y="2651087"/>
+              <a:ext cx="1168123" cy="410369"/>
+            </a:xfrm>
+            <a:prstGeom prst="rect">
+              <a:avLst/>
+            </a:prstGeom>
+            <a:noFill/>
+            <a:ln w="12700" cap="flat">
+              <a:noFill/>
+              <a:miter lim="400000"/>
+            </a:ln>
+            <a:effectLst/>
+            <a:sp3d/>
+          </p:spPr>
+          <p:txBody>
+            <a:bodyPr rot="0" spcFirstLastPara="1" vertOverflow="overflow" horzOverflow="overflow" vert="horz" wrap="square" lIns="50800" tIns="50800" rIns="50800" bIns="50800" numCol="1" spcCol="38100" rtlCol="0" anchor="ctr">
+              <a:spAutoFit/>
+            </a:bodyPr>
+            <a:lstStyle/>
+            <a:p>
+              <a:pPr marL="0" marR="0" lvl="0" indent="0" algn="ctr" defTabSz="584200" eaLnBrk="1" fontAlgn="auto" latinLnBrk="0" hangingPunct="0">
+                <a:lnSpc>
+                  <a:spcPct val="100000"/>
+                </a:lnSpc>
+                <a:spcBef>
+                  <a:spcPts val="0"/>
+                </a:spcBef>
+                <a:spcAft>
+                  <a:spcPts val="0"/>
+                </a:spcAft>
+                <a:buClrTx/>
+                <a:buSzTx/>
+                <a:buFontTx/>
+                <a:buNone/>
+                <a:tabLst/>
+                <a:defRPr/>
+              </a:pPr>
+              <a:r>
+                <a:rPr lang="ja-JP" altLang="en-US" sz="2000">
+                  <a:solidFill>
+                    <a:schemeClr val="tx1"/>
+                  </a:solidFill>
+                  <a:latin typeface="MS PGothic" panose="020B0600070205080204" pitchFamily="34" charset="-128"/>
+                  <a:ea typeface="MS PGothic" panose="020B0600070205080204" pitchFamily="34" charset="-128"/>
+                </a:rPr>
+                <a:t>左</a:t>
+              </a:r>
+              <a:r>
+                <a:rPr kumimoji="0" lang="ja-JP" altLang="en-US" sz="2000" kern="0">
+                  <a:solidFill>
+                    <a:srgbClr val="000000"/>
+                  </a:solidFill>
+                  <a:latin typeface="MS PGothic" panose="020B0600070205080204" pitchFamily="34" charset="-128"/>
+                  <a:ea typeface="MS PGothic" panose="020B0600070205080204" pitchFamily="34" charset="-128"/>
+                  <a:sym typeface="Helvetica Light"/>
+                </a:rPr>
+                <a:t>に移動</a:t>
+              </a:r>
+              <a:endParaRPr kumimoji="0" lang="en-US" altLang="ja-JP" sz="2000" b="0" i="0" u="none" strike="noStrike" kern="0" cap="none" spc="0" normalizeH="0" baseline="0" noProof="0" dirty="0">
+                <a:ln>
+                  <a:noFill/>
+                </a:ln>
+                <a:solidFill>
+                  <a:srgbClr val="000000"/>
+                </a:solidFill>
+                <a:effectLst/>
+                <a:uLnTx/>
+                <a:uFillTx/>
+                <a:latin typeface="MS PGothic" panose="020B0600070205080204" pitchFamily="34" charset="-128"/>
+                <a:ea typeface="MS PGothic" panose="020B0600070205080204" pitchFamily="34" charset="-128"/>
+                <a:sym typeface="Helvetica Light"/>
+              </a:endParaRPr>
+            </a:p>
+          </p:txBody>
+        </p:sp>
+        <p:sp>
+          <p:nvSpPr>
+            <p:cNvPr id="48" name="テキスト ボックス 47">
+              <a:extLst>
+                <a:ext uri="{FF2B5EF4-FFF2-40B4-BE49-F238E27FC236}">
+                  <a16:creationId xmlns:a16="http://schemas.microsoft.com/office/drawing/2014/main" id="{746223EB-4FBE-9743-9111-D0973F0F28BD}"/>
+                </a:ext>
+              </a:extLst>
+            </p:cNvPr>
+            <p:cNvSpPr txBox="1"/>
+            <p:nvPr/>
+          </p:nvSpPr>
+          <p:spPr>
+            <a:xfrm>
+              <a:off x="6846540" y="4126680"/>
+              <a:ext cx="1555966" cy="610424"/>
+            </a:xfrm>
+            <a:prstGeom prst="rect">
+              <a:avLst/>
+            </a:prstGeom>
+            <a:noFill/>
+            <a:ln w="12700" cap="flat">
+              <a:noFill/>
+              <a:miter lim="400000"/>
+            </a:ln>
+            <a:effectLst/>
+            <a:sp3d/>
+          </p:spPr>
+          <p:txBody>
+            <a:bodyPr rot="0" spcFirstLastPara="1" vertOverflow="overflow" horzOverflow="overflow" vert="horz" wrap="square" lIns="50800" tIns="50800" rIns="50800" bIns="50800" numCol="1" spcCol="38100" rtlCol="0" anchor="ctr">
+              <a:spAutoFit/>
+            </a:bodyPr>
+            <a:lstStyle/>
+            <a:p>
+              <a:pPr marL="0" marR="0" lvl="0" indent="0" algn="ctr" defTabSz="584200" eaLnBrk="1" fontAlgn="auto" latinLnBrk="0" hangingPunct="0">
+                <a:lnSpc>
+                  <a:spcPct val="100000"/>
+                </a:lnSpc>
+                <a:spcBef>
+                  <a:spcPts val="0"/>
+                </a:spcBef>
+                <a:spcAft>
+                  <a:spcPts val="0"/>
+                </a:spcAft>
+                <a:buClrTx/>
+                <a:buSzTx/>
+                <a:buFontTx/>
+                <a:buNone/>
+                <a:tabLst/>
+                <a:defRPr/>
+              </a:pPr>
+              <a:r>
+                <a:rPr kumimoji="0" lang="ja-JP" altLang="en-US" sz="1100" b="0" i="0" u="none" strike="noStrike" kern="0" cap="none" spc="0" normalizeH="0" baseline="0" noProof="0">
+                  <a:ln>
+                    <a:noFill/>
+                  </a:ln>
+                  <a:solidFill>
+                    <a:srgbClr val="000000"/>
+                  </a:solidFill>
+                  <a:effectLst/>
+                  <a:uLnTx/>
+                  <a:uFillTx/>
+                  <a:latin typeface="MS PGothic" panose="020B0600070205080204" pitchFamily="34" charset="-128"/>
+                  <a:ea typeface="MS PGothic" panose="020B0600070205080204" pitchFamily="34" charset="-128"/>
+                  <a:sym typeface="Helvetica Light"/>
+                </a:rPr>
+                <a:t>・</a:t>
+              </a:r>
+              <a:endParaRPr kumimoji="0" lang="en-US" altLang="ja-JP" sz="1100" b="0" i="0" u="none" strike="noStrike" kern="0" cap="none" spc="0" normalizeH="0" baseline="0" noProof="0" dirty="0">
+                <a:ln>
+                  <a:noFill/>
+                </a:ln>
+                <a:solidFill>
+                  <a:srgbClr val="000000"/>
+                </a:solidFill>
+                <a:effectLst/>
+                <a:uLnTx/>
+                <a:uFillTx/>
+                <a:latin typeface="MS PGothic" panose="020B0600070205080204" pitchFamily="34" charset="-128"/>
+                <a:ea typeface="MS PGothic" panose="020B0600070205080204" pitchFamily="34" charset="-128"/>
+                <a:sym typeface="Helvetica Light"/>
+              </a:endParaRPr>
+            </a:p>
+            <a:p>
+              <a:pPr marL="0" marR="0" lvl="0" indent="0" algn="ctr" defTabSz="584200" eaLnBrk="1" fontAlgn="auto" latinLnBrk="0" hangingPunct="0">
+                <a:lnSpc>
+                  <a:spcPct val="100000"/>
+                </a:lnSpc>
+                <a:spcBef>
+                  <a:spcPts val="0"/>
+                </a:spcBef>
+                <a:spcAft>
+                  <a:spcPts val="0"/>
+                </a:spcAft>
+                <a:buClrTx/>
+                <a:buSzTx/>
+                <a:buFontTx/>
+                <a:buNone/>
+                <a:tabLst/>
+                <a:defRPr/>
+              </a:pPr>
+              <a:r>
+                <a:rPr kumimoji="0" lang="ja-JP" altLang="en-US" sz="1100" kern="0">
+                  <a:solidFill>
+                    <a:srgbClr val="000000"/>
+                  </a:solidFill>
+                  <a:latin typeface="MS PGothic" panose="020B0600070205080204" pitchFamily="34" charset="-128"/>
+                  <a:ea typeface="MS PGothic" panose="020B0600070205080204" pitchFamily="34" charset="-128"/>
+                  <a:sym typeface="Helvetica Light"/>
+                </a:rPr>
+                <a:t>・</a:t>
+              </a:r>
+              <a:endParaRPr kumimoji="0" lang="en-US" altLang="ja-JP" sz="1100" kern="0" dirty="0">
+                <a:solidFill>
+                  <a:srgbClr val="000000"/>
+                </a:solidFill>
+                <a:latin typeface="MS PGothic" panose="020B0600070205080204" pitchFamily="34" charset="-128"/>
+                <a:ea typeface="MS PGothic" panose="020B0600070205080204" pitchFamily="34" charset="-128"/>
+                <a:sym typeface="Helvetica Light"/>
+              </a:endParaRPr>
+            </a:p>
+            <a:p>
+              <a:pPr marL="0" marR="0" lvl="0" indent="0" algn="ctr" defTabSz="584200" eaLnBrk="1" fontAlgn="auto" latinLnBrk="0" hangingPunct="0">
+                <a:lnSpc>
+                  <a:spcPct val="100000"/>
+                </a:lnSpc>
+                <a:spcBef>
+                  <a:spcPts val="0"/>
+                </a:spcBef>
+                <a:spcAft>
+                  <a:spcPts val="0"/>
+                </a:spcAft>
+                <a:buClrTx/>
+                <a:buSzTx/>
+                <a:buFontTx/>
+                <a:buNone/>
+                <a:tabLst/>
+                <a:defRPr/>
+              </a:pPr>
+              <a:r>
+                <a:rPr kumimoji="0" lang="ja-JP" altLang="en-US" sz="1100" b="0" i="0" u="none" strike="noStrike" kern="0" cap="none" spc="0" normalizeH="0" baseline="0" noProof="0">
+                  <a:ln>
+                    <a:noFill/>
+                  </a:ln>
+                  <a:solidFill>
+                    <a:srgbClr val="000000"/>
+                  </a:solidFill>
+                  <a:effectLst/>
+                  <a:uLnTx/>
+                  <a:uFillTx/>
+                  <a:latin typeface="MS PGothic" panose="020B0600070205080204" pitchFamily="34" charset="-128"/>
+                  <a:ea typeface="MS PGothic" panose="020B0600070205080204" pitchFamily="34" charset="-128"/>
+                  <a:sym typeface="Helvetica Light"/>
+                </a:rPr>
+                <a:t>・</a:t>
+              </a:r>
+              <a:endParaRPr kumimoji="0" lang="en-US" altLang="ja-JP" sz="1100" b="0" i="0" u="none" strike="noStrike" kern="0" cap="none" spc="0" normalizeH="0" baseline="0" noProof="0" dirty="0">
+                <a:ln>
+                  <a:noFill/>
+                </a:ln>
+                <a:solidFill>
+                  <a:srgbClr val="000000"/>
+                </a:solidFill>
+                <a:effectLst/>
+                <a:uLnTx/>
+                <a:uFillTx/>
+                <a:latin typeface="MS PGothic" panose="020B0600070205080204" pitchFamily="34" charset="-128"/>
+                <a:ea typeface="MS PGothic" panose="020B0600070205080204" pitchFamily="34" charset="-128"/>
+                <a:sym typeface="Helvetica Light"/>
+              </a:endParaRPr>
+            </a:p>
+          </p:txBody>
+        </p:sp>
+        <p:cxnSp>
+          <p:nvCxnSpPr>
+            <p:cNvPr id="49" name="直線矢印コネクタ 48">
+              <a:extLst>
+                <a:ext uri="{FF2B5EF4-FFF2-40B4-BE49-F238E27FC236}">
+                  <a16:creationId xmlns:a16="http://schemas.microsoft.com/office/drawing/2014/main" id="{5D4AE072-EA65-FD4D-AFAD-BC8D37B46089}"/>
+                </a:ext>
+              </a:extLst>
+            </p:cNvPr>
+            <p:cNvCxnSpPr>
+              <a:cxnSpLocks/>
+              <a:stCxn id="27" idx="3"/>
+              <a:endCxn id="46" idx="1"/>
+            </p:cNvCxnSpPr>
+            <p:nvPr/>
+          </p:nvCxnSpPr>
+          <p:spPr>
+            <a:xfrm>
+              <a:off x="6097856" y="2862171"/>
+              <a:ext cx="943203" cy="841369"/>
+            </a:xfrm>
+            <a:prstGeom prst="straightConnector1">
+              <a:avLst/>
+            </a:prstGeom>
+            <a:noFill/>
+            <a:ln w="38100" cap="flat">
+              <a:solidFill>
+                <a:srgbClr val="FF0000"/>
+              </a:solidFill>
+              <a:prstDash val="solid"/>
+              <a:miter lim="400000"/>
+              <a:tailEnd type="triangle"/>
+            </a:ln>
+            <a:effectLst/>
+            <a:sp3d/>
+          </p:spPr>
+          <p:style>
+            <a:lnRef idx="0">
+              <a:scrgbClr r="0" g="0" b="0"/>
+            </a:lnRef>
+            <a:fillRef idx="0">
+              <a:scrgbClr r="0" g="0" b="0"/>
+            </a:fillRef>
+            <a:effectRef idx="0">
+              <a:scrgbClr r="0" g="0" b="0"/>
+            </a:effectRef>
+            <a:fontRef idx="none"/>
+          </p:style>
+        </p:cxnSp>
+        <p:cxnSp>
+          <p:nvCxnSpPr>
+            <p:cNvPr id="50" name="直線矢印コネクタ 49">
+              <a:extLst>
+                <a:ext uri="{FF2B5EF4-FFF2-40B4-BE49-F238E27FC236}">
+                  <a16:creationId xmlns:a16="http://schemas.microsoft.com/office/drawing/2014/main" id="{89246C74-7F3A-0346-8214-4C0A834B6BEC}"/>
+                </a:ext>
+              </a:extLst>
+            </p:cNvPr>
+            <p:cNvCxnSpPr>
+              <a:cxnSpLocks/>
+              <a:stCxn id="27" idx="3"/>
+            </p:cNvCxnSpPr>
+            <p:nvPr/>
+          </p:nvCxnSpPr>
+          <p:spPr>
+            <a:xfrm>
+              <a:off x="6097856" y="2862171"/>
+              <a:ext cx="919155" cy="1556796"/>
+            </a:xfrm>
+            <a:prstGeom prst="straightConnector1">
+              <a:avLst/>
+            </a:prstGeom>
+            <a:noFill/>
+            <a:ln w="38100" cap="flat">
+              <a:solidFill>
+                <a:srgbClr val="FF0000"/>
+              </a:solidFill>
+              <a:prstDash val="solid"/>
+              <a:miter lim="400000"/>
+              <a:tailEnd type="triangle"/>
+            </a:ln>
+            <a:effectLst/>
+            <a:sp3d/>
+          </p:spPr>
+          <p:style>
+            <a:lnRef idx="0">
+              <a:scrgbClr r="0" g="0" b="0"/>
+            </a:lnRef>
+            <a:fillRef idx="0">
+              <a:scrgbClr r="0" g="0" b="0"/>
+            </a:fillRef>
+            <a:effectRef idx="0">
+              <a:scrgbClr r="0" g="0" b="0"/>
+            </a:effectRef>
+            <a:fontRef idx="none"/>
+          </p:style>
+        </p:cxnSp>
+        <p:sp>
+          <p:nvSpPr>
+            <p:cNvPr id="51" name="テキスト ボックス 50">
+              <a:extLst>
+                <a:ext uri="{FF2B5EF4-FFF2-40B4-BE49-F238E27FC236}">
+                  <a16:creationId xmlns:a16="http://schemas.microsoft.com/office/drawing/2014/main" id="{FA2626FF-2939-1644-9FF4-FB74A9245AB5}"/>
+                </a:ext>
+              </a:extLst>
+            </p:cNvPr>
+            <p:cNvSpPr txBox="1"/>
+            <p:nvPr/>
+          </p:nvSpPr>
+          <p:spPr>
+            <a:xfrm>
+              <a:off x="1568090" y="1733512"/>
+              <a:ext cx="4726742" cy="410369"/>
+            </a:xfrm>
+            <a:prstGeom prst="rect">
+              <a:avLst/>
+            </a:prstGeom>
+            <a:noFill/>
+            <a:ln w="12700" cap="flat">
+              <a:noFill/>
+              <a:miter lim="400000"/>
+            </a:ln>
+            <a:effectLst/>
+            <a:sp3d/>
+          </p:spPr>
+          <p:txBody>
+            <a:bodyPr rot="0" spcFirstLastPara="1" vertOverflow="overflow" horzOverflow="overflow" vert="horz" wrap="square" lIns="50800" tIns="50800" rIns="50800" bIns="50800" numCol="1" spcCol="38100" rtlCol="0" anchor="ctr">
+              <a:spAutoFit/>
+            </a:bodyPr>
+            <a:lstStyle/>
+            <a:p>
+              <a:pPr marL="0" marR="0" lvl="0" indent="0" defTabSz="584200" eaLnBrk="1" fontAlgn="auto" latinLnBrk="0" hangingPunct="0">
+                <a:lnSpc>
+                  <a:spcPct val="100000"/>
+                </a:lnSpc>
+                <a:spcBef>
+                  <a:spcPts val="0"/>
+                </a:spcBef>
+                <a:spcAft>
+                  <a:spcPts val="0"/>
+                </a:spcAft>
+                <a:buClrTx/>
+                <a:buSzTx/>
+                <a:buFontTx/>
+                <a:buNone/>
+                <a:tabLst/>
+                <a:defRPr/>
+              </a:pPr>
+              <a:r>
+                <a:rPr lang="en-US" altLang="ja-JP" sz="2000" b="0" i="0" u="none" strike="noStrike" cap="none" spc="0" normalizeH="0" baseline="0" noProof="0" dirty="0">
+                  <a:ln>
+                    <a:noFill/>
+                  </a:ln>
+                  <a:effectLst/>
+                  <a:uLnTx/>
+                  <a:uFillTx/>
+                  <a:latin typeface="MS PGothic" panose="020B0600070205080204" pitchFamily="34" charset="-128"/>
+                  <a:ea typeface="MS PGothic" panose="020B0600070205080204" pitchFamily="34" charset="-128"/>
+                </a:rPr>
+                <a:t>①</a:t>
+              </a:r>
+              <a:r>
+                <a:rPr lang="ja-JP" altLang="en-US" sz="2000">
+                  <a:latin typeface="MS PGothic" panose="020B0600070205080204" pitchFamily="34" charset="-128"/>
+                  <a:ea typeface="MS PGothic" panose="020B0600070205080204" pitchFamily="34" charset="-128"/>
+                </a:rPr>
+                <a:t>入力オブジェクト操作の移動方向を検出</a:t>
+              </a:r>
+              <a:endParaRPr kumimoji="0" lang="en-US" altLang="ja-JP" sz="2000" b="0" i="0" u="none" strike="noStrike" kern="0" cap="none" spc="0" normalizeH="0" baseline="0" noProof="0" dirty="0">
+                <a:ln>
+                  <a:noFill/>
+                </a:ln>
+                <a:solidFill>
+                  <a:srgbClr val="000000"/>
+                </a:solidFill>
+                <a:effectLst/>
+                <a:uLnTx/>
+                <a:uFillTx/>
+                <a:latin typeface="MS PGothic" panose="020B0600070205080204" pitchFamily="34" charset="-128"/>
+                <a:ea typeface="MS PGothic" panose="020B0600070205080204" pitchFamily="34" charset="-128"/>
+                <a:sym typeface="Helvetica Light"/>
+              </a:endParaRPr>
+            </a:p>
+          </p:txBody>
+        </p:sp>
+        <p:sp>
+          <p:nvSpPr>
+            <p:cNvPr id="52" name="テキスト ボックス 51">
+              <a:extLst>
+                <a:ext uri="{FF2B5EF4-FFF2-40B4-BE49-F238E27FC236}">
+                  <a16:creationId xmlns:a16="http://schemas.microsoft.com/office/drawing/2014/main" id="{3B5BEEB8-080C-DD4C-B2C2-B09C4BDC501D}"/>
+                </a:ext>
+              </a:extLst>
+            </p:cNvPr>
+            <p:cNvSpPr txBox="1"/>
+            <p:nvPr/>
+          </p:nvSpPr>
+          <p:spPr>
+            <a:xfrm>
+              <a:off x="6868071" y="1728136"/>
+              <a:ext cx="4726742" cy="410369"/>
+            </a:xfrm>
+            <a:prstGeom prst="rect">
+              <a:avLst/>
+            </a:prstGeom>
+            <a:noFill/>
+            <a:ln w="12700" cap="flat">
+              <a:noFill/>
+              <a:miter lim="400000"/>
+            </a:ln>
+            <a:effectLst/>
+            <a:sp3d/>
+          </p:spPr>
+          <p:txBody>
+            <a:bodyPr rot="0" spcFirstLastPara="1" vertOverflow="overflow" horzOverflow="overflow" vert="horz" wrap="square" lIns="50800" tIns="50800" rIns="50800" bIns="50800" numCol="1" spcCol="38100" rtlCol="0" anchor="ctr">
+              <a:spAutoFit/>
+            </a:bodyPr>
+            <a:lstStyle/>
+            <a:p>
+              <a:pPr marL="0" marR="0" lvl="0" indent="0" defTabSz="584200" eaLnBrk="1" fontAlgn="auto" latinLnBrk="0" hangingPunct="0">
+                <a:lnSpc>
+                  <a:spcPct val="100000"/>
+                </a:lnSpc>
+                <a:spcBef>
+                  <a:spcPts val="0"/>
+                </a:spcBef>
+                <a:spcAft>
+                  <a:spcPts val="0"/>
+                </a:spcAft>
+                <a:buClrTx/>
+                <a:buSzTx/>
+                <a:buFontTx/>
+                <a:buNone/>
+                <a:tabLst/>
+                <a:defRPr/>
+              </a:pPr>
+              <a:r>
+                <a:rPr lang="en-US" altLang="ja-JP" sz="2000" b="0" i="0" u="none" strike="noStrike" cap="none" spc="0" normalizeH="0" baseline="0" noProof="0" dirty="0">
+                  <a:ln>
+                    <a:noFill/>
+                  </a:ln>
+                  <a:effectLst/>
+                  <a:uLnTx/>
+                  <a:uFillTx/>
+                  <a:latin typeface="MS PGothic" panose="020B0600070205080204" pitchFamily="34" charset="-128"/>
+                  <a:ea typeface="MS PGothic" panose="020B0600070205080204" pitchFamily="34" charset="-128"/>
+                </a:rPr>
+                <a:t>②</a:t>
+              </a:r>
+              <a:r>
+                <a:rPr lang="ja-JP" altLang="en-US" sz="2000" b="0" i="0" u="none" strike="noStrike" cap="none" spc="0" normalizeH="0" baseline="0" noProof="0">
+                  <a:ln>
+                    <a:noFill/>
+                  </a:ln>
+                  <a:effectLst/>
+                  <a:uLnTx/>
+                  <a:uFillTx/>
+                  <a:latin typeface="MS PGothic" panose="020B0600070205080204" pitchFamily="34" charset="-128"/>
+                  <a:ea typeface="MS PGothic" panose="020B0600070205080204" pitchFamily="34" charset="-128"/>
+                </a:rPr>
+                <a:t>作品データの収集</a:t>
+              </a:r>
+              <a:endParaRPr kumimoji="0" lang="en-US" altLang="ja-JP" sz="2000" b="0" i="0" u="none" strike="noStrike" kern="0" cap="none" spc="0" normalizeH="0" baseline="0" noProof="0" dirty="0">
+                <a:ln>
+                  <a:noFill/>
+                </a:ln>
+                <a:solidFill>
+                  <a:srgbClr val="000000"/>
+                </a:solidFill>
+                <a:effectLst/>
+                <a:uLnTx/>
+                <a:uFillTx/>
+                <a:latin typeface="MS PGothic" panose="020B0600070205080204" pitchFamily="34" charset="-128"/>
+                <a:ea typeface="MS PGothic" panose="020B0600070205080204" pitchFamily="34" charset="-128"/>
+                <a:sym typeface="Helvetica Light"/>
+              </a:endParaRPr>
+            </a:p>
+          </p:txBody>
+        </p:sp>
+      </p:grpSp>
+    </p:spTree>
+    <p:extLst>
+      <p:ext uri="{BB962C8B-B14F-4D97-AF65-F5344CB8AC3E}">
+        <p14:creationId xmlns:p14="http://schemas.microsoft.com/office/powerpoint/2010/main" val="3749103571"/>
       </p:ext>
     </p:extLst>
   </p:cSld>

--- a/Slide/研究メモ.pptx
+++ b/Slide/研究メモ.pptx
@@ -5,7 +5,7 @@
     <p:sldMasterId id="2147483648" r:id="rId1"/>
   </p:sldMasterIdLst>
   <p:notesMasterIdLst>
-    <p:notesMasterId r:id="rId19"/>
+    <p:notesMasterId r:id="rId24"/>
   </p:notesMasterIdLst>
   <p:sldIdLst>
     <p:sldId id="257" r:id="rId2"/>
@@ -25,6 +25,11 @@
     <p:sldId id="273" r:id="rId16"/>
     <p:sldId id="274" r:id="rId17"/>
     <p:sldId id="275" r:id="rId18"/>
+    <p:sldId id="276" r:id="rId19"/>
+    <p:sldId id="277" r:id="rId20"/>
+    <p:sldId id="278" r:id="rId21"/>
+    <p:sldId id="279" r:id="rId22"/>
+    <p:sldId id="280" r:id="rId23"/>
   </p:sldIdLst>
   <p:sldSz cx="12192000" cy="6858000"/>
   <p:notesSz cx="6858000" cy="9144000"/>
@@ -213,7 +218,7 @@
           <a:p>
             <a:fld id="{D1175AAB-0FE7-E942-8D31-572EC61F6206}" type="datetimeFigureOut">
               <a:rPr kumimoji="1" lang="ja-JP" altLang="en-US" smtClean="0"/>
-              <a:t>2021/4/1</a:t>
+              <a:t>2021/4/12</a:t>
             </a:fld>
             <a:endParaRPr kumimoji="1" lang="ja-JP" altLang="en-US"/>
           </a:p>
@@ -1079,7 +1084,7 @@
           <a:p>
             <a:fld id="{AA4ADDD6-012F-274C-AFCB-FBB0366E04B6}" type="datetimeFigureOut">
               <a:rPr kumimoji="1" lang="ja-JP" altLang="en-US" smtClean="0"/>
-              <a:t>2021/4/1</a:t>
+              <a:t>2021/4/12</a:t>
             </a:fld>
             <a:endParaRPr kumimoji="1" lang="ja-JP" altLang="en-US"/>
           </a:p>
@@ -1309,7 +1314,7 @@
           <a:p>
             <a:fld id="{AA4ADDD6-012F-274C-AFCB-FBB0366E04B6}" type="datetimeFigureOut">
               <a:rPr kumimoji="1" lang="ja-JP" altLang="en-US" smtClean="0"/>
-              <a:t>2021/4/1</a:t>
+              <a:t>2021/4/12</a:t>
             </a:fld>
             <a:endParaRPr kumimoji="1" lang="ja-JP" altLang="en-US"/>
           </a:p>
@@ -1549,7 +1554,7 @@
           <a:p>
             <a:fld id="{AA4ADDD6-012F-274C-AFCB-FBB0366E04B6}" type="datetimeFigureOut">
               <a:rPr kumimoji="1" lang="ja-JP" altLang="en-US" smtClean="0"/>
-              <a:t>2021/4/1</a:t>
+              <a:t>2021/4/12</a:t>
             </a:fld>
             <a:endParaRPr kumimoji="1" lang="ja-JP" altLang="en-US"/>
           </a:p>
@@ -1779,7 +1784,7 @@
           <a:p>
             <a:fld id="{AA4ADDD6-012F-274C-AFCB-FBB0366E04B6}" type="datetimeFigureOut">
               <a:rPr kumimoji="1" lang="ja-JP" altLang="en-US" smtClean="0"/>
-              <a:t>2021/4/1</a:t>
+              <a:t>2021/4/12</a:t>
             </a:fld>
             <a:endParaRPr kumimoji="1" lang="ja-JP" altLang="en-US"/>
           </a:p>
@@ -2054,7 +2059,7 @@
           <a:p>
             <a:fld id="{AA4ADDD6-012F-274C-AFCB-FBB0366E04B6}" type="datetimeFigureOut">
               <a:rPr kumimoji="1" lang="ja-JP" altLang="en-US" smtClean="0"/>
-              <a:t>2021/4/1</a:t>
+              <a:t>2021/4/12</a:t>
             </a:fld>
             <a:endParaRPr kumimoji="1" lang="ja-JP" altLang="en-US"/>
           </a:p>
@@ -2383,7 +2388,7 @@
           <a:p>
             <a:fld id="{AA4ADDD6-012F-274C-AFCB-FBB0366E04B6}" type="datetimeFigureOut">
               <a:rPr kumimoji="1" lang="ja-JP" altLang="en-US" smtClean="0"/>
-              <a:t>2021/4/1</a:t>
+              <a:t>2021/4/12</a:t>
             </a:fld>
             <a:endParaRPr kumimoji="1" lang="ja-JP" altLang="en-US"/>
           </a:p>
@@ -2859,7 +2864,7 @@
           <a:p>
             <a:fld id="{AA4ADDD6-012F-274C-AFCB-FBB0366E04B6}" type="datetimeFigureOut">
               <a:rPr kumimoji="1" lang="ja-JP" altLang="en-US" smtClean="0"/>
-              <a:t>2021/4/1</a:t>
+              <a:t>2021/4/12</a:t>
             </a:fld>
             <a:endParaRPr kumimoji="1" lang="ja-JP" altLang="en-US"/>
           </a:p>
@@ -3000,7 +3005,7 @@
           <a:p>
             <a:fld id="{AA4ADDD6-012F-274C-AFCB-FBB0366E04B6}" type="datetimeFigureOut">
               <a:rPr kumimoji="1" lang="ja-JP" altLang="en-US" smtClean="0"/>
-              <a:t>2021/4/1</a:t>
+              <a:t>2021/4/12</a:t>
             </a:fld>
             <a:endParaRPr kumimoji="1" lang="ja-JP" altLang="en-US"/>
           </a:p>
@@ -3113,7 +3118,7 @@
           <a:p>
             <a:fld id="{AA4ADDD6-012F-274C-AFCB-FBB0366E04B6}" type="datetimeFigureOut">
               <a:rPr kumimoji="1" lang="ja-JP" altLang="en-US" smtClean="0"/>
-              <a:t>2021/4/1</a:t>
+              <a:t>2021/4/12</a:t>
             </a:fld>
             <a:endParaRPr kumimoji="1" lang="ja-JP" altLang="en-US"/>
           </a:p>
@@ -3456,7 +3461,7 @@
           <a:p>
             <a:fld id="{AA4ADDD6-012F-274C-AFCB-FBB0366E04B6}" type="datetimeFigureOut">
               <a:rPr kumimoji="1" lang="ja-JP" altLang="en-US" smtClean="0"/>
-              <a:t>2021/4/1</a:t>
+              <a:t>2021/4/12</a:t>
             </a:fld>
             <a:endParaRPr kumimoji="1" lang="ja-JP" altLang="en-US"/>
           </a:p>
@@ -3744,7 +3749,7 @@
           <a:p>
             <a:fld id="{AA4ADDD6-012F-274C-AFCB-FBB0366E04B6}" type="datetimeFigureOut">
               <a:rPr kumimoji="1" lang="ja-JP" altLang="en-US" smtClean="0"/>
-              <a:t>2021/4/1</a:t>
+              <a:t>2021/4/12</a:t>
             </a:fld>
             <a:endParaRPr kumimoji="1" lang="ja-JP" altLang="en-US"/>
           </a:p>
@@ -4017,7 +4022,7 @@
           <a:p>
             <a:fld id="{AA4ADDD6-012F-274C-AFCB-FBB0366E04B6}" type="datetimeFigureOut">
               <a:rPr kumimoji="1" lang="ja-JP" altLang="en-US" smtClean="0"/>
-              <a:t>2021/4/1</a:t>
+              <a:t>2021/4/12</a:t>
             </a:fld>
             <a:endParaRPr kumimoji="1" lang="ja-JP" altLang="en-US"/>
           </a:p>
@@ -17341,6 +17346,1750 @@
 </p:sld>
 </file>
 
+<file path=ppt/slides/slide18.xml><?xml version="1.0" encoding="utf-8"?>
+<p:sld xmlns:a="http://schemas.openxmlformats.org/drawingml/2006/main" xmlns:r="http://schemas.openxmlformats.org/officeDocument/2006/relationships" xmlns:p="http://schemas.openxmlformats.org/presentationml/2006/main">
+  <p:cSld>
+    <p:spTree>
+      <p:nvGrpSpPr>
+        <p:cNvPr id="1" name=""/>
+        <p:cNvGrpSpPr/>
+        <p:nvPr/>
+      </p:nvGrpSpPr>
+      <p:grpSpPr>
+        <a:xfrm>
+          <a:off x="0" y="0"/>
+          <a:ext cx="0" cy="0"/>
+          <a:chOff x="0" y="0"/>
+          <a:chExt cx="0" cy="0"/>
+        </a:xfrm>
+      </p:grpSpPr>
+      <p:sp>
+        <p:nvSpPr>
+          <p:cNvPr id="33" name="正方形/長方形 32">
+            <a:extLst>
+              <a:ext uri="{FF2B5EF4-FFF2-40B4-BE49-F238E27FC236}">
+                <a16:creationId xmlns:a16="http://schemas.microsoft.com/office/drawing/2014/main" id="{D5B22C54-3527-2349-BC50-EDF1388412C9}"/>
+              </a:ext>
+            </a:extLst>
+          </p:cNvPr>
+          <p:cNvSpPr/>
+          <p:nvPr/>
+        </p:nvSpPr>
+        <p:spPr>
+          <a:xfrm>
+            <a:off x="79420" y="296562"/>
+            <a:ext cx="11523575" cy="6067168"/>
+          </a:xfrm>
+          <a:prstGeom prst="rect">
+            <a:avLst/>
+          </a:prstGeom>
+          <a:solidFill>
+            <a:schemeClr val="bg1"/>
+          </a:solidFill>
+          <a:ln>
+            <a:solidFill>
+              <a:schemeClr val="tx1"/>
+            </a:solidFill>
+          </a:ln>
+        </p:spPr>
+        <p:style>
+          <a:lnRef idx="2">
+            <a:schemeClr val="accent1">
+              <a:shade val="50000"/>
+            </a:schemeClr>
+          </a:lnRef>
+          <a:fillRef idx="1">
+            <a:schemeClr val="accent1"/>
+          </a:fillRef>
+          <a:effectRef idx="0">
+            <a:schemeClr val="accent1"/>
+          </a:effectRef>
+          <a:fontRef idx="minor">
+            <a:schemeClr val="lt1"/>
+          </a:fontRef>
+        </p:style>
+        <p:txBody>
+          <a:bodyPr rtlCol="0" anchor="ctr"/>
+          <a:lstStyle/>
+          <a:p>
+            <a:pPr algn="ctr"/>
+            <a:endParaRPr kumimoji="1" lang="ja-JP" altLang="en-US"/>
+          </a:p>
+        </p:txBody>
+      </p:sp>
+      <p:pic>
+        <p:nvPicPr>
+          <p:cNvPr id="5" name="図 4" descr="挿絵 が含まれている画像&#10;&#10;自動的に生成された説明">
+            <a:extLst>
+              <a:ext uri="{FF2B5EF4-FFF2-40B4-BE49-F238E27FC236}">
+                <a16:creationId xmlns:a16="http://schemas.microsoft.com/office/drawing/2014/main" id="{4FF1AD10-6FAC-5F40-9F45-C19C595A9328}"/>
+              </a:ext>
+            </a:extLst>
+          </p:cNvPr>
+          <p:cNvPicPr>
+            <a:picLocks noChangeAspect="1"/>
+          </p:cNvPicPr>
+          <p:nvPr/>
+        </p:nvPicPr>
+        <p:blipFill>
+          <a:blip r:embed="rId2"/>
+          <a:stretch>
+            <a:fillRect/>
+          </a:stretch>
+        </p:blipFill>
+        <p:spPr>
+          <a:xfrm>
+            <a:off x="1081617" y="1456607"/>
+            <a:ext cx="2306225" cy="2333680"/>
+          </a:xfrm>
+          <a:prstGeom prst="rect">
+            <a:avLst/>
+          </a:prstGeom>
+          <a:ln w="12700">
+            <a:solidFill>
+              <a:schemeClr val="tx1"/>
+            </a:solidFill>
+          </a:ln>
+        </p:spPr>
+      </p:pic>
+      <mc:AlternateContent xmlns:mc="http://schemas.openxmlformats.org/markup-compatibility/2006">
+        <mc:Choice xmlns:a14="http://schemas.microsoft.com/office/drawing/2010/main" Requires="a14">
+          <p:sp>
+            <p:nvSpPr>
+              <p:cNvPr id="6" name="テキスト ボックス 5">
+                <a:extLst>
+                  <a:ext uri="{FF2B5EF4-FFF2-40B4-BE49-F238E27FC236}">
+                    <a16:creationId xmlns:a16="http://schemas.microsoft.com/office/drawing/2014/main" id="{B19CC8CF-2ECE-7F46-A80C-AF425944CAC5}"/>
+                  </a:ext>
+                </a:extLst>
+              </p:cNvPr>
+              <p:cNvSpPr txBox="1"/>
+              <p:nvPr/>
+            </p:nvSpPr>
+            <p:spPr>
+              <a:xfrm>
+                <a:off x="1452103" y="4756905"/>
+                <a:ext cx="1445203" cy="1112805"/>
+              </a:xfrm>
+              <a:prstGeom prst="rect">
+                <a:avLst/>
+              </a:prstGeom>
+              <a:noFill/>
+            </p:spPr>
+            <p:txBody>
+              <a:bodyPr wrap="none" rtlCol="0">
+                <a:spAutoFit/>
+              </a:bodyPr>
+              <a:lstStyle/>
+              <a:p>
+                <a14:m>
+                  <m:oMathPara xmlns:m="http://schemas.openxmlformats.org/officeDocument/2006/math">
+                    <m:oMathParaPr>
+                      <m:jc m:val="centerGroup"/>
+                    </m:oMathParaPr>
+                    <m:oMath xmlns:m="http://schemas.openxmlformats.org/officeDocument/2006/math">
+                      <m:d>
+                        <m:dPr>
+                          <m:begChr m:val="["/>
+                          <m:endChr m:val="]"/>
+                          <m:ctrlPr>
+                            <a:rPr lang="en-US" altLang="ja-JP" i="1" dirty="0" smtClean="0">
+                              <a:latin typeface="Cambria Math" panose="02040503050406030204" pitchFamily="18" charset="0"/>
+                            </a:rPr>
+                          </m:ctrlPr>
+                        </m:dPr>
+                        <m:e>
+                          <m:m>
+                            <m:mPr>
+                              <m:mcs>
+                                <m:mc>
+                                  <m:mcPr>
+                                    <m:count m:val="2"/>
+                                    <m:mcJc m:val="center"/>
+                                  </m:mcPr>
+                                </m:mc>
+                              </m:mcs>
+                              <m:ctrlPr>
+                                <a:rPr lang="en-US" altLang="ja-JP" i="1" dirty="0" smtClean="0">
+                                  <a:latin typeface="Cambria Math" panose="02040503050406030204" pitchFamily="18" charset="0"/>
+                                </a:rPr>
+                              </m:ctrlPr>
+                            </m:mPr>
+                            <m:mr>
+                              <m:e>
+                                <m:r>
+                                  <m:rPr>
+                                    <m:brk m:alnAt="7"/>
+                                  </m:rPr>
+                                  <a:rPr lang="en-US" altLang="ja-JP" b="0" i="1" dirty="0" smtClean="0">
+                                    <a:latin typeface="Cambria Math" panose="02040503050406030204" pitchFamily="18" charset="0"/>
+                                  </a:rPr>
+                                  <m:t>0</m:t>
+                                </m:r>
+                              </m:e>
+                              <m:e>
+                                <m:r>
+                                  <a:rPr lang="en-US" altLang="ja-JP" b="0" i="1" dirty="0" smtClean="0">
+                                    <a:latin typeface="Cambria Math" panose="02040503050406030204" pitchFamily="18" charset="0"/>
+                                  </a:rPr>
+                                  <m:t>0</m:t>
+                                </m:r>
+                              </m:e>
+                            </m:mr>
+                            <m:mr>
+                              <m:e>
+                                <m:r>
+                                  <a:rPr lang="en-US" altLang="ja-JP" b="0" i="1" dirty="0" smtClean="0">
+                                    <a:latin typeface="Cambria Math" panose="02040503050406030204" pitchFamily="18" charset="0"/>
+                                  </a:rPr>
+                                  <m:t>0</m:t>
+                                </m:r>
+                              </m:e>
+                              <m:e>
+                                <m:r>
+                                  <a:rPr lang="en-US" altLang="ja-JP" b="0" i="1" dirty="0" smtClean="0">
+                                    <a:latin typeface="Cambria Math" panose="02040503050406030204" pitchFamily="18" charset="0"/>
+                                  </a:rPr>
+                                  <m:t>169</m:t>
+                                </m:r>
+                              </m:e>
+                            </m:mr>
+                            <m:mr>
+                              <m:e>
+                                <m:r>
+                                  <a:rPr lang="en-US" altLang="ja-JP" b="0" i="1" dirty="0" smtClean="0">
+                                    <a:latin typeface="Cambria Math" panose="02040503050406030204" pitchFamily="18" charset="0"/>
+                                  </a:rPr>
+                                  <m:t>167</m:t>
+                                </m:r>
+                              </m:e>
+                              <m:e>
+                                <m:r>
+                                  <a:rPr lang="en-US" altLang="ja-JP" b="0" i="1" dirty="0" smtClean="0">
+                                    <a:latin typeface="Cambria Math" panose="02040503050406030204" pitchFamily="18" charset="0"/>
+                                  </a:rPr>
+                                  <m:t>169</m:t>
+                                </m:r>
+                              </m:e>
+                            </m:mr>
+                            <m:mr>
+                              <m:e>
+                                <m:r>
+                                  <a:rPr lang="en-US" altLang="ja-JP" b="0" i="1" dirty="0" smtClean="0">
+                                    <a:latin typeface="Cambria Math" panose="02040503050406030204" pitchFamily="18" charset="0"/>
+                                  </a:rPr>
+                                  <m:t>167</m:t>
+                                </m:r>
+                              </m:e>
+                              <m:e>
+                                <m:r>
+                                  <a:rPr lang="en-US" altLang="ja-JP" b="0" i="1" dirty="0" smtClean="0">
+                                    <a:latin typeface="Cambria Math" panose="02040503050406030204" pitchFamily="18" charset="0"/>
+                                  </a:rPr>
+                                  <m:t>0</m:t>
+                                </m:r>
+                              </m:e>
+                            </m:mr>
+                          </m:m>
+                        </m:e>
+                      </m:d>
+                    </m:oMath>
+                  </m:oMathPara>
+                </a14:m>
+                <a:endParaRPr kumimoji="1" lang="ja-JP" altLang="en-US"/>
+              </a:p>
+            </p:txBody>
+          </p:sp>
+        </mc:Choice>
+        <mc:Fallback>
+          <p:sp>
+            <p:nvSpPr>
+              <p:cNvPr id="6" name="テキスト ボックス 5">
+                <a:extLst>
+                  <a:ext uri="{FF2B5EF4-FFF2-40B4-BE49-F238E27FC236}">
+                    <a16:creationId xmlns:a16="http://schemas.microsoft.com/office/drawing/2014/main" id="{B19CC8CF-2ECE-7F46-A80C-AF425944CAC5}"/>
+                  </a:ext>
+                </a:extLst>
+              </p:cNvPr>
+              <p:cNvSpPr txBox="1">
+                <a:spLocks noRot="1" noChangeAspect="1" noMove="1" noResize="1" noEditPoints="1" noAdjustHandles="1" noChangeArrowheads="1" noChangeShapeType="1" noTextEdit="1"/>
+              </p:cNvSpPr>
+              <p:nvPr/>
+            </p:nvSpPr>
+            <p:spPr>
+              <a:xfrm>
+                <a:off x="1452103" y="4756905"/>
+                <a:ext cx="1445203" cy="1112805"/>
+              </a:xfrm>
+              <a:prstGeom prst="rect">
+                <a:avLst/>
+              </a:prstGeom>
+              <a:blipFill>
+                <a:blip r:embed="rId3"/>
+                <a:stretch>
+                  <a:fillRect b="-2247"/>
+                </a:stretch>
+              </a:blipFill>
+            </p:spPr>
+            <p:txBody>
+              <a:bodyPr/>
+              <a:lstStyle/>
+              <a:p>
+                <a:r>
+                  <a:rPr lang="ja-JP" altLang="en-US">
+                    <a:noFill/>
+                  </a:rPr>
+                  <a:t> </a:t>
+                </a:r>
+              </a:p>
+            </p:txBody>
+          </p:sp>
+        </mc:Fallback>
+      </mc:AlternateContent>
+      <p:sp>
+        <p:nvSpPr>
+          <p:cNvPr id="8" name="テキスト ボックス 7">
+            <a:extLst>
+              <a:ext uri="{FF2B5EF4-FFF2-40B4-BE49-F238E27FC236}">
+                <a16:creationId xmlns:a16="http://schemas.microsoft.com/office/drawing/2014/main" id="{4F732EAD-4232-8F4F-A324-784E0950D82D}"/>
+              </a:ext>
+            </a:extLst>
+          </p:cNvPr>
+          <p:cNvSpPr txBox="1"/>
+          <p:nvPr/>
+        </p:nvSpPr>
+        <p:spPr>
+          <a:xfrm>
+            <a:off x="1334482" y="720659"/>
+            <a:ext cx="1800493" cy="646331"/>
+          </a:xfrm>
+          <a:prstGeom prst="rect">
+            <a:avLst/>
+          </a:prstGeom>
+          <a:noFill/>
+        </p:spPr>
+        <p:txBody>
+          <a:bodyPr wrap="none" rtlCol="0">
+            <a:spAutoFit/>
+          </a:bodyPr>
+          <a:lstStyle/>
+          <a:p>
+            <a:r>
+              <a:rPr kumimoji="1" lang="ja-JP" altLang="en-US"/>
+              <a:t>検出したい画像</a:t>
+            </a:r>
+            <a:endParaRPr kumimoji="1" lang="en-US" altLang="ja-JP" dirty="0"/>
+          </a:p>
+          <a:p>
+            <a:pPr algn="ctr"/>
+            <a:r>
+              <a:rPr kumimoji="1" lang="ja-JP" altLang="en-US"/>
+              <a:t>（</a:t>
+            </a:r>
+            <a:r>
+              <a:rPr kumimoji="1" lang="en-US" altLang="ja-JP" dirty="0"/>
+              <a:t>query</a:t>
+            </a:r>
+            <a:r>
+              <a:rPr kumimoji="1" lang="ja-JP" altLang="en-US"/>
+              <a:t>画像）</a:t>
+            </a:r>
+          </a:p>
+        </p:txBody>
+      </p:sp>
+      <p:sp>
+        <p:nvSpPr>
+          <p:cNvPr id="9" name="テキスト ボックス 8">
+            <a:extLst>
+              <a:ext uri="{FF2B5EF4-FFF2-40B4-BE49-F238E27FC236}">
+                <a16:creationId xmlns:a16="http://schemas.microsoft.com/office/drawing/2014/main" id="{C08960B1-5D07-0D4B-BE6D-452153DB657C}"/>
+              </a:ext>
+            </a:extLst>
+          </p:cNvPr>
+          <p:cNvSpPr txBox="1"/>
+          <p:nvPr/>
+        </p:nvSpPr>
+        <p:spPr>
+          <a:xfrm>
+            <a:off x="335900" y="1456607"/>
+            <a:ext cx="745717" cy="369332"/>
+          </a:xfrm>
+          <a:prstGeom prst="rect">
+            <a:avLst/>
+          </a:prstGeom>
+          <a:noFill/>
+        </p:spPr>
+        <p:txBody>
+          <a:bodyPr wrap="none" rtlCol="0">
+            <a:spAutoFit/>
+          </a:bodyPr>
+          <a:lstStyle/>
+          <a:p>
+            <a:pPr algn="ctr"/>
+            <a:r>
+              <a:rPr lang="en-US" altLang="ja-JP" dirty="0"/>
+              <a:t>(0, 0)</a:t>
+            </a:r>
+            <a:endParaRPr kumimoji="1" lang="ja-JP" altLang="en-US"/>
+          </a:p>
+        </p:txBody>
+      </p:sp>
+      <p:sp>
+        <p:nvSpPr>
+          <p:cNvPr id="10" name="テキスト ボックス 9">
+            <a:extLst>
+              <a:ext uri="{FF2B5EF4-FFF2-40B4-BE49-F238E27FC236}">
+                <a16:creationId xmlns:a16="http://schemas.microsoft.com/office/drawing/2014/main" id="{FA699C95-811F-7E4B-B855-B0918690E6F2}"/>
+              </a:ext>
+            </a:extLst>
+          </p:cNvPr>
+          <p:cNvSpPr txBox="1"/>
+          <p:nvPr/>
+        </p:nvSpPr>
+        <p:spPr>
+          <a:xfrm>
+            <a:off x="3387842" y="3510572"/>
+            <a:ext cx="1258678" cy="369332"/>
+          </a:xfrm>
+          <a:prstGeom prst="rect">
+            <a:avLst/>
+          </a:prstGeom>
+          <a:noFill/>
+        </p:spPr>
+        <p:txBody>
+          <a:bodyPr wrap="none" rtlCol="0">
+            <a:spAutoFit/>
+          </a:bodyPr>
+          <a:lstStyle/>
+          <a:p>
+            <a:pPr algn="ctr"/>
+            <a:r>
+              <a:rPr lang="en-US" altLang="ja-JP" dirty="0"/>
+              <a:t>(167, 169)</a:t>
+            </a:r>
+            <a:endParaRPr kumimoji="1" lang="ja-JP" altLang="en-US"/>
+          </a:p>
+        </p:txBody>
+      </p:sp>
+      <mc:AlternateContent xmlns:mc="http://schemas.openxmlformats.org/markup-compatibility/2006">
+        <mc:Choice xmlns:a14="http://schemas.microsoft.com/office/drawing/2010/main" Requires="a14">
+          <p:sp>
+            <p:nvSpPr>
+              <p:cNvPr id="14" name="テキスト ボックス 13">
+                <a:extLst>
+                  <a:ext uri="{FF2B5EF4-FFF2-40B4-BE49-F238E27FC236}">
+                    <a16:creationId xmlns:a16="http://schemas.microsoft.com/office/drawing/2014/main" id="{380E556A-7029-9945-B0C6-EAE3B2ED2293}"/>
+                  </a:ext>
+                </a:extLst>
+              </p:cNvPr>
+              <p:cNvSpPr txBox="1"/>
+              <p:nvPr/>
+            </p:nvSpPr>
+            <p:spPr>
+              <a:xfrm>
+                <a:off x="4586498" y="4900821"/>
+                <a:ext cx="1983042" cy="824969"/>
+              </a:xfrm>
+              <a:prstGeom prst="rect">
+                <a:avLst/>
+              </a:prstGeom>
+              <a:noFill/>
+            </p:spPr>
+            <p:txBody>
+              <a:bodyPr wrap="none" rtlCol="0">
+                <a:spAutoFit/>
+              </a:bodyPr>
+              <a:lstStyle/>
+              <a:p>
+                <a14:m>
+                  <m:oMathPara xmlns:m="http://schemas.openxmlformats.org/officeDocument/2006/math">
+                    <m:oMathParaPr>
+                      <m:jc m:val="centerGroup"/>
+                    </m:oMathParaPr>
+                    <m:oMath xmlns:m="http://schemas.openxmlformats.org/officeDocument/2006/math">
+                      <m:d>
+                        <m:dPr>
+                          <m:begChr m:val="["/>
+                          <m:endChr m:val="]"/>
+                          <m:ctrlPr>
+                            <a:rPr lang="en-US" altLang="ja-JP" i="1" dirty="0" smtClean="0">
+                              <a:latin typeface="Cambria Math" panose="02040503050406030204" pitchFamily="18" charset="0"/>
+                            </a:rPr>
+                          </m:ctrlPr>
+                        </m:dPr>
+                        <m:e>
+                          <m:m>
+                            <m:mPr>
+                              <m:mcs>
+                                <m:mc>
+                                  <m:mcPr>
+                                    <m:count m:val="3"/>
+                                    <m:mcJc m:val="center"/>
+                                  </m:mcPr>
+                                </m:mc>
+                              </m:mcs>
+                              <m:ctrlPr>
+                                <a:rPr lang="en-US" altLang="ja-JP" b="0" i="1" dirty="0" smtClean="0">
+                                  <a:latin typeface="Cambria Math" panose="02040503050406030204" pitchFamily="18" charset="0"/>
+                                </a:rPr>
+                              </m:ctrlPr>
+                            </m:mPr>
+                            <m:mr>
+                              <m:e>
+                                <m:r>
+                                  <m:rPr>
+                                    <m:brk m:alnAt="7"/>
+                                  </m:rPr>
+                                  <a:rPr lang="en-US" altLang="ja-JP" b="0" i="1" dirty="0" smtClean="0">
+                                    <a:latin typeface="Cambria Math" panose="02040503050406030204" pitchFamily="18" charset="0"/>
+                                  </a:rPr>
+                                  <m:t>−2.2</m:t>
+                                </m:r>
+                              </m:e>
+                              <m:e>
+                                <m:r>
+                                  <a:rPr lang="en-US" altLang="ja-JP" b="0" i="1" dirty="0" smtClean="0">
+                                    <a:latin typeface="Cambria Math" panose="02040503050406030204" pitchFamily="18" charset="0"/>
+                                  </a:rPr>
+                                  <m:t>1.2</m:t>
+                                </m:r>
+                              </m:e>
+                              <m:e>
+                                <m:r>
+                                  <a:rPr lang="en-US" altLang="ja-JP" b="0" i="1" dirty="0" smtClean="0">
+                                    <a:latin typeface="Cambria Math" panose="02040503050406030204" pitchFamily="18" charset="0"/>
+                                  </a:rPr>
+                                  <m:t>3.8</m:t>
+                                </m:r>
+                              </m:e>
+                            </m:mr>
+                            <m:mr>
+                              <m:e>
+                                <m:r>
+                                  <a:rPr lang="en-US" altLang="ja-JP" b="0" i="1" dirty="0" smtClean="0">
+                                    <a:latin typeface="Cambria Math" panose="02040503050406030204" pitchFamily="18" charset="0"/>
+                                  </a:rPr>
+                                  <m:t>−1.2</m:t>
+                                </m:r>
+                              </m:e>
+                              <m:e>
+                                <m:r>
+                                  <a:rPr lang="en-US" altLang="ja-JP" b="0" i="1" dirty="0" smtClean="0">
+                                    <a:latin typeface="Cambria Math" panose="02040503050406030204" pitchFamily="18" charset="0"/>
+                                  </a:rPr>
+                                  <m:t>2.1</m:t>
+                                </m:r>
+                              </m:e>
+                              <m:e>
+                                <m:r>
+                                  <a:rPr lang="en-US" altLang="ja-JP" b="0" i="1" dirty="0" smtClean="0">
+                                    <a:latin typeface="Cambria Math" panose="02040503050406030204" pitchFamily="18" charset="0"/>
+                                  </a:rPr>
+                                  <m:t>4.6</m:t>
+                                </m:r>
+                              </m:e>
+                            </m:mr>
+                            <m:mr>
+                              <m:e>
+                                <m:r>
+                                  <a:rPr lang="en-US" altLang="ja-JP" b="0" i="1" dirty="0" smtClean="0">
+                                    <a:latin typeface="Cambria Math" panose="02040503050406030204" pitchFamily="18" charset="0"/>
+                                  </a:rPr>
+                                  <m:t>−5.5</m:t>
+                                </m:r>
+                              </m:e>
+                              <m:e>
+                                <m:r>
+                                  <a:rPr lang="en-US" altLang="ja-JP" b="0" i="1" dirty="0" smtClean="0">
+                                    <a:latin typeface="Cambria Math" panose="02040503050406030204" pitchFamily="18" charset="0"/>
+                                  </a:rPr>
+                                  <m:t>4.6</m:t>
+                                </m:r>
+                              </m:e>
+                              <m:e>
+                                <m:r>
+                                  <a:rPr lang="en-US" altLang="ja-JP" b="0" i="1" dirty="0" smtClean="0">
+                                    <a:latin typeface="Cambria Math" panose="02040503050406030204" pitchFamily="18" charset="0"/>
+                                  </a:rPr>
+                                  <m:t>1.0</m:t>
+                                </m:r>
+                              </m:e>
+                            </m:mr>
+                          </m:m>
+                        </m:e>
+                      </m:d>
+                    </m:oMath>
+                  </m:oMathPara>
+                </a14:m>
+                <a:endParaRPr kumimoji="1" lang="ja-JP" altLang="en-US"/>
+              </a:p>
+            </p:txBody>
+          </p:sp>
+        </mc:Choice>
+        <mc:Fallback>
+          <p:sp>
+            <p:nvSpPr>
+              <p:cNvPr id="14" name="テキスト ボックス 13">
+                <a:extLst>
+                  <a:ext uri="{FF2B5EF4-FFF2-40B4-BE49-F238E27FC236}">
+                    <a16:creationId xmlns:a16="http://schemas.microsoft.com/office/drawing/2014/main" id="{380E556A-7029-9945-B0C6-EAE3B2ED2293}"/>
+                  </a:ext>
+                </a:extLst>
+              </p:cNvPr>
+              <p:cNvSpPr txBox="1">
+                <a:spLocks noRot="1" noChangeAspect="1" noMove="1" noResize="1" noEditPoints="1" noAdjustHandles="1" noChangeArrowheads="1" noChangeShapeType="1" noTextEdit="1"/>
+              </p:cNvSpPr>
+              <p:nvPr/>
+            </p:nvSpPr>
+            <p:spPr>
+              <a:xfrm>
+                <a:off x="4586498" y="4900821"/>
+                <a:ext cx="1983042" cy="824969"/>
+              </a:xfrm>
+              <a:prstGeom prst="rect">
+                <a:avLst/>
+              </a:prstGeom>
+              <a:blipFill>
+                <a:blip r:embed="rId4"/>
+                <a:stretch>
+                  <a:fillRect b="-4545"/>
+                </a:stretch>
+              </a:blipFill>
+            </p:spPr>
+            <p:txBody>
+              <a:bodyPr/>
+              <a:lstStyle/>
+              <a:p>
+                <a:r>
+                  <a:rPr lang="ja-JP" altLang="en-US">
+                    <a:noFill/>
+                  </a:rPr>
+                  <a:t> </a:t>
+                </a:r>
+              </a:p>
+            </p:txBody>
+          </p:sp>
+        </mc:Fallback>
+      </mc:AlternateContent>
+      <p:sp>
+        <p:nvSpPr>
+          <p:cNvPr id="15" name="テキスト ボックス 14">
+            <a:extLst>
+              <a:ext uri="{FF2B5EF4-FFF2-40B4-BE49-F238E27FC236}">
+                <a16:creationId xmlns:a16="http://schemas.microsoft.com/office/drawing/2014/main" id="{A40C66BF-3666-0045-B200-ABC95387E44A}"/>
+              </a:ext>
+            </a:extLst>
+          </p:cNvPr>
+          <p:cNvSpPr txBox="1"/>
+          <p:nvPr/>
+        </p:nvSpPr>
+        <p:spPr>
+          <a:xfrm>
+            <a:off x="3584102" y="5128640"/>
+            <a:ext cx="415498" cy="369332"/>
+          </a:xfrm>
+          <a:prstGeom prst="rect">
+            <a:avLst/>
+          </a:prstGeom>
+          <a:noFill/>
+        </p:spPr>
+        <p:txBody>
+          <a:bodyPr wrap="none" rtlCol="0">
+            <a:spAutoFit/>
+          </a:bodyPr>
+          <a:lstStyle/>
+          <a:p>
+            <a:r>
+              <a:rPr lang="en-US" altLang="ja-JP" dirty="0"/>
+              <a:t>×</a:t>
+            </a:r>
+            <a:endParaRPr kumimoji="1" lang="ja-JP" altLang="en-US"/>
+          </a:p>
+        </p:txBody>
+      </p:sp>
+      <p:pic>
+        <p:nvPicPr>
+          <p:cNvPr id="17" name="図 16">
+            <a:extLst>
+              <a:ext uri="{FF2B5EF4-FFF2-40B4-BE49-F238E27FC236}">
+                <a16:creationId xmlns:a16="http://schemas.microsoft.com/office/drawing/2014/main" id="{41BB5511-A150-0545-B6C2-DF8E26C328BE}"/>
+              </a:ext>
+            </a:extLst>
+          </p:cNvPr>
+          <p:cNvPicPr>
+            <a:picLocks noChangeAspect="1"/>
+          </p:cNvPicPr>
+          <p:nvPr/>
+        </p:nvPicPr>
+        <p:blipFill>
+          <a:blip r:embed="rId5"/>
+          <a:stretch>
+            <a:fillRect/>
+          </a:stretch>
+        </p:blipFill>
+        <p:spPr>
+          <a:xfrm>
+            <a:off x="7454414" y="1172310"/>
+            <a:ext cx="3914669" cy="2954467"/>
+          </a:xfrm>
+          <a:prstGeom prst="rect">
+            <a:avLst/>
+          </a:prstGeom>
+          <a:ln w="12700">
+            <a:solidFill>
+              <a:schemeClr val="tx1"/>
+            </a:solidFill>
+          </a:ln>
+        </p:spPr>
+      </p:pic>
+      <p:sp>
+        <p:nvSpPr>
+          <p:cNvPr id="19" name="テキスト ボックス 18">
+            <a:extLst>
+              <a:ext uri="{FF2B5EF4-FFF2-40B4-BE49-F238E27FC236}">
+                <a16:creationId xmlns:a16="http://schemas.microsoft.com/office/drawing/2014/main" id="{FAB8D958-2FD9-884E-B150-425B53C670D9}"/>
+              </a:ext>
+            </a:extLst>
+          </p:cNvPr>
+          <p:cNvSpPr txBox="1"/>
+          <p:nvPr/>
+        </p:nvSpPr>
+        <p:spPr>
+          <a:xfrm>
+            <a:off x="8503103" y="525979"/>
+            <a:ext cx="1817292" cy="646331"/>
+          </a:xfrm>
+          <a:prstGeom prst="rect">
+            <a:avLst/>
+          </a:prstGeom>
+          <a:noFill/>
+        </p:spPr>
+        <p:txBody>
+          <a:bodyPr wrap="none" rtlCol="0">
+            <a:spAutoFit/>
+          </a:bodyPr>
+          <a:lstStyle/>
+          <a:p>
+            <a:r>
+              <a:rPr kumimoji="1" lang="ja-JP" altLang="en-US"/>
+              <a:t>検出</a:t>
+            </a:r>
+            <a:r>
+              <a:rPr lang="ja-JP" altLang="en-US"/>
+              <a:t>対象の</a:t>
+            </a:r>
+            <a:r>
+              <a:rPr kumimoji="1" lang="ja-JP" altLang="en-US"/>
+              <a:t>画像</a:t>
+            </a:r>
+            <a:endParaRPr kumimoji="1" lang="en-US" altLang="ja-JP" dirty="0"/>
+          </a:p>
+          <a:p>
+            <a:pPr algn="ctr"/>
+            <a:r>
+              <a:rPr kumimoji="1" lang="ja-JP" altLang="en-US"/>
+              <a:t>（</a:t>
+            </a:r>
+            <a:r>
+              <a:rPr lang="en-US" altLang="ja-JP" dirty="0"/>
+              <a:t>train</a:t>
+            </a:r>
+            <a:r>
+              <a:rPr kumimoji="1" lang="ja-JP" altLang="en-US"/>
+              <a:t>画像）</a:t>
+            </a:r>
+          </a:p>
+        </p:txBody>
+      </p:sp>
+      <p:sp>
+        <p:nvSpPr>
+          <p:cNvPr id="20" name="テキスト ボックス 19">
+            <a:extLst>
+              <a:ext uri="{FF2B5EF4-FFF2-40B4-BE49-F238E27FC236}">
+                <a16:creationId xmlns:a16="http://schemas.microsoft.com/office/drawing/2014/main" id="{3FF63FA8-B598-F84A-9AB3-28B8D67E2135}"/>
+              </a:ext>
+            </a:extLst>
+          </p:cNvPr>
+          <p:cNvSpPr txBox="1"/>
+          <p:nvPr/>
+        </p:nvSpPr>
+        <p:spPr>
+          <a:xfrm>
+            <a:off x="7277965" y="5128640"/>
+            <a:ext cx="351378" cy="369332"/>
+          </a:xfrm>
+          <a:prstGeom prst="rect">
+            <a:avLst/>
+          </a:prstGeom>
+          <a:noFill/>
+        </p:spPr>
+        <p:txBody>
+          <a:bodyPr wrap="none" rtlCol="0">
+            <a:spAutoFit/>
+          </a:bodyPr>
+          <a:lstStyle/>
+          <a:p>
+            <a:r>
+              <a:rPr lang="en-US" altLang="ja-JP" dirty="0"/>
+              <a:t>=</a:t>
+            </a:r>
+            <a:endParaRPr kumimoji="1" lang="ja-JP" altLang="en-US"/>
+          </a:p>
+        </p:txBody>
+      </p:sp>
+      <p:sp>
+        <p:nvSpPr>
+          <p:cNvPr id="22" name="テキスト ボックス 21">
+            <a:extLst>
+              <a:ext uri="{FF2B5EF4-FFF2-40B4-BE49-F238E27FC236}">
+                <a16:creationId xmlns:a16="http://schemas.microsoft.com/office/drawing/2014/main" id="{A6D04991-7BF5-4945-9AEF-0ED2B16827D3}"/>
+              </a:ext>
+            </a:extLst>
+          </p:cNvPr>
+          <p:cNvSpPr txBox="1"/>
+          <p:nvPr/>
+        </p:nvSpPr>
+        <p:spPr>
+          <a:xfrm>
+            <a:off x="3387842" y="1456607"/>
+            <a:ext cx="1002197" cy="369332"/>
+          </a:xfrm>
+          <a:prstGeom prst="rect">
+            <a:avLst/>
+          </a:prstGeom>
+          <a:noFill/>
+        </p:spPr>
+        <p:txBody>
+          <a:bodyPr wrap="none" rtlCol="0">
+            <a:spAutoFit/>
+          </a:bodyPr>
+          <a:lstStyle/>
+          <a:p>
+            <a:pPr algn="ctr"/>
+            <a:r>
+              <a:rPr lang="en-US" altLang="ja-JP" dirty="0"/>
+              <a:t>(167, 0)</a:t>
+            </a:r>
+            <a:endParaRPr kumimoji="1" lang="ja-JP" altLang="en-US"/>
+          </a:p>
+        </p:txBody>
+      </p:sp>
+      <p:sp>
+        <p:nvSpPr>
+          <p:cNvPr id="23" name="テキスト ボックス 22">
+            <a:extLst>
+              <a:ext uri="{FF2B5EF4-FFF2-40B4-BE49-F238E27FC236}">
+                <a16:creationId xmlns:a16="http://schemas.microsoft.com/office/drawing/2014/main" id="{CE5924F7-A449-2544-9AAA-919221B8BDA1}"/>
+              </a:ext>
+            </a:extLst>
+          </p:cNvPr>
+          <p:cNvSpPr txBox="1"/>
+          <p:nvPr/>
+        </p:nvSpPr>
+        <p:spPr>
+          <a:xfrm>
+            <a:off x="79420" y="3498803"/>
+            <a:ext cx="1002197" cy="369332"/>
+          </a:xfrm>
+          <a:prstGeom prst="rect">
+            <a:avLst/>
+          </a:prstGeom>
+          <a:noFill/>
+        </p:spPr>
+        <p:txBody>
+          <a:bodyPr wrap="none" rtlCol="0">
+            <a:spAutoFit/>
+          </a:bodyPr>
+          <a:lstStyle/>
+          <a:p>
+            <a:pPr algn="ctr"/>
+            <a:r>
+              <a:rPr lang="en-US" altLang="ja-JP" dirty="0"/>
+              <a:t>(0, 169)</a:t>
+            </a:r>
+            <a:endParaRPr kumimoji="1" lang="ja-JP" altLang="en-US"/>
+          </a:p>
+        </p:txBody>
+      </p:sp>
+      <mc:AlternateContent xmlns:mc="http://schemas.openxmlformats.org/markup-compatibility/2006">
+        <mc:Choice xmlns:a14="http://schemas.microsoft.com/office/drawing/2010/main" Requires="a14">
+          <p:sp>
+            <p:nvSpPr>
+              <p:cNvPr id="25" name="テキスト ボックス 24">
+                <a:extLst>
+                  <a:ext uri="{FF2B5EF4-FFF2-40B4-BE49-F238E27FC236}">
+                    <a16:creationId xmlns:a16="http://schemas.microsoft.com/office/drawing/2014/main" id="{B0A6C58C-F094-9F48-96EE-1DABD48422E5}"/>
+                  </a:ext>
+                </a:extLst>
+              </p:cNvPr>
+              <p:cNvSpPr txBox="1"/>
+              <p:nvPr/>
+            </p:nvSpPr>
+            <p:spPr>
+              <a:xfrm>
+                <a:off x="8689146" y="4754164"/>
+                <a:ext cx="1445204" cy="1112805"/>
+              </a:xfrm>
+              <a:prstGeom prst="rect">
+                <a:avLst/>
+              </a:prstGeom>
+              <a:noFill/>
+            </p:spPr>
+            <p:txBody>
+              <a:bodyPr wrap="none" rtlCol="0">
+                <a:spAutoFit/>
+              </a:bodyPr>
+              <a:lstStyle/>
+              <a:p>
+                <a14:m>
+                  <m:oMathPara xmlns:m="http://schemas.openxmlformats.org/officeDocument/2006/math">
+                    <m:oMathParaPr>
+                      <m:jc m:val="centerGroup"/>
+                    </m:oMathParaPr>
+                    <m:oMath xmlns:m="http://schemas.openxmlformats.org/officeDocument/2006/math">
+                      <m:d>
+                        <m:dPr>
+                          <m:begChr m:val="["/>
+                          <m:endChr m:val="]"/>
+                          <m:ctrlPr>
+                            <a:rPr lang="en-US" altLang="ja-JP" i="1" dirty="0" smtClean="0">
+                              <a:latin typeface="Cambria Math" panose="02040503050406030204" pitchFamily="18" charset="0"/>
+                            </a:rPr>
+                          </m:ctrlPr>
+                        </m:dPr>
+                        <m:e>
+                          <m:m>
+                            <m:mPr>
+                              <m:mcs>
+                                <m:mc>
+                                  <m:mcPr>
+                                    <m:count m:val="2"/>
+                                    <m:mcJc m:val="center"/>
+                                  </m:mcPr>
+                                </m:mc>
+                              </m:mcs>
+                              <m:ctrlPr>
+                                <a:rPr lang="en-US" altLang="ja-JP" i="1" dirty="0" smtClean="0">
+                                  <a:latin typeface="Cambria Math" panose="02040503050406030204" pitchFamily="18" charset="0"/>
+                                </a:rPr>
+                              </m:ctrlPr>
+                            </m:mPr>
+                            <m:mr>
+                              <m:e>
+                                <m:r>
+                                  <m:rPr>
+                                    <m:brk m:alnAt="7"/>
+                                  </m:rPr>
+                                  <a:rPr lang="en-US" altLang="ja-JP" b="0" i="1" dirty="0" smtClean="0">
+                                    <a:latin typeface="Cambria Math" panose="02040503050406030204" pitchFamily="18" charset="0"/>
+                                  </a:rPr>
+                                  <m:t>380</m:t>
+                                </m:r>
+                              </m:e>
+                              <m:e>
+                                <m:r>
+                                  <a:rPr lang="en-US" altLang="ja-JP" b="0" i="1" dirty="0" smtClean="0">
+                                    <a:latin typeface="Cambria Math" panose="02040503050406030204" pitchFamily="18" charset="0"/>
+                                  </a:rPr>
+                                  <m:t>459</m:t>
+                                </m:r>
+                              </m:e>
+                            </m:mr>
+                            <m:mr>
+                              <m:e>
+                                <m:r>
+                                  <a:rPr lang="en-US" altLang="ja-JP" b="0" i="1" dirty="0" smtClean="0">
+                                    <a:latin typeface="Cambria Math" panose="02040503050406030204" pitchFamily="18" charset="0"/>
+                                  </a:rPr>
+                                  <m:t>580</m:t>
+                                </m:r>
+                              </m:e>
+                              <m:e>
+                                <m:r>
+                                  <a:rPr lang="en-US" altLang="ja-JP" b="0" i="1" dirty="0" smtClean="0">
+                                    <a:latin typeface="Cambria Math" panose="02040503050406030204" pitchFamily="18" charset="0"/>
+                                  </a:rPr>
+                                  <m:t>459</m:t>
+                                </m:r>
+                              </m:e>
+                            </m:mr>
+                            <m:mr>
+                              <m:e>
+                                <m:r>
+                                  <a:rPr lang="en-US" altLang="ja-JP" b="0" i="1" dirty="0" smtClean="0">
+                                    <a:latin typeface="Cambria Math" panose="02040503050406030204" pitchFamily="18" charset="0"/>
+                                  </a:rPr>
+                                  <m:t>580</m:t>
+                                </m:r>
+                              </m:e>
+                              <m:e>
+                                <m:r>
+                                  <a:rPr lang="en-US" altLang="ja-JP" b="0" i="1" dirty="0" smtClean="0">
+                                    <a:latin typeface="Cambria Math" panose="02040503050406030204" pitchFamily="18" charset="0"/>
+                                  </a:rPr>
+                                  <m:t>264</m:t>
+                                </m:r>
+                              </m:e>
+                            </m:mr>
+                            <m:mr>
+                              <m:e>
+                                <m:r>
+                                  <a:rPr lang="en-US" altLang="ja-JP" b="0" i="1" dirty="0" smtClean="0">
+                                    <a:latin typeface="Cambria Math" panose="02040503050406030204" pitchFamily="18" charset="0"/>
+                                  </a:rPr>
+                                  <m:t>380</m:t>
+                                </m:r>
+                              </m:e>
+                              <m:e>
+                                <m:r>
+                                  <a:rPr lang="en-US" altLang="ja-JP" b="0" i="1" dirty="0" smtClean="0">
+                                    <a:latin typeface="Cambria Math" panose="02040503050406030204" pitchFamily="18" charset="0"/>
+                                  </a:rPr>
+                                  <m:t>264</m:t>
+                                </m:r>
+                              </m:e>
+                            </m:mr>
+                          </m:m>
+                        </m:e>
+                      </m:d>
+                    </m:oMath>
+                  </m:oMathPara>
+                </a14:m>
+                <a:endParaRPr kumimoji="1" lang="ja-JP" altLang="en-US"/>
+              </a:p>
+            </p:txBody>
+          </p:sp>
+        </mc:Choice>
+        <mc:Fallback>
+          <p:sp>
+            <p:nvSpPr>
+              <p:cNvPr id="25" name="テキスト ボックス 24">
+                <a:extLst>
+                  <a:ext uri="{FF2B5EF4-FFF2-40B4-BE49-F238E27FC236}">
+                    <a16:creationId xmlns:a16="http://schemas.microsoft.com/office/drawing/2014/main" id="{B0A6C58C-F094-9F48-96EE-1DABD48422E5}"/>
+                  </a:ext>
+                </a:extLst>
+              </p:cNvPr>
+              <p:cNvSpPr txBox="1">
+                <a:spLocks noRot="1" noChangeAspect="1" noMove="1" noResize="1" noEditPoints="1" noAdjustHandles="1" noChangeArrowheads="1" noChangeShapeType="1" noTextEdit="1"/>
+              </p:cNvSpPr>
+              <p:nvPr/>
+            </p:nvSpPr>
+            <p:spPr>
+              <a:xfrm>
+                <a:off x="8689146" y="4754164"/>
+                <a:ext cx="1445204" cy="1112805"/>
+              </a:xfrm>
+              <a:prstGeom prst="rect">
+                <a:avLst/>
+              </a:prstGeom>
+              <a:blipFill>
+                <a:blip r:embed="rId6"/>
+                <a:stretch>
+                  <a:fillRect b="-1136"/>
+                </a:stretch>
+              </a:blipFill>
+            </p:spPr>
+            <p:txBody>
+              <a:bodyPr/>
+              <a:lstStyle/>
+              <a:p>
+                <a:r>
+                  <a:rPr lang="ja-JP" altLang="en-US">
+                    <a:noFill/>
+                  </a:rPr>
+                  <a:t> </a:t>
+                </a:r>
+              </a:p>
+            </p:txBody>
+          </p:sp>
+        </mc:Fallback>
+      </mc:AlternateContent>
+      <p:sp>
+        <p:nvSpPr>
+          <p:cNvPr id="26" name="テキスト ボックス 25">
+            <a:extLst>
+              <a:ext uri="{FF2B5EF4-FFF2-40B4-BE49-F238E27FC236}">
+                <a16:creationId xmlns:a16="http://schemas.microsoft.com/office/drawing/2014/main" id="{781253DC-C857-9945-AAF8-9609B41EE136}"/>
+              </a:ext>
+            </a:extLst>
+          </p:cNvPr>
+          <p:cNvSpPr txBox="1"/>
+          <p:nvPr/>
+        </p:nvSpPr>
+        <p:spPr>
+          <a:xfrm>
+            <a:off x="8083752" y="3059668"/>
+            <a:ext cx="1258679" cy="369332"/>
+          </a:xfrm>
+          <a:prstGeom prst="rect">
+            <a:avLst/>
+          </a:prstGeom>
+          <a:noFill/>
+        </p:spPr>
+        <p:txBody>
+          <a:bodyPr wrap="none" rtlCol="0">
+            <a:spAutoFit/>
+          </a:bodyPr>
+          <a:lstStyle/>
+          <a:p>
+            <a:pPr algn="ctr"/>
+            <a:r>
+              <a:rPr lang="en-US" altLang="ja-JP" dirty="0"/>
+              <a:t>(380, 459)</a:t>
+            </a:r>
+            <a:endParaRPr kumimoji="1" lang="ja-JP" altLang="en-US"/>
+          </a:p>
+        </p:txBody>
+      </p:sp>
+      <p:sp>
+        <p:nvSpPr>
+          <p:cNvPr id="27" name="テキスト ボックス 26">
+            <a:extLst>
+              <a:ext uri="{FF2B5EF4-FFF2-40B4-BE49-F238E27FC236}">
+                <a16:creationId xmlns:a16="http://schemas.microsoft.com/office/drawing/2014/main" id="{298F517E-1529-7141-8A98-548EF19546C2}"/>
+              </a:ext>
+            </a:extLst>
+          </p:cNvPr>
+          <p:cNvSpPr txBox="1"/>
+          <p:nvPr/>
+        </p:nvSpPr>
+        <p:spPr>
+          <a:xfrm>
+            <a:off x="9505010" y="3059668"/>
+            <a:ext cx="1258679" cy="369332"/>
+          </a:xfrm>
+          <a:prstGeom prst="rect">
+            <a:avLst/>
+          </a:prstGeom>
+          <a:noFill/>
+        </p:spPr>
+        <p:txBody>
+          <a:bodyPr wrap="none" rtlCol="0">
+            <a:spAutoFit/>
+          </a:bodyPr>
+          <a:lstStyle/>
+          <a:p>
+            <a:pPr algn="ctr"/>
+            <a:r>
+              <a:rPr lang="en-US" altLang="ja-JP" dirty="0"/>
+              <a:t>(580, 459)</a:t>
+            </a:r>
+            <a:endParaRPr kumimoji="1" lang="ja-JP" altLang="en-US"/>
+          </a:p>
+        </p:txBody>
+      </p:sp>
+      <p:sp>
+        <p:nvSpPr>
+          <p:cNvPr id="28" name="テキスト ボックス 27">
+            <a:extLst>
+              <a:ext uri="{FF2B5EF4-FFF2-40B4-BE49-F238E27FC236}">
+                <a16:creationId xmlns:a16="http://schemas.microsoft.com/office/drawing/2014/main" id="{BFBBCF4E-5A43-B547-BB77-49C7B8E483CC}"/>
+              </a:ext>
+            </a:extLst>
+          </p:cNvPr>
+          <p:cNvSpPr txBox="1"/>
+          <p:nvPr/>
+        </p:nvSpPr>
+        <p:spPr>
+          <a:xfrm>
+            <a:off x="9505010" y="1931323"/>
+            <a:ext cx="1258679" cy="369332"/>
+          </a:xfrm>
+          <a:prstGeom prst="rect">
+            <a:avLst/>
+          </a:prstGeom>
+          <a:noFill/>
+        </p:spPr>
+        <p:txBody>
+          <a:bodyPr wrap="none" rtlCol="0">
+            <a:spAutoFit/>
+          </a:bodyPr>
+          <a:lstStyle/>
+          <a:p>
+            <a:pPr algn="ctr"/>
+            <a:r>
+              <a:rPr lang="en-US" altLang="ja-JP" dirty="0"/>
+              <a:t>(580, 264)</a:t>
+            </a:r>
+            <a:endParaRPr kumimoji="1" lang="ja-JP" altLang="en-US"/>
+          </a:p>
+        </p:txBody>
+      </p:sp>
+      <p:sp>
+        <p:nvSpPr>
+          <p:cNvPr id="29" name="テキスト ボックス 28">
+            <a:extLst>
+              <a:ext uri="{FF2B5EF4-FFF2-40B4-BE49-F238E27FC236}">
+                <a16:creationId xmlns:a16="http://schemas.microsoft.com/office/drawing/2014/main" id="{61E45FA5-D0A3-CA4F-BC9E-E30DE0A6F1BA}"/>
+              </a:ext>
+            </a:extLst>
+          </p:cNvPr>
+          <p:cNvSpPr txBox="1"/>
+          <p:nvPr/>
+        </p:nvSpPr>
+        <p:spPr>
+          <a:xfrm>
+            <a:off x="8083750" y="1931323"/>
+            <a:ext cx="1258679" cy="369332"/>
+          </a:xfrm>
+          <a:prstGeom prst="rect">
+            <a:avLst/>
+          </a:prstGeom>
+          <a:noFill/>
+        </p:spPr>
+        <p:txBody>
+          <a:bodyPr wrap="none" rtlCol="0">
+            <a:spAutoFit/>
+          </a:bodyPr>
+          <a:lstStyle/>
+          <a:p>
+            <a:pPr algn="ctr"/>
+            <a:r>
+              <a:rPr lang="en-US" altLang="ja-JP" dirty="0"/>
+              <a:t>(380, 264)</a:t>
+            </a:r>
+            <a:endParaRPr kumimoji="1" lang="ja-JP" altLang="en-US"/>
+          </a:p>
+        </p:txBody>
+      </p:sp>
+      <p:sp>
+        <p:nvSpPr>
+          <p:cNvPr id="30" name="テキスト ボックス 29">
+            <a:extLst>
+              <a:ext uri="{FF2B5EF4-FFF2-40B4-BE49-F238E27FC236}">
+                <a16:creationId xmlns:a16="http://schemas.microsoft.com/office/drawing/2014/main" id="{C05B3B59-8ADB-0642-8AD0-06BDEB1A16F6}"/>
+              </a:ext>
+            </a:extLst>
+          </p:cNvPr>
+          <p:cNvSpPr txBox="1"/>
+          <p:nvPr/>
+        </p:nvSpPr>
+        <p:spPr>
+          <a:xfrm>
+            <a:off x="4356422" y="5866969"/>
+            <a:ext cx="2492990" cy="369332"/>
+          </a:xfrm>
+          <a:prstGeom prst="rect">
+            <a:avLst/>
+          </a:prstGeom>
+          <a:noFill/>
+        </p:spPr>
+        <p:txBody>
+          <a:bodyPr wrap="none" rtlCol="0">
+            <a:spAutoFit/>
+          </a:bodyPr>
+          <a:lstStyle/>
+          <a:p>
+            <a:r>
+              <a:rPr kumimoji="1" lang="ja-JP" altLang="en-US" b="1">
+                <a:solidFill>
+                  <a:srgbClr val="FF0000"/>
+                </a:solidFill>
+              </a:rPr>
+              <a:t>ホモグラフィ変換行列</a:t>
+            </a:r>
+          </a:p>
+        </p:txBody>
+      </p:sp>
+      <p:sp>
+        <p:nvSpPr>
+          <p:cNvPr id="31" name="下矢印 30">
+            <a:extLst>
+              <a:ext uri="{FF2B5EF4-FFF2-40B4-BE49-F238E27FC236}">
+                <a16:creationId xmlns:a16="http://schemas.microsoft.com/office/drawing/2014/main" id="{7181C077-0BF7-ED4B-B821-D1C0A6C0847B}"/>
+              </a:ext>
+            </a:extLst>
+          </p:cNvPr>
+          <p:cNvSpPr/>
+          <p:nvPr/>
+        </p:nvSpPr>
+        <p:spPr>
+          <a:xfrm>
+            <a:off x="1989352" y="4069710"/>
+            <a:ext cx="370703" cy="432486"/>
+          </a:xfrm>
+          <a:prstGeom prst="downArrow">
+            <a:avLst/>
+          </a:prstGeom>
+        </p:spPr>
+        <p:style>
+          <a:lnRef idx="2">
+            <a:schemeClr val="dk1">
+              <a:shade val="50000"/>
+            </a:schemeClr>
+          </a:lnRef>
+          <a:fillRef idx="1">
+            <a:schemeClr val="dk1"/>
+          </a:fillRef>
+          <a:effectRef idx="0">
+            <a:schemeClr val="dk1"/>
+          </a:effectRef>
+          <a:fontRef idx="minor">
+            <a:schemeClr val="lt1"/>
+          </a:fontRef>
+        </p:style>
+        <p:txBody>
+          <a:bodyPr rtlCol="0" anchor="ctr"/>
+          <a:lstStyle/>
+          <a:p>
+            <a:pPr algn="ctr"/>
+            <a:endParaRPr kumimoji="1" lang="ja-JP" altLang="en-US"/>
+          </a:p>
+        </p:txBody>
+      </p:sp>
+      <p:sp>
+        <p:nvSpPr>
+          <p:cNvPr id="32" name="下矢印 31">
+            <a:extLst>
+              <a:ext uri="{FF2B5EF4-FFF2-40B4-BE49-F238E27FC236}">
+                <a16:creationId xmlns:a16="http://schemas.microsoft.com/office/drawing/2014/main" id="{AEE1AD4E-4E7D-5F4F-90C3-C5E8DF2B10AD}"/>
+              </a:ext>
+            </a:extLst>
+          </p:cNvPr>
+          <p:cNvSpPr/>
+          <p:nvPr/>
+        </p:nvSpPr>
+        <p:spPr>
+          <a:xfrm rot="10800000">
+            <a:off x="9226396" y="4224227"/>
+            <a:ext cx="370703" cy="432486"/>
+          </a:xfrm>
+          <a:prstGeom prst="downArrow">
+            <a:avLst/>
+          </a:prstGeom>
+        </p:spPr>
+        <p:style>
+          <a:lnRef idx="2">
+            <a:schemeClr val="dk1">
+              <a:shade val="50000"/>
+            </a:schemeClr>
+          </a:lnRef>
+          <a:fillRef idx="1">
+            <a:schemeClr val="dk1"/>
+          </a:fillRef>
+          <a:effectRef idx="0">
+            <a:schemeClr val="dk1"/>
+          </a:effectRef>
+          <a:fontRef idx="minor">
+            <a:schemeClr val="lt1"/>
+          </a:fontRef>
+        </p:style>
+        <p:txBody>
+          <a:bodyPr rtlCol="0" anchor="ctr"/>
+          <a:lstStyle/>
+          <a:p>
+            <a:pPr algn="ctr"/>
+            <a:endParaRPr kumimoji="1" lang="ja-JP" altLang="en-US"/>
+          </a:p>
+        </p:txBody>
+      </p:sp>
+    </p:spTree>
+    <p:extLst>
+      <p:ext uri="{BB962C8B-B14F-4D97-AF65-F5344CB8AC3E}">
+        <p14:creationId xmlns:p14="http://schemas.microsoft.com/office/powerpoint/2010/main" val="1578974719"/>
+      </p:ext>
+    </p:extLst>
+  </p:cSld>
+  <p:clrMapOvr>
+    <a:masterClrMapping/>
+  </p:clrMapOvr>
+</p:sld>
+</file>
+
+<file path=ppt/slides/slide19.xml><?xml version="1.0" encoding="utf-8"?>
+<p:sld xmlns:a="http://schemas.openxmlformats.org/drawingml/2006/main" xmlns:r="http://schemas.openxmlformats.org/officeDocument/2006/relationships" xmlns:p="http://schemas.openxmlformats.org/presentationml/2006/main">
+  <p:cSld>
+    <p:spTree>
+      <p:nvGrpSpPr>
+        <p:cNvPr id="1" name=""/>
+        <p:cNvGrpSpPr/>
+        <p:nvPr/>
+      </p:nvGrpSpPr>
+      <p:grpSpPr>
+        <a:xfrm>
+          <a:off x="0" y="0"/>
+          <a:ext cx="0" cy="0"/>
+          <a:chOff x="0" y="0"/>
+          <a:chExt cx="0" cy="0"/>
+        </a:xfrm>
+      </p:grpSpPr>
+      <p:sp>
+        <p:nvSpPr>
+          <p:cNvPr id="10" name="正方形/長方形 9">
+            <a:extLst>
+              <a:ext uri="{FF2B5EF4-FFF2-40B4-BE49-F238E27FC236}">
+                <a16:creationId xmlns:a16="http://schemas.microsoft.com/office/drawing/2014/main" id="{F6DB8488-0F82-F04F-A634-21327982FF17}"/>
+              </a:ext>
+            </a:extLst>
+          </p:cNvPr>
+          <p:cNvSpPr/>
+          <p:nvPr/>
+        </p:nvSpPr>
+        <p:spPr>
+          <a:xfrm>
+            <a:off x="704335" y="370703"/>
+            <a:ext cx="6361522" cy="3242963"/>
+          </a:xfrm>
+          <a:prstGeom prst="rect">
+            <a:avLst/>
+          </a:prstGeom>
+          <a:solidFill>
+            <a:schemeClr val="bg1"/>
+          </a:solidFill>
+          <a:ln>
+            <a:noFill/>
+          </a:ln>
+        </p:spPr>
+        <p:style>
+          <a:lnRef idx="2">
+            <a:schemeClr val="accent1">
+              <a:shade val="50000"/>
+            </a:schemeClr>
+          </a:lnRef>
+          <a:fillRef idx="1">
+            <a:schemeClr val="accent1"/>
+          </a:fillRef>
+          <a:effectRef idx="0">
+            <a:schemeClr val="accent1"/>
+          </a:effectRef>
+          <a:fontRef idx="minor">
+            <a:schemeClr val="lt1"/>
+          </a:fontRef>
+        </p:style>
+        <p:txBody>
+          <a:bodyPr rtlCol="0" anchor="ctr"/>
+          <a:lstStyle/>
+          <a:p>
+            <a:pPr algn="ctr"/>
+            <a:endParaRPr kumimoji="1" lang="ja-JP" altLang="en-US"/>
+          </a:p>
+        </p:txBody>
+      </p:sp>
+      <mc:AlternateContent xmlns:mc="http://schemas.openxmlformats.org/markup-compatibility/2006">
+        <mc:Choice xmlns:a14="http://schemas.microsoft.com/office/drawing/2010/main" Requires="a14">
+          <p:sp>
+            <p:nvSpPr>
+              <p:cNvPr id="5" name="テキスト ボックス 4">
+                <a:extLst>
+                  <a:ext uri="{FF2B5EF4-FFF2-40B4-BE49-F238E27FC236}">
+                    <a16:creationId xmlns:a16="http://schemas.microsoft.com/office/drawing/2014/main" id="{DBBFF817-C65C-A449-A9BC-71ECD730C35D}"/>
+                  </a:ext>
+                </a:extLst>
+              </p:cNvPr>
+              <p:cNvSpPr txBox="1"/>
+              <p:nvPr/>
+            </p:nvSpPr>
+            <p:spPr>
+              <a:xfrm>
+                <a:off x="4827841" y="1446225"/>
+                <a:ext cx="1983042" cy="824969"/>
+              </a:xfrm>
+              <a:prstGeom prst="rect">
+                <a:avLst/>
+              </a:prstGeom>
+              <a:noFill/>
+            </p:spPr>
+            <p:txBody>
+              <a:bodyPr wrap="none" rtlCol="0">
+                <a:spAutoFit/>
+              </a:bodyPr>
+              <a:lstStyle/>
+              <a:p>
+                <a14:m>
+                  <m:oMathPara xmlns:m="http://schemas.openxmlformats.org/officeDocument/2006/math">
+                    <m:oMathParaPr>
+                      <m:jc m:val="centerGroup"/>
+                    </m:oMathParaPr>
+                    <m:oMath xmlns:m="http://schemas.openxmlformats.org/officeDocument/2006/math">
+                      <m:d>
+                        <m:dPr>
+                          <m:begChr m:val="["/>
+                          <m:endChr m:val="]"/>
+                          <m:ctrlPr>
+                            <a:rPr lang="en-US" altLang="ja-JP" i="1" dirty="0" smtClean="0">
+                              <a:latin typeface="Cambria Math" panose="02040503050406030204" pitchFamily="18" charset="0"/>
+                            </a:rPr>
+                          </m:ctrlPr>
+                        </m:dPr>
+                        <m:e>
+                          <m:m>
+                            <m:mPr>
+                              <m:mcs>
+                                <m:mc>
+                                  <m:mcPr>
+                                    <m:count m:val="3"/>
+                                    <m:mcJc m:val="center"/>
+                                  </m:mcPr>
+                                </m:mc>
+                              </m:mcs>
+                              <m:ctrlPr>
+                                <a:rPr lang="en-US" altLang="ja-JP" b="0" i="1" dirty="0" smtClean="0">
+                                  <a:latin typeface="Cambria Math" panose="02040503050406030204" pitchFamily="18" charset="0"/>
+                                </a:rPr>
+                              </m:ctrlPr>
+                            </m:mPr>
+                            <m:mr>
+                              <m:e>
+                                <m:r>
+                                  <m:rPr>
+                                    <m:brk m:alnAt="7"/>
+                                  </m:rPr>
+                                  <a:rPr lang="en-US" altLang="ja-JP" b="0" i="1" dirty="0" smtClean="0">
+                                    <a:latin typeface="Cambria Math" panose="02040503050406030204" pitchFamily="18" charset="0"/>
+                                  </a:rPr>
+                                  <m:t>−2.2</m:t>
+                                </m:r>
+                              </m:e>
+                              <m:e>
+                                <m:r>
+                                  <a:rPr lang="en-US" altLang="ja-JP" b="0" i="1" dirty="0" smtClean="0">
+                                    <a:latin typeface="Cambria Math" panose="02040503050406030204" pitchFamily="18" charset="0"/>
+                                  </a:rPr>
+                                  <m:t>1.2</m:t>
+                                </m:r>
+                              </m:e>
+                              <m:e>
+                                <m:r>
+                                  <a:rPr lang="en-US" altLang="ja-JP" b="0" i="1" dirty="0" smtClean="0">
+                                    <a:latin typeface="Cambria Math" panose="02040503050406030204" pitchFamily="18" charset="0"/>
+                                  </a:rPr>
+                                  <m:t>3.8</m:t>
+                                </m:r>
+                              </m:e>
+                            </m:mr>
+                            <m:mr>
+                              <m:e>
+                                <m:r>
+                                  <a:rPr lang="en-US" altLang="ja-JP" b="0" i="1" dirty="0" smtClean="0">
+                                    <a:latin typeface="Cambria Math" panose="02040503050406030204" pitchFamily="18" charset="0"/>
+                                  </a:rPr>
+                                  <m:t>−1.2</m:t>
+                                </m:r>
+                              </m:e>
+                              <m:e>
+                                <m:r>
+                                  <a:rPr lang="en-US" altLang="ja-JP" b="0" i="1" dirty="0" smtClean="0">
+                                    <a:latin typeface="Cambria Math" panose="02040503050406030204" pitchFamily="18" charset="0"/>
+                                  </a:rPr>
+                                  <m:t>2.1</m:t>
+                                </m:r>
+                              </m:e>
+                              <m:e>
+                                <m:r>
+                                  <a:rPr lang="en-US" altLang="ja-JP" b="0" i="1" dirty="0" smtClean="0">
+                                    <a:latin typeface="Cambria Math" panose="02040503050406030204" pitchFamily="18" charset="0"/>
+                                  </a:rPr>
+                                  <m:t>4.6</m:t>
+                                </m:r>
+                              </m:e>
+                            </m:mr>
+                            <m:mr>
+                              <m:e>
+                                <m:r>
+                                  <a:rPr lang="en-US" altLang="ja-JP" b="0" i="1" dirty="0" smtClean="0">
+                                    <a:latin typeface="Cambria Math" panose="02040503050406030204" pitchFamily="18" charset="0"/>
+                                  </a:rPr>
+                                  <m:t>−5.5</m:t>
+                                </m:r>
+                              </m:e>
+                              <m:e>
+                                <m:r>
+                                  <a:rPr lang="en-US" altLang="ja-JP" b="0" i="1" dirty="0" smtClean="0">
+                                    <a:latin typeface="Cambria Math" panose="02040503050406030204" pitchFamily="18" charset="0"/>
+                                  </a:rPr>
+                                  <m:t>4.6</m:t>
+                                </m:r>
+                              </m:e>
+                              <m:e>
+                                <m:r>
+                                  <a:rPr lang="en-US" altLang="ja-JP" b="0" i="1" dirty="0" smtClean="0">
+                                    <a:latin typeface="Cambria Math" panose="02040503050406030204" pitchFamily="18" charset="0"/>
+                                  </a:rPr>
+                                  <m:t>1.0</m:t>
+                                </m:r>
+                              </m:e>
+                            </m:mr>
+                          </m:m>
+                        </m:e>
+                      </m:d>
+                    </m:oMath>
+                  </m:oMathPara>
+                </a14:m>
+                <a:endParaRPr kumimoji="1" lang="ja-JP" altLang="en-US"/>
+              </a:p>
+            </p:txBody>
+          </p:sp>
+        </mc:Choice>
+        <mc:Fallback>
+          <p:sp>
+            <p:nvSpPr>
+              <p:cNvPr id="5" name="テキスト ボックス 4">
+                <a:extLst>
+                  <a:ext uri="{FF2B5EF4-FFF2-40B4-BE49-F238E27FC236}">
+                    <a16:creationId xmlns:a16="http://schemas.microsoft.com/office/drawing/2014/main" id="{DBBFF817-C65C-A449-A9BC-71ECD730C35D}"/>
+                  </a:ext>
+                </a:extLst>
+              </p:cNvPr>
+              <p:cNvSpPr txBox="1">
+                <a:spLocks noRot="1" noChangeAspect="1" noMove="1" noResize="1" noEditPoints="1" noAdjustHandles="1" noChangeArrowheads="1" noChangeShapeType="1" noTextEdit="1"/>
+              </p:cNvSpPr>
+              <p:nvPr/>
+            </p:nvSpPr>
+            <p:spPr>
+              <a:xfrm>
+                <a:off x="4827841" y="1446225"/>
+                <a:ext cx="1983042" cy="824969"/>
+              </a:xfrm>
+              <a:prstGeom prst="rect">
+                <a:avLst/>
+              </a:prstGeom>
+              <a:blipFill>
+                <a:blip r:embed="rId2"/>
+                <a:stretch>
+                  <a:fillRect b="-1493"/>
+                </a:stretch>
+              </a:blipFill>
+            </p:spPr>
+            <p:txBody>
+              <a:bodyPr/>
+              <a:lstStyle/>
+              <a:p>
+                <a:r>
+                  <a:rPr lang="ja-JP" altLang="en-US">
+                    <a:noFill/>
+                  </a:rPr>
+                  <a:t> </a:t>
+                </a:r>
+              </a:p>
+            </p:txBody>
+          </p:sp>
+        </mc:Fallback>
+      </mc:AlternateContent>
+      <p:sp>
+        <p:nvSpPr>
+          <p:cNvPr id="6" name="テキスト ボックス 5">
+            <a:extLst>
+              <a:ext uri="{FF2B5EF4-FFF2-40B4-BE49-F238E27FC236}">
+                <a16:creationId xmlns:a16="http://schemas.microsoft.com/office/drawing/2014/main" id="{7151D9F7-8048-ED48-8AAB-4002538D2CB8}"/>
+              </a:ext>
+            </a:extLst>
+          </p:cNvPr>
+          <p:cNvSpPr txBox="1"/>
+          <p:nvPr/>
+        </p:nvSpPr>
+        <p:spPr>
+          <a:xfrm>
+            <a:off x="4572867" y="2271194"/>
+            <a:ext cx="2492990" cy="369332"/>
+          </a:xfrm>
+          <a:prstGeom prst="rect">
+            <a:avLst/>
+          </a:prstGeom>
+          <a:noFill/>
+        </p:spPr>
+        <p:txBody>
+          <a:bodyPr wrap="none" rtlCol="0">
+            <a:spAutoFit/>
+          </a:bodyPr>
+          <a:lstStyle/>
+          <a:p>
+            <a:r>
+              <a:rPr kumimoji="1" lang="ja-JP" altLang="en-US"/>
+              <a:t>ホモグラフィ変換行列</a:t>
+            </a:r>
+          </a:p>
+        </p:txBody>
+      </p:sp>
+      <p:pic>
+        <p:nvPicPr>
+          <p:cNvPr id="8" name="図 7" descr="ロゴ&#10;&#10;自動的に生成された説明">
+            <a:extLst>
+              <a:ext uri="{FF2B5EF4-FFF2-40B4-BE49-F238E27FC236}">
+                <a16:creationId xmlns:a16="http://schemas.microsoft.com/office/drawing/2014/main" id="{D595C75E-7599-4045-B2A0-98CA8B443BC0}"/>
+              </a:ext>
+            </a:extLst>
+          </p:cNvPr>
+          <p:cNvPicPr>
+            <a:picLocks noChangeAspect="1"/>
+          </p:cNvPicPr>
+          <p:nvPr/>
+        </p:nvPicPr>
+        <p:blipFill>
+          <a:blip r:embed="rId3"/>
+          <a:stretch>
+            <a:fillRect/>
+          </a:stretch>
+        </p:blipFill>
+        <p:spPr>
+          <a:xfrm>
+            <a:off x="874277" y="512105"/>
+            <a:ext cx="3571103" cy="2693207"/>
+          </a:xfrm>
+          <a:prstGeom prst="rect">
+            <a:avLst/>
+          </a:prstGeom>
+          <a:ln>
+            <a:solidFill>
+              <a:schemeClr val="tx1"/>
+            </a:solidFill>
+          </a:ln>
+        </p:spPr>
+      </p:pic>
+      <p:sp>
+        <p:nvSpPr>
+          <p:cNvPr id="9" name="テキスト ボックス 8">
+            <a:extLst>
+              <a:ext uri="{FF2B5EF4-FFF2-40B4-BE49-F238E27FC236}">
+                <a16:creationId xmlns:a16="http://schemas.microsoft.com/office/drawing/2014/main" id="{D02E3BD9-30AF-DB4F-8A04-970423C58BF3}"/>
+              </a:ext>
+            </a:extLst>
+          </p:cNvPr>
+          <p:cNvSpPr txBox="1"/>
+          <p:nvPr/>
+        </p:nvSpPr>
+        <p:spPr>
+          <a:xfrm>
+            <a:off x="2028886" y="3244334"/>
+            <a:ext cx="1261884" cy="369332"/>
+          </a:xfrm>
+          <a:prstGeom prst="rect">
+            <a:avLst/>
+          </a:prstGeom>
+          <a:noFill/>
+        </p:spPr>
+        <p:txBody>
+          <a:bodyPr wrap="none" rtlCol="0">
+            <a:spAutoFit/>
+          </a:bodyPr>
+          <a:lstStyle/>
+          <a:p>
+            <a:pPr algn="ctr"/>
+            <a:r>
+              <a:rPr lang="en-US" altLang="ja-JP" dirty="0"/>
+              <a:t>270°</a:t>
+            </a:r>
+            <a:r>
+              <a:rPr lang="ja-JP" altLang="en-US"/>
+              <a:t>回転</a:t>
+            </a:r>
+            <a:endParaRPr kumimoji="1" lang="ja-JP" altLang="en-US"/>
+          </a:p>
+        </p:txBody>
+      </p:sp>
+    </p:spTree>
+    <p:extLst>
+      <p:ext uri="{BB962C8B-B14F-4D97-AF65-F5344CB8AC3E}">
+        <p14:creationId xmlns:p14="http://schemas.microsoft.com/office/powerpoint/2010/main" val="4246549478"/>
+      </p:ext>
+    </p:extLst>
+  </p:cSld>
+  <p:clrMapOvr>
+    <a:masterClrMapping/>
+  </p:clrMapOvr>
+</p:sld>
+</file>
+
 <file path=ppt/slides/slide2.xml><?xml version="1.0" encoding="utf-8"?>
 <p:sld xmlns:a="http://schemas.openxmlformats.org/drawingml/2006/main" xmlns:r="http://schemas.openxmlformats.org/officeDocument/2006/relationships" xmlns:p="http://schemas.openxmlformats.org/presentationml/2006/main">
   <p:cSld>
@@ -19441,6 +21190,1275 @@
 </p:sld>
 </file>
 
+<file path=ppt/slides/slide20.xml><?xml version="1.0" encoding="utf-8"?>
+<p:sld xmlns:a="http://schemas.openxmlformats.org/drawingml/2006/main" xmlns:r="http://schemas.openxmlformats.org/officeDocument/2006/relationships" xmlns:p="http://schemas.openxmlformats.org/presentationml/2006/main">
+  <p:cSld>
+    <p:spTree>
+      <p:nvGrpSpPr>
+        <p:cNvPr id="1" name=""/>
+        <p:cNvGrpSpPr/>
+        <p:nvPr/>
+      </p:nvGrpSpPr>
+      <p:grpSpPr>
+        <a:xfrm>
+          <a:off x="0" y="0"/>
+          <a:ext cx="0" cy="0"/>
+          <a:chOff x="0" y="0"/>
+          <a:chExt cx="0" cy="0"/>
+        </a:xfrm>
+      </p:grpSpPr>
+      <p:sp>
+        <p:nvSpPr>
+          <p:cNvPr id="10" name="正方形/長方形 9">
+            <a:extLst>
+              <a:ext uri="{FF2B5EF4-FFF2-40B4-BE49-F238E27FC236}">
+                <a16:creationId xmlns:a16="http://schemas.microsoft.com/office/drawing/2014/main" id="{1BC84AE5-26FC-B347-8DC8-B78A9D417820}"/>
+              </a:ext>
+            </a:extLst>
+          </p:cNvPr>
+          <p:cNvSpPr/>
+          <p:nvPr/>
+        </p:nvSpPr>
+        <p:spPr>
+          <a:xfrm>
+            <a:off x="704335" y="370703"/>
+            <a:ext cx="6361522" cy="3242963"/>
+          </a:xfrm>
+          <a:prstGeom prst="rect">
+            <a:avLst/>
+          </a:prstGeom>
+          <a:solidFill>
+            <a:schemeClr val="bg1"/>
+          </a:solidFill>
+          <a:ln>
+            <a:noFill/>
+          </a:ln>
+        </p:spPr>
+        <p:style>
+          <a:lnRef idx="2">
+            <a:schemeClr val="accent1">
+              <a:shade val="50000"/>
+            </a:schemeClr>
+          </a:lnRef>
+          <a:fillRef idx="1">
+            <a:schemeClr val="accent1"/>
+          </a:fillRef>
+          <a:effectRef idx="0">
+            <a:schemeClr val="accent1"/>
+          </a:effectRef>
+          <a:fontRef idx="minor">
+            <a:schemeClr val="lt1"/>
+          </a:fontRef>
+        </p:style>
+        <p:txBody>
+          <a:bodyPr rtlCol="0" anchor="ctr"/>
+          <a:lstStyle/>
+          <a:p>
+            <a:pPr algn="ctr"/>
+            <a:endParaRPr kumimoji="1" lang="ja-JP" altLang="en-US"/>
+          </a:p>
+        </p:txBody>
+      </p:sp>
+      <mc:AlternateContent xmlns:mc="http://schemas.openxmlformats.org/markup-compatibility/2006">
+        <mc:Choice xmlns:a14="http://schemas.microsoft.com/office/drawing/2010/main" Requires="a14">
+          <p:sp>
+            <p:nvSpPr>
+              <p:cNvPr id="5" name="テキスト ボックス 4">
+                <a:extLst>
+                  <a:ext uri="{FF2B5EF4-FFF2-40B4-BE49-F238E27FC236}">
+                    <a16:creationId xmlns:a16="http://schemas.microsoft.com/office/drawing/2014/main" id="{DBBFF817-C65C-A449-A9BC-71ECD730C35D}"/>
+                  </a:ext>
+                </a:extLst>
+              </p:cNvPr>
+              <p:cNvSpPr txBox="1"/>
+              <p:nvPr/>
+            </p:nvSpPr>
+            <p:spPr>
+              <a:xfrm>
+                <a:off x="4741278" y="1440646"/>
+                <a:ext cx="2156167" cy="830548"/>
+              </a:xfrm>
+              <a:prstGeom prst="rect">
+                <a:avLst/>
+              </a:prstGeom>
+              <a:noFill/>
+            </p:spPr>
+            <p:txBody>
+              <a:bodyPr wrap="none" rtlCol="0">
+                <a:spAutoFit/>
+              </a:bodyPr>
+              <a:lstStyle/>
+              <a:p>
+                <a14:m>
+                  <m:oMathPara xmlns:m="http://schemas.openxmlformats.org/officeDocument/2006/math">
+                    <m:oMathParaPr>
+                      <m:jc m:val="centerGroup"/>
+                    </m:oMathParaPr>
+                    <m:oMath xmlns:m="http://schemas.openxmlformats.org/officeDocument/2006/math">
+                      <m:d>
+                        <m:dPr>
+                          <m:begChr m:val="["/>
+                          <m:endChr m:val="]"/>
+                          <m:ctrlPr>
+                            <a:rPr lang="en-US" altLang="ja-JP" i="1" dirty="0" smtClean="0">
+                              <a:latin typeface="Cambria Math" panose="02040503050406030204" pitchFamily="18" charset="0"/>
+                            </a:rPr>
+                          </m:ctrlPr>
+                        </m:dPr>
+                        <m:e>
+                          <m:m>
+                            <m:mPr>
+                              <m:mcs>
+                                <m:mc>
+                                  <m:mcPr>
+                                    <m:count m:val="3"/>
+                                    <m:mcJc m:val="center"/>
+                                  </m:mcPr>
+                                </m:mc>
+                              </m:mcs>
+                              <m:ctrlPr>
+                                <a:rPr lang="en-US" altLang="ja-JP" b="0" i="1" dirty="0" smtClean="0">
+                                  <a:latin typeface="Cambria Math" panose="02040503050406030204" pitchFamily="18" charset="0"/>
+                                </a:rPr>
+                              </m:ctrlPr>
+                            </m:mPr>
+                            <m:mr>
+                              <m:e>
+                                <m:r>
+                                  <m:rPr>
+                                    <m:brk m:alnAt="7"/>
+                                  </m:rPr>
+                                  <a:rPr lang="en-US" altLang="ja-JP" b="0" i="1" dirty="0" smtClean="0">
+                                    <a:latin typeface="Cambria Math" panose="02040503050406030204" pitchFamily="18" charset="0"/>
+                                  </a:rPr>
+                                  <m:t>−1.2</m:t>
+                                </m:r>
+                              </m:e>
+                              <m:e>
+                                <m:r>
+                                  <a:rPr lang="en-US" altLang="ja-JP" b="0" i="1" dirty="0" smtClean="0">
+                                    <a:latin typeface="Cambria Math" panose="02040503050406030204" pitchFamily="18" charset="0"/>
+                                  </a:rPr>
+                                  <m:t>−8.7</m:t>
+                                </m:r>
+                              </m:e>
+                              <m:e>
+                                <m:r>
+                                  <a:rPr lang="en-US" altLang="ja-JP" b="0" i="1" dirty="0" smtClean="0">
+                                    <a:latin typeface="Cambria Math" panose="02040503050406030204" pitchFamily="18" charset="0"/>
+                                  </a:rPr>
+                                  <m:t>5.8</m:t>
+                                </m:r>
+                              </m:e>
+                            </m:mr>
+                            <m:mr>
+                              <m:e>
+                                <m:r>
+                                  <a:rPr lang="en-US" altLang="ja-JP" b="0" i="1" dirty="0" smtClean="0">
+                                    <a:latin typeface="Cambria Math" panose="02040503050406030204" pitchFamily="18" charset="0"/>
+                                  </a:rPr>
+                                  <m:t>8.1</m:t>
+                                </m:r>
+                              </m:e>
+                              <m:e>
+                                <m:r>
+                                  <a:rPr lang="en-US" altLang="ja-JP" b="0" i="1" dirty="0" smtClean="0">
+                                    <a:latin typeface="Cambria Math" panose="02040503050406030204" pitchFamily="18" charset="0"/>
+                                  </a:rPr>
+                                  <m:t>−1.2</m:t>
+                                </m:r>
+                              </m:e>
+                              <m:e>
+                                <m:r>
+                                  <a:rPr lang="en-US" altLang="ja-JP" b="0" i="1" dirty="0" smtClean="0">
+                                    <a:latin typeface="Cambria Math" panose="02040503050406030204" pitchFamily="18" charset="0"/>
+                                  </a:rPr>
+                                  <m:t>4.6</m:t>
+                                </m:r>
+                              </m:e>
+                            </m:mr>
+                            <m:mr>
+                              <m:e>
+                                <m:r>
+                                  <a:rPr lang="en-US" altLang="ja-JP" b="0" i="1" dirty="0" smtClean="0">
+                                    <a:latin typeface="Cambria Math" panose="02040503050406030204" pitchFamily="18" charset="0"/>
+                                  </a:rPr>
+                                  <m:t>−1.2</m:t>
+                                </m:r>
+                              </m:e>
+                              <m:e>
+                                <m:r>
+                                  <a:rPr lang="en-US" altLang="ja-JP" b="0" i="1" dirty="0" smtClean="0">
+                                    <a:latin typeface="Cambria Math" panose="02040503050406030204" pitchFamily="18" charset="0"/>
+                                  </a:rPr>
+                                  <m:t>3.0</m:t>
+                                </m:r>
+                              </m:e>
+                              <m:e>
+                                <m:r>
+                                  <a:rPr lang="en-US" altLang="ja-JP" b="0" i="1" dirty="0" smtClean="0">
+                                    <a:latin typeface="Cambria Math" panose="02040503050406030204" pitchFamily="18" charset="0"/>
+                                  </a:rPr>
+                                  <m:t>1.0</m:t>
+                                </m:r>
+                              </m:e>
+                            </m:mr>
+                          </m:m>
+                        </m:e>
+                      </m:d>
+                    </m:oMath>
+                  </m:oMathPara>
+                </a14:m>
+                <a:endParaRPr kumimoji="1" lang="ja-JP" altLang="en-US"/>
+              </a:p>
+            </p:txBody>
+          </p:sp>
+        </mc:Choice>
+        <mc:Fallback>
+          <p:sp>
+            <p:nvSpPr>
+              <p:cNvPr id="5" name="テキスト ボックス 4">
+                <a:extLst>
+                  <a:ext uri="{FF2B5EF4-FFF2-40B4-BE49-F238E27FC236}">
+                    <a16:creationId xmlns:a16="http://schemas.microsoft.com/office/drawing/2014/main" id="{DBBFF817-C65C-A449-A9BC-71ECD730C35D}"/>
+                  </a:ext>
+                </a:extLst>
+              </p:cNvPr>
+              <p:cNvSpPr txBox="1">
+                <a:spLocks noRot="1" noChangeAspect="1" noMove="1" noResize="1" noEditPoints="1" noAdjustHandles="1" noChangeArrowheads="1" noChangeShapeType="1" noTextEdit="1"/>
+              </p:cNvSpPr>
+              <p:nvPr/>
+            </p:nvSpPr>
+            <p:spPr>
+              <a:xfrm>
+                <a:off x="4741278" y="1440646"/>
+                <a:ext cx="2156167" cy="830548"/>
+              </a:xfrm>
+              <a:prstGeom prst="rect">
+                <a:avLst/>
+              </a:prstGeom>
+              <a:blipFill>
+                <a:blip r:embed="rId2"/>
+                <a:stretch>
+                  <a:fillRect b="-1493"/>
+                </a:stretch>
+              </a:blipFill>
+            </p:spPr>
+            <p:txBody>
+              <a:bodyPr/>
+              <a:lstStyle/>
+              <a:p>
+                <a:r>
+                  <a:rPr lang="ja-JP" altLang="en-US">
+                    <a:noFill/>
+                  </a:rPr>
+                  <a:t> </a:t>
+                </a:r>
+              </a:p>
+            </p:txBody>
+          </p:sp>
+        </mc:Fallback>
+      </mc:AlternateContent>
+      <p:sp>
+        <p:nvSpPr>
+          <p:cNvPr id="6" name="テキスト ボックス 5">
+            <a:extLst>
+              <a:ext uri="{FF2B5EF4-FFF2-40B4-BE49-F238E27FC236}">
+                <a16:creationId xmlns:a16="http://schemas.microsoft.com/office/drawing/2014/main" id="{7151D9F7-8048-ED48-8AAB-4002538D2CB8}"/>
+              </a:ext>
+            </a:extLst>
+          </p:cNvPr>
+          <p:cNvSpPr txBox="1"/>
+          <p:nvPr/>
+        </p:nvSpPr>
+        <p:spPr>
+          <a:xfrm>
+            <a:off x="4572867" y="2271194"/>
+            <a:ext cx="2492990" cy="369332"/>
+          </a:xfrm>
+          <a:prstGeom prst="rect">
+            <a:avLst/>
+          </a:prstGeom>
+          <a:noFill/>
+        </p:spPr>
+        <p:txBody>
+          <a:bodyPr wrap="none" rtlCol="0">
+            <a:spAutoFit/>
+          </a:bodyPr>
+          <a:lstStyle/>
+          <a:p>
+            <a:r>
+              <a:rPr kumimoji="1" lang="ja-JP" altLang="en-US"/>
+              <a:t>ホモグラフィ変換行列</a:t>
+            </a:r>
+          </a:p>
+        </p:txBody>
+      </p:sp>
+      <p:pic>
+        <p:nvPicPr>
+          <p:cNvPr id="8" name="図 7" descr="ロゴ&#10;&#10;自動的に生成された説明">
+            <a:extLst>
+              <a:ext uri="{FF2B5EF4-FFF2-40B4-BE49-F238E27FC236}">
+                <a16:creationId xmlns:a16="http://schemas.microsoft.com/office/drawing/2014/main" id="{D595C75E-7599-4045-B2A0-98CA8B443BC0}"/>
+              </a:ext>
+            </a:extLst>
+          </p:cNvPr>
+          <p:cNvPicPr>
+            <a:picLocks noChangeAspect="1"/>
+          </p:cNvPicPr>
+          <p:nvPr/>
+        </p:nvPicPr>
+        <p:blipFill>
+          <a:blip r:embed="rId3"/>
+          <a:stretch>
+            <a:fillRect/>
+          </a:stretch>
+        </p:blipFill>
+        <p:spPr>
+          <a:xfrm>
+            <a:off x="874277" y="512105"/>
+            <a:ext cx="3571103" cy="2693207"/>
+          </a:xfrm>
+          <a:prstGeom prst="rect">
+            <a:avLst/>
+          </a:prstGeom>
+          <a:ln>
+            <a:solidFill>
+              <a:schemeClr val="tx1"/>
+            </a:solidFill>
+          </a:ln>
+        </p:spPr>
+      </p:pic>
+      <p:sp>
+        <p:nvSpPr>
+          <p:cNvPr id="9" name="テキスト ボックス 8">
+            <a:extLst>
+              <a:ext uri="{FF2B5EF4-FFF2-40B4-BE49-F238E27FC236}">
+                <a16:creationId xmlns:a16="http://schemas.microsoft.com/office/drawing/2014/main" id="{D02E3BD9-30AF-DB4F-8A04-970423C58BF3}"/>
+              </a:ext>
+            </a:extLst>
+          </p:cNvPr>
+          <p:cNvSpPr txBox="1"/>
+          <p:nvPr/>
+        </p:nvSpPr>
+        <p:spPr>
+          <a:xfrm>
+            <a:off x="2028886" y="3244334"/>
+            <a:ext cx="1261885" cy="369332"/>
+          </a:xfrm>
+          <a:prstGeom prst="rect">
+            <a:avLst/>
+          </a:prstGeom>
+          <a:noFill/>
+        </p:spPr>
+        <p:txBody>
+          <a:bodyPr wrap="none" rtlCol="0">
+            <a:spAutoFit/>
+          </a:bodyPr>
+          <a:lstStyle/>
+          <a:p>
+            <a:pPr algn="ctr"/>
+            <a:r>
+              <a:rPr lang="en-US" altLang="ja-JP" dirty="0"/>
+              <a:t>180°</a:t>
+            </a:r>
+            <a:r>
+              <a:rPr lang="ja-JP" altLang="en-US"/>
+              <a:t>回転</a:t>
+            </a:r>
+            <a:endParaRPr kumimoji="1" lang="ja-JP" altLang="en-US"/>
+          </a:p>
+        </p:txBody>
+      </p:sp>
+      <p:pic>
+        <p:nvPicPr>
+          <p:cNvPr id="3" name="図 2" descr="ロゴ, 会社名&#10;&#10;自動的に生成された説明">
+            <a:extLst>
+              <a:ext uri="{FF2B5EF4-FFF2-40B4-BE49-F238E27FC236}">
+                <a16:creationId xmlns:a16="http://schemas.microsoft.com/office/drawing/2014/main" id="{156D7FA0-60D0-7C4B-A87D-3E9C78068256}"/>
+              </a:ext>
+            </a:extLst>
+          </p:cNvPr>
+          <p:cNvPicPr>
+            <a:picLocks noChangeAspect="1"/>
+          </p:cNvPicPr>
+          <p:nvPr/>
+        </p:nvPicPr>
+        <p:blipFill>
+          <a:blip r:embed="rId4"/>
+          <a:stretch>
+            <a:fillRect/>
+          </a:stretch>
+        </p:blipFill>
+        <p:spPr>
+          <a:xfrm>
+            <a:off x="874277" y="512105"/>
+            <a:ext cx="3571103" cy="2693207"/>
+          </a:xfrm>
+          <a:prstGeom prst="rect">
+            <a:avLst/>
+          </a:prstGeom>
+        </p:spPr>
+      </p:pic>
+    </p:spTree>
+    <p:extLst>
+      <p:ext uri="{BB962C8B-B14F-4D97-AF65-F5344CB8AC3E}">
+        <p14:creationId xmlns:p14="http://schemas.microsoft.com/office/powerpoint/2010/main" val="1181444968"/>
+      </p:ext>
+    </p:extLst>
+  </p:cSld>
+  <p:clrMapOvr>
+    <a:masterClrMapping/>
+  </p:clrMapOvr>
+</p:sld>
+</file>
+
+<file path=ppt/slides/slide21.xml><?xml version="1.0" encoding="utf-8"?>
+<p:sld xmlns:a="http://schemas.openxmlformats.org/drawingml/2006/main" xmlns:r="http://schemas.openxmlformats.org/officeDocument/2006/relationships" xmlns:p="http://schemas.openxmlformats.org/presentationml/2006/main">
+  <p:cSld>
+    <p:spTree>
+      <p:nvGrpSpPr>
+        <p:cNvPr id="1" name=""/>
+        <p:cNvGrpSpPr/>
+        <p:nvPr/>
+      </p:nvGrpSpPr>
+      <p:grpSpPr>
+        <a:xfrm>
+          <a:off x="0" y="0"/>
+          <a:ext cx="0" cy="0"/>
+          <a:chOff x="0" y="0"/>
+          <a:chExt cx="0" cy="0"/>
+        </a:xfrm>
+      </p:grpSpPr>
+      <p:sp>
+        <p:nvSpPr>
+          <p:cNvPr id="10" name="正方形/長方形 9">
+            <a:extLst>
+              <a:ext uri="{FF2B5EF4-FFF2-40B4-BE49-F238E27FC236}">
+                <a16:creationId xmlns:a16="http://schemas.microsoft.com/office/drawing/2014/main" id="{D7697548-ED35-C340-B0D9-D56F9B84172A}"/>
+              </a:ext>
+            </a:extLst>
+          </p:cNvPr>
+          <p:cNvSpPr/>
+          <p:nvPr/>
+        </p:nvSpPr>
+        <p:spPr>
+          <a:xfrm>
+            <a:off x="704335" y="370703"/>
+            <a:ext cx="6361522" cy="3242963"/>
+          </a:xfrm>
+          <a:prstGeom prst="rect">
+            <a:avLst/>
+          </a:prstGeom>
+          <a:solidFill>
+            <a:schemeClr val="bg1"/>
+          </a:solidFill>
+          <a:ln>
+            <a:noFill/>
+          </a:ln>
+        </p:spPr>
+        <p:style>
+          <a:lnRef idx="2">
+            <a:schemeClr val="accent1">
+              <a:shade val="50000"/>
+            </a:schemeClr>
+          </a:lnRef>
+          <a:fillRef idx="1">
+            <a:schemeClr val="accent1"/>
+          </a:fillRef>
+          <a:effectRef idx="0">
+            <a:schemeClr val="accent1"/>
+          </a:effectRef>
+          <a:fontRef idx="minor">
+            <a:schemeClr val="lt1"/>
+          </a:fontRef>
+        </p:style>
+        <p:txBody>
+          <a:bodyPr rtlCol="0" anchor="ctr"/>
+          <a:lstStyle/>
+          <a:p>
+            <a:pPr algn="ctr"/>
+            <a:endParaRPr kumimoji="1" lang="ja-JP" altLang="en-US"/>
+          </a:p>
+        </p:txBody>
+      </p:sp>
+      <mc:AlternateContent xmlns:mc="http://schemas.openxmlformats.org/markup-compatibility/2006">
+        <mc:Choice xmlns:a14="http://schemas.microsoft.com/office/drawing/2010/main" Requires="a14">
+          <p:sp>
+            <p:nvSpPr>
+              <p:cNvPr id="5" name="テキスト ボックス 4">
+                <a:extLst>
+                  <a:ext uri="{FF2B5EF4-FFF2-40B4-BE49-F238E27FC236}">
+                    <a16:creationId xmlns:a16="http://schemas.microsoft.com/office/drawing/2014/main" id="{DBBFF817-C65C-A449-A9BC-71ECD730C35D}"/>
+                  </a:ext>
+                </a:extLst>
+              </p:cNvPr>
+              <p:cNvSpPr txBox="1"/>
+              <p:nvPr/>
+            </p:nvSpPr>
+            <p:spPr>
+              <a:xfrm>
+                <a:off x="4741278" y="1440646"/>
+                <a:ext cx="2156167" cy="830548"/>
+              </a:xfrm>
+              <a:prstGeom prst="rect">
+                <a:avLst/>
+              </a:prstGeom>
+              <a:noFill/>
+            </p:spPr>
+            <p:txBody>
+              <a:bodyPr wrap="none" rtlCol="0">
+                <a:spAutoFit/>
+              </a:bodyPr>
+              <a:lstStyle/>
+              <a:p>
+                <a14:m>
+                  <m:oMathPara xmlns:m="http://schemas.openxmlformats.org/officeDocument/2006/math">
+                    <m:oMathParaPr>
+                      <m:jc m:val="centerGroup"/>
+                    </m:oMathParaPr>
+                    <m:oMath xmlns:m="http://schemas.openxmlformats.org/officeDocument/2006/math">
+                      <m:d>
+                        <m:dPr>
+                          <m:begChr m:val="["/>
+                          <m:endChr m:val="]"/>
+                          <m:ctrlPr>
+                            <a:rPr lang="en-US" altLang="ja-JP" i="1" dirty="0" smtClean="0">
+                              <a:latin typeface="Cambria Math" panose="02040503050406030204" pitchFamily="18" charset="0"/>
+                            </a:rPr>
+                          </m:ctrlPr>
+                        </m:dPr>
+                        <m:e>
+                          <m:m>
+                            <m:mPr>
+                              <m:mcs>
+                                <m:mc>
+                                  <m:mcPr>
+                                    <m:count m:val="3"/>
+                                    <m:mcJc m:val="center"/>
+                                  </m:mcPr>
+                                </m:mc>
+                              </m:mcs>
+                              <m:ctrlPr>
+                                <a:rPr lang="en-US" altLang="ja-JP" b="0" i="1" dirty="0" smtClean="0">
+                                  <a:latin typeface="Cambria Math" panose="02040503050406030204" pitchFamily="18" charset="0"/>
+                                </a:rPr>
+                              </m:ctrlPr>
+                            </m:mPr>
+                            <m:mr>
+                              <m:e>
+                                <m:r>
+                                  <m:rPr>
+                                    <m:brk m:alnAt="7"/>
+                                  </m:rPr>
+                                  <a:rPr lang="en-US" altLang="ja-JP" b="0" i="1" dirty="0" smtClean="0">
+                                    <a:latin typeface="Cambria Math" panose="02040503050406030204" pitchFamily="18" charset="0"/>
+                                  </a:rPr>
+                                  <m:t>−1.6</m:t>
+                                </m:r>
+                              </m:e>
+                              <m:e>
+                                <m:r>
+                                  <a:rPr lang="en-US" altLang="ja-JP" b="0" i="1" dirty="0" smtClean="0">
+                                    <a:latin typeface="Cambria Math" panose="02040503050406030204" pitchFamily="18" charset="0"/>
+                                  </a:rPr>
+                                  <m:t>−1.2</m:t>
+                                </m:r>
+                              </m:e>
+                              <m:e>
+                                <m:r>
+                                  <a:rPr lang="en-US" altLang="ja-JP" b="0" i="1" dirty="0" smtClean="0">
+                                    <a:latin typeface="Cambria Math" panose="02040503050406030204" pitchFamily="18" charset="0"/>
+                                  </a:rPr>
+                                  <m:t>5.8</m:t>
+                                </m:r>
+                              </m:e>
+                            </m:mr>
+                            <m:mr>
+                              <m:e>
+                                <m:r>
+                                  <a:rPr lang="en-US" altLang="ja-JP" b="0" i="1" dirty="0" smtClean="0">
+                                    <a:latin typeface="Cambria Math" panose="02040503050406030204" pitchFamily="18" charset="0"/>
+                                  </a:rPr>
+                                  <m:t>1.2</m:t>
+                                </m:r>
+                              </m:e>
+                              <m:e>
+                                <m:r>
+                                  <a:rPr lang="en-US" altLang="ja-JP" b="0" i="1" dirty="0" smtClean="0">
+                                    <a:latin typeface="Cambria Math" panose="02040503050406030204" pitchFamily="18" charset="0"/>
+                                  </a:rPr>
+                                  <m:t>9.2</m:t>
+                                </m:r>
+                              </m:e>
+                              <m:e>
+                                <m:r>
+                                  <a:rPr lang="en-US" altLang="ja-JP" b="0" i="1" dirty="0" smtClean="0">
+                                    <a:latin typeface="Cambria Math" panose="02040503050406030204" pitchFamily="18" charset="0"/>
+                                  </a:rPr>
+                                  <m:t>2.6</m:t>
+                                </m:r>
+                              </m:e>
+                            </m:mr>
+                            <m:mr>
+                              <m:e>
+                                <m:r>
+                                  <a:rPr lang="en-US" altLang="ja-JP" b="0" i="1" dirty="0" smtClean="0">
+                                    <a:latin typeface="Cambria Math" panose="02040503050406030204" pitchFamily="18" charset="0"/>
+                                  </a:rPr>
+                                  <m:t>−2.4</m:t>
+                                </m:r>
+                              </m:e>
+                              <m:e>
+                                <m:r>
+                                  <a:rPr lang="en-US" altLang="ja-JP" b="0" i="1" dirty="0" smtClean="0">
+                                    <a:latin typeface="Cambria Math" panose="02040503050406030204" pitchFamily="18" charset="0"/>
+                                  </a:rPr>
+                                  <m:t>3.0</m:t>
+                                </m:r>
+                              </m:e>
+                              <m:e>
+                                <m:r>
+                                  <a:rPr lang="en-US" altLang="ja-JP" b="0" i="1" dirty="0" smtClean="0">
+                                    <a:latin typeface="Cambria Math" panose="02040503050406030204" pitchFamily="18" charset="0"/>
+                                  </a:rPr>
+                                  <m:t>1.0</m:t>
+                                </m:r>
+                              </m:e>
+                            </m:mr>
+                          </m:m>
+                        </m:e>
+                      </m:d>
+                    </m:oMath>
+                  </m:oMathPara>
+                </a14:m>
+                <a:endParaRPr kumimoji="1" lang="ja-JP" altLang="en-US"/>
+              </a:p>
+            </p:txBody>
+          </p:sp>
+        </mc:Choice>
+        <mc:Fallback>
+          <p:sp>
+            <p:nvSpPr>
+              <p:cNvPr id="5" name="テキスト ボックス 4">
+                <a:extLst>
+                  <a:ext uri="{FF2B5EF4-FFF2-40B4-BE49-F238E27FC236}">
+                    <a16:creationId xmlns:a16="http://schemas.microsoft.com/office/drawing/2014/main" id="{DBBFF817-C65C-A449-A9BC-71ECD730C35D}"/>
+                  </a:ext>
+                </a:extLst>
+              </p:cNvPr>
+              <p:cNvSpPr txBox="1">
+                <a:spLocks noRot="1" noChangeAspect="1" noMove="1" noResize="1" noEditPoints="1" noAdjustHandles="1" noChangeArrowheads="1" noChangeShapeType="1" noTextEdit="1"/>
+              </p:cNvSpPr>
+              <p:nvPr/>
+            </p:nvSpPr>
+            <p:spPr>
+              <a:xfrm>
+                <a:off x="4741278" y="1440646"/>
+                <a:ext cx="2156167" cy="830548"/>
+              </a:xfrm>
+              <a:prstGeom prst="rect">
+                <a:avLst/>
+              </a:prstGeom>
+              <a:blipFill>
+                <a:blip r:embed="rId2"/>
+                <a:stretch>
+                  <a:fillRect b="-1493"/>
+                </a:stretch>
+              </a:blipFill>
+            </p:spPr>
+            <p:txBody>
+              <a:bodyPr/>
+              <a:lstStyle/>
+              <a:p>
+                <a:r>
+                  <a:rPr lang="ja-JP" altLang="en-US">
+                    <a:noFill/>
+                  </a:rPr>
+                  <a:t> </a:t>
+                </a:r>
+              </a:p>
+            </p:txBody>
+          </p:sp>
+        </mc:Fallback>
+      </mc:AlternateContent>
+      <p:sp>
+        <p:nvSpPr>
+          <p:cNvPr id="6" name="テキスト ボックス 5">
+            <a:extLst>
+              <a:ext uri="{FF2B5EF4-FFF2-40B4-BE49-F238E27FC236}">
+                <a16:creationId xmlns:a16="http://schemas.microsoft.com/office/drawing/2014/main" id="{7151D9F7-8048-ED48-8AAB-4002538D2CB8}"/>
+              </a:ext>
+            </a:extLst>
+          </p:cNvPr>
+          <p:cNvSpPr txBox="1"/>
+          <p:nvPr/>
+        </p:nvSpPr>
+        <p:spPr>
+          <a:xfrm>
+            <a:off x="4572867" y="2271194"/>
+            <a:ext cx="2492990" cy="369332"/>
+          </a:xfrm>
+          <a:prstGeom prst="rect">
+            <a:avLst/>
+          </a:prstGeom>
+          <a:noFill/>
+        </p:spPr>
+        <p:txBody>
+          <a:bodyPr wrap="none" rtlCol="0">
+            <a:spAutoFit/>
+          </a:bodyPr>
+          <a:lstStyle/>
+          <a:p>
+            <a:r>
+              <a:rPr kumimoji="1" lang="ja-JP" altLang="en-US"/>
+              <a:t>ホモグラフィ変換行列</a:t>
+            </a:r>
+          </a:p>
+        </p:txBody>
+      </p:sp>
+      <p:pic>
+        <p:nvPicPr>
+          <p:cNvPr id="8" name="図 7" descr="ロゴ&#10;&#10;自動的に生成された説明">
+            <a:extLst>
+              <a:ext uri="{FF2B5EF4-FFF2-40B4-BE49-F238E27FC236}">
+                <a16:creationId xmlns:a16="http://schemas.microsoft.com/office/drawing/2014/main" id="{D595C75E-7599-4045-B2A0-98CA8B443BC0}"/>
+              </a:ext>
+            </a:extLst>
+          </p:cNvPr>
+          <p:cNvPicPr>
+            <a:picLocks noChangeAspect="1"/>
+          </p:cNvPicPr>
+          <p:nvPr/>
+        </p:nvPicPr>
+        <p:blipFill>
+          <a:blip r:embed="rId3"/>
+          <a:stretch>
+            <a:fillRect/>
+          </a:stretch>
+        </p:blipFill>
+        <p:spPr>
+          <a:xfrm>
+            <a:off x="874277" y="512105"/>
+            <a:ext cx="3571103" cy="2693207"/>
+          </a:xfrm>
+          <a:prstGeom prst="rect">
+            <a:avLst/>
+          </a:prstGeom>
+          <a:ln>
+            <a:solidFill>
+              <a:schemeClr val="tx1"/>
+            </a:solidFill>
+          </a:ln>
+        </p:spPr>
+      </p:pic>
+      <p:sp>
+        <p:nvSpPr>
+          <p:cNvPr id="9" name="テキスト ボックス 8">
+            <a:extLst>
+              <a:ext uri="{FF2B5EF4-FFF2-40B4-BE49-F238E27FC236}">
+                <a16:creationId xmlns:a16="http://schemas.microsoft.com/office/drawing/2014/main" id="{D02E3BD9-30AF-DB4F-8A04-970423C58BF3}"/>
+              </a:ext>
+            </a:extLst>
+          </p:cNvPr>
+          <p:cNvSpPr txBox="1"/>
+          <p:nvPr/>
+        </p:nvSpPr>
+        <p:spPr>
+          <a:xfrm>
+            <a:off x="2093005" y="3244334"/>
+            <a:ext cx="1133645" cy="369332"/>
+          </a:xfrm>
+          <a:prstGeom prst="rect">
+            <a:avLst/>
+          </a:prstGeom>
+          <a:noFill/>
+        </p:spPr>
+        <p:txBody>
+          <a:bodyPr wrap="none" rtlCol="0">
+            <a:spAutoFit/>
+          </a:bodyPr>
+          <a:lstStyle/>
+          <a:p>
+            <a:pPr algn="ctr"/>
+            <a:r>
+              <a:rPr lang="en-US" altLang="ja-JP" dirty="0"/>
+              <a:t>90°</a:t>
+            </a:r>
+            <a:r>
+              <a:rPr lang="ja-JP" altLang="en-US"/>
+              <a:t>回転</a:t>
+            </a:r>
+            <a:endParaRPr kumimoji="1" lang="ja-JP" altLang="en-US"/>
+          </a:p>
+        </p:txBody>
+      </p:sp>
+      <p:pic>
+        <p:nvPicPr>
+          <p:cNvPr id="4" name="図 3" descr="ロゴ, 会社名&#10;&#10;自動的に生成された説明">
+            <a:extLst>
+              <a:ext uri="{FF2B5EF4-FFF2-40B4-BE49-F238E27FC236}">
+                <a16:creationId xmlns:a16="http://schemas.microsoft.com/office/drawing/2014/main" id="{48E5D634-7DC4-5F4C-BAB4-473CC889E09C}"/>
+              </a:ext>
+            </a:extLst>
+          </p:cNvPr>
+          <p:cNvPicPr>
+            <a:picLocks noChangeAspect="1"/>
+          </p:cNvPicPr>
+          <p:nvPr/>
+        </p:nvPicPr>
+        <p:blipFill>
+          <a:blip r:embed="rId4"/>
+          <a:stretch>
+            <a:fillRect/>
+          </a:stretch>
+        </p:blipFill>
+        <p:spPr>
+          <a:xfrm>
+            <a:off x="874277" y="512105"/>
+            <a:ext cx="3571103" cy="2693207"/>
+          </a:xfrm>
+          <a:prstGeom prst="rect">
+            <a:avLst/>
+          </a:prstGeom>
+        </p:spPr>
+      </p:pic>
+    </p:spTree>
+    <p:extLst>
+      <p:ext uri="{BB962C8B-B14F-4D97-AF65-F5344CB8AC3E}">
+        <p14:creationId xmlns:p14="http://schemas.microsoft.com/office/powerpoint/2010/main" val="3127935558"/>
+      </p:ext>
+    </p:extLst>
+  </p:cSld>
+  <p:clrMapOvr>
+    <a:masterClrMapping/>
+  </p:clrMapOvr>
+</p:sld>
+</file>
+
+<file path=ppt/slides/slide22.xml><?xml version="1.0" encoding="utf-8"?>
+<p:sld xmlns:a="http://schemas.openxmlformats.org/drawingml/2006/main" xmlns:r="http://schemas.openxmlformats.org/officeDocument/2006/relationships" xmlns:p="http://schemas.openxmlformats.org/presentationml/2006/main">
+  <p:cSld>
+    <p:spTree>
+      <p:nvGrpSpPr>
+        <p:cNvPr id="1" name=""/>
+        <p:cNvGrpSpPr/>
+        <p:nvPr/>
+      </p:nvGrpSpPr>
+      <p:grpSpPr>
+        <a:xfrm>
+          <a:off x="0" y="0"/>
+          <a:ext cx="0" cy="0"/>
+          <a:chOff x="0" y="0"/>
+          <a:chExt cx="0" cy="0"/>
+        </a:xfrm>
+      </p:grpSpPr>
+      <p:sp>
+        <p:nvSpPr>
+          <p:cNvPr id="7" name="正方形/長方形 6">
+            <a:extLst>
+              <a:ext uri="{FF2B5EF4-FFF2-40B4-BE49-F238E27FC236}">
+                <a16:creationId xmlns:a16="http://schemas.microsoft.com/office/drawing/2014/main" id="{3DE91688-92DE-CE4E-AACA-A658966D41E5}"/>
+              </a:ext>
+            </a:extLst>
+          </p:cNvPr>
+          <p:cNvSpPr/>
+          <p:nvPr/>
+        </p:nvSpPr>
+        <p:spPr>
+          <a:xfrm>
+            <a:off x="704335" y="370703"/>
+            <a:ext cx="6361522" cy="3242963"/>
+          </a:xfrm>
+          <a:prstGeom prst="rect">
+            <a:avLst/>
+          </a:prstGeom>
+          <a:solidFill>
+            <a:schemeClr val="bg1"/>
+          </a:solidFill>
+          <a:ln>
+            <a:noFill/>
+          </a:ln>
+        </p:spPr>
+        <p:style>
+          <a:lnRef idx="2">
+            <a:schemeClr val="accent1">
+              <a:shade val="50000"/>
+            </a:schemeClr>
+          </a:lnRef>
+          <a:fillRef idx="1">
+            <a:schemeClr val="accent1"/>
+          </a:fillRef>
+          <a:effectRef idx="0">
+            <a:schemeClr val="accent1"/>
+          </a:effectRef>
+          <a:fontRef idx="minor">
+            <a:schemeClr val="lt1"/>
+          </a:fontRef>
+        </p:style>
+        <p:txBody>
+          <a:bodyPr rtlCol="0" anchor="ctr"/>
+          <a:lstStyle/>
+          <a:p>
+            <a:pPr algn="ctr"/>
+            <a:endParaRPr kumimoji="1" lang="ja-JP" altLang="en-US"/>
+          </a:p>
+        </p:txBody>
+      </p:sp>
+      <mc:AlternateContent xmlns:mc="http://schemas.openxmlformats.org/markup-compatibility/2006">
+        <mc:Choice xmlns:a14="http://schemas.microsoft.com/office/drawing/2010/main" Requires="a14">
+          <p:sp>
+            <p:nvSpPr>
+              <p:cNvPr id="5" name="テキスト ボックス 4">
+                <a:extLst>
+                  <a:ext uri="{FF2B5EF4-FFF2-40B4-BE49-F238E27FC236}">
+                    <a16:creationId xmlns:a16="http://schemas.microsoft.com/office/drawing/2014/main" id="{DBBFF817-C65C-A449-A9BC-71ECD730C35D}"/>
+                  </a:ext>
+                </a:extLst>
+              </p:cNvPr>
+              <p:cNvSpPr txBox="1"/>
+              <p:nvPr/>
+            </p:nvSpPr>
+            <p:spPr>
+              <a:xfrm>
+                <a:off x="4827841" y="1446255"/>
+                <a:ext cx="1983042" cy="824906"/>
+              </a:xfrm>
+              <a:prstGeom prst="rect">
+                <a:avLst/>
+              </a:prstGeom>
+              <a:noFill/>
+            </p:spPr>
+            <p:txBody>
+              <a:bodyPr wrap="none" rtlCol="0">
+                <a:spAutoFit/>
+              </a:bodyPr>
+              <a:lstStyle/>
+              <a:p>
+                <a14:m>
+                  <m:oMathPara xmlns:m="http://schemas.openxmlformats.org/officeDocument/2006/math">
+                    <m:oMathParaPr>
+                      <m:jc m:val="centerGroup"/>
+                    </m:oMathParaPr>
+                    <m:oMath xmlns:m="http://schemas.openxmlformats.org/officeDocument/2006/math">
+                      <m:d>
+                        <m:dPr>
+                          <m:begChr m:val="["/>
+                          <m:endChr m:val="]"/>
+                          <m:ctrlPr>
+                            <a:rPr lang="en-US" altLang="ja-JP" i="1" dirty="0" smtClean="0">
+                              <a:latin typeface="Cambria Math" panose="02040503050406030204" pitchFamily="18" charset="0"/>
+                            </a:rPr>
+                          </m:ctrlPr>
+                        </m:dPr>
+                        <m:e>
+                          <m:m>
+                            <m:mPr>
+                              <m:mcs>
+                                <m:mc>
+                                  <m:mcPr>
+                                    <m:count m:val="3"/>
+                                    <m:mcJc m:val="center"/>
+                                  </m:mcPr>
+                                </m:mc>
+                              </m:mcs>
+                              <m:ctrlPr>
+                                <a:rPr lang="en-US" altLang="ja-JP" b="0" i="1" dirty="0" smtClean="0">
+                                  <a:latin typeface="Cambria Math" panose="02040503050406030204" pitchFamily="18" charset="0"/>
+                                </a:rPr>
+                              </m:ctrlPr>
+                            </m:mPr>
+                            <m:mr>
+                              <m:e>
+                                <m:r>
+                                  <m:rPr>
+                                    <m:brk m:alnAt="7"/>
+                                  </m:rPr>
+                                  <a:rPr lang="en-US" altLang="ja-JP" b="0" i="1" dirty="0" smtClean="0">
+                                    <a:latin typeface="Cambria Math" panose="02040503050406030204" pitchFamily="18" charset="0"/>
+                                  </a:rPr>
+                                  <m:t>1.1</m:t>
+                                </m:r>
+                              </m:e>
+                              <m:e>
+                                <m:r>
+                                  <a:rPr lang="en-US" altLang="ja-JP" b="0" i="1" dirty="0" smtClean="0">
+                                    <a:latin typeface="Cambria Math" panose="02040503050406030204" pitchFamily="18" charset="0"/>
+                                  </a:rPr>
+                                  <m:t>2.1</m:t>
+                                </m:r>
+                              </m:e>
+                              <m:e>
+                                <m:r>
+                                  <a:rPr lang="en-US" altLang="ja-JP" b="0" i="1" dirty="0" smtClean="0">
+                                    <a:latin typeface="Cambria Math" panose="02040503050406030204" pitchFamily="18" charset="0"/>
+                                  </a:rPr>
+                                  <m:t>3.8</m:t>
+                                </m:r>
+                              </m:e>
+                            </m:mr>
+                            <m:mr>
+                              <m:e>
+                                <m:r>
+                                  <a:rPr lang="en-US" altLang="ja-JP" b="0" i="1" dirty="0" smtClean="0">
+                                    <a:latin typeface="Cambria Math" panose="02040503050406030204" pitchFamily="18" charset="0"/>
+                                  </a:rPr>
+                                  <m:t>−1.7</m:t>
+                                </m:r>
+                              </m:e>
+                              <m:e>
+                                <m:r>
+                                  <a:rPr lang="en-US" altLang="ja-JP" b="0" i="1" dirty="0" smtClean="0">
+                                    <a:latin typeface="Cambria Math" panose="02040503050406030204" pitchFamily="18" charset="0"/>
+                                  </a:rPr>
+                                  <m:t>1.2</m:t>
+                                </m:r>
+                              </m:e>
+                              <m:e>
+                                <m:r>
+                                  <a:rPr lang="en-US" altLang="ja-JP" b="0" i="1" dirty="0" smtClean="0">
+                                    <a:latin typeface="Cambria Math" panose="02040503050406030204" pitchFamily="18" charset="0"/>
+                                  </a:rPr>
+                                  <m:t>2.6</m:t>
+                                </m:r>
+                              </m:e>
+                            </m:mr>
+                            <m:mr>
+                              <m:e>
+                                <m:r>
+                                  <a:rPr lang="en-US" altLang="ja-JP" b="0" i="1" dirty="0" smtClean="0">
+                                    <a:latin typeface="Cambria Math" panose="02040503050406030204" pitchFamily="18" charset="0"/>
+                                  </a:rPr>
+                                  <m:t>−4.8</m:t>
+                                </m:r>
+                              </m:e>
+                              <m:e>
+                                <m:r>
+                                  <a:rPr lang="en-US" altLang="ja-JP" b="0" i="1" dirty="0" smtClean="0">
+                                    <a:latin typeface="Cambria Math" panose="02040503050406030204" pitchFamily="18" charset="0"/>
+                                  </a:rPr>
+                                  <m:t>4.0</m:t>
+                                </m:r>
+                              </m:e>
+                              <m:e>
+                                <m:r>
+                                  <a:rPr lang="en-US" altLang="ja-JP" b="0" i="1" dirty="0" smtClean="0">
+                                    <a:latin typeface="Cambria Math" panose="02040503050406030204" pitchFamily="18" charset="0"/>
+                                  </a:rPr>
+                                  <m:t>1.0</m:t>
+                                </m:r>
+                              </m:e>
+                            </m:mr>
+                          </m:m>
+                        </m:e>
+                      </m:d>
+                    </m:oMath>
+                  </m:oMathPara>
+                </a14:m>
+                <a:endParaRPr kumimoji="1" lang="ja-JP" altLang="en-US"/>
+              </a:p>
+            </p:txBody>
+          </p:sp>
+        </mc:Choice>
+        <mc:Fallback>
+          <p:sp>
+            <p:nvSpPr>
+              <p:cNvPr id="5" name="テキスト ボックス 4">
+                <a:extLst>
+                  <a:ext uri="{FF2B5EF4-FFF2-40B4-BE49-F238E27FC236}">
+                    <a16:creationId xmlns:a16="http://schemas.microsoft.com/office/drawing/2014/main" id="{DBBFF817-C65C-A449-A9BC-71ECD730C35D}"/>
+                  </a:ext>
+                </a:extLst>
+              </p:cNvPr>
+              <p:cNvSpPr txBox="1">
+                <a:spLocks noRot="1" noChangeAspect="1" noMove="1" noResize="1" noEditPoints="1" noAdjustHandles="1" noChangeArrowheads="1" noChangeShapeType="1" noTextEdit="1"/>
+              </p:cNvSpPr>
+              <p:nvPr/>
+            </p:nvSpPr>
+            <p:spPr>
+              <a:xfrm>
+                <a:off x="4827841" y="1446255"/>
+                <a:ext cx="1983042" cy="824906"/>
+              </a:xfrm>
+              <a:prstGeom prst="rect">
+                <a:avLst/>
+              </a:prstGeom>
+              <a:blipFill>
+                <a:blip r:embed="rId2"/>
+                <a:stretch>
+                  <a:fillRect b="-1493"/>
+                </a:stretch>
+              </a:blipFill>
+            </p:spPr>
+            <p:txBody>
+              <a:bodyPr/>
+              <a:lstStyle/>
+              <a:p>
+                <a:r>
+                  <a:rPr lang="ja-JP" altLang="en-US">
+                    <a:noFill/>
+                  </a:rPr>
+                  <a:t> </a:t>
+                </a:r>
+              </a:p>
+            </p:txBody>
+          </p:sp>
+        </mc:Fallback>
+      </mc:AlternateContent>
+      <p:sp>
+        <p:nvSpPr>
+          <p:cNvPr id="6" name="テキスト ボックス 5">
+            <a:extLst>
+              <a:ext uri="{FF2B5EF4-FFF2-40B4-BE49-F238E27FC236}">
+                <a16:creationId xmlns:a16="http://schemas.microsoft.com/office/drawing/2014/main" id="{7151D9F7-8048-ED48-8AAB-4002538D2CB8}"/>
+              </a:ext>
+            </a:extLst>
+          </p:cNvPr>
+          <p:cNvSpPr txBox="1"/>
+          <p:nvPr/>
+        </p:nvSpPr>
+        <p:spPr>
+          <a:xfrm>
+            <a:off x="4572867" y="2271194"/>
+            <a:ext cx="2492990" cy="369332"/>
+          </a:xfrm>
+          <a:prstGeom prst="rect">
+            <a:avLst/>
+          </a:prstGeom>
+          <a:noFill/>
+        </p:spPr>
+        <p:txBody>
+          <a:bodyPr wrap="none" rtlCol="0">
+            <a:spAutoFit/>
+          </a:bodyPr>
+          <a:lstStyle/>
+          <a:p>
+            <a:r>
+              <a:rPr kumimoji="1" lang="ja-JP" altLang="en-US"/>
+              <a:t>ホモグラフィ変換行列</a:t>
+            </a:r>
+          </a:p>
+        </p:txBody>
+      </p:sp>
+      <p:pic>
+        <p:nvPicPr>
+          <p:cNvPr id="8" name="図 7" descr="ロゴ&#10;&#10;自動的に生成された説明">
+            <a:extLst>
+              <a:ext uri="{FF2B5EF4-FFF2-40B4-BE49-F238E27FC236}">
+                <a16:creationId xmlns:a16="http://schemas.microsoft.com/office/drawing/2014/main" id="{D595C75E-7599-4045-B2A0-98CA8B443BC0}"/>
+              </a:ext>
+            </a:extLst>
+          </p:cNvPr>
+          <p:cNvPicPr>
+            <a:picLocks noChangeAspect="1"/>
+          </p:cNvPicPr>
+          <p:nvPr/>
+        </p:nvPicPr>
+        <p:blipFill>
+          <a:blip r:embed="rId3"/>
+          <a:stretch>
+            <a:fillRect/>
+          </a:stretch>
+        </p:blipFill>
+        <p:spPr>
+          <a:xfrm>
+            <a:off x="874277" y="512105"/>
+            <a:ext cx="3571103" cy="2693207"/>
+          </a:xfrm>
+          <a:prstGeom prst="rect">
+            <a:avLst/>
+          </a:prstGeom>
+          <a:ln>
+            <a:solidFill>
+              <a:schemeClr val="tx1"/>
+            </a:solidFill>
+          </a:ln>
+        </p:spPr>
+      </p:pic>
+      <p:sp>
+        <p:nvSpPr>
+          <p:cNvPr id="9" name="テキスト ボックス 8">
+            <a:extLst>
+              <a:ext uri="{FF2B5EF4-FFF2-40B4-BE49-F238E27FC236}">
+                <a16:creationId xmlns:a16="http://schemas.microsoft.com/office/drawing/2014/main" id="{D02E3BD9-30AF-DB4F-8A04-970423C58BF3}"/>
+              </a:ext>
+            </a:extLst>
+          </p:cNvPr>
+          <p:cNvSpPr txBox="1"/>
+          <p:nvPr/>
+        </p:nvSpPr>
+        <p:spPr>
+          <a:xfrm>
+            <a:off x="2157126" y="3244334"/>
+            <a:ext cx="1005403" cy="369332"/>
+          </a:xfrm>
+          <a:prstGeom prst="rect">
+            <a:avLst/>
+          </a:prstGeom>
+          <a:noFill/>
+        </p:spPr>
+        <p:txBody>
+          <a:bodyPr wrap="none" rtlCol="0">
+            <a:spAutoFit/>
+          </a:bodyPr>
+          <a:lstStyle/>
+          <a:p>
+            <a:pPr algn="ctr"/>
+            <a:r>
+              <a:rPr lang="en-US" altLang="ja-JP" dirty="0"/>
+              <a:t>0°</a:t>
+            </a:r>
+            <a:r>
+              <a:rPr lang="ja-JP" altLang="en-US"/>
+              <a:t>回転</a:t>
+            </a:r>
+            <a:endParaRPr kumimoji="1" lang="ja-JP" altLang="en-US"/>
+          </a:p>
+        </p:txBody>
+      </p:sp>
+      <p:pic>
+        <p:nvPicPr>
+          <p:cNvPr id="3" name="図 2" descr="ロゴ&#10;&#10;自動的に生成された説明">
+            <a:extLst>
+              <a:ext uri="{FF2B5EF4-FFF2-40B4-BE49-F238E27FC236}">
+                <a16:creationId xmlns:a16="http://schemas.microsoft.com/office/drawing/2014/main" id="{6E75A9DE-7FCB-FD4C-A648-0C86499EE592}"/>
+              </a:ext>
+            </a:extLst>
+          </p:cNvPr>
+          <p:cNvPicPr>
+            <a:picLocks noChangeAspect="1"/>
+          </p:cNvPicPr>
+          <p:nvPr/>
+        </p:nvPicPr>
+        <p:blipFill>
+          <a:blip r:embed="rId4"/>
+          <a:stretch>
+            <a:fillRect/>
+          </a:stretch>
+        </p:blipFill>
+        <p:spPr>
+          <a:xfrm>
+            <a:off x="874277" y="512105"/>
+            <a:ext cx="3571103" cy="2693207"/>
+          </a:xfrm>
+          <a:prstGeom prst="rect">
+            <a:avLst/>
+          </a:prstGeom>
+        </p:spPr>
+      </p:pic>
+    </p:spTree>
+    <p:extLst>
+      <p:ext uri="{BB962C8B-B14F-4D97-AF65-F5344CB8AC3E}">
+        <p14:creationId xmlns:p14="http://schemas.microsoft.com/office/powerpoint/2010/main" val="985314263"/>
+      </p:ext>
+    </p:extLst>
+  </p:cSld>
+  <p:clrMapOvr>
+    <a:masterClrMapping/>
+  </p:clrMapOvr>
+</p:sld>
+</file>
+
 <file path=ppt/slides/slide3.xml><?xml version="1.0" encoding="utf-8"?>
 <p:sld xmlns:a="http://schemas.openxmlformats.org/drawingml/2006/main" xmlns:r="http://schemas.openxmlformats.org/officeDocument/2006/relationships" xmlns:p="http://schemas.openxmlformats.org/presentationml/2006/main">
   <p:cSld>

--- a/Slide/研究メモ.pptx
+++ b/Slide/研究メモ.pptx
@@ -5,7 +5,7 @@
     <p:sldMasterId id="2147483648" r:id="rId1"/>
   </p:sldMasterIdLst>
   <p:notesMasterIdLst>
-    <p:notesMasterId r:id="rId24"/>
+    <p:notesMasterId r:id="rId26"/>
   </p:notesMasterIdLst>
   <p:sldIdLst>
     <p:sldId id="257" r:id="rId2"/>
@@ -30,6 +30,8 @@
     <p:sldId id="278" r:id="rId21"/>
     <p:sldId id="279" r:id="rId22"/>
     <p:sldId id="280" r:id="rId23"/>
+    <p:sldId id="281" r:id="rId24"/>
+    <p:sldId id="283" r:id="rId25"/>
   </p:sldIdLst>
   <p:sldSz cx="12192000" cy="6858000"/>
   <p:notesSz cx="6858000" cy="9144000"/>
@@ -218,7 +220,7 @@
           <a:p>
             <a:fld id="{D1175AAB-0FE7-E942-8D31-572EC61F6206}" type="datetimeFigureOut">
               <a:rPr kumimoji="1" lang="ja-JP" altLang="en-US" smtClean="0"/>
-              <a:t>2021/4/12</a:t>
+              <a:t>2021/5/26</a:t>
             </a:fld>
             <a:endParaRPr kumimoji="1" lang="ja-JP" altLang="en-US"/>
           </a:p>
@@ -937,6 +939,90 @@
 </p:notes>
 </file>
 
+<file path=ppt/notesSlides/notesSlide6.xml><?xml version="1.0" encoding="utf-8"?>
+<p:notes xmlns:a="http://schemas.openxmlformats.org/drawingml/2006/main" xmlns:r="http://schemas.openxmlformats.org/officeDocument/2006/relationships" xmlns:p="http://schemas.openxmlformats.org/presentationml/2006/main">
+  <p:cSld>
+    <p:spTree>
+      <p:nvGrpSpPr>
+        <p:cNvPr id="1" name=""/>
+        <p:cNvGrpSpPr/>
+        <p:nvPr/>
+      </p:nvGrpSpPr>
+      <p:grpSpPr>
+        <a:xfrm>
+          <a:off x="0" y="0"/>
+          <a:ext cx="0" cy="0"/>
+          <a:chOff x="0" y="0"/>
+          <a:chExt cx="0" cy="0"/>
+        </a:xfrm>
+      </p:grpSpPr>
+      <p:sp>
+        <p:nvSpPr>
+          <p:cNvPr id="2" name="スライド イメージ プレースホルダー 1"/>
+          <p:cNvSpPr>
+            <a:spLocks noGrp="1" noRot="1" noChangeAspect="1"/>
+          </p:cNvSpPr>
+          <p:nvPr>
+            <p:ph type="sldImg"/>
+          </p:nvPr>
+        </p:nvSpPr>
+        <p:spPr/>
+      </p:sp>
+      <p:sp>
+        <p:nvSpPr>
+          <p:cNvPr id="3" name="ノート プレースホルダー 2"/>
+          <p:cNvSpPr>
+            <a:spLocks noGrp="1"/>
+          </p:cNvSpPr>
+          <p:nvPr>
+            <p:ph type="body" idx="1"/>
+          </p:nvPr>
+        </p:nvSpPr>
+        <p:spPr/>
+        <p:txBody>
+          <a:bodyPr/>
+          <a:lstStyle/>
+          <a:p>
+            <a:endParaRPr kumimoji="1" lang="ja-JP" altLang="en-US"/>
+          </a:p>
+        </p:txBody>
+      </p:sp>
+      <p:sp>
+        <p:nvSpPr>
+          <p:cNvPr id="4" name="スライド番号プレースホルダー 3"/>
+          <p:cNvSpPr>
+            <a:spLocks noGrp="1"/>
+          </p:cNvSpPr>
+          <p:nvPr>
+            <p:ph type="sldNum" sz="quarter" idx="5"/>
+          </p:nvPr>
+        </p:nvSpPr>
+        <p:spPr/>
+        <p:txBody>
+          <a:bodyPr/>
+          <a:lstStyle/>
+          <a:p>
+            <a:fld id="{B23E0000-6BDD-F848-A1DE-B6E6EBCA8EC4}" type="slidenum">
+              <a:rPr kumimoji="1" lang="ja-JP" altLang="en-US" smtClean="0"/>
+              <a:t>24</a:t>
+            </a:fld>
+            <a:endParaRPr kumimoji="1" lang="ja-JP" altLang="en-US"/>
+          </a:p>
+        </p:txBody>
+      </p:sp>
+    </p:spTree>
+    <p:extLst>
+      <p:ext uri="{BB962C8B-B14F-4D97-AF65-F5344CB8AC3E}">
+        <p14:creationId xmlns:p14="http://schemas.microsoft.com/office/powerpoint/2010/main" val="3805153810"/>
+      </p:ext>
+    </p:extLst>
+  </p:cSld>
+  <p:clrMapOvr>
+    <a:masterClrMapping/>
+  </p:clrMapOvr>
+</p:notes>
+</file>
+
 <file path=ppt/slideLayouts/slideLayout1.xml><?xml version="1.0" encoding="utf-8"?>
 <p:sldLayout xmlns:a="http://schemas.openxmlformats.org/drawingml/2006/main" xmlns:r="http://schemas.openxmlformats.org/officeDocument/2006/relationships" xmlns:p="http://schemas.openxmlformats.org/presentationml/2006/main" type="title" preserve="1">
   <p:cSld name="タイトル スライド">
@@ -1084,7 +1170,7 @@
           <a:p>
             <a:fld id="{AA4ADDD6-012F-274C-AFCB-FBB0366E04B6}" type="datetimeFigureOut">
               <a:rPr kumimoji="1" lang="ja-JP" altLang="en-US" smtClean="0"/>
-              <a:t>2021/4/12</a:t>
+              <a:t>2021/5/26</a:t>
             </a:fld>
             <a:endParaRPr kumimoji="1" lang="ja-JP" altLang="en-US"/>
           </a:p>
@@ -1314,7 +1400,7 @@
           <a:p>
             <a:fld id="{AA4ADDD6-012F-274C-AFCB-FBB0366E04B6}" type="datetimeFigureOut">
               <a:rPr kumimoji="1" lang="ja-JP" altLang="en-US" smtClean="0"/>
-              <a:t>2021/4/12</a:t>
+              <a:t>2021/5/26</a:t>
             </a:fld>
             <a:endParaRPr kumimoji="1" lang="ja-JP" altLang="en-US"/>
           </a:p>
@@ -1554,7 +1640,7 @@
           <a:p>
             <a:fld id="{AA4ADDD6-012F-274C-AFCB-FBB0366E04B6}" type="datetimeFigureOut">
               <a:rPr kumimoji="1" lang="ja-JP" altLang="en-US" smtClean="0"/>
-              <a:t>2021/4/12</a:t>
+              <a:t>2021/5/26</a:t>
             </a:fld>
             <a:endParaRPr kumimoji="1" lang="ja-JP" altLang="en-US"/>
           </a:p>
@@ -1784,7 +1870,7 @@
           <a:p>
             <a:fld id="{AA4ADDD6-012F-274C-AFCB-FBB0366E04B6}" type="datetimeFigureOut">
               <a:rPr kumimoji="1" lang="ja-JP" altLang="en-US" smtClean="0"/>
-              <a:t>2021/4/12</a:t>
+              <a:t>2021/5/26</a:t>
             </a:fld>
             <a:endParaRPr kumimoji="1" lang="ja-JP" altLang="en-US"/>
           </a:p>
@@ -2059,7 +2145,7 @@
           <a:p>
             <a:fld id="{AA4ADDD6-012F-274C-AFCB-FBB0366E04B6}" type="datetimeFigureOut">
               <a:rPr kumimoji="1" lang="ja-JP" altLang="en-US" smtClean="0"/>
-              <a:t>2021/4/12</a:t>
+              <a:t>2021/5/26</a:t>
             </a:fld>
             <a:endParaRPr kumimoji="1" lang="ja-JP" altLang="en-US"/>
           </a:p>
@@ -2388,7 +2474,7 @@
           <a:p>
             <a:fld id="{AA4ADDD6-012F-274C-AFCB-FBB0366E04B6}" type="datetimeFigureOut">
               <a:rPr kumimoji="1" lang="ja-JP" altLang="en-US" smtClean="0"/>
-              <a:t>2021/4/12</a:t>
+              <a:t>2021/5/26</a:t>
             </a:fld>
             <a:endParaRPr kumimoji="1" lang="ja-JP" altLang="en-US"/>
           </a:p>
@@ -2864,7 +2950,7 @@
           <a:p>
             <a:fld id="{AA4ADDD6-012F-274C-AFCB-FBB0366E04B6}" type="datetimeFigureOut">
               <a:rPr kumimoji="1" lang="ja-JP" altLang="en-US" smtClean="0"/>
-              <a:t>2021/4/12</a:t>
+              <a:t>2021/5/26</a:t>
             </a:fld>
             <a:endParaRPr kumimoji="1" lang="ja-JP" altLang="en-US"/>
           </a:p>
@@ -3005,7 +3091,7 @@
           <a:p>
             <a:fld id="{AA4ADDD6-012F-274C-AFCB-FBB0366E04B6}" type="datetimeFigureOut">
               <a:rPr kumimoji="1" lang="ja-JP" altLang="en-US" smtClean="0"/>
-              <a:t>2021/4/12</a:t>
+              <a:t>2021/5/26</a:t>
             </a:fld>
             <a:endParaRPr kumimoji="1" lang="ja-JP" altLang="en-US"/>
           </a:p>
@@ -3118,7 +3204,7 @@
           <a:p>
             <a:fld id="{AA4ADDD6-012F-274C-AFCB-FBB0366E04B6}" type="datetimeFigureOut">
               <a:rPr kumimoji="1" lang="ja-JP" altLang="en-US" smtClean="0"/>
-              <a:t>2021/4/12</a:t>
+              <a:t>2021/5/26</a:t>
             </a:fld>
             <a:endParaRPr kumimoji="1" lang="ja-JP" altLang="en-US"/>
           </a:p>
@@ -3461,7 +3547,7 @@
           <a:p>
             <a:fld id="{AA4ADDD6-012F-274C-AFCB-FBB0366E04B6}" type="datetimeFigureOut">
               <a:rPr kumimoji="1" lang="ja-JP" altLang="en-US" smtClean="0"/>
-              <a:t>2021/4/12</a:t>
+              <a:t>2021/5/26</a:t>
             </a:fld>
             <a:endParaRPr kumimoji="1" lang="ja-JP" altLang="en-US"/>
           </a:p>
@@ -3749,7 +3835,7 @@
           <a:p>
             <a:fld id="{AA4ADDD6-012F-274C-AFCB-FBB0366E04B6}" type="datetimeFigureOut">
               <a:rPr kumimoji="1" lang="ja-JP" altLang="en-US" smtClean="0"/>
-              <a:t>2021/4/12</a:t>
+              <a:t>2021/5/26</a:t>
             </a:fld>
             <a:endParaRPr kumimoji="1" lang="ja-JP" altLang="en-US"/>
           </a:p>
@@ -4022,7 +4108,7 @@
           <a:p>
             <a:fld id="{AA4ADDD6-012F-274C-AFCB-FBB0366E04B6}" type="datetimeFigureOut">
               <a:rPr kumimoji="1" lang="ja-JP" altLang="en-US" smtClean="0"/>
-              <a:t>2021/4/12</a:t>
+              <a:t>2021/5/26</a:t>
             </a:fld>
             <a:endParaRPr kumimoji="1" lang="ja-JP" altLang="en-US"/>
           </a:p>
@@ -17452,8 +17538,8 @@
           </a:ln>
         </p:spPr>
       </p:pic>
-      <mc:AlternateContent xmlns:mc="http://schemas.openxmlformats.org/markup-compatibility/2006">
-        <mc:Choice xmlns:a14="http://schemas.microsoft.com/office/drawing/2010/main" Requires="a14">
+      <mc:AlternateContent xmlns:mc="http://schemas.openxmlformats.org/markup-compatibility/2006" xmlns:a14="http://schemas.microsoft.com/office/drawing/2010/main">
+        <mc:Choice Requires="a14">
           <p:sp>
             <p:nvSpPr>
               <p:cNvPr id="6" name="テキスト ボックス 5">
@@ -17482,6 +17568,7 @@
               </a:bodyPr>
               <a:lstStyle/>
               <a:p>
+                <a:pPr/>
                 <a14:m>
                   <m:oMathPara xmlns:m="http://schemas.openxmlformats.org/officeDocument/2006/math">
                     <m:oMathParaPr>
@@ -17601,7 +17688,7 @@
             </p:txBody>
           </p:sp>
         </mc:Choice>
-        <mc:Fallback>
+        <mc:Fallback xmlns="">
           <p:sp>
             <p:nvSpPr>
               <p:cNvPr id="6" name="テキスト ボックス 5">
@@ -17771,8 +17858,8 @@
           </a:p>
         </p:txBody>
       </p:sp>
-      <mc:AlternateContent xmlns:mc="http://schemas.openxmlformats.org/markup-compatibility/2006">
-        <mc:Choice xmlns:a14="http://schemas.microsoft.com/office/drawing/2010/main" Requires="a14">
+      <mc:AlternateContent xmlns:mc="http://schemas.openxmlformats.org/markup-compatibility/2006" xmlns:a14="http://schemas.microsoft.com/office/drawing/2010/main">
+        <mc:Choice Requires="a14">
           <p:sp>
             <p:nvSpPr>
               <p:cNvPr id="14" name="テキスト ボックス 13">
@@ -17801,6 +17888,7 @@
               </a:bodyPr>
               <a:lstStyle/>
               <a:p>
+                <a:pPr/>
                 <a14:m>
                   <m:oMathPara xmlns:m="http://schemas.openxmlformats.org/officeDocument/2006/math">
                     <m:oMathParaPr>
@@ -17843,7 +17931,13 @@
                                   <a:rPr lang="en-US" altLang="ja-JP" b="0" i="1" dirty="0" smtClean="0">
                                     <a:latin typeface="Cambria Math" panose="02040503050406030204" pitchFamily="18" charset="0"/>
                                   </a:rPr>
-                                  <m:t>−2.2</m:t>
+                                  <m:t>−</m:t>
+                                </m:r>
+                                <m:r>
+                                  <a:rPr lang="en-US" altLang="ja-JP" b="0" i="1" dirty="0" smtClean="0">
+                                    <a:latin typeface="Cambria Math" panose="02040503050406030204" pitchFamily="18" charset="0"/>
+                                  </a:rPr>
+                                  <m:t>2.2</m:t>
                                 </m:r>
                               </m:e>
                               <m:e>
@@ -17926,7 +18020,7 @@
             </p:txBody>
           </p:sp>
         </mc:Choice>
-        <mc:Fallback>
+        <mc:Fallback xmlns="">
           <p:sp>
             <p:nvSpPr>
               <p:cNvPr id="14" name="テキスト ボックス 13">
@@ -18211,8 +18305,8 @@
           </a:p>
         </p:txBody>
       </p:sp>
-      <mc:AlternateContent xmlns:mc="http://schemas.openxmlformats.org/markup-compatibility/2006">
-        <mc:Choice xmlns:a14="http://schemas.microsoft.com/office/drawing/2010/main" Requires="a14">
+      <mc:AlternateContent xmlns:mc="http://schemas.openxmlformats.org/markup-compatibility/2006" xmlns:a14="http://schemas.microsoft.com/office/drawing/2010/main">
+        <mc:Choice Requires="a14">
           <p:sp>
             <p:nvSpPr>
               <p:cNvPr id="25" name="テキスト ボックス 24">
@@ -18241,6 +18335,7 @@
               </a:bodyPr>
               <a:lstStyle/>
               <a:p>
+                <a:pPr/>
                 <a14:m>
                   <m:oMathPara xmlns:m="http://schemas.openxmlformats.org/officeDocument/2006/math">
                     <m:oMathParaPr>
@@ -18283,7 +18378,13 @@
                                   <a:rPr lang="en-US" altLang="ja-JP" b="0" i="1" dirty="0" smtClean="0">
                                     <a:latin typeface="Cambria Math" panose="02040503050406030204" pitchFamily="18" charset="0"/>
                                   </a:rPr>
-                                  <m:t>380</m:t>
+                                  <m:t>3</m:t>
+                                </m:r>
+                                <m:r>
+                                  <a:rPr lang="en-US" altLang="ja-JP" b="0" i="1" dirty="0" smtClean="0">
+                                    <a:latin typeface="Cambria Math" panose="02040503050406030204" pitchFamily="18" charset="0"/>
+                                  </a:rPr>
+                                  <m:t>80</m:t>
                                 </m:r>
                               </m:e>
                               <m:e>
@@ -18360,7 +18461,7 @@
             </p:txBody>
           </p:sp>
         </mc:Choice>
-        <mc:Fallback>
+        <mc:Fallback xmlns="">
           <p:sp>
             <p:nvSpPr>
               <p:cNvPr id="25" name="テキスト ボックス 24">
@@ -18766,8 +18867,8 @@
           </a:p>
         </p:txBody>
       </p:sp>
-      <mc:AlternateContent xmlns:mc="http://schemas.openxmlformats.org/markup-compatibility/2006">
-        <mc:Choice xmlns:a14="http://schemas.microsoft.com/office/drawing/2010/main" Requires="a14">
+      <mc:AlternateContent xmlns:mc="http://schemas.openxmlformats.org/markup-compatibility/2006" xmlns:a14="http://schemas.microsoft.com/office/drawing/2010/main">
+        <mc:Choice Requires="a14">
           <p:sp>
             <p:nvSpPr>
               <p:cNvPr id="5" name="テキスト ボックス 4">
@@ -18796,6 +18897,7 @@
               </a:bodyPr>
               <a:lstStyle/>
               <a:p>
+                <a:pPr/>
                 <a14:m>
                   <m:oMathPara xmlns:m="http://schemas.openxmlformats.org/officeDocument/2006/math">
                     <m:oMathParaPr>
@@ -18838,7 +18940,13 @@
                                   <a:rPr lang="en-US" altLang="ja-JP" b="0" i="1" dirty="0" smtClean="0">
                                     <a:latin typeface="Cambria Math" panose="02040503050406030204" pitchFamily="18" charset="0"/>
                                   </a:rPr>
-                                  <m:t>−2.2</m:t>
+                                  <m:t>−</m:t>
+                                </m:r>
+                                <m:r>
+                                  <a:rPr lang="en-US" altLang="ja-JP" b="0" i="1" dirty="0" smtClean="0">
+                                    <a:latin typeface="Cambria Math" panose="02040503050406030204" pitchFamily="18" charset="0"/>
+                                  </a:rPr>
+                                  <m:t>2.2</m:t>
                                 </m:r>
                               </m:e>
                               <m:e>
@@ -18921,7 +19029,7 @@
             </p:txBody>
           </p:sp>
         </mc:Choice>
-        <mc:Fallback>
+        <mc:Fallback xmlns="">
           <p:sp>
             <p:nvSpPr>
               <p:cNvPr id="5" name="テキスト ボックス 4">
@@ -21259,8 +21367,8 @@
           </a:p>
         </p:txBody>
       </p:sp>
-      <mc:AlternateContent xmlns:mc="http://schemas.openxmlformats.org/markup-compatibility/2006">
-        <mc:Choice xmlns:a14="http://schemas.microsoft.com/office/drawing/2010/main" Requires="a14">
+      <mc:AlternateContent xmlns:mc="http://schemas.openxmlformats.org/markup-compatibility/2006" xmlns:a14="http://schemas.microsoft.com/office/drawing/2010/main">
+        <mc:Choice Requires="a14">
           <p:sp>
             <p:nvSpPr>
               <p:cNvPr id="5" name="テキスト ボックス 4">
@@ -21289,6 +21397,7 @@
               </a:bodyPr>
               <a:lstStyle/>
               <a:p>
+                <a:pPr/>
                 <a14:m>
                   <m:oMathPara xmlns:m="http://schemas.openxmlformats.org/officeDocument/2006/math">
                     <m:oMathParaPr>
@@ -21331,7 +21440,13 @@
                                   <a:rPr lang="en-US" altLang="ja-JP" b="0" i="1" dirty="0" smtClean="0">
                                     <a:latin typeface="Cambria Math" panose="02040503050406030204" pitchFamily="18" charset="0"/>
                                   </a:rPr>
-                                  <m:t>−1.2</m:t>
+                                  <m:t>−</m:t>
+                                </m:r>
+                                <m:r>
+                                  <a:rPr lang="en-US" altLang="ja-JP" b="0" i="1" dirty="0" smtClean="0">
+                                    <a:latin typeface="Cambria Math" panose="02040503050406030204" pitchFamily="18" charset="0"/>
+                                  </a:rPr>
+                                  <m:t>1.2</m:t>
                                 </m:r>
                               </m:e>
                               <m:e>
@@ -21414,7 +21529,7 @@
             </p:txBody>
           </p:sp>
         </mc:Choice>
-        <mc:Fallback>
+        <mc:Fallback xmlns="">
           <p:sp>
             <p:nvSpPr>
               <p:cNvPr id="5" name="テキスト ボックス 4">
@@ -21682,8 +21797,8 @@
           </a:p>
         </p:txBody>
       </p:sp>
-      <mc:AlternateContent xmlns:mc="http://schemas.openxmlformats.org/markup-compatibility/2006">
-        <mc:Choice xmlns:a14="http://schemas.microsoft.com/office/drawing/2010/main" Requires="a14">
+      <mc:AlternateContent xmlns:mc="http://schemas.openxmlformats.org/markup-compatibility/2006" xmlns:a14="http://schemas.microsoft.com/office/drawing/2010/main">
+        <mc:Choice Requires="a14">
           <p:sp>
             <p:nvSpPr>
               <p:cNvPr id="5" name="テキスト ボックス 4">
@@ -21712,6 +21827,7 @@
               </a:bodyPr>
               <a:lstStyle/>
               <a:p>
+                <a:pPr/>
                 <a14:m>
                   <m:oMathPara xmlns:m="http://schemas.openxmlformats.org/officeDocument/2006/math">
                     <m:oMathParaPr>
@@ -21754,7 +21870,13 @@
                                   <a:rPr lang="en-US" altLang="ja-JP" b="0" i="1" dirty="0" smtClean="0">
                                     <a:latin typeface="Cambria Math" panose="02040503050406030204" pitchFamily="18" charset="0"/>
                                   </a:rPr>
-                                  <m:t>−1.6</m:t>
+                                  <m:t>−</m:t>
+                                </m:r>
+                                <m:r>
+                                  <a:rPr lang="en-US" altLang="ja-JP" b="0" i="1" dirty="0" smtClean="0">
+                                    <a:latin typeface="Cambria Math" panose="02040503050406030204" pitchFamily="18" charset="0"/>
+                                  </a:rPr>
+                                  <m:t>1.6</m:t>
                                 </m:r>
                               </m:e>
                               <m:e>
@@ -21837,7 +21959,7 @@
             </p:txBody>
           </p:sp>
         </mc:Choice>
-        <mc:Fallback>
+        <mc:Fallback xmlns="">
           <p:sp>
             <p:nvSpPr>
               <p:cNvPr id="5" name="テキスト ボックス 4">
@@ -22105,8 +22227,8 @@
           </a:p>
         </p:txBody>
       </p:sp>
-      <mc:AlternateContent xmlns:mc="http://schemas.openxmlformats.org/markup-compatibility/2006">
-        <mc:Choice xmlns:a14="http://schemas.microsoft.com/office/drawing/2010/main" Requires="a14">
+      <mc:AlternateContent xmlns:mc="http://schemas.openxmlformats.org/markup-compatibility/2006" xmlns:a14="http://schemas.microsoft.com/office/drawing/2010/main">
+        <mc:Choice Requires="a14">
           <p:sp>
             <p:nvSpPr>
               <p:cNvPr id="5" name="テキスト ボックス 4">
@@ -22135,6 +22257,7 @@
               </a:bodyPr>
               <a:lstStyle/>
               <a:p>
+                <a:pPr/>
                 <a14:m>
                   <m:oMathPara xmlns:m="http://schemas.openxmlformats.org/officeDocument/2006/math">
                     <m:oMathParaPr>
@@ -22177,7 +22300,13 @@
                                   <a:rPr lang="en-US" altLang="ja-JP" b="0" i="1" dirty="0" smtClean="0">
                                     <a:latin typeface="Cambria Math" panose="02040503050406030204" pitchFamily="18" charset="0"/>
                                   </a:rPr>
-                                  <m:t>1.1</m:t>
+                                  <m:t>1</m:t>
+                                </m:r>
+                                <m:r>
+                                  <a:rPr lang="en-US" altLang="ja-JP" b="0" i="1" dirty="0" smtClean="0">
+                                    <a:latin typeface="Cambria Math" panose="02040503050406030204" pitchFamily="18" charset="0"/>
+                                  </a:rPr>
+                                  <m:t>.1</m:t>
                                 </m:r>
                               </m:e>
                               <m:e>
@@ -22260,7 +22389,7 @@
             </p:txBody>
           </p:sp>
         </mc:Choice>
-        <mc:Fallback>
+        <mc:Fallback xmlns="">
           <p:sp>
             <p:nvSpPr>
               <p:cNvPr id="5" name="テキスト ボックス 4">
@@ -22450,6 +22579,832 @@
     <p:extLst>
       <p:ext uri="{BB962C8B-B14F-4D97-AF65-F5344CB8AC3E}">
         <p14:creationId xmlns:p14="http://schemas.microsoft.com/office/powerpoint/2010/main" val="985314263"/>
+      </p:ext>
+    </p:extLst>
+  </p:cSld>
+  <p:clrMapOvr>
+    <a:masterClrMapping/>
+  </p:clrMapOvr>
+</p:sld>
+</file>
+
+<file path=ppt/slides/slide23.xml><?xml version="1.0" encoding="utf-8"?>
+<p:sld xmlns:a="http://schemas.openxmlformats.org/drawingml/2006/main" xmlns:r="http://schemas.openxmlformats.org/officeDocument/2006/relationships" xmlns:p="http://schemas.openxmlformats.org/presentationml/2006/main">
+  <p:cSld>
+    <p:spTree>
+      <p:nvGrpSpPr>
+        <p:cNvPr id="1" name=""/>
+        <p:cNvGrpSpPr/>
+        <p:nvPr/>
+      </p:nvGrpSpPr>
+      <p:grpSpPr>
+        <a:xfrm>
+          <a:off x="0" y="0"/>
+          <a:ext cx="0" cy="0"/>
+          <a:chOff x="0" y="0"/>
+          <a:chExt cx="0" cy="0"/>
+        </a:xfrm>
+      </p:grpSpPr>
+      <p:grpSp>
+        <p:nvGrpSpPr>
+          <p:cNvPr id="24" name="グループ化 23">
+            <a:extLst>
+              <a:ext uri="{FF2B5EF4-FFF2-40B4-BE49-F238E27FC236}">
+                <a16:creationId xmlns:a16="http://schemas.microsoft.com/office/drawing/2014/main" id="{B4DB75AA-1837-464B-8A45-7137DD7CA894}"/>
+              </a:ext>
+            </a:extLst>
+          </p:cNvPr>
+          <p:cNvGrpSpPr/>
+          <p:nvPr/>
+        </p:nvGrpSpPr>
+        <p:grpSpPr>
+          <a:xfrm>
+            <a:off x="1346671" y="486616"/>
+            <a:ext cx="2254102" cy="2728651"/>
+            <a:chOff x="1010093" y="547576"/>
+            <a:chExt cx="2254102" cy="2728651"/>
+          </a:xfrm>
+        </p:grpSpPr>
+        <p:pic>
+          <p:nvPicPr>
+            <p:cNvPr id="22" name="図 21" descr="円&#10;&#10;中程度の精度で自動的に生成された説明">
+              <a:extLst>
+                <a:ext uri="{FF2B5EF4-FFF2-40B4-BE49-F238E27FC236}">
+                  <a16:creationId xmlns:a16="http://schemas.microsoft.com/office/drawing/2014/main" id="{17A06D56-A1EE-4C4B-AED1-FCE820835951}"/>
+                </a:ext>
+              </a:extLst>
+            </p:cNvPr>
+            <p:cNvPicPr>
+              <a:picLocks noChangeAspect="1"/>
+            </p:cNvPicPr>
+            <p:nvPr/>
+          </p:nvPicPr>
+          <p:blipFill>
+            <a:blip r:embed="rId2">
+              <a:duotone>
+                <a:schemeClr val="accent3">
+                  <a:shade val="45000"/>
+                  <a:satMod val="135000"/>
+                </a:schemeClr>
+                <a:prstClr val="white"/>
+              </a:duotone>
+            </a:blip>
+            <a:stretch>
+              <a:fillRect/>
+            </a:stretch>
+          </p:blipFill>
+          <p:spPr>
+            <a:xfrm rot="5881556">
+              <a:off x="1218611" y="761410"/>
+              <a:ext cx="1837065" cy="1837065"/>
+            </a:xfrm>
+            <a:prstGeom prst="rect">
+              <a:avLst/>
+            </a:prstGeom>
+          </p:spPr>
+        </p:pic>
+        <p:cxnSp>
+          <p:nvCxnSpPr>
+            <p:cNvPr id="7" name="直線コネクタ 6">
+              <a:extLst>
+                <a:ext uri="{FF2B5EF4-FFF2-40B4-BE49-F238E27FC236}">
+                  <a16:creationId xmlns:a16="http://schemas.microsoft.com/office/drawing/2014/main" id="{3E49F3B9-32AE-A24D-B661-18F6A56A87E8}"/>
+                </a:ext>
+              </a:extLst>
+            </p:cNvPr>
+            <p:cNvCxnSpPr/>
+            <p:nvPr/>
+          </p:nvCxnSpPr>
+          <p:spPr>
+            <a:xfrm>
+              <a:off x="1010093" y="1679944"/>
+              <a:ext cx="2254102" cy="0"/>
+            </a:xfrm>
+            <a:prstGeom prst="line">
+              <a:avLst/>
+            </a:prstGeom>
+            <a:ln w="12700"/>
+          </p:spPr>
+          <p:style>
+            <a:lnRef idx="1">
+              <a:schemeClr val="dk1"/>
+            </a:lnRef>
+            <a:fillRef idx="0">
+              <a:schemeClr val="dk1"/>
+            </a:fillRef>
+            <a:effectRef idx="0">
+              <a:schemeClr val="dk1"/>
+            </a:effectRef>
+            <a:fontRef idx="minor">
+              <a:schemeClr val="tx1"/>
+            </a:fontRef>
+          </p:style>
+        </p:cxnSp>
+        <p:cxnSp>
+          <p:nvCxnSpPr>
+            <p:cNvPr id="8" name="直線コネクタ 7">
+              <a:extLst>
+                <a:ext uri="{FF2B5EF4-FFF2-40B4-BE49-F238E27FC236}">
+                  <a16:creationId xmlns:a16="http://schemas.microsoft.com/office/drawing/2014/main" id="{9F27B59D-E3A6-7A42-9A7B-726DDDB5A1F0}"/>
+                </a:ext>
+              </a:extLst>
+            </p:cNvPr>
+            <p:cNvCxnSpPr>
+              <a:cxnSpLocks/>
+            </p:cNvCxnSpPr>
+            <p:nvPr/>
+          </p:nvCxnSpPr>
+          <p:spPr>
+            <a:xfrm flipV="1">
+              <a:off x="2137144" y="547576"/>
+              <a:ext cx="0" cy="2264735"/>
+            </a:xfrm>
+            <a:prstGeom prst="line">
+              <a:avLst/>
+            </a:prstGeom>
+            <a:ln w="12700"/>
+          </p:spPr>
+          <p:style>
+            <a:lnRef idx="1">
+              <a:schemeClr val="dk1"/>
+            </a:lnRef>
+            <a:fillRef idx="0">
+              <a:schemeClr val="dk1"/>
+            </a:fillRef>
+            <a:effectRef idx="0">
+              <a:schemeClr val="dk1"/>
+            </a:effectRef>
+            <a:fontRef idx="minor">
+              <a:schemeClr val="tx1"/>
+            </a:fontRef>
+          </p:style>
+        </p:cxnSp>
+        <p:pic>
+          <p:nvPicPr>
+            <p:cNvPr id="13" name="図 12" descr="挿絵 が含まれている画像&#10;&#10;自動的に生成された説明">
+              <a:extLst>
+                <a:ext uri="{FF2B5EF4-FFF2-40B4-BE49-F238E27FC236}">
+                  <a16:creationId xmlns:a16="http://schemas.microsoft.com/office/drawing/2014/main" id="{868DFBF0-EB45-954A-B41B-0777F4A2D9A2}"/>
+                </a:ext>
+              </a:extLst>
+            </p:cNvPr>
+            <p:cNvPicPr>
+              <a:picLocks noChangeAspect="1"/>
+            </p:cNvPicPr>
+            <p:nvPr/>
+          </p:nvPicPr>
+          <p:blipFill>
+            <a:blip r:embed="rId3"/>
+            <a:stretch>
+              <a:fillRect/>
+            </a:stretch>
+          </p:blipFill>
+          <p:spPr>
+            <a:xfrm>
+              <a:off x="1638551" y="1155109"/>
+              <a:ext cx="997186" cy="1049669"/>
+            </a:xfrm>
+            <a:prstGeom prst="rect">
+              <a:avLst/>
+            </a:prstGeom>
+          </p:spPr>
+        </p:pic>
+        <p:sp>
+          <p:nvSpPr>
+            <p:cNvPr id="23" name="テキスト ボックス 22">
+              <a:extLst>
+                <a:ext uri="{FF2B5EF4-FFF2-40B4-BE49-F238E27FC236}">
+                  <a16:creationId xmlns:a16="http://schemas.microsoft.com/office/drawing/2014/main" id="{8252AF3C-9EB9-AE4B-A103-72CCCDDB8448}"/>
+                </a:ext>
+              </a:extLst>
+            </p:cNvPr>
+            <p:cNvSpPr txBox="1"/>
+            <p:nvPr/>
+          </p:nvSpPr>
+          <p:spPr>
+            <a:xfrm>
+              <a:off x="1236896" y="2906895"/>
+              <a:ext cx="1800493" cy="369332"/>
+            </a:xfrm>
+            <a:prstGeom prst="rect">
+              <a:avLst/>
+            </a:prstGeom>
+            <a:noFill/>
+          </p:spPr>
+          <p:txBody>
+            <a:bodyPr wrap="none" rtlCol="0">
+              <a:spAutoFit/>
+            </a:bodyPr>
+            <a:lstStyle/>
+            <a:p>
+              <a:r>
+                <a:rPr lang="ja-JP" altLang="en-US"/>
+                <a:t>反時計回りを正</a:t>
+              </a:r>
+              <a:endParaRPr kumimoji="1" lang="ja-JP" altLang="en-US"/>
+            </a:p>
+          </p:txBody>
+        </p:sp>
+      </p:grpSp>
+      <p:pic>
+        <p:nvPicPr>
+          <p:cNvPr id="26" name="図 25" descr="ロゴ&#10;&#10;自動的に生成された説明">
+            <a:extLst>
+              <a:ext uri="{FF2B5EF4-FFF2-40B4-BE49-F238E27FC236}">
+                <a16:creationId xmlns:a16="http://schemas.microsoft.com/office/drawing/2014/main" id="{1E55CECB-33BD-3D43-8233-05FFC8CB05B7}"/>
+              </a:ext>
+            </a:extLst>
+          </p:cNvPr>
+          <p:cNvPicPr>
+            <a:picLocks noChangeAspect="1"/>
+          </p:cNvPicPr>
+          <p:nvPr/>
+        </p:nvPicPr>
+        <p:blipFill>
+          <a:blip r:embed="rId4"/>
+          <a:stretch>
+            <a:fillRect/>
+          </a:stretch>
+        </p:blipFill>
+        <p:spPr>
+          <a:xfrm>
+            <a:off x="1099360" y="4007256"/>
+            <a:ext cx="2748725" cy="2072997"/>
+          </a:xfrm>
+          <a:prstGeom prst="rect">
+            <a:avLst/>
+          </a:prstGeom>
+          <a:ln w="19050">
+            <a:solidFill>
+              <a:schemeClr val="tx1"/>
+            </a:solidFill>
+          </a:ln>
+        </p:spPr>
+      </p:pic>
+      <p:pic>
+        <p:nvPicPr>
+          <p:cNvPr id="40" name="図 39" descr="ロゴ&#10;&#10;自動的に生成された説明">
+            <a:extLst>
+              <a:ext uri="{FF2B5EF4-FFF2-40B4-BE49-F238E27FC236}">
+                <a16:creationId xmlns:a16="http://schemas.microsoft.com/office/drawing/2014/main" id="{D90AB2B6-779F-F448-98AC-83B07D3CE87C}"/>
+              </a:ext>
+            </a:extLst>
+          </p:cNvPr>
+          <p:cNvPicPr>
+            <a:picLocks noChangeAspect="1"/>
+          </p:cNvPicPr>
+          <p:nvPr/>
+        </p:nvPicPr>
+        <p:blipFill>
+          <a:blip r:embed="rId5"/>
+          <a:stretch>
+            <a:fillRect/>
+          </a:stretch>
+        </p:blipFill>
+        <p:spPr>
+          <a:xfrm>
+            <a:off x="4721637" y="4007256"/>
+            <a:ext cx="2748725" cy="2067270"/>
+          </a:xfrm>
+          <a:prstGeom prst="rect">
+            <a:avLst/>
+          </a:prstGeom>
+          <a:ln w="19050">
+            <a:solidFill>
+              <a:schemeClr val="tx1"/>
+            </a:solidFill>
+          </a:ln>
+        </p:spPr>
+      </p:pic>
+      <p:pic>
+        <p:nvPicPr>
+          <p:cNvPr id="41" name="図 40" descr="ロゴ&#10;&#10;自動的に生成された説明">
+            <a:extLst>
+              <a:ext uri="{FF2B5EF4-FFF2-40B4-BE49-F238E27FC236}">
+                <a16:creationId xmlns:a16="http://schemas.microsoft.com/office/drawing/2014/main" id="{FD43C7B3-ECFB-4242-860B-011CC3C00761}"/>
+              </a:ext>
+            </a:extLst>
+          </p:cNvPr>
+          <p:cNvPicPr>
+            <a:picLocks noChangeAspect="1"/>
+          </p:cNvPicPr>
+          <p:nvPr/>
+        </p:nvPicPr>
+        <p:blipFill>
+          <a:blip r:embed="rId6"/>
+          <a:stretch>
+            <a:fillRect/>
+          </a:stretch>
+        </p:blipFill>
+        <p:spPr>
+          <a:xfrm>
+            <a:off x="8343915" y="4001529"/>
+            <a:ext cx="2748725" cy="2072997"/>
+          </a:xfrm>
+          <a:prstGeom prst="rect">
+            <a:avLst/>
+          </a:prstGeom>
+          <a:ln w="19050">
+            <a:solidFill>
+              <a:schemeClr val="tx1"/>
+            </a:solidFill>
+          </a:ln>
+        </p:spPr>
+      </p:pic>
+      <p:sp>
+        <p:nvSpPr>
+          <p:cNvPr id="43" name="テキスト ボックス 42">
+            <a:extLst>
+              <a:ext uri="{FF2B5EF4-FFF2-40B4-BE49-F238E27FC236}">
+                <a16:creationId xmlns:a16="http://schemas.microsoft.com/office/drawing/2014/main" id="{C898D1EC-2E25-4548-8692-152B018F7F60}"/>
+              </a:ext>
+            </a:extLst>
+          </p:cNvPr>
+          <p:cNvSpPr txBox="1"/>
+          <p:nvPr/>
+        </p:nvSpPr>
+        <p:spPr>
+          <a:xfrm>
+            <a:off x="1325809" y="6186718"/>
+            <a:ext cx="2526654" cy="369332"/>
+          </a:xfrm>
+          <a:prstGeom prst="rect">
+            <a:avLst/>
+          </a:prstGeom>
+          <a:noFill/>
+        </p:spPr>
+        <p:txBody>
+          <a:bodyPr wrap="none" rtlCol="0">
+            <a:spAutoFit/>
+          </a:bodyPr>
+          <a:lstStyle/>
+          <a:p>
+            <a:r>
+              <a:rPr lang="en-US" altLang="ja-JP" dirty="0"/>
+              <a:t>5.792088931309219°</a:t>
+            </a:r>
+            <a:endParaRPr kumimoji="1" lang="ja-JP" altLang="en-US"/>
+          </a:p>
+        </p:txBody>
+      </p:sp>
+      <p:sp>
+        <p:nvSpPr>
+          <p:cNvPr id="45" name="テキスト ボックス 44">
+            <a:extLst>
+              <a:ext uri="{FF2B5EF4-FFF2-40B4-BE49-F238E27FC236}">
+                <a16:creationId xmlns:a16="http://schemas.microsoft.com/office/drawing/2014/main" id="{237A901F-1636-5B42-A70B-7FCC6DF8FAB7}"/>
+              </a:ext>
+            </a:extLst>
+          </p:cNvPr>
+          <p:cNvSpPr txBox="1"/>
+          <p:nvPr/>
+        </p:nvSpPr>
+        <p:spPr>
+          <a:xfrm>
+            <a:off x="4948088" y="6186718"/>
+            <a:ext cx="2592376" cy="369332"/>
+          </a:xfrm>
+          <a:prstGeom prst="rect">
+            <a:avLst/>
+          </a:prstGeom>
+          <a:noFill/>
+        </p:spPr>
+        <p:txBody>
+          <a:bodyPr wrap="none" rtlCol="0">
+            <a:spAutoFit/>
+          </a:bodyPr>
+          <a:lstStyle/>
+          <a:p>
+            <a:r>
+              <a:rPr lang="en-US" altLang="ja-JP" dirty="0"/>
+              <a:t>52.38957000494392°</a:t>
+            </a:r>
+            <a:endParaRPr kumimoji="1" lang="ja-JP" altLang="en-US"/>
+          </a:p>
+        </p:txBody>
+      </p:sp>
+      <p:sp>
+        <p:nvSpPr>
+          <p:cNvPr id="46" name="テキスト ボックス 45">
+            <a:extLst>
+              <a:ext uri="{FF2B5EF4-FFF2-40B4-BE49-F238E27FC236}">
+                <a16:creationId xmlns:a16="http://schemas.microsoft.com/office/drawing/2014/main" id="{92F11E8D-6647-F540-8BD6-460289394C88}"/>
+              </a:ext>
+            </a:extLst>
+          </p:cNvPr>
+          <p:cNvSpPr txBox="1"/>
+          <p:nvPr/>
+        </p:nvSpPr>
+        <p:spPr>
+          <a:xfrm>
+            <a:off x="8537505" y="6186718"/>
+            <a:ext cx="2658100" cy="369332"/>
+          </a:xfrm>
+          <a:prstGeom prst="rect">
+            <a:avLst/>
+          </a:prstGeom>
+          <a:noFill/>
+        </p:spPr>
+        <p:txBody>
+          <a:bodyPr wrap="none" rtlCol="0">
+            <a:spAutoFit/>
+          </a:bodyPr>
+          <a:lstStyle/>
+          <a:p>
+            <a:r>
+              <a:rPr lang="en-US" altLang="ja-JP" dirty="0"/>
+              <a:t>97.07739149975585° </a:t>
+            </a:r>
+            <a:endParaRPr kumimoji="1" lang="ja-JP" altLang="en-US"/>
+          </a:p>
+        </p:txBody>
+      </p:sp>
+    </p:spTree>
+    <p:extLst>
+      <p:ext uri="{BB962C8B-B14F-4D97-AF65-F5344CB8AC3E}">
+        <p14:creationId xmlns:p14="http://schemas.microsoft.com/office/powerpoint/2010/main" val="1051922777"/>
+      </p:ext>
+    </p:extLst>
+  </p:cSld>
+  <p:clrMapOvr>
+    <a:masterClrMapping/>
+  </p:clrMapOvr>
+</p:sld>
+</file>
+
+<file path=ppt/slides/slide24.xml><?xml version="1.0" encoding="utf-8"?>
+<p:sld xmlns:a="http://schemas.openxmlformats.org/drawingml/2006/main" xmlns:r="http://schemas.openxmlformats.org/officeDocument/2006/relationships" xmlns:p="http://schemas.openxmlformats.org/presentationml/2006/main">
+  <p:cSld>
+    <p:spTree>
+      <p:nvGrpSpPr>
+        <p:cNvPr id="1" name=""/>
+        <p:cNvGrpSpPr/>
+        <p:nvPr/>
+      </p:nvGrpSpPr>
+      <p:grpSpPr>
+        <a:xfrm>
+          <a:off x="0" y="0"/>
+          <a:ext cx="0" cy="0"/>
+          <a:chOff x="0" y="0"/>
+          <a:chExt cx="0" cy="0"/>
+        </a:xfrm>
+      </p:grpSpPr>
+      <p:pic>
+        <p:nvPicPr>
+          <p:cNvPr id="18" name="図 17" descr="ロゴ, 会社名&#10;&#10;自動的に生成された説明">
+            <a:extLst>
+              <a:ext uri="{FF2B5EF4-FFF2-40B4-BE49-F238E27FC236}">
+                <a16:creationId xmlns:a16="http://schemas.microsoft.com/office/drawing/2014/main" id="{4861565A-2EA1-A84D-BB0D-B23C9833B30C}"/>
+              </a:ext>
+            </a:extLst>
+          </p:cNvPr>
+          <p:cNvPicPr>
+            <a:picLocks noChangeAspect="1"/>
+          </p:cNvPicPr>
+          <p:nvPr/>
+        </p:nvPicPr>
+        <p:blipFill>
+          <a:blip r:embed="rId3"/>
+          <a:stretch>
+            <a:fillRect/>
+          </a:stretch>
+        </p:blipFill>
+        <p:spPr>
+          <a:xfrm>
+            <a:off x="1099358" y="4001528"/>
+            <a:ext cx="2748725" cy="2072997"/>
+          </a:xfrm>
+          <a:prstGeom prst="rect">
+            <a:avLst/>
+          </a:prstGeom>
+          <a:ln w="19050">
+            <a:solidFill>
+              <a:schemeClr val="tx1"/>
+            </a:solidFill>
+          </a:ln>
+        </p:spPr>
+      </p:pic>
+      <p:pic>
+        <p:nvPicPr>
+          <p:cNvPr id="15" name="図 14" descr="ロゴ, 会社名&#10;&#10;自動的に生成された説明">
+            <a:extLst>
+              <a:ext uri="{FF2B5EF4-FFF2-40B4-BE49-F238E27FC236}">
+                <a16:creationId xmlns:a16="http://schemas.microsoft.com/office/drawing/2014/main" id="{E8BBAE5F-791E-054B-958A-C871812F8F3A}"/>
+              </a:ext>
+            </a:extLst>
+          </p:cNvPr>
+          <p:cNvPicPr>
+            <a:picLocks noChangeAspect="1"/>
+          </p:cNvPicPr>
+          <p:nvPr/>
+        </p:nvPicPr>
+        <p:blipFill>
+          <a:blip r:embed="rId4"/>
+          <a:stretch>
+            <a:fillRect/>
+          </a:stretch>
+        </p:blipFill>
+        <p:spPr>
+          <a:xfrm>
+            <a:off x="1099359" y="783474"/>
+            <a:ext cx="2748725" cy="2067270"/>
+          </a:xfrm>
+          <a:prstGeom prst="rect">
+            <a:avLst/>
+          </a:prstGeom>
+          <a:ln w="19050">
+            <a:solidFill>
+              <a:schemeClr val="tx1"/>
+            </a:solidFill>
+          </a:ln>
+        </p:spPr>
+      </p:pic>
+      <p:pic>
+        <p:nvPicPr>
+          <p:cNvPr id="16" name="図 15" descr="ロゴ, 会社名&#10;&#10;自動的に生成された説明">
+            <a:extLst>
+              <a:ext uri="{FF2B5EF4-FFF2-40B4-BE49-F238E27FC236}">
+                <a16:creationId xmlns:a16="http://schemas.microsoft.com/office/drawing/2014/main" id="{C345D73C-5E2B-8646-B9AD-3D23C70930F9}"/>
+              </a:ext>
+            </a:extLst>
+          </p:cNvPr>
+          <p:cNvPicPr>
+            <a:picLocks noChangeAspect="1"/>
+          </p:cNvPicPr>
+          <p:nvPr/>
+        </p:nvPicPr>
+        <p:blipFill>
+          <a:blip r:embed="rId5"/>
+          <a:stretch>
+            <a:fillRect/>
+          </a:stretch>
+        </p:blipFill>
+        <p:spPr>
+          <a:xfrm>
+            <a:off x="4721636" y="777747"/>
+            <a:ext cx="2748725" cy="2072997"/>
+          </a:xfrm>
+          <a:prstGeom prst="rect">
+            <a:avLst/>
+          </a:prstGeom>
+          <a:ln w="19050">
+            <a:solidFill>
+              <a:schemeClr val="tx1"/>
+            </a:solidFill>
+          </a:ln>
+        </p:spPr>
+      </p:pic>
+      <p:pic>
+        <p:nvPicPr>
+          <p:cNvPr id="17" name="図 16" descr="ロゴ, 会社名&#10;&#10;自動的に生成された説明">
+            <a:extLst>
+              <a:ext uri="{FF2B5EF4-FFF2-40B4-BE49-F238E27FC236}">
+                <a16:creationId xmlns:a16="http://schemas.microsoft.com/office/drawing/2014/main" id="{311E756A-A09E-ED4A-A5C3-D844AEEC2D11}"/>
+              </a:ext>
+            </a:extLst>
+          </p:cNvPr>
+          <p:cNvPicPr>
+            <a:picLocks noChangeAspect="1"/>
+          </p:cNvPicPr>
+          <p:nvPr/>
+        </p:nvPicPr>
+        <p:blipFill>
+          <a:blip r:embed="rId6"/>
+          <a:stretch>
+            <a:fillRect/>
+          </a:stretch>
+        </p:blipFill>
+        <p:spPr>
+          <a:xfrm>
+            <a:off x="8343913" y="777747"/>
+            <a:ext cx="2748725" cy="2067270"/>
+          </a:xfrm>
+          <a:prstGeom prst="rect">
+            <a:avLst/>
+          </a:prstGeom>
+          <a:ln w="19050">
+            <a:solidFill>
+              <a:schemeClr val="tx1"/>
+            </a:solidFill>
+          </a:ln>
+        </p:spPr>
+      </p:pic>
+      <p:pic>
+        <p:nvPicPr>
+          <p:cNvPr id="19" name="図 18" descr="ロゴ, 会社名&#10;&#10;自動的に生成された説明">
+            <a:extLst>
+              <a:ext uri="{FF2B5EF4-FFF2-40B4-BE49-F238E27FC236}">
+                <a16:creationId xmlns:a16="http://schemas.microsoft.com/office/drawing/2014/main" id="{751085CF-5251-6043-8345-B93A598D992E}"/>
+              </a:ext>
+            </a:extLst>
+          </p:cNvPr>
+          <p:cNvPicPr>
+            <a:picLocks noChangeAspect="1"/>
+          </p:cNvPicPr>
+          <p:nvPr/>
+        </p:nvPicPr>
+        <p:blipFill>
+          <a:blip r:embed="rId7"/>
+          <a:stretch>
+            <a:fillRect/>
+          </a:stretch>
+        </p:blipFill>
+        <p:spPr>
+          <a:xfrm>
+            <a:off x="4721636" y="4007255"/>
+            <a:ext cx="2748725" cy="2067270"/>
+          </a:xfrm>
+          <a:prstGeom prst="rect">
+            <a:avLst/>
+          </a:prstGeom>
+          <a:ln w="19050">
+            <a:solidFill>
+              <a:schemeClr val="tx1"/>
+            </a:solidFill>
+          </a:ln>
+        </p:spPr>
+      </p:pic>
+      <p:sp>
+        <p:nvSpPr>
+          <p:cNvPr id="20" name="テキスト ボックス 19">
+            <a:extLst>
+              <a:ext uri="{FF2B5EF4-FFF2-40B4-BE49-F238E27FC236}">
+                <a16:creationId xmlns:a16="http://schemas.microsoft.com/office/drawing/2014/main" id="{33577D7F-118B-3540-84FB-FAFBB2177FFE}"/>
+              </a:ext>
+            </a:extLst>
+          </p:cNvPr>
+          <p:cNvSpPr txBox="1"/>
+          <p:nvPr/>
+        </p:nvSpPr>
+        <p:spPr>
+          <a:xfrm>
+            <a:off x="1261689" y="2955838"/>
+            <a:ext cx="2720617" cy="369332"/>
+          </a:xfrm>
+          <a:prstGeom prst="rect">
+            <a:avLst/>
+          </a:prstGeom>
+          <a:noFill/>
+        </p:spPr>
+        <p:txBody>
+          <a:bodyPr wrap="none" rtlCol="0">
+            <a:spAutoFit/>
+          </a:bodyPr>
+          <a:lstStyle/>
+          <a:p>
+            <a:r>
+              <a:rPr lang="en-US" altLang="ja-JP" dirty="0"/>
+              <a:t>135.87315946904278°</a:t>
+            </a:r>
+            <a:endParaRPr kumimoji="1" lang="ja-JP" altLang="en-US"/>
+          </a:p>
+        </p:txBody>
+      </p:sp>
+      <p:sp>
+        <p:nvSpPr>
+          <p:cNvPr id="21" name="テキスト ボックス 20">
+            <a:extLst>
+              <a:ext uri="{FF2B5EF4-FFF2-40B4-BE49-F238E27FC236}">
+                <a16:creationId xmlns:a16="http://schemas.microsoft.com/office/drawing/2014/main" id="{D2574292-8053-2247-951C-E2FB45C1627D}"/>
+              </a:ext>
+            </a:extLst>
+          </p:cNvPr>
+          <p:cNvSpPr txBox="1"/>
+          <p:nvPr/>
+        </p:nvSpPr>
+        <p:spPr>
+          <a:xfrm>
+            <a:off x="4800611" y="2955838"/>
+            <a:ext cx="2887329" cy="369332"/>
+          </a:xfrm>
+          <a:prstGeom prst="rect">
+            <a:avLst/>
+          </a:prstGeom>
+          <a:noFill/>
+        </p:spPr>
+        <p:txBody>
+          <a:bodyPr wrap="none" rtlCol="0">
+            <a:spAutoFit/>
+          </a:bodyPr>
+          <a:lstStyle/>
+          <a:p>
+            <a:r>
+              <a:rPr lang="en-US" altLang="ja-JP" dirty="0"/>
+              <a:t>-179.23304093922852° </a:t>
+            </a:r>
+          </a:p>
+        </p:txBody>
+      </p:sp>
+      <p:sp>
+        <p:nvSpPr>
+          <p:cNvPr id="25" name="テキスト ボックス 24">
+            <a:extLst>
+              <a:ext uri="{FF2B5EF4-FFF2-40B4-BE49-F238E27FC236}">
+                <a16:creationId xmlns:a16="http://schemas.microsoft.com/office/drawing/2014/main" id="{175941A2-3169-6848-A133-53518A8DA3B5}"/>
+              </a:ext>
+            </a:extLst>
+          </p:cNvPr>
+          <p:cNvSpPr txBox="1"/>
+          <p:nvPr/>
+        </p:nvSpPr>
+        <p:spPr>
+          <a:xfrm>
+            <a:off x="8422888" y="2955838"/>
+            <a:ext cx="2821606" cy="369332"/>
+          </a:xfrm>
+          <a:prstGeom prst="rect">
+            <a:avLst/>
+          </a:prstGeom>
+          <a:noFill/>
+        </p:spPr>
+        <p:txBody>
+          <a:bodyPr wrap="none" rtlCol="0">
+            <a:spAutoFit/>
+          </a:bodyPr>
+          <a:lstStyle/>
+          <a:p>
+            <a:r>
+              <a:rPr lang="en-US" altLang="ja-JP" dirty="0"/>
+              <a:t>-145.38337773700965°</a:t>
+            </a:r>
+          </a:p>
+        </p:txBody>
+      </p:sp>
+      <p:sp>
+        <p:nvSpPr>
+          <p:cNvPr id="27" name="テキスト ボックス 26">
+            <a:extLst>
+              <a:ext uri="{FF2B5EF4-FFF2-40B4-BE49-F238E27FC236}">
+                <a16:creationId xmlns:a16="http://schemas.microsoft.com/office/drawing/2014/main" id="{B0D3EE42-B126-3344-97A7-274F09F3059D}"/>
+              </a:ext>
+            </a:extLst>
+          </p:cNvPr>
+          <p:cNvSpPr txBox="1"/>
+          <p:nvPr/>
+        </p:nvSpPr>
+        <p:spPr>
+          <a:xfrm>
+            <a:off x="1257681" y="6186718"/>
+            <a:ext cx="2693366" cy="369332"/>
+          </a:xfrm>
+          <a:prstGeom prst="rect">
+            <a:avLst/>
+          </a:prstGeom>
+          <a:noFill/>
+        </p:spPr>
+        <p:txBody>
+          <a:bodyPr wrap="none" rtlCol="0">
+            <a:spAutoFit/>
+          </a:bodyPr>
+          <a:lstStyle/>
+          <a:p>
+            <a:r>
+              <a:rPr lang="en-US" altLang="ja-JP" dirty="0"/>
+              <a:t>-95.40658382142206°</a:t>
+            </a:r>
+            <a:endParaRPr kumimoji="1" lang="ja-JP" altLang="en-US"/>
+          </a:p>
+        </p:txBody>
+      </p:sp>
+      <p:sp>
+        <p:nvSpPr>
+          <p:cNvPr id="29" name="テキスト ボックス 28">
+            <a:extLst>
+              <a:ext uri="{FF2B5EF4-FFF2-40B4-BE49-F238E27FC236}">
+                <a16:creationId xmlns:a16="http://schemas.microsoft.com/office/drawing/2014/main" id="{4E98BB1E-CE4F-984A-BC22-359724206190}"/>
+              </a:ext>
+            </a:extLst>
+          </p:cNvPr>
+          <p:cNvSpPr txBox="1"/>
+          <p:nvPr/>
+        </p:nvSpPr>
+        <p:spPr>
+          <a:xfrm>
+            <a:off x="4864731" y="6186718"/>
+            <a:ext cx="2759089" cy="369332"/>
+          </a:xfrm>
+          <a:prstGeom prst="rect">
+            <a:avLst/>
+          </a:prstGeom>
+          <a:noFill/>
+        </p:spPr>
+        <p:txBody>
+          <a:bodyPr wrap="none" rtlCol="0">
+            <a:spAutoFit/>
+          </a:bodyPr>
+          <a:lstStyle/>
+          <a:p>
+            <a:r>
+              <a:rPr lang="en-US" altLang="ja-JP" dirty="0"/>
+              <a:t>-45.78003571945742° </a:t>
+            </a:r>
+          </a:p>
+        </p:txBody>
+      </p:sp>
+    </p:spTree>
+    <p:extLst>
+      <p:ext uri="{BB962C8B-B14F-4D97-AF65-F5344CB8AC3E}">
+        <p14:creationId xmlns:p14="http://schemas.microsoft.com/office/powerpoint/2010/main" val="2429784332"/>
       </p:ext>
     </p:extLst>
   </p:cSld>

--- a/Slide/研究メモ.pptx
+++ b/Slide/研究メモ.pptx
@@ -5,7 +5,7 @@
     <p:sldMasterId id="2147483648" r:id="rId1"/>
   </p:sldMasterIdLst>
   <p:notesMasterIdLst>
-    <p:notesMasterId r:id="rId26"/>
+    <p:notesMasterId r:id="rId27"/>
   </p:notesMasterIdLst>
   <p:sldIdLst>
     <p:sldId id="257" r:id="rId2"/>
@@ -32,6 +32,7 @@
     <p:sldId id="280" r:id="rId23"/>
     <p:sldId id="281" r:id="rId24"/>
     <p:sldId id="283" r:id="rId25"/>
+    <p:sldId id="284" r:id="rId26"/>
   </p:sldIdLst>
   <p:sldSz cx="12192000" cy="6858000"/>
   <p:notesSz cx="6858000" cy="9144000"/>
@@ -220,7 +221,7 @@
           <a:p>
             <a:fld id="{D1175AAB-0FE7-E942-8D31-572EC61F6206}" type="datetimeFigureOut">
               <a:rPr kumimoji="1" lang="ja-JP" altLang="en-US" smtClean="0"/>
-              <a:t>2021/5/26</a:t>
+              <a:t>2021/6/25</a:t>
             </a:fld>
             <a:endParaRPr kumimoji="1" lang="ja-JP" altLang="en-US"/>
           </a:p>
@@ -1023,6 +1024,90 @@
 </p:notes>
 </file>
 
+<file path=ppt/notesSlides/notesSlide7.xml><?xml version="1.0" encoding="utf-8"?>
+<p:notes xmlns:a="http://schemas.openxmlformats.org/drawingml/2006/main" xmlns:r="http://schemas.openxmlformats.org/officeDocument/2006/relationships" xmlns:p="http://schemas.openxmlformats.org/presentationml/2006/main">
+  <p:cSld>
+    <p:spTree>
+      <p:nvGrpSpPr>
+        <p:cNvPr id="1" name=""/>
+        <p:cNvGrpSpPr/>
+        <p:nvPr/>
+      </p:nvGrpSpPr>
+      <p:grpSpPr>
+        <a:xfrm>
+          <a:off x="0" y="0"/>
+          <a:ext cx="0" cy="0"/>
+          <a:chOff x="0" y="0"/>
+          <a:chExt cx="0" cy="0"/>
+        </a:xfrm>
+      </p:grpSpPr>
+      <p:sp>
+        <p:nvSpPr>
+          <p:cNvPr id="2" name="スライド イメージ プレースホルダー 1"/>
+          <p:cNvSpPr>
+            <a:spLocks noGrp="1" noRot="1" noChangeAspect="1"/>
+          </p:cNvSpPr>
+          <p:nvPr>
+            <p:ph type="sldImg"/>
+          </p:nvPr>
+        </p:nvSpPr>
+        <p:spPr/>
+      </p:sp>
+      <p:sp>
+        <p:nvSpPr>
+          <p:cNvPr id="3" name="ノート プレースホルダー 2"/>
+          <p:cNvSpPr>
+            <a:spLocks noGrp="1"/>
+          </p:cNvSpPr>
+          <p:nvPr>
+            <p:ph type="body" idx="1"/>
+          </p:nvPr>
+        </p:nvSpPr>
+        <p:spPr/>
+        <p:txBody>
+          <a:bodyPr/>
+          <a:lstStyle/>
+          <a:p>
+            <a:endParaRPr kumimoji="1" lang="ja-JP" altLang="en-US"/>
+          </a:p>
+        </p:txBody>
+      </p:sp>
+      <p:sp>
+        <p:nvSpPr>
+          <p:cNvPr id="4" name="スライド番号プレースホルダー 3"/>
+          <p:cNvSpPr>
+            <a:spLocks noGrp="1"/>
+          </p:cNvSpPr>
+          <p:nvPr>
+            <p:ph type="sldNum" sz="quarter" idx="5"/>
+          </p:nvPr>
+        </p:nvSpPr>
+        <p:spPr/>
+        <p:txBody>
+          <a:bodyPr/>
+          <a:lstStyle/>
+          <a:p>
+            <a:fld id="{B23E0000-6BDD-F848-A1DE-B6E6EBCA8EC4}" type="slidenum">
+              <a:rPr kumimoji="1" lang="ja-JP" altLang="en-US" smtClean="0"/>
+              <a:t>25</a:t>
+            </a:fld>
+            <a:endParaRPr kumimoji="1" lang="ja-JP" altLang="en-US"/>
+          </a:p>
+        </p:txBody>
+      </p:sp>
+    </p:spTree>
+    <p:extLst>
+      <p:ext uri="{BB962C8B-B14F-4D97-AF65-F5344CB8AC3E}">
+        <p14:creationId xmlns:p14="http://schemas.microsoft.com/office/powerpoint/2010/main" val="723498243"/>
+      </p:ext>
+    </p:extLst>
+  </p:cSld>
+  <p:clrMapOvr>
+    <a:masterClrMapping/>
+  </p:clrMapOvr>
+</p:notes>
+</file>
+
 <file path=ppt/slideLayouts/slideLayout1.xml><?xml version="1.0" encoding="utf-8"?>
 <p:sldLayout xmlns:a="http://schemas.openxmlformats.org/drawingml/2006/main" xmlns:r="http://schemas.openxmlformats.org/officeDocument/2006/relationships" xmlns:p="http://schemas.openxmlformats.org/presentationml/2006/main" type="title" preserve="1">
   <p:cSld name="タイトル スライド">
@@ -1170,7 +1255,7 @@
           <a:p>
             <a:fld id="{AA4ADDD6-012F-274C-AFCB-FBB0366E04B6}" type="datetimeFigureOut">
               <a:rPr kumimoji="1" lang="ja-JP" altLang="en-US" smtClean="0"/>
-              <a:t>2021/5/26</a:t>
+              <a:t>2021/6/25</a:t>
             </a:fld>
             <a:endParaRPr kumimoji="1" lang="ja-JP" altLang="en-US"/>
           </a:p>
@@ -1400,7 +1485,7 @@
           <a:p>
             <a:fld id="{AA4ADDD6-012F-274C-AFCB-FBB0366E04B6}" type="datetimeFigureOut">
               <a:rPr kumimoji="1" lang="ja-JP" altLang="en-US" smtClean="0"/>
-              <a:t>2021/5/26</a:t>
+              <a:t>2021/6/25</a:t>
             </a:fld>
             <a:endParaRPr kumimoji="1" lang="ja-JP" altLang="en-US"/>
           </a:p>
@@ -1640,7 +1725,7 @@
           <a:p>
             <a:fld id="{AA4ADDD6-012F-274C-AFCB-FBB0366E04B6}" type="datetimeFigureOut">
               <a:rPr kumimoji="1" lang="ja-JP" altLang="en-US" smtClean="0"/>
-              <a:t>2021/5/26</a:t>
+              <a:t>2021/6/25</a:t>
             </a:fld>
             <a:endParaRPr kumimoji="1" lang="ja-JP" altLang="en-US"/>
           </a:p>
@@ -1870,7 +1955,7 @@
           <a:p>
             <a:fld id="{AA4ADDD6-012F-274C-AFCB-FBB0366E04B6}" type="datetimeFigureOut">
               <a:rPr kumimoji="1" lang="ja-JP" altLang="en-US" smtClean="0"/>
-              <a:t>2021/5/26</a:t>
+              <a:t>2021/6/25</a:t>
             </a:fld>
             <a:endParaRPr kumimoji="1" lang="ja-JP" altLang="en-US"/>
           </a:p>
@@ -2145,7 +2230,7 @@
           <a:p>
             <a:fld id="{AA4ADDD6-012F-274C-AFCB-FBB0366E04B6}" type="datetimeFigureOut">
               <a:rPr kumimoji="1" lang="ja-JP" altLang="en-US" smtClean="0"/>
-              <a:t>2021/5/26</a:t>
+              <a:t>2021/6/25</a:t>
             </a:fld>
             <a:endParaRPr kumimoji="1" lang="ja-JP" altLang="en-US"/>
           </a:p>
@@ -2474,7 +2559,7 @@
           <a:p>
             <a:fld id="{AA4ADDD6-012F-274C-AFCB-FBB0366E04B6}" type="datetimeFigureOut">
               <a:rPr kumimoji="1" lang="ja-JP" altLang="en-US" smtClean="0"/>
-              <a:t>2021/5/26</a:t>
+              <a:t>2021/6/25</a:t>
             </a:fld>
             <a:endParaRPr kumimoji="1" lang="ja-JP" altLang="en-US"/>
           </a:p>
@@ -2950,7 +3035,7 @@
           <a:p>
             <a:fld id="{AA4ADDD6-012F-274C-AFCB-FBB0366E04B6}" type="datetimeFigureOut">
               <a:rPr kumimoji="1" lang="ja-JP" altLang="en-US" smtClean="0"/>
-              <a:t>2021/5/26</a:t>
+              <a:t>2021/6/25</a:t>
             </a:fld>
             <a:endParaRPr kumimoji="1" lang="ja-JP" altLang="en-US"/>
           </a:p>
@@ -3091,7 +3176,7 @@
           <a:p>
             <a:fld id="{AA4ADDD6-012F-274C-AFCB-FBB0366E04B6}" type="datetimeFigureOut">
               <a:rPr kumimoji="1" lang="ja-JP" altLang="en-US" smtClean="0"/>
-              <a:t>2021/5/26</a:t>
+              <a:t>2021/6/25</a:t>
             </a:fld>
             <a:endParaRPr kumimoji="1" lang="ja-JP" altLang="en-US"/>
           </a:p>
@@ -3204,7 +3289,7 @@
           <a:p>
             <a:fld id="{AA4ADDD6-012F-274C-AFCB-FBB0366E04B6}" type="datetimeFigureOut">
               <a:rPr kumimoji="1" lang="ja-JP" altLang="en-US" smtClean="0"/>
-              <a:t>2021/5/26</a:t>
+              <a:t>2021/6/25</a:t>
             </a:fld>
             <a:endParaRPr kumimoji="1" lang="ja-JP" altLang="en-US"/>
           </a:p>
@@ -3547,7 +3632,7 @@
           <a:p>
             <a:fld id="{AA4ADDD6-012F-274C-AFCB-FBB0366E04B6}" type="datetimeFigureOut">
               <a:rPr kumimoji="1" lang="ja-JP" altLang="en-US" smtClean="0"/>
-              <a:t>2021/5/26</a:t>
+              <a:t>2021/6/25</a:t>
             </a:fld>
             <a:endParaRPr kumimoji="1" lang="ja-JP" altLang="en-US"/>
           </a:p>
@@ -3835,7 +3920,7 @@
           <a:p>
             <a:fld id="{AA4ADDD6-012F-274C-AFCB-FBB0366E04B6}" type="datetimeFigureOut">
               <a:rPr kumimoji="1" lang="ja-JP" altLang="en-US" smtClean="0"/>
-              <a:t>2021/5/26</a:t>
+              <a:t>2021/6/25</a:t>
             </a:fld>
             <a:endParaRPr kumimoji="1" lang="ja-JP" altLang="en-US"/>
           </a:p>
@@ -4108,7 +4193,7 @@
           <a:p>
             <a:fld id="{AA4ADDD6-012F-274C-AFCB-FBB0366E04B6}" type="datetimeFigureOut">
               <a:rPr kumimoji="1" lang="ja-JP" altLang="en-US" smtClean="0"/>
-              <a:t>2021/5/26</a:t>
+              <a:t>2021/6/25</a:t>
             </a:fld>
             <a:endParaRPr kumimoji="1" lang="ja-JP" altLang="en-US"/>
           </a:p>
@@ -23414,6 +23499,843 @@
 </p:sld>
 </file>
 
+<file path=ppt/slides/slide25.xml><?xml version="1.0" encoding="utf-8"?>
+<p:sld xmlns:a="http://schemas.openxmlformats.org/drawingml/2006/main" xmlns:r="http://schemas.openxmlformats.org/officeDocument/2006/relationships" xmlns:p="http://schemas.openxmlformats.org/presentationml/2006/main">
+  <p:cSld>
+    <p:spTree>
+      <p:nvGrpSpPr>
+        <p:cNvPr id="1" name=""/>
+        <p:cNvGrpSpPr/>
+        <p:nvPr/>
+      </p:nvGrpSpPr>
+      <p:grpSpPr>
+        <a:xfrm>
+          <a:off x="0" y="0"/>
+          <a:ext cx="0" cy="0"/>
+          <a:chOff x="0" y="0"/>
+          <a:chExt cx="0" cy="0"/>
+        </a:xfrm>
+      </p:grpSpPr>
+      <p:grpSp>
+        <p:nvGrpSpPr>
+          <p:cNvPr id="41" name="グループ化 40">
+            <a:extLst>
+              <a:ext uri="{FF2B5EF4-FFF2-40B4-BE49-F238E27FC236}">
+                <a16:creationId xmlns:a16="http://schemas.microsoft.com/office/drawing/2014/main" id="{D7C6CB49-6C89-734C-A3B9-762BA5A4E4FB}"/>
+              </a:ext>
+            </a:extLst>
+          </p:cNvPr>
+          <p:cNvGrpSpPr/>
+          <p:nvPr/>
+        </p:nvGrpSpPr>
+        <p:grpSpPr>
+          <a:xfrm>
+            <a:off x="-25945" y="3612288"/>
+            <a:ext cx="12243889" cy="1446069"/>
+            <a:chOff x="368600" y="5058364"/>
+            <a:chExt cx="8940813" cy="1055958"/>
+          </a:xfrm>
+        </p:grpSpPr>
+        <p:pic>
+          <p:nvPicPr>
+            <p:cNvPr id="7" name="図 6" descr="グラフィカル ユーザー インターフェイス&#10;&#10;低い精度で自動的に生成された説明">
+              <a:extLst>
+                <a:ext uri="{FF2B5EF4-FFF2-40B4-BE49-F238E27FC236}">
+                  <a16:creationId xmlns:a16="http://schemas.microsoft.com/office/drawing/2014/main" id="{E16FA27A-51AB-F84F-9002-8B9360904546}"/>
+                </a:ext>
+              </a:extLst>
+            </p:cNvPr>
+            <p:cNvPicPr>
+              <a:picLocks noChangeAspect="1"/>
+            </p:cNvPicPr>
+            <p:nvPr/>
+          </p:nvPicPr>
+          <p:blipFill>
+            <a:blip r:embed="rId3"/>
+            <a:stretch>
+              <a:fillRect/>
+            </a:stretch>
+          </p:blipFill>
+          <p:spPr>
+            <a:xfrm>
+              <a:off x="368600" y="5058364"/>
+              <a:ext cx="1405999" cy="1055958"/>
+            </a:xfrm>
+            <a:prstGeom prst="rect">
+              <a:avLst/>
+            </a:prstGeom>
+            <a:ln>
+              <a:solidFill>
+                <a:schemeClr val="tx1"/>
+              </a:solidFill>
+            </a:ln>
+          </p:spPr>
+        </p:pic>
+        <p:pic>
+          <p:nvPicPr>
+            <p:cNvPr id="9" name="図 8" descr="ロゴ が含まれている画像&#10;&#10;自動的に生成された説明">
+              <a:extLst>
+                <a:ext uri="{FF2B5EF4-FFF2-40B4-BE49-F238E27FC236}">
+                  <a16:creationId xmlns:a16="http://schemas.microsoft.com/office/drawing/2014/main" id="{290DAF10-D197-4F4B-9B85-BA2CFAB31D44}"/>
+                </a:ext>
+              </a:extLst>
+            </p:cNvPr>
+            <p:cNvPicPr>
+              <a:picLocks noChangeAspect="1"/>
+            </p:cNvPicPr>
+            <p:nvPr/>
+          </p:nvPicPr>
+          <p:blipFill>
+            <a:blip r:embed="rId4"/>
+            <a:stretch>
+              <a:fillRect/>
+            </a:stretch>
+          </p:blipFill>
+          <p:spPr>
+            <a:xfrm>
+              <a:off x="1875562" y="5058364"/>
+              <a:ext cx="1405999" cy="1055958"/>
+            </a:xfrm>
+            <a:prstGeom prst="rect">
+              <a:avLst/>
+            </a:prstGeom>
+            <a:ln>
+              <a:solidFill>
+                <a:schemeClr val="tx1"/>
+              </a:solidFill>
+            </a:ln>
+          </p:spPr>
+        </p:pic>
+        <p:pic>
+          <p:nvPicPr>
+            <p:cNvPr id="11" name="図 10" descr="グラフィカル ユーザー インターフェイス が含まれている画像&#10;&#10;自動的に生成された説明">
+              <a:extLst>
+                <a:ext uri="{FF2B5EF4-FFF2-40B4-BE49-F238E27FC236}">
+                  <a16:creationId xmlns:a16="http://schemas.microsoft.com/office/drawing/2014/main" id="{C197249C-6D72-A148-B4AF-440038488AD6}"/>
+                </a:ext>
+              </a:extLst>
+            </p:cNvPr>
+            <p:cNvPicPr>
+              <a:picLocks noChangeAspect="1"/>
+            </p:cNvPicPr>
+            <p:nvPr/>
+          </p:nvPicPr>
+          <p:blipFill>
+            <a:blip r:embed="rId5"/>
+            <a:stretch>
+              <a:fillRect/>
+            </a:stretch>
+          </p:blipFill>
+          <p:spPr>
+            <a:xfrm>
+              <a:off x="3382525" y="5058364"/>
+              <a:ext cx="1405999" cy="1055958"/>
+            </a:xfrm>
+            <a:prstGeom prst="rect">
+              <a:avLst/>
+            </a:prstGeom>
+            <a:ln>
+              <a:solidFill>
+                <a:schemeClr val="tx1"/>
+              </a:solidFill>
+            </a:ln>
+          </p:spPr>
+        </p:pic>
+        <p:pic>
+          <p:nvPicPr>
+            <p:cNvPr id="13" name="図 12" descr="ロゴ&#10;&#10;自動的に生成された説明">
+              <a:extLst>
+                <a:ext uri="{FF2B5EF4-FFF2-40B4-BE49-F238E27FC236}">
+                  <a16:creationId xmlns:a16="http://schemas.microsoft.com/office/drawing/2014/main" id="{4AE5A945-243C-0A48-A17B-9FD5118FA976}"/>
+                </a:ext>
+              </a:extLst>
+            </p:cNvPr>
+            <p:cNvPicPr>
+              <a:picLocks noChangeAspect="1"/>
+            </p:cNvPicPr>
+            <p:nvPr/>
+          </p:nvPicPr>
+          <p:blipFill>
+            <a:blip r:embed="rId6"/>
+            <a:stretch>
+              <a:fillRect/>
+            </a:stretch>
+          </p:blipFill>
+          <p:spPr>
+            <a:xfrm>
+              <a:off x="4889488" y="5058364"/>
+              <a:ext cx="1405999" cy="1055958"/>
+            </a:xfrm>
+            <a:prstGeom prst="rect">
+              <a:avLst/>
+            </a:prstGeom>
+            <a:ln>
+              <a:solidFill>
+                <a:schemeClr val="tx1"/>
+              </a:solidFill>
+            </a:ln>
+          </p:spPr>
+        </p:pic>
+        <p:pic>
+          <p:nvPicPr>
+            <p:cNvPr id="15" name="図 14" descr="ロゴ&#10;&#10;自動的に生成された説明">
+              <a:extLst>
+                <a:ext uri="{FF2B5EF4-FFF2-40B4-BE49-F238E27FC236}">
+                  <a16:creationId xmlns:a16="http://schemas.microsoft.com/office/drawing/2014/main" id="{D0410018-A930-414B-A3CA-436EAA4D5D5F}"/>
+                </a:ext>
+              </a:extLst>
+            </p:cNvPr>
+            <p:cNvPicPr>
+              <a:picLocks noChangeAspect="1"/>
+            </p:cNvPicPr>
+            <p:nvPr/>
+          </p:nvPicPr>
+          <p:blipFill>
+            <a:blip r:embed="rId7"/>
+            <a:stretch>
+              <a:fillRect/>
+            </a:stretch>
+          </p:blipFill>
+          <p:spPr>
+            <a:xfrm>
+              <a:off x="6396451" y="5058364"/>
+              <a:ext cx="1405999" cy="1055958"/>
+            </a:xfrm>
+            <a:prstGeom prst="rect">
+              <a:avLst/>
+            </a:prstGeom>
+            <a:ln>
+              <a:solidFill>
+                <a:schemeClr val="tx1"/>
+              </a:solidFill>
+            </a:ln>
+          </p:spPr>
+        </p:pic>
+        <p:pic>
+          <p:nvPicPr>
+            <p:cNvPr id="17" name="図 16" descr="ロゴ&#10;&#10;中程度の精度で自動的に生成された説明">
+              <a:extLst>
+                <a:ext uri="{FF2B5EF4-FFF2-40B4-BE49-F238E27FC236}">
+                  <a16:creationId xmlns:a16="http://schemas.microsoft.com/office/drawing/2014/main" id="{E33F11B3-756A-EE4C-93E4-480EC88BE761}"/>
+                </a:ext>
+              </a:extLst>
+            </p:cNvPr>
+            <p:cNvPicPr>
+              <a:picLocks noChangeAspect="1"/>
+            </p:cNvPicPr>
+            <p:nvPr/>
+          </p:nvPicPr>
+          <p:blipFill>
+            <a:blip r:embed="rId8"/>
+            <a:stretch>
+              <a:fillRect/>
+            </a:stretch>
+          </p:blipFill>
+          <p:spPr>
+            <a:xfrm>
+              <a:off x="7903414" y="5058364"/>
+              <a:ext cx="1405999" cy="1055958"/>
+            </a:xfrm>
+            <a:prstGeom prst="rect">
+              <a:avLst/>
+            </a:prstGeom>
+            <a:ln>
+              <a:solidFill>
+                <a:schemeClr val="tx1"/>
+              </a:solidFill>
+            </a:ln>
+          </p:spPr>
+        </p:pic>
+      </p:grpSp>
+      <p:grpSp>
+        <p:nvGrpSpPr>
+          <p:cNvPr id="36" name="グループ化 35">
+            <a:extLst>
+              <a:ext uri="{FF2B5EF4-FFF2-40B4-BE49-F238E27FC236}">
+                <a16:creationId xmlns:a16="http://schemas.microsoft.com/office/drawing/2014/main" id="{EED90A8A-D3E4-FD46-ACF1-C52C8E32762F}"/>
+              </a:ext>
+            </a:extLst>
+          </p:cNvPr>
+          <p:cNvGrpSpPr/>
+          <p:nvPr/>
+        </p:nvGrpSpPr>
+        <p:grpSpPr>
+          <a:xfrm>
+            <a:off x="368600" y="1271650"/>
+            <a:ext cx="13153112" cy="1055972"/>
+            <a:chOff x="0" y="4393401"/>
+            <a:chExt cx="13153112" cy="1055972"/>
+          </a:xfrm>
+        </p:grpSpPr>
+        <p:pic>
+          <p:nvPicPr>
+            <p:cNvPr id="19" name="図 18" descr="グラフィカル ユーザー インターフェイス が含まれている画像&#10;&#10;自動的に生成された説明">
+              <a:extLst>
+                <a:ext uri="{FF2B5EF4-FFF2-40B4-BE49-F238E27FC236}">
+                  <a16:creationId xmlns:a16="http://schemas.microsoft.com/office/drawing/2014/main" id="{1CEDBA2E-34D6-EA45-821A-B132BC230900}"/>
+                </a:ext>
+              </a:extLst>
+            </p:cNvPr>
+            <p:cNvPicPr>
+              <a:picLocks noChangeAspect="1"/>
+            </p:cNvPicPr>
+            <p:nvPr/>
+          </p:nvPicPr>
+          <p:blipFill>
+            <a:blip r:embed="rId9"/>
+            <a:stretch>
+              <a:fillRect/>
+            </a:stretch>
+          </p:blipFill>
+          <p:spPr>
+            <a:xfrm>
+              <a:off x="0" y="4393415"/>
+              <a:ext cx="1405999" cy="1055958"/>
+            </a:xfrm>
+            <a:prstGeom prst="rect">
+              <a:avLst/>
+            </a:prstGeom>
+            <a:ln>
+              <a:solidFill>
+                <a:schemeClr val="tx1"/>
+              </a:solidFill>
+            </a:ln>
+          </p:spPr>
+        </p:pic>
+        <p:pic>
+          <p:nvPicPr>
+            <p:cNvPr id="21" name="図 20" descr="アプリケーション が含まれている画像&#10;&#10;自動的に生成された説明">
+              <a:extLst>
+                <a:ext uri="{FF2B5EF4-FFF2-40B4-BE49-F238E27FC236}">
+                  <a16:creationId xmlns:a16="http://schemas.microsoft.com/office/drawing/2014/main" id="{4F465A13-4539-944C-B924-BB547902EA79}"/>
+                </a:ext>
+              </a:extLst>
+            </p:cNvPr>
+            <p:cNvPicPr>
+              <a:picLocks noChangeAspect="1"/>
+            </p:cNvPicPr>
+            <p:nvPr/>
+          </p:nvPicPr>
+          <p:blipFill>
+            <a:blip r:embed="rId10"/>
+            <a:stretch>
+              <a:fillRect/>
+            </a:stretch>
+          </p:blipFill>
+          <p:spPr>
+            <a:xfrm>
+              <a:off x="1468388" y="4393408"/>
+              <a:ext cx="1405999" cy="1055958"/>
+            </a:xfrm>
+            <a:prstGeom prst="rect">
+              <a:avLst/>
+            </a:prstGeom>
+            <a:ln>
+              <a:solidFill>
+                <a:schemeClr val="tx1"/>
+              </a:solidFill>
+            </a:ln>
+          </p:spPr>
+        </p:pic>
+        <p:pic>
+          <p:nvPicPr>
+            <p:cNvPr id="23" name="図 22" descr="ロゴ&#10;&#10;自動的に生成された説明">
+              <a:extLst>
+                <a:ext uri="{FF2B5EF4-FFF2-40B4-BE49-F238E27FC236}">
+                  <a16:creationId xmlns:a16="http://schemas.microsoft.com/office/drawing/2014/main" id="{CCB794BF-393D-1541-9735-9B8F1EADF9C9}"/>
+                </a:ext>
+              </a:extLst>
+            </p:cNvPr>
+            <p:cNvPicPr>
+              <a:picLocks noChangeAspect="1"/>
+            </p:cNvPicPr>
+            <p:nvPr/>
+          </p:nvPicPr>
+          <p:blipFill>
+            <a:blip r:embed="rId11"/>
+            <a:stretch>
+              <a:fillRect/>
+            </a:stretch>
+          </p:blipFill>
+          <p:spPr>
+            <a:xfrm>
+              <a:off x="2936776" y="4393408"/>
+              <a:ext cx="1405999" cy="1055958"/>
+            </a:xfrm>
+            <a:prstGeom prst="rect">
+              <a:avLst/>
+            </a:prstGeom>
+            <a:ln>
+              <a:solidFill>
+                <a:schemeClr val="tx1"/>
+              </a:solidFill>
+            </a:ln>
+          </p:spPr>
+        </p:pic>
+        <p:pic>
+          <p:nvPicPr>
+            <p:cNvPr id="25" name="図 24" descr="ロゴ&#10;&#10;自動的に生成された説明">
+              <a:extLst>
+                <a:ext uri="{FF2B5EF4-FFF2-40B4-BE49-F238E27FC236}">
+                  <a16:creationId xmlns:a16="http://schemas.microsoft.com/office/drawing/2014/main" id="{AEB550F3-CE8C-B042-90CB-E72E88CDB925}"/>
+                </a:ext>
+              </a:extLst>
+            </p:cNvPr>
+            <p:cNvPicPr>
+              <a:picLocks noChangeAspect="1"/>
+            </p:cNvPicPr>
+            <p:nvPr/>
+          </p:nvPicPr>
+          <p:blipFill>
+            <a:blip r:embed="rId12"/>
+            <a:stretch>
+              <a:fillRect/>
+            </a:stretch>
+          </p:blipFill>
+          <p:spPr>
+            <a:xfrm>
+              <a:off x="4405163" y="4393408"/>
+              <a:ext cx="1406000" cy="1055959"/>
+            </a:xfrm>
+            <a:prstGeom prst="rect">
+              <a:avLst/>
+            </a:prstGeom>
+            <a:ln>
+              <a:solidFill>
+                <a:schemeClr val="tx1"/>
+              </a:solidFill>
+            </a:ln>
+          </p:spPr>
+        </p:pic>
+        <p:pic>
+          <p:nvPicPr>
+            <p:cNvPr id="27" name="図 26" descr="ロゴ&#10;&#10;自動的に生成された説明">
+              <a:extLst>
+                <a:ext uri="{FF2B5EF4-FFF2-40B4-BE49-F238E27FC236}">
+                  <a16:creationId xmlns:a16="http://schemas.microsoft.com/office/drawing/2014/main" id="{6E2B70C9-FF85-674A-B16B-B1FE75A124D3}"/>
+                </a:ext>
+              </a:extLst>
+            </p:cNvPr>
+            <p:cNvPicPr>
+              <a:picLocks noChangeAspect="1"/>
+            </p:cNvPicPr>
+            <p:nvPr/>
+          </p:nvPicPr>
+          <p:blipFill>
+            <a:blip r:embed="rId13"/>
+            <a:stretch>
+              <a:fillRect/>
+            </a:stretch>
+          </p:blipFill>
+          <p:spPr>
+            <a:xfrm>
+              <a:off x="5873551" y="4393408"/>
+              <a:ext cx="1406002" cy="1055960"/>
+            </a:xfrm>
+            <a:prstGeom prst="rect">
+              <a:avLst/>
+            </a:prstGeom>
+            <a:ln>
+              <a:solidFill>
+                <a:schemeClr val="tx1"/>
+              </a:solidFill>
+            </a:ln>
+          </p:spPr>
+        </p:pic>
+        <p:pic>
+          <p:nvPicPr>
+            <p:cNvPr id="29" name="図 28" descr="ロゴ&#10;&#10;自動的に生成された説明">
+              <a:extLst>
+                <a:ext uri="{FF2B5EF4-FFF2-40B4-BE49-F238E27FC236}">
+                  <a16:creationId xmlns:a16="http://schemas.microsoft.com/office/drawing/2014/main" id="{595D50D2-9B87-8346-B0B9-5FF3F110C4DB}"/>
+                </a:ext>
+              </a:extLst>
+            </p:cNvPr>
+            <p:cNvPicPr>
+              <a:picLocks noChangeAspect="1"/>
+            </p:cNvPicPr>
+            <p:nvPr/>
+          </p:nvPicPr>
+          <p:blipFill>
+            <a:blip r:embed="rId14"/>
+            <a:stretch>
+              <a:fillRect/>
+            </a:stretch>
+          </p:blipFill>
+          <p:spPr>
+            <a:xfrm>
+              <a:off x="7341939" y="4393408"/>
+              <a:ext cx="1406004" cy="1055961"/>
+            </a:xfrm>
+            <a:prstGeom prst="rect">
+              <a:avLst/>
+            </a:prstGeom>
+            <a:ln>
+              <a:solidFill>
+                <a:schemeClr val="tx1"/>
+              </a:solidFill>
+            </a:ln>
+          </p:spPr>
+        </p:pic>
+        <p:pic>
+          <p:nvPicPr>
+            <p:cNvPr id="31" name="図 30" descr="ロゴ&#10;&#10;中程度の精度で自動的に生成された説明">
+              <a:extLst>
+                <a:ext uri="{FF2B5EF4-FFF2-40B4-BE49-F238E27FC236}">
+                  <a16:creationId xmlns:a16="http://schemas.microsoft.com/office/drawing/2014/main" id="{8228FAF1-44EB-1441-B74C-9A84C6C7F638}"/>
+                </a:ext>
+              </a:extLst>
+            </p:cNvPr>
+            <p:cNvPicPr>
+              <a:picLocks noChangeAspect="1"/>
+            </p:cNvPicPr>
+            <p:nvPr/>
+          </p:nvPicPr>
+          <p:blipFill>
+            <a:blip r:embed="rId15"/>
+            <a:stretch>
+              <a:fillRect/>
+            </a:stretch>
+          </p:blipFill>
+          <p:spPr>
+            <a:xfrm>
+              <a:off x="8810327" y="4393407"/>
+              <a:ext cx="1406007" cy="1055964"/>
+            </a:xfrm>
+            <a:prstGeom prst="rect">
+              <a:avLst/>
+            </a:prstGeom>
+            <a:ln>
+              <a:solidFill>
+                <a:schemeClr val="tx1"/>
+              </a:solidFill>
+            </a:ln>
+          </p:spPr>
+        </p:pic>
+        <p:pic>
+          <p:nvPicPr>
+            <p:cNvPr id="33" name="図 32" descr="ロゴ&#10;&#10;中程度の精度で自動的に生成された説明">
+              <a:extLst>
+                <a:ext uri="{FF2B5EF4-FFF2-40B4-BE49-F238E27FC236}">
+                  <a16:creationId xmlns:a16="http://schemas.microsoft.com/office/drawing/2014/main" id="{E70187B0-E2F5-A149-865E-9651AA765A94}"/>
+                </a:ext>
+              </a:extLst>
+            </p:cNvPr>
+            <p:cNvPicPr>
+              <a:picLocks noChangeAspect="1"/>
+            </p:cNvPicPr>
+            <p:nvPr/>
+          </p:nvPicPr>
+          <p:blipFill>
+            <a:blip r:embed="rId16"/>
+            <a:stretch>
+              <a:fillRect/>
+            </a:stretch>
+          </p:blipFill>
+          <p:spPr>
+            <a:xfrm>
+              <a:off x="10278715" y="4393401"/>
+              <a:ext cx="1406009" cy="1055965"/>
+            </a:xfrm>
+            <a:prstGeom prst="rect">
+              <a:avLst/>
+            </a:prstGeom>
+            <a:ln>
+              <a:solidFill>
+                <a:schemeClr val="tx1"/>
+              </a:solidFill>
+            </a:ln>
+          </p:spPr>
+        </p:pic>
+        <p:pic>
+          <p:nvPicPr>
+            <p:cNvPr id="35" name="図 34" descr="ロゴ が含まれている画像&#10;&#10;自動的に生成された説明">
+              <a:extLst>
+                <a:ext uri="{FF2B5EF4-FFF2-40B4-BE49-F238E27FC236}">
+                  <a16:creationId xmlns:a16="http://schemas.microsoft.com/office/drawing/2014/main" id="{0BE4BBFE-819B-A848-8F40-35FBC20F12C5}"/>
+                </a:ext>
+              </a:extLst>
+            </p:cNvPr>
+            <p:cNvPicPr>
+              <a:picLocks noChangeAspect="1"/>
+            </p:cNvPicPr>
+            <p:nvPr/>
+          </p:nvPicPr>
+          <p:blipFill>
+            <a:blip r:embed="rId17"/>
+            <a:stretch>
+              <a:fillRect/>
+            </a:stretch>
+          </p:blipFill>
+          <p:spPr>
+            <a:xfrm>
+              <a:off x="11747103" y="4393401"/>
+              <a:ext cx="1406009" cy="1055965"/>
+            </a:xfrm>
+            <a:prstGeom prst="rect">
+              <a:avLst/>
+            </a:prstGeom>
+            <a:ln>
+              <a:solidFill>
+                <a:schemeClr val="tx1"/>
+              </a:solidFill>
+            </a:ln>
+          </p:spPr>
+        </p:pic>
+      </p:grpSp>
+      <p:sp>
+        <p:nvSpPr>
+          <p:cNvPr id="42" name="テキスト ボックス 41">
+            <a:extLst>
+              <a:ext uri="{FF2B5EF4-FFF2-40B4-BE49-F238E27FC236}">
+                <a16:creationId xmlns:a16="http://schemas.microsoft.com/office/drawing/2014/main" id="{B25F9642-850E-5941-AE94-E6B922745C43}"/>
+              </a:ext>
+            </a:extLst>
+          </p:cNvPr>
+          <p:cNvSpPr txBox="1"/>
+          <p:nvPr/>
+        </p:nvSpPr>
+        <p:spPr>
+          <a:xfrm>
+            <a:off x="139114" y="5058357"/>
+            <a:ext cx="1595309" cy="369332"/>
+          </a:xfrm>
+          <a:prstGeom prst="rect">
+            <a:avLst/>
+          </a:prstGeom>
+          <a:noFill/>
+        </p:spPr>
+        <p:txBody>
+          <a:bodyPr wrap="none" rtlCol="0">
+            <a:spAutoFit/>
+          </a:bodyPr>
+          <a:lstStyle/>
+          <a:p>
+            <a:pPr algn="ctr"/>
+            <a:r>
+              <a:rPr kumimoji="1" lang="en-US" altLang="ja-JP" dirty="0"/>
+              <a:t>15</a:t>
+            </a:r>
+            <a:r>
+              <a:rPr kumimoji="1" lang="ja-JP" altLang="en-US"/>
+              <a:t>フレーム目</a:t>
+            </a:r>
+          </a:p>
+        </p:txBody>
+      </p:sp>
+      <p:sp>
+        <p:nvSpPr>
+          <p:cNvPr id="43" name="テキスト ボックス 42">
+            <a:extLst>
+              <a:ext uri="{FF2B5EF4-FFF2-40B4-BE49-F238E27FC236}">
+                <a16:creationId xmlns:a16="http://schemas.microsoft.com/office/drawing/2014/main" id="{B42CB1ED-DBCC-EE48-BDED-EC9A17E0B1F5}"/>
+              </a:ext>
+            </a:extLst>
+          </p:cNvPr>
+          <p:cNvSpPr txBox="1"/>
+          <p:nvPr/>
+        </p:nvSpPr>
+        <p:spPr>
+          <a:xfrm>
+            <a:off x="2202805" y="5058357"/>
+            <a:ext cx="1595309" cy="369332"/>
+          </a:xfrm>
+          <a:prstGeom prst="rect">
+            <a:avLst/>
+          </a:prstGeom>
+          <a:noFill/>
+        </p:spPr>
+        <p:txBody>
+          <a:bodyPr wrap="none" rtlCol="0">
+            <a:spAutoFit/>
+          </a:bodyPr>
+          <a:lstStyle/>
+          <a:p>
+            <a:pPr algn="ctr"/>
+            <a:r>
+              <a:rPr kumimoji="1" lang="en-US" altLang="ja-JP" dirty="0"/>
+              <a:t>16</a:t>
+            </a:r>
+            <a:r>
+              <a:rPr kumimoji="1" lang="ja-JP" altLang="en-US"/>
+              <a:t>フレーム目</a:t>
+            </a:r>
+          </a:p>
+        </p:txBody>
+      </p:sp>
+      <p:sp>
+        <p:nvSpPr>
+          <p:cNvPr id="44" name="テキスト ボックス 43">
+            <a:extLst>
+              <a:ext uri="{FF2B5EF4-FFF2-40B4-BE49-F238E27FC236}">
+                <a16:creationId xmlns:a16="http://schemas.microsoft.com/office/drawing/2014/main" id="{E2B6972B-2B6E-5D46-A1E7-40DF03F491F9}"/>
+              </a:ext>
+            </a:extLst>
+          </p:cNvPr>
+          <p:cNvSpPr txBox="1"/>
+          <p:nvPr/>
+        </p:nvSpPr>
+        <p:spPr>
+          <a:xfrm>
+            <a:off x="4266496" y="5058357"/>
+            <a:ext cx="1595309" cy="369332"/>
+          </a:xfrm>
+          <a:prstGeom prst="rect">
+            <a:avLst/>
+          </a:prstGeom>
+          <a:noFill/>
+        </p:spPr>
+        <p:txBody>
+          <a:bodyPr wrap="none" rtlCol="0">
+            <a:spAutoFit/>
+          </a:bodyPr>
+          <a:lstStyle/>
+          <a:p>
+            <a:pPr algn="ctr"/>
+            <a:r>
+              <a:rPr kumimoji="1" lang="en-US" altLang="ja-JP" dirty="0"/>
+              <a:t>17</a:t>
+            </a:r>
+            <a:r>
+              <a:rPr kumimoji="1" lang="ja-JP" altLang="en-US"/>
+              <a:t>フレーム目</a:t>
+            </a:r>
+          </a:p>
+        </p:txBody>
+      </p:sp>
+      <p:sp>
+        <p:nvSpPr>
+          <p:cNvPr id="45" name="テキスト ボックス 44">
+            <a:extLst>
+              <a:ext uri="{FF2B5EF4-FFF2-40B4-BE49-F238E27FC236}">
+                <a16:creationId xmlns:a16="http://schemas.microsoft.com/office/drawing/2014/main" id="{0CB4F372-18C5-134D-ADE6-DDDA715E13EE}"/>
+              </a:ext>
+            </a:extLst>
+          </p:cNvPr>
+          <p:cNvSpPr txBox="1"/>
+          <p:nvPr/>
+        </p:nvSpPr>
+        <p:spPr>
+          <a:xfrm>
+            <a:off x="6330190" y="5058357"/>
+            <a:ext cx="1595309" cy="369332"/>
+          </a:xfrm>
+          <a:prstGeom prst="rect">
+            <a:avLst/>
+          </a:prstGeom>
+          <a:noFill/>
+        </p:spPr>
+        <p:txBody>
+          <a:bodyPr wrap="none" rtlCol="0">
+            <a:spAutoFit/>
+          </a:bodyPr>
+          <a:lstStyle/>
+          <a:p>
+            <a:pPr algn="ctr"/>
+            <a:r>
+              <a:rPr kumimoji="1" lang="en-US" altLang="ja-JP" dirty="0"/>
+              <a:t>18</a:t>
+            </a:r>
+            <a:r>
+              <a:rPr kumimoji="1" lang="ja-JP" altLang="en-US"/>
+              <a:t>フレーム目</a:t>
+            </a:r>
+          </a:p>
+        </p:txBody>
+      </p:sp>
+      <p:sp>
+        <p:nvSpPr>
+          <p:cNvPr id="46" name="テキスト ボックス 45">
+            <a:extLst>
+              <a:ext uri="{FF2B5EF4-FFF2-40B4-BE49-F238E27FC236}">
+                <a16:creationId xmlns:a16="http://schemas.microsoft.com/office/drawing/2014/main" id="{1584C540-6846-804B-9163-E078A19E711C}"/>
+              </a:ext>
+            </a:extLst>
+          </p:cNvPr>
+          <p:cNvSpPr txBox="1"/>
+          <p:nvPr/>
+        </p:nvSpPr>
+        <p:spPr>
+          <a:xfrm>
+            <a:off x="8393882" y="5058357"/>
+            <a:ext cx="1595309" cy="369332"/>
+          </a:xfrm>
+          <a:prstGeom prst="rect">
+            <a:avLst/>
+          </a:prstGeom>
+          <a:noFill/>
+        </p:spPr>
+        <p:txBody>
+          <a:bodyPr wrap="none" rtlCol="0">
+            <a:spAutoFit/>
+          </a:bodyPr>
+          <a:lstStyle/>
+          <a:p>
+            <a:pPr algn="ctr"/>
+            <a:r>
+              <a:rPr kumimoji="1" lang="en-US" altLang="ja-JP" dirty="0"/>
+              <a:t>19</a:t>
+            </a:r>
+            <a:r>
+              <a:rPr kumimoji="1" lang="ja-JP" altLang="en-US"/>
+              <a:t>フレーム目</a:t>
+            </a:r>
+          </a:p>
+        </p:txBody>
+      </p:sp>
+      <p:sp>
+        <p:nvSpPr>
+          <p:cNvPr id="47" name="テキスト ボックス 46">
+            <a:extLst>
+              <a:ext uri="{FF2B5EF4-FFF2-40B4-BE49-F238E27FC236}">
+                <a16:creationId xmlns:a16="http://schemas.microsoft.com/office/drawing/2014/main" id="{95B68E1E-A3C7-6F4E-8217-A84682A9DF92}"/>
+              </a:ext>
+            </a:extLst>
+          </p:cNvPr>
+          <p:cNvSpPr txBox="1"/>
+          <p:nvPr/>
+        </p:nvSpPr>
+        <p:spPr>
+          <a:xfrm>
+            <a:off x="10551399" y="5058357"/>
+            <a:ext cx="1595309" cy="369332"/>
+          </a:xfrm>
+          <a:prstGeom prst="rect">
+            <a:avLst/>
+          </a:prstGeom>
+          <a:noFill/>
+        </p:spPr>
+        <p:txBody>
+          <a:bodyPr wrap="none" rtlCol="0">
+            <a:spAutoFit/>
+          </a:bodyPr>
+          <a:lstStyle/>
+          <a:p>
+            <a:pPr algn="ctr"/>
+            <a:r>
+              <a:rPr lang="en-US" altLang="ja-JP" dirty="0"/>
+              <a:t>20</a:t>
+            </a:r>
+            <a:r>
+              <a:rPr kumimoji="1" lang="ja-JP" altLang="en-US"/>
+              <a:t>フレーム目</a:t>
+            </a:r>
+          </a:p>
+        </p:txBody>
+      </p:sp>
+    </p:spTree>
+    <p:extLst>
+      <p:ext uri="{BB962C8B-B14F-4D97-AF65-F5344CB8AC3E}">
+        <p14:creationId xmlns:p14="http://schemas.microsoft.com/office/powerpoint/2010/main" val="1809622308"/>
+      </p:ext>
+    </p:extLst>
+  </p:cSld>
+  <p:clrMapOvr>
+    <a:masterClrMapping/>
+  </p:clrMapOvr>
+</p:sld>
+</file>
+
 <file path=ppt/slides/slide3.xml><?xml version="1.0" encoding="utf-8"?>
 <p:sld xmlns:a="http://schemas.openxmlformats.org/drawingml/2006/main" xmlns:r="http://schemas.openxmlformats.org/officeDocument/2006/relationships" xmlns:p="http://schemas.openxmlformats.org/presentationml/2006/main">
   <p:cSld>

--- a/Slide/研究メモ.pptx
+++ b/Slide/研究メモ.pptx
@@ -5,7 +5,7 @@
     <p:sldMasterId id="2147483648" r:id="rId1"/>
   </p:sldMasterIdLst>
   <p:notesMasterIdLst>
-    <p:notesMasterId r:id="rId27"/>
+    <p:notesMasterId r:id="rId29"/>
   </p:notesMasterIdLst>
   <p:sldIdLst>
     <p:sldId id="257" r:id="rId2"/>
@@ -33,6 +33,8 @@
     <p:sldId id="281" r:id="rId24"/>
     <p:sldId id="283" r:id="rId25"/>
     <p:sldId id="284" r:id="rId26"/>
+    <p:sldId id="285" r:id="rId27"/>
+    <p:sldId id="286" r:id="rId28"/>
   </p:sldIdLst>
   <p:sldSz cx="12192000" cy="6858000"/>
   <p:notesSz cx="6858000" cy="9144000"/>
@@ -221,7 +223,7 @@
           <a:p>
             <a:fld id="{D1175AAB-0FE7-E942-8D31-572EC61F6206}" type="datetimeFigureOut">
               <a:rPr kumimoji="1" lang="ja-JP" altLang="en-US" smtClean="0"/>
-              <a:t>2021/6/25</a:t>
+              <a:t>2021/7/6</a:t>
             </a:fld>
             <a:endParaRPr kumimoji="1" lang="ja-JP" altLang="en-US"/>
           </a:p>
@@ -1255,7 +1257,7 @@
           <a:p>
             <a:fld id="{AA4ADDD6-012F-274C-AFCB-FBB0366E04B6}" type="datetimeFigureOut">
               <a:rPr kumimoji="1" lang="ja-JP" altLang="en-US" smtClean="0"/>
-              <a:t>2021/6/25</a:t>
+              <a:t>2021/7/6</a:t>
             </a:fld>
             <a:endParaRPr kumimoji="1" lang="ja-JP" altLang="en-US"/>
           </a:p>
@@ -1485,7 +1487,7 @@
           <a:p>
             <a:fld id="{AA4ADDD6-012F-274C-AFCB-FBB0366E04B6}" type="datetimeFigureOut">
               <a:rPr kumimoji="1" lang="ja-JP" altLang="en-US" smtClean="0"/>
-              <a:t>2021/6/25</a:t>
+              <a:t>2021/7/6</a:t>
             </a:fld>
             <a:endParaRPr kumimoji="1" lang="ja-JP" altLang="en-US"/>
           </a:p>
@@ -1725,7 +1727,7 @@
           <a:p>
             <a:fld id="{AA4ADDD6-012F-274C-AFCB-FBB0366E04B6}" type="datetimeFigureOut">
               <a:rPr kumimoji="1" lang="ja-JP" altLang="en-US" smtClean="0"/>
-              <a:t>2021/6/25</a:t>
+              <a:t>2021/7/6</a:t>
             </a:fld>
             <a:endParaRPr kumimoji="1" lang="ja-JP" altLang="en-US"/>
           </a:p>
@@ -1955,7 +1957,7 @@
           <a:p>
             <a:fld id="{AA4ADDD6-012F-274C-AFCB-FBB0366E04B6}" type="datetimeFigureOut">
               <a:rPr kumimoji="1" lang="ja-JP" altLang="en-US" smtClean="0"/>
-              <a:t>2021/6/25</a:t>
+              <a:t>2021/7/6</a:t>
             </a:fld>
             <a:endParaRPr kumimoji="1" lang="ja-JP" altLang="en-US"/>
           </a:p>
@@ -2230,7 +2232,7 @@
           <a:p>
             <a:fld id="{AA4ADDD6-012F-274C-AFCB-FBB0366E04B6}" type="datetimeFigureOut">
               <a:rPr kumimoji="1" lang="ja-JP" altLang="en-US" smtClean="0"/>
-              <a:t>2021/6/25</a:t>
+              <a:t>2021/7/6</a:t>
             </a:fld>
             <a:endParaRPr kumimoji="1" lang="ja-JP" altLang="en-US"/>
           </a:p>
@@ -2559,7 +2561,7 @@
           <a:p>
             <a:fld id="{AA4ADDD6-012F-274C-AFCB-FBB0366E04B6}" type="datetimeFigureOut">
               <a:rPr kumimoji="1" lang="ja-JP" altLang="en-US" smtClean="0"/>
-              <a:t>2021/6/25</a:t>
+              <a:t>2021/7/6</a:t>
             </a:fld>
             <a:endParaRPr kumimoji="1" lang="ja-JP" altLang="en-US"/>
           </a:p>
@@ -3035,7 +3037,7 @@
           <a:p>
             <a:fld id="{AA4ADDD6-012F-274C-AFCB-FBB0366E04B6}" type="datetimeFigureOut">
               <a:rPr kumimoji="1" lang="ja-JP" altLang="en-US" smtClean="0"/>
-              <a:t>2021/6/25</a:t>
+              <a:t>2021/7/6</a:t>
             </a:fld>
             <a:endParaRPr kumimoji="1" lang="ja-JP" altLang="en-US"/>
           </a:p>
@@ -3176,7 +3178,7 @@
           <a:p>
             <a:fld id="{AA4ADDD6-012F-274C-AFCB-FBB0366E04B6}" type="datetimeFigureOut">
               <a:rPr kumimoji="1" lang="ja-JP" altLang="en-US" smtClean="0"/>
-              <a:t>2021/6/25</a:t>
+              <a:t>2021/7/6</a:t>
             </a:fld>
             <a:endParaRPr kumimoji="1" lang="ja-JP" altLang="en-US"/>
           </a:p>
@@ -3289,7 +3291,7 @@
           <a:p>
             <a:fld id="{AA4ADDD6-012F-274C-AFCB-FBB0366E04B6}" type="datetimeFigureOut">
               <a:rPr kumimoji="1" lang="ja-JP" altLang="en-US" smtClean="0"/>
-              <a:t>2021/6/25</a:t>
+              <a:t>2021/7/6</a:t>
             </a:fld>
             <a:endParaRPr kumimoji="1" lang="ja-JP" altLang="en-US"/>
           </a:p>
@@ -3632,7 +3634,7 @@
           <a:p>
             <a:fld id="{AA4ADDD6-012F-274C-AFCB-FBB0366E04B6}" type="datetimeFigureOut">
               <a:rPr kumimoji="1" lang="ja-JP" altLang="en-US" smtClean="0"/>
-              <a:t>2021/6/25</a:t>
+              <a:t>2021/7/6</a:t>
             </a:fld>
             <a:endParaRPr kumimoji="1" lang="ja-JP" altLang="en-US"/>
           </a:p>
@@ -3920,7 +3922,7 @@
           <a:p>
             <a:fld id="{AA4ADDD6-012F-274C-AFCB-FBB0366E04B6}" type="datetimeFigureOut">
               <a:rPr kumimoji="1" lang="ja-JP" altLang="en-US" smtClean="0"/>
-              <a:t>2021/6/25</a:t>
+              <a:t>2021/7/6</a:t>
             </a:fld>
             <a:endParaRPr kumimoji="1" lang="ja-JP" altLang="en-US"/>
           </a:p>
@@ -4193,7 +4195,7 @@
           <a:p>
             <a:fld id="{AA4ADDD6-012F-274C-AFCB-FBB0366E04B6}" type="datetimeFigureOut">
               <a:rPr kumimoji="1" lang="ja-JP" altLang="en-US" smtClean="0"/>
-              <a:t>2021/6/25</a:t>
+              <a:t>2021/7/6</a:t>
             </a:fld>
             <a:endParaRPr kumimoji="1" lang="ja-JP" altLang="en-US"/>
           </a:p>
@@ -24336,6 +24338,282 @@
 </p:sld>
 </file>
 
+<file path=ppt/slides/slide26.xml><?xml version="1.0" encoding="utf-8"?>
+<p:sld xmlns:a="http://schemas.openxmlformats.org/drawingml/2006/main" xmlns:r="http://schemas.openxmlformats.org/officeDocument/2006/relationships" xmlns:p="http://schemas.openxmlformats.org/presentationml/2006/main">
+  <p:cSld>
+    <p:spTree>
+      <p:nvGrpSpPr>
+        <p:cNvPr id="1" name=""/>
+        <p:cNvGrpSpPr/>
+        <p:nvPr/>
+      </p:nvGrpSpPr>
+      <p:grpSpPr>
+        <a:xfrm>
+          <a:off x="0" y="0"/>
+          <a:ext cx="0" cy="0"/>
+          <a:chOff x="0" y="0"/>
+          <a:chExt cx="0" cy="0"/>
+        </a:xfrm>
+      </p:grpSpPr>
+      <p:grpSp>
+        <p:nvGrpSpPr>
+          <p:cNvPr id="9" name="グループ化 8">
+            <a:extLst>
+              <a:ext uri="{FF2B5EF4-FFF2-40B4-BE49-F238E27FC236}">
+                <a16:creationId xmlns:a16="http://schemas.microsoft.com/office/drawing/2014/main" id="{A2CDB0B3-9F94-7843-BC0E-A72D80E7C0D2}"/>
+              </a:ext>
+            </a:extLst>
+          </p:cNvPr>
+          <p:cNvGrpSpPr/>
+          <p:nvPr/>
+        </p:nvGrpSpPr>
+        <p:grpSpPr>
+          <a:xfrm>
+            <a:off x="478118" y="664135"/>
+            <a:ext cx="9871634" cy="3683000"/>
+            <a:chOff x="478118" y="664135"/>
+            <a:chExt cx="9871634" cy="3683000"/>
+          </a:xfrm>
+        </p:grpSpPr>
+        <p:pic>
+          <p:nvPicPr>
+            <p:cNvPr id="1026" name="Picture 2" descr="image">
+              <a:extLst>
+                <a:ext uri="{FF2B5EF4-FFF2-40B4-BE49-F238E27FC236}">
+                  <a16:creationId xmlns:a16="http://schemas.microsoft.com/office/drawing/2014/main" id="{D255ABF7-0C3E-BE45-AB66-59B22C71CA99}"/>
+                </a:ext>
+              </a:extLst>
+            </p:cNvPr>
+            <p:cNvPicPr>
+              <a:picLocks noChangeAspect="1" noChangeArrowheads="1"/>
+            </p:cNvPicPr>
+            <p:nvPr/>
+          </p:nvPicPr>
+          <p:blipFill>
+            <a:blip r:embed="rId2">
+              <a:extLst>
+                <a:ext uri="{28A0092B-C50C-407E-A947-70E740481C1C}">
+                  <a14:useLocalDpi xmlns:a14="http://schemas.microsoft.com/office/drawing/2010/main" val="0"/>
+                </a:ext>
+              </a:extLst>
+            </a:blip>
+            <a:srcRect/>
+            <a:stretch>
+              <a:fillRect/>
+            </a:stretch>
+          </p:blipFill>
+          <p:spPr bwMode="auto">
+            <a:xfrm>
+              <a:off x="478118" y="664135"/>
+              <a:ext cx="4775200" cy="3683000"/>
+            </a:xfrm>
+            <a:prstGeom prst="rect">
+              <a:avLst/>
+            </a:prstGeom>
+            <a:noFill/>
+            <a:ln>
+              <a:solidFill>
+                <a:schemeClr val="tx1"/>
+              </a:solidFill>
+            </a:ln>
+            <a:extLst>
+              <a:ext uri="{909E8E84-426E-40DD-AFC4-6F175D3DCCD1}">
+                <a14:hiddenFill xmlns:a14="http://schemas.microsoft.com/office/drawing/2010/main">
+                  <a:solidFill>
+                    <a:srgbClr val="FFFFFF"/>
+                  </a:solidFill>
+                </a14:hiddenFill>
+              </a:ext>
+            </a:extLst>
+          </p:spPr>
+        </p:pic>
+        <p:pic>
+          <p:nvPicPr>
+            <p:cNvPr id="8" name="図 7">
+              <a:extLst>
+                <a:ext uri="{FF2B5EF4-FFF2-40B4-BE49-F238E27FC236}">
+                  <a16:creationId xmlns:a16="http://schemas.microsoft.com/office/drawing/2014/main" id="{8E74010C-D3FD-9047-90F6-7406EDF27990}"/>
+                </a:ext>
+              </a:extLst>
+            </p:cNvPr>
+            <p:cNvPicPr>
+              <a:picLocks noChangeAspect="1"/>
+            </p:cNvPicPr>
+            <p:nvPr/>
+          </p:nvPicPr>
+          <p:blipFill>
+            <a:blip r:embed="rId3"/>
+            <a:stretch>
+              <a:fillRect/>
+            </a:stretch>
+          </p:blipFill>
+          <p:spPr>
+            <a:xfrm>
+              <a:off x="5445868" y="664135"/>
+              <a:ext cx="4903884" cy="3683000"/>
+            </a:xfrm>
+            <a:prstGeom prst="rect">
+              <a:avLst/>
+            </a:prstGeom>
+            <a:ln>
+              <a:solidFill>
+                <a:schemeClr val="tx1"/>
+              </a:solidFill>
+            </a:ln>
+          </p:spPr>
+        </p:pic>
+      </p:grpSp>
+    </p:spTree>
+    <p:extLst>
+      <p:ext uri="{BB962C8B-B14F-4D97-AF65-F5344CB8AC3E}">
+        <p14:creationId xmlns:p14="http://schemas.microsoft.com/office/powerpoint/2010/main" val="3307966514"/>
+      </p:ext>
+    </p:extLst>
+  </p:cSld>
+  <p:clrMapOvr>
+    <a:masterClrMapping/>
+  </p:clrMapOvr>
+</p:sld>
+</file>
+
+<file path=ppt/slides/slide27.xml><?xml version="1.0" encoding="utf-8"?>
+<p:sld xmlns:a="http://schemas.openxmlformats.org/drawingml/2006/main" xmlns:r="http://schemas.openxmlformats.org/officeDocument/2006/relationships" xmlns:p="http://schemas.openxmlformats.org/presentationml/2006/main">
+  <p:cSld>
+    <p:spTree>
+      <p:nvGrpSpPr>
+        <p:cNvPr id="1" name=""/>
+        <p:cNvGrpSpPr/>
+        <p:nvPr/>
+      </p:nvGrpSpPr>
+      <p:grpSpPr>
+        <a:xfrm>
+          <a:off x="0" y="0"/>
+          <a:ext cx="0" cy="0"/>
+          <a:chOff x="0" y="0"/>
+          <a:chExt cx="0" cy="0"/>
+        </a:xfrm>
+      </p:grpSpPr>
+      <p:grpSp>
+        <p:nvGrpSpPr>
+          <p:cNvPr id="9" name="グループ化 8">
+            <a:extLst>
+              <a:ext uri="{FF2B5EF4-FFF2-40B4-BE49-F238E27FC236}">
+                <a16:creationId xmlns:a16="http://schemas.microsoft.com/office/drawing/2014/main" id="{A2CDB0B3-9F94-7843-BC0E-A72D80E7C0D2}"/>
+              </a:ext>
+            </a:extLst>
+          </p:cNvPr>
+          <p:cNvGrpSpPr/>
+          <p:nvPr/>
+        </p:nvGrpSpPr>
+        <p:grpSpPr>
+          <a:xfrm>
+            <a:off x="478118" y="664135"/>
+            <a:ext cx="9871634" cy="3683000"/>
+            <a:chOff x="478118" y="664135"/>
+            <a:chExt cx="9871634" cy="3683000"/>
+          </a:xfrm>
+        </p:grpSpPr>
+        <p:pic>
+          <p:nvPicPr>
+            <p:cNvPr id="1026" name="Picture 2" descr="image">
+              <a:extLst>
+                <a:ext uri="{FF2B5EF4-FFF2-40B4-BE49-F238E27FC236}">
+                  <a16:creationId xmlns:a16="http://schemas.microsoft.com/office/drawing/2014/main" id="{D255ABF7-0C3E-BE45-AB66-59B22C71CA99}"/>
+                </a:ext>
+              </a:extLst>
+            </p:cNvPr>
+            <p:cNvPicPr>
+              <a:picLocks noChangeAspect="1" noChangeArrowheads="1"/>
+            </p:cNvPicPr>
+            <p:nvPr/>
+          </p:nvPicPr>
+          <p:blipFill>
+            <a:blip r:embed="rId2">
+              <a:extLst>
+                <a:ext uri="{28A0092B-C50C-407E-A947-70E740481C1C}">
+                  <a14:useLocalDpi xmlns:a14="http://schemas.microsoft.com/office/drawing/2010/main" val="0"/>
+                </a:ext>
+              </a:extLst>
+            </a:blip>
+            <a:srcRect/>
+            <a:stretch>
+              <a:fillRect/>
+            </a:stretch>
+          </p:blipFill>
+          <p:spPr bwMode="auto">
+            <a:xfrm>
+              <a:off x="478118" y="664135"/>
+              <a:ext cx="4775200" cy="3683000"/>
+            </a:xfrm>
+            <a:prstGeom prst="rect">
+              <a:avLst/>
+            </a:prstGeom>
+            <a:noFill/>
+            <a:ln>
+              <a:solidFill>
+                <a:schemeClr val="tx1"/>
+              </a:solidFill>
+            </a:ln>
+            <a:extLst>
+              <a:ext uri="{909E8E84-426E-40DD-AFC4-6F175D3DCCD1}">
+                <a14:hiddenFill xmlns:a14="http://schemas.microsoft.com/office/drawing/2010/main">
+                  <a:solidFill>
+                    <a:srgbClr val="FFFFFF"/>
+                  </a:solidFill>
+                </a14:hiddenFill>
+              </a:ext>
+            </a:extLst>
+          </p:spPr>
+        </p:pic>
+        <p:pic>
+          <p:nvPicPr>
+            <p:cNvPr id="8" name="図 7">
+              <a:extLst>
+                <a:ext uri="{FF2B5EF4-FFF2-40B4-BE49-F238E27FC236}">
+                  <a16:creationId xmlns:a16="http://schemas.microsoft.com/office/drawing/2014/main" id="{8E74010C-D3FD-9047-90F6-7406EDF27990}"/>
+                </a:ext>
+              </a:extLst>
+            </p:cNvPr>
+            <p:cNvPicPr>
+              <a:picLocks noChangeAspect="1"/>
+            </p:cNvPicPr>
+            <p:nvPr/>
+          </p:nvPicPr>
+          <p:blipFill>
+            <a:blip r:embed="rId3"/>
+            <a:stretch>
+              <a:fillRect/>
+            </a:stretch>
+          </p:blipFill>
+          <p:spPr>
+            <a:xfrm>
+              <a:off x="5445868" y="664135"/>
+              <a:ext cx="4903884" cy="3683000"/>
+            </a:xfrm>
+            <a:prstGeom prst="rect">
+              <a:avLst/>
+            </a:prstGeom>
+            <a:ln>
+              <a:solidFill>
+                <a:schemeClr val="tx1"/>
+              </a:solidFill>
+            </a:ln>
+          </p:spPr>
+        </p:pic>
+      </p:grpSp>
+    </p:spTree>
+    <p:extLst>
+      <p:ext uri="{BB962C8B-B14F-4D97-AF65-F5344CB8AC3E}">
+        <p14:creationId xmlns:p14="http://schemas.microsoft.com/office/powerpoint/2010/main" val="1064873874"/>
+      </p:ext>
+    </p:extLst>
+  </p:cSld>
+  <p:clrMapOvr>
+    <a:masterClrMapping/>
+  </p:clrMapOvr>
+</p:sld>
+</file>
+
 <file path=ppt/slides/slide3.xml><?xml version="1.0" encoding="utf-8"?>
 <p:sld xmlns:a="http://schemas.openxmlformats.org/drawingml/2006/main" xmlns:r="http://schemas.openxmlformats.org/officeDocument/2006/relationships" xmlns:p="http://schemas.openxmlformats.org/presentationml/2006/main">
   <p:cSld>

--- a/Slide/研究メモ.pptx
+++ b/Slide/研究メモ.pptx
@@ -5,7 +5,7 @@
     <p:sldMasterId id="2147483648" r:id="rId1"/>
   </p:sldMasterIdLst>
   <p:notesMasterIdLst>
-    <p:notesMasterId r:id="rId29"/>
+    <p:notesMasterId r:id="rId31"/>
   </p:notesMasterIdLst>
   <p:sldIdLst>
     <p:sldId id="257" r:id="rId2"/>
@@ -35,6 +35,8 @@
     <p:sldId id="284" r:id="rId26"/>
     <p:sldId id="285" r:id="rId27"/>
     <p:sldId id="286" r:id="rId28"/>
+    <p:sldId id="287" r:id="rId29"/>
+    <p:sldId id="288" r:id="rId30"/>
   </p:sldIdLst>
   <p:sldSz cx="12192000" cy="6858000"/>
   <p:notesSz cx="6858000" cy="9144000"/>
@@ -223,7 +225,7 @@
           <a:p>
             <a:fld id="{D1175AAB-0FE7-E942-8D31-572EC61F6206}" type="datetimeFigureOut">
               <a:rPr kumimoji="1" lang="ja-JP" altLang="en-US" smtClean="0"/>
-              <a:t>2021/7/6</a:t>
+              <a:t>2021/7/9</a:t>
             </a:fld>
             <a:endParaRPr kumimoji="1" lang="ja-JP" altLang="en-US"/>
           </a:p>
@@ -1257,7 +1259,7 @@
           <a:p>
             <a:fld id="{AA4ADDD6-012F-274C-AFCB-FBB0366E04B6}" type="datetimeFigureOut">
               <a:rPr kumimoji="1" lang="ja-JP" altLang="en-US" smtClean="0"/>
-              <a:t>2021/7/6</a:t>
+              <a:t>2021/7/9</a:t>
             </a:fld>
             <a:endParaRPr kumimoji="1" lang="ja-JP" altLang="en-US"/>
           </a:p>
@@ -1487,7 +1489,7 @@
           <a:p>
             <a:fld id="{AA4ADDD6-012F-274C-AFCB-FBB0366E04B6}" type="datetimeFigureOut">
               <a:rPr kumimoji="1" lang="ja-JP" altLang="en-US" smtClean="0"/>
-              <a:t>2021/7/6</a:t>
+              <a:t>2021/7/9</a:t>
             </a:fld>
             <a:endParaRPr kumimoji="1" lang="ja-JP" altLang="en-US"/>
           </a:p>
@@ -1727,7 +1729,7 @@
           <a:p>
             <a:fld id="{AA4ADDD6-012F-274C-AFCB-FBB0366E04B6}" type="datetimeFigureOut">
               <a:rPr kumimoji="1" lang="ja-JP" altLang="en-US" smtClean="0"/>
-              <a:t>2021/7/6</a:t>
+              <a:t>2021/7/9</a:t>
             </a:fld>
             <a:endParaRPr kumimoji="1" lang="ja-JP" altLang="en-US"/>
           </a:p>
@@ -1957,7 +1959,7 @@
           <a:p>
             <a:fld id="{AA4ADDD6-012F-274C-AFCB-FBB0366E04B6}" type="datetimeFigureOut">
               <a:rPr kumimoji="1" lang="ja-JP" altLang="en-US" smtClean="0"/>
-              <a:t>2021/7/6</a:t>
+              <a:t>2021/7/9</a:t>
             </a:fld>
             <a:endParaRPr kumimoji="1" lang="ja-JP" altLang="en-US"/>
           </a:p>
@@ -2232,7 +2234,7 @@
           <a:p>
             <a:fld id="{AA4ADDD6-012F-274C-AFCB-FBB0366E04B6}" type="datetimeFigureOut">
               <a:rPr kumimoji="1" lang="ja-JP" altLang="en-US" smtClean="0"/>
-              <a:t>2021/7/6</a:t>
+              <a:t>2021/7/9</a:t>
             </a:fld>
             <a:endParaRPr kumimoji="1" lang="ja-JP" altLang="en-US"/>
           </a:p>
@@ -2561,7 +2563,7 @@
           <a:p>
             <a:fld id="{AA4ADDD6-012F-274C-AFCB-FBB0366E04B6}" type="datetimeFigureOut">
               <a:rPr kumimoji="1" lang="ja-JP" altLang="en-US" smtClean="0"/>
-              <a:t>2021/7/6</a:t>
+              <a:t>2021/7/9</a:t>
             </a:fld>
             <a:endParaRPr kumimoji="1" lang="ja-JP" altLang="en-US"/>
           </a:p>
@@ -3037,7 +3039,7 @@
           <a:p>
             <a:fld id="{AA4ADDD6-012F-274C-AFCB-FBB0366E04B6}" type="datetimeFigureOut">
               <a:rPr kumimoji="1" lang="ja-JP" altLang="en-US" smtClean="0"/>
-              <a:t>2021/7/6</a:t>
+              <a:t>2021/7/9</a:t>
             </a:fld>
             <a:endParaRPr kumimoji="1" lang="ja-JP" altLang="en-US"/>
           </a:p>
@@ -3178,7 +3180,7 @@
           <a:p>
             <a:fld id="{AA4ADDD6-012F-274C-AFCB-FBB0366E04B6}" type="datetimeFigureOut">
               <a:rPr kumimoji="1" lang="ja-JP" altLang="en-US" smtClean="0"/>
-              <a:t>2021/7/6</a:t>
+              <a:t>2021/7/9</a:t>
             </a:fld>
             <a:endParaRPr kumimoji="1" lang="ja-JP" altLang="en-US"/>
           </a:p>
@@ -3291,7 +3293,7 @@
           <a:p>
             <a:fld id="{AA4ADDD6-012F-274C-AFCB-FBB0366E04B6}" type="datetimeFigureOut">
               <a:rPr kumimoji="1" lang="ja-JP" altLang="en-US" smtClean="0"/>
-              <a:t>2021/7/6</a:t>
+              <a:t>2021/7/9</a:t>
             </a:fld>
             <a:endParaRPr kumimoji="1" lang="ja-JP" altLang="en-US"/>
           </a:p>
@@ -3634,7 +3636,7 @@
           <a:p>
             <a:fld id="{AA4ADDD6-012F-274C-AFCB-FBB0366E04B6}" type="datetimeFigureOut">
               <a:rPr kumimoji="1" lang="ja-JP" altLang="en-US" smtClean="0"/>
-              <a:t>2021/7/6</a:t>
+              <a:t>2021/7/9</a:t>
             </a:fld>
             <a:endParaRPr kumimoji="1" lang="ja-JP" altLang="en-US"/>
           </a:p>
@@ -3922,7 +3924,7 @@
           <a:p>
             <a:fld id="{AA4ADDD6-012F-274C-AFCB-FBB0366E04B6}" type="datetimeFigureOut">
               <a:rPr kumimoji="1" lang="ja-JP" altLang="en-US" smtClean="0"/>
-              <a:t>2021/7/6</a:t>
+              <a:t>2021/7/9</a:t>
             </a:fld>
             <a:endParaRPr kumimoji="1" lang="ja-JP" altLang="en-US"/>
           </a:p>
@@ -4195,7 +4197,7 @@
           <a:p>
             <a:fld id="{AA4ADDD6-012F-274C-AFCB-FBB0366E04B6}" type="datetimeFigureOut">
               <a:rPr kumimoji="1" lang="ja-JP" altLang="en-US" smtClean="0"/>
-              <a:t>2021/7/6</a:t>
+              <a:t>2021/7/9</a:t>
             </a:fld>
             <a:endParaRPr kumimoji="1" lang="ja-JP" altLang="en-US"/>
           </a:p>
@@ -24614,6 +24616,324 @@
 </p:sld>
 </file>
 
+<file path=ppt/slides/slide28.xml><?xml version="1.0" encoding="utf-8"?>
+<p:sld xmlns:a="http://schemas.openxmlformats.org/drawingml/2006/main" xmlns:r="http://schemas.openxmlformats.org/officeDocument/2006/relationships" xmlns:p="http://schemas.openxmlformats.org/presentationml/2006/main">
+  <p:cSld>
+    <p:spTree>
+      <p:nvGrpSpPr>
+        <p:cNvPr id="1" name=""/>
+        <p:cNvGrpSpPr/>
+        <p:nvPr/>
+      </p:nvGrpSpPr>
+      <p:grpSpPr>
+        <a:xfrm>
+          <a:off x="0" y="0"/>
+          <a:ext cx="0" cy="0"/>
+          <a:chOff x="0" y="0"/>
+          <a:chExt cx="0" cy="0"/>
+        </a:xfrm>
+      </p:grpSpPr>
+      <p:grpSp>
+        <p:nvGrpSpPr>
+          <p:cNvPr id="11" name="グループ化 10">
+            <a:extLst>
+              <a:ext uri="{FF2B5EF4-FFF2-40B4-BE49-F238E27FC236}">
+                <a16:creationId xmlns:a16="http://schemas.microsoft.com/office/drawing/2014/main" id="{EE5B2C3D-F462-D34C-A535-96AB47556F01}"/>
+              </a:ext>
+            </a:extLst>
+          </p:cNvPr>
+          <p:cNvGrpSpPr/>
+          <p:nvPr/>
+        </p:nvGrpSpPr>
+        <p:grpSpPr>
+          <a:xfrm>
+            <a:off x="81641" y="450850"/>
+            <a:ext cx="5834743" cy="6190298"/>
+            <a:chOff x="81641" y="450850"/>
+            <a:chExt cx="5834743" cy="6190298"/>
+          </a:xfrm>
+        </p:grpSpPr>
+        <p:pic>
+          <p:nvPicPr>
+            <p:cNvPr id="5" name="図 4">
+              <a:extLst>
+                <a:ext uri="{FF2B5EF4-FFF2-40B4-BE49-F238E27FC236}">
+                  <a16:creationId xmlns:a16="http://schemas.microsoft.com/office/drawing/2014/main" id="{8E600D2C-4592-B347-80D9-17948C344B82}"/>
+                </a:ext>
+              </a:extLst>
+            </p:cNvPr>
+            <p:cNvPicPr>
+              <a:picLocks noChangeAspect="1"/>
+            </p:cNvPicPr>
+            <p:nvPr/>
+          </p:nvPicPr>
+          <p:blipFill rotWithShape="1">
+            <a:blip r:embed="rId2"/>
+            <a:srcRect l="9332" b="15151"/>
+            <a:stretch/>
+          </p:blipFill>
+          <p:spPr>
+            <a:xfrm>
+              <a:off x="81641" y="450850"/>
+              <a:ext cx="2706007" cy="5247821"/>
+            </a:xfrm>
+            <a:prstGeom prst="rect">
+              <a:avLst/>
+            </a:prstGeom>
+          </p:spPr>
+        </p:pic>
+        <p:sp>
+          <p:nvSpPr>
+            <p:cNvPr id="6" name="テキスト ボックス 5">
+              <a:extLst>
+                <a:ext uri="{FF2B5EF4-FFF2-40B4-BE49-F238E27FC236}">
+                  <a16:creationId xmlns:a16="http://schemas.microsoft.com/office/drawing/2014/main" id="{B370036D-0E54-3745-A607-4B1B33BA8059}"/>
+                </a:ext>
+              </a:extLst>
+            </p:cNvPr>
+            <p:cNvSpPr txBox="1"/>
+            <p:nvPr/>
+          </p:nvSpPr>
+          <p:spPr>
+            <a:xfrm rot="5400000">
+              <a:off x="996062" y="6017901"/>
+              <a:ext cx="877163" cy="369332"/>
+            </a:xfrm>
+            <a:prstGeom prst="rect">
+              <a:avLst/>
+            </a:prstGeom>
+            <a:noFill/>
+          </p:spPr>
+          <p:txBody>
+            <a:bodyPr wrap="none" rtlCol="0">
+              <a:spAutoFit/>
+            </a:bodyPr>
+            <a:lstStyle/>
+            <a:p>
+              <a:r>
+                <a:rPr kumimoji="1" lang="ja-JP" altLang="en-US"/>
+                <a:t>・・・</a:t>
+              </a:r>
+            </a:p>
+          </p:txBody>
+        </p:sp>
+        <p:pic>
+          <p:nvPicPr>
+            <p:cNvPr id="7" name="図 6">
+              <a:extLst>
+                <a:ext uri="{FF2B5EF4-FFF2-40B4-BE49-F238E27FC236}">
+                  <a16:creationId xmlns:a16="http://schemas.microsoft.com/office/drawing/2014/main" id="{F65B432B-155F-804E-981E-986E31722442}"/>
+                </a:ext>
+              </a:extLst>
+            </p:cNvPr>
+            <p:cNvPicPr>
+              <a:picLocks noChangeAspect="1"/>
+            </p:cNvPicPr>
+            <p:nvPr/>
+          </p:nvPicPr>
+          <p:blipFill>
+            <a:blip r:embed="rId3"/>
+            <a:stretch>
+              <a:fillRect/>
+            </a:stretch>
+          </p:blipFill>
+          <p:spPr>
+            <a:xfrm>
+              <a:off x="3249384" y="783771"/>
+              <a:ext cx="2667000" cy="4914900"/>
+            </a:xfrm>
+            <a:prstGeom prst="rect">
+              <a:avLst/>
+            </a:prstGeom>
+          </p:spPr>
+        </p:pic>
+      </p:grpSp>
+      <p:sp>
+        <p:nvSpPr>
+          <p:cNvPr id="12" name="テキスト ボックス 11">
+            <a:extLst>
+              <a:ext uri="{FF2B5EF4-FFF2-40B4-BE49-F238E27FC236}">
+                <a16:creationId xmlns:a16="http://schemas.microsoft.com/office/drawing/2014/main" id="{22EAE7C8-C7BF-4645-9F34-E762F20AF56F}"/>
+              </a:ext>
+            </a:extLst>
+          </p:cNvPr>
+          <p:cNvSpPr txBox="1"/>
+          <p:nvPr/>
+        </p:nvSpPr>
+        <p:spPr>
+          <a:xfrm>
+            <a:off x="7854043" y="3086100"/>
+            <a:ext cx="184731" cy="369332"/>
+          </a:xfrm>
+          <a:prstGeom prst="rect">
+            <a:avLst/>
+          </a:prstGeom>
+          <a:noFill/>
+        </p:spPr>
+        <p:txBody>
+          <a:bodyPr wrap="none" rtlCol="0">
+            <a:spAutoFit/>
+          </a:bodyPr>
+          <a:lstStyle/>
+          <a:p>
+            <a:endParaRPr kumimoji="1" lang="ja-JP" altLang="en-US"/>
+          </a:p>
+        </p:txBody>
+      </p:sp>
+    </p:spTree>
+    <p:extLst>
+      <p:ext uri="{BB962C8B-B14F-4D97-AF65-F5344CB8AC3E}">
+        <p14:creationId xmlns:p14="http://schemas.microsoft.com/office/powerpoint/2010/main" val="32783085"/>
+      </p:ext>
+    </p:extLst>
+  </p:cSld>
+  <p:clrMapOvr>
+    <a:masterClrMapping/>
+  </p:clrMapOvr>
+</p:sld>
+</file>
+
+<file path=ppt/slides/slide29.xml><?xml version="1.0" encoding="utf-8"?>
+<p:sld xmlns:a="http://schemas.openxmlformats.org/drawingml/2006/main" xmlns:r="http://schemas.openxmlformats.org/officeDocument/2006/relationships" xmlns:p="http://schemas.openxmlformats.org/presentationml/2006/main">
+  <p:cSld>
+    <p:spTree>
+      <p:nvGrpSpPr>
+        <p:cNvPr id="1" name=""/>
+        <p:cNvGrpSpPr/>
+        <p:nvPr/>
+      </p:nvGrpSpPr>
+      <p:grpSpPr>
+        <a:xfrm>
+          <a:off x="0" y="0"/>
+          <a:ext cx="0" cy="0"/>
+          <a:chOff x="0" y="0"/>
+          <a:chExt cx="0" cy="0"/>
+        </a:xfrm>
+      </p:grpSpPr>
+      <p:grpSp>
+        <p:nvGrpSpPr>
+          <p:cNvPr id="7" name="グループ化 6">
+            <a:extLst>
+              <a:ext uri="{FF2B5EF4-FFF2-40B4-BE49-F238E27FC236}">
+                <a16:creationId xmlns:a16="http://schemas.microsoft.com/office/drawing/2014/main" id="{F56991CC-90A0-1B45-9381-3EE61C2478EE}"/>
+              </a:ext>
+            </a:extLst>
+          </p:cNvPr>
+          <p:cNvGrpSpPr/>
+          <p:nvPr/>
+        </p:nvGrpSpPr>
+        <p:grpSpPr>
+          <a:xfrm>
+            <a:off x="548820" y="1534885"/>
+            <a:ext cx="11196870" cy="3016058"/>
+            <a:chOff x="548820" y="1534885"/>
+            <a:chExt cx="11196870" cy="3016058"/>
+          </a:xfrm>
+        </p:grpSpPr>
+        <p:pic>
+          <p:nvPicPr>
+            <p:cNvPr id="4" name="図 3">
+              <a:extLst>
+                <a:ext uri="{FF2B5EF4-FFF2-40B4-BE49-F238E27FC236}">
+                  <a16:creationId xmlns:a16="http://schemas.microsoft.com/office/drawing/2014/main" id="{4EED8438-6886-624C-845F-54A2F85DA4C2}"/>
+                </a:ext>
+              </a:extLst>
+            </p:cNvPr>
+            <p:cNvPicPr>
+              <a:picLocks noChangeAspect="1"/>
+            </p:cNvPicPr>
+            <p:nvPr/>
+          </p:nvPicPr>
+          <p:blipFill>
+            <a:blip r:embed="rId2"/>
+            <a:stretch>
+              <a:fillRect/>
+            </a:stretch>
+          </p:blipFill>
+          <p:spPr>
+            <a:xfrm>
+              <a:off x="548820" y="1534886"/>
+              <a:ext cx="3663951" cy="3016057"/>
+            </a:xfrm>
+            <a:prstGeom prst="rect">
+              <a:avLst/>
+            </a:prstGeom>
+          </p:spPr>
+        </p:pic>
+        <p:pic>
+          <p:nvPicPr>
+            <p:cNvPr id="5" name="図 4">
+              <a:extLst>
+                <a:ext uri="{FF2B5EF4-FFF2-40B4-BE49-F238E27FC236}">
+                  <a16:creationId xmlns:a16="http://schemas.microsoft.com/office/drawing/2014/main" id="{2F1ECE98-7AF3-B34D-8E32-4E41DCD6B369}"/>
+                </a:ext>
+              </a:extLst>
+            </p:cNvPr>
+            <p:cNvPicPr>
+              <a:picLocks noChangeAspect="1"/>
+            </p:cNvPicPr>
+            <p:nvPr/>
+          </p:nvPicPr>
+          <p:blipFill>
+            <a:blip r:embed="rId3"/>
+            <a:stretch>
+              <a:fillRect/>
+            </a:stretch>
+          </p:blipFill>
+          <p:spPr>
+            <a:xfrm>
+              <a:off x="4315280" y="1534886"/>
+              <a:ext cx="3663951" cy="3016057"/>
+            </a:xfrm>
+            <a:prstGeom prst="rect">
+              <a:avLst/>
+            </a:prstGeom>
+          </p:spPr>
+        </p:pic>
+        <p:pic>
+          <p:nvPicPr>
+            <p:cNvPr id="6" name="図 5">
+              <a:extLst>
+                <a:ext uri="{FF2B5EF4-FFF2-40B4-BE49-F238E27FC236}">
+                  <a16:creationId xmlns:a16="http://schemas.microsoft.com/office/drawing/2014/main" id="{DCE0186F-25F2-4643-91EC-DE683D689972}"/>
+                </a:ext>
+              </a:extLst>
+            </p:cNvPr>
+            <p:cNvPicPr>
+              <a:picLocks noChangeAspect="1"/>
+            </p:cNvPicPr>
+            <p:nvPr/>
+          </p:nvPicPr>
+          <p:blipFill>
+            <a:blip r:embed="rId4"/>
+            <a:stretch>
+              <a:fillRect/>
+            </a:stretch>
+          </p:blipFill>
+          <p:spPr>
+            <a:xfrm>
+              <a:off x="8081739" y="1534885"/>
+              <a:ext cx="3663951" cy="3016057"/>
+            </a:xfrm>
+            <a:prstGeom prst="rect">
+              <a:avLst/>
+            </a:prstGeom>
+          </p:spPr>
+        </p:pic>
+      </p:grpSp>
+    </p:spTree>
+    <p:extLst>
+      <p:ext uri="{BB962C8B-B14F-4D97-AF65-F5344CB8AC3E}">
+        <p14:creationId xmlns:p14="http://schemas.microsoft.com/office/powerpoint/2010/main" val="2853913618"/>
+      </p:ext>
+    </p:extLst>
+  </p:cSld>
+  <p:clrMapOvr>
+    <a:masterClrMapping/>
+  </p:clrMapOvr>
+</p:sld>
+</file>
+
 <file path=ppt/slides/slide3.xml><?xml version="1.0" encoding="utf-8"?>
 <p:sld xmlns:a="http://schemas.openxmlformats.org/drawingml/2006/main" xmlns:r="http://schemas.openxmlformats.org/officeDocument/2006/relationships" xmlns:p="http://schemas.openxmlformats.org/presentationml/2006/main">
   <p:cSld>
